--- a/DSM/Bolger_DSM_Report_from_the_Trenches_170601.pptx
+++ b/DSM/Bolger_DSM_Report_from_the_Trenches_170601.pptx
@@ -5,10 +5,10 @@
     <p:sldMasterId id="2147483648" r:id="rId1"/>
   </p:sldMasterIdLst>
   <p:notesMasterIdLst>
-    <p:notesMasterId r:id="rId18"/>
+    <p:notesMasterId r:id="rId22"/>
   </p:notesMasterIdLst>
   <p:handoutMasterIdLst>
-    <p:handoutMasterId r:id="rId19"/>
+    <p:handoutMasterId r:id="rId23"/>
   </p:handoutMasterIdLst>
   <p:sldIdLst>
     <p:sldId id="257" r:id="rId2"/>
@@ -16,17 +16,21 @@
     <p:sldId id="350" r:id="rId4"/>
     <p:sldId id="285" r:id="rId5"/>
     <p:sldId id="332" r:id="rId6"/>
-    <p:sldId id="497" r:id="rId7"/>
-    <p:sldId id="464" r:id="rId8"/>
-    <p:sldId id="498" r:id="rId9"/>
+    <p:sldId id="498" r:id="rId7"/>
+    <p:sldId id="499" r:id="rId8"/>
+    <p:sldId id="500" r:id="rId9"/>
     <p:sldId id="495" r:id="rId10"/>
-    <p:sldId id="472" r:id="rId11"/>
-    <p:sldId id="496" r:id="rId12"/>
-    <p:sldId id="471" r:id="rId13"/>
-    <p:sldId id="416" r:id="rId14"/>
-    <p:sldId id="375" r:id="rId15"/>
-    <p:sldId id="376" r:id="rId16"/>
-    <p:sldId id="466" r:id="rId17"/>
+    <p:sldId id="501" r:id="rId11"/>
+    <p:sldId id="472" r:id="rId12"/>
+    <p:sldId id="503" r:id="rId13"/>
+    <p:sldId id="504" r:id="rId14"/>
+    <p:sldId id="505" r:id="rId15"/>
+    <p:sldId id="506" r:id="rId16"/>
+    <p:sldId id="416" r:id="rId17"/>
+    <p:sldId id="497" r:id="rId18"/>
+    <p:sldId id="464" r:id="rId19"/>
+    <p:sldId id="375" r:id="rId20"/>
+    <p:sldId id="376" r:id="rId21"/>
   </p:sldIdLst>
   <p:sldSz cx="9144000" cy="6858000" type="screen4x3"/>
   <p:notesSz cx="6858000" cy="9144000"/>
@@ -210,7 +214,7 @@
           <a:p>
             <a:fld id="{ED8AF997-4151-B941-BE4F-9B4B4D6C14D9}" type="datetimeFigureOut">
               <a:rPr lang="en-US" smtClean="0"/>
-              <a:t>6/1/17</a:t>
+              <a:t>6/11/17</a:t>
             </a:fld>
             <a:endParaRPr lang="en-US"/>
           </a:p>
@@ -376,7 +380,7 @@
           <a:p>
             <a:fld id="{3CF931A8-25D3-C54C-BD1F-10D44CFB89B1}" type="datetimeFigureOut">
               <a:rPr lang="en-US" smtClean="0"/>
-              <a:t>6/1/17</a:t>
+              <a:t>6/11/17</a:t>
             </a:fld>
             <a:endParaRPr lang="en-US"/>
           </a:p>
@@ -689,28 +693,54 @@
           <a:bodyPr/>
           <a:lstStyle/>
           <a:p>
-            <a:r>
-              <a:rPr lang="en-US" dirty="0" smtClean="0"/>
-              <a:t>Age range is 18-60</a:t>
-            </a:r>
-          </a:p>
-          <a:p>
-            <a:endParaRPr lang="en-US" dirty="0" smtClean="0"/>
-          </a:p>
-          <a:p>
-            <a:r>
-              <a:rPr lang="en-US" dirty="0" smtClean="0"/>
-              <a:t>Relationships up to 21 </a:t>
-            </a:r>
-            <a:r>
-              <a:rPr lang="en-US" dirty="0" err="1" smtClean="0"/>
-              <a:t>yrs</a:t>
-            </a:r>
-            <a:r>
-              <a:rPr lang="en-US" baseline="0" dirty="0" smtClean="0"/>
-              <a:t> in length</a:t>
-            </a:r>
-            <a:endParaRPr lang="en-US" dirty="0"/>
+            <a:pPr marL="0" indent="0">
+              <a:buFont typeface="Arial"/>
+              <a:buNone/>
+            </a:pPr>
+            <a:r>
+              <a:rPr lang="en-US" sz="1200" i="1" dirty="0" smtClean="0"/>
+              <a:t>N = </a:t>
+            </a:r>
+            <a:r>
+              <a:rPr lang="en-US" sz="1200" dirty="0" smtClean="0"/>
+              <a:t>78 romantic partner dyads </a:t>
+            </a:r>
+          </a:p>
+          <a:p>
+            <a:pPr marL="0" indent="0">
+              <a:buFont typeface="Arial"/>
+              <a:buNone/>
+            </a:pPr>
+            <a:r>
+              <a:rPr lang="en-US" sz="1200" dirty="0" smtClean="0"/>
+              <a:t>Mean Relationship Length = 3.9 years (</a:t>
+            </a:r>
+            <a:r>
+              <a:rPr lang="en-US" sz="1200" i="1" dirty="0" smtClean="0"/>
+              <a:t>SD</a:t>
+            </a:r>
+            <a:r>
+              <a:rPr lang="en-US" sz="1200" dirty="0" smtClean="0"/>
+              <a:t> = 3.1)</a:t>
+            </a:r>
+          </a:p>
+          <a:p>
+            <a:pPr marL="0" indent="0">
+              <a:buFont typeface="Arial"/>
+              <a:buNone/>
+            </a:pPr>
+            <a:r>
+              <a:rPr lang="en-US" sz="1200" dirty="0" smtClean="0"/>
+              <a:t>Mean Age = 27.4 (</a:t>
+            </a:r>
+            <a:r>
+              <a:rPr lang="en-US" sz="1200" i="1" dirty="0" smtClean="0"/>
+              <a:t>SD</a:t>
+            </a:r>
+            <a:r>
+              <a:rPr lang="en-US" sz="1200" dirty="0" smtClean="0"/>
+              <a:t> = 6.3)</a:t>
+            </a:r>
           </a:p>
         </p:txBody>
       </p:sp>
@@ -794,27 +824,56 @@
           <a:bodyPr/>
           <a:lstStyle/>
           <a:p>
-            <a:r>
-              <a:rPr lang="en-US" dirty="0" smtClean="0"/>
-              <a:t>Age range is 18-60</a:t>
-            </a:r>
-          </a:p>
-          <a:p>
-            <a:endParaRPr lang="en-US" dirty="0" smtClean="0"/>
-          </a:p>
-          <a:p>
-            <a:r>
-              <a:rPr lang="en-US" dirty="0" smtClean="0"/>
-              <a:t>Relationships up to 21 </a:t>
-            </a:r>
-            <a:r>
-              <a:rPr lang="en-US" dirty="0" err="1" smtClean="0"/>
-              <a:t>yrs</a:t>
-            </a:r>
-            <a:r>
-              <a:rPr lang="en-US" baseline="0" dirty="0" smtClean="0"/>
-              <a:t> in length</a:t>
-            </a:r>
+            <a:pPr marL="0" indent="0">
+              <a:buFont typeface="Arial"/>
+              <a:buNone/>
+            </a:pPr>
+            <a:r>
+              <a:rPr lang="en-US" sz="1200" i="1" dirty="0" smtClean="0"/>
+              <a:t>N = </a:t>
+            </a:r>
+            <a:r>
+              <a:rPr lang="en-US" sz="1200" dirty="0" smtClean="0"/>
+              <a:t>78 romantic partner dyads </a:t>
+            </a:r>
+          </a:p>
+          <a:p>
+            <a:pPr marL="0" indent="0">
+              <a:buFont typeface="Arial"/>
+              <a:buNone/>
+            </a:pPr>
+            <a:r>
+              <a:rPr lang="en-US" sz="1200" dirty="0" smtClean="0"/>
+              <a:t>Mean Relationship Length = 3.9 years (</a:t>
+            </a:r>
+            <a:r>
+              <a:rPr lang="en-US" sz="1200" i="1" dirty="0" smtClean="0"/>
+              <a:t>SD</a:t>
+            </a:r>
+            <a:r>
+              <a:rPr lang="en-US" sz="1200" dirty="0" smtClean="0"/>
+              <a:t> = 3.1)</a:t>
+            </a:r>
+          </a:p>
+          <a:p>
+            <a:pPr marL="0" indent="0">
+              <a:buFont typeface="Arial"/>
+              <a:buNone/>
+            </a:pPr>
+            <a:r>
+              <a:rPr lang="en-US" sz="1200" dirty="0" smtClean="0"/>
+              <a:t>Mean Age = 27.4 (</a:t>
+            </a:r>
+            <a:r>
+              <a:rPr lang="en-US" sz="1200" i="1" dirty="0" smtClean="0"/>
+              <a:t>SD</a:t>
+            </a:r>
+            <a:r>
+              <a:rPr lang="en-US" sz="1200" dirty="0" smtClean="0"/>
+              <a:t> = 6.3)</a:t>
+            </a:r>
+          </a:p>
+          <a:p>
             <a:endParaRPr lang="en-US" dirty="0"/>
           </a:p>
         </p:txBody>
@@ -899,27 +958,60 @@
           <a:bodyPr/>
           <a:lstStyle/>
           <a:p>
-            <a:r>
-              <a:rPr lang="en-US" dirty="0" smtClean="0"/>
-              <a:t>Age range is 18-60</a:t>
-            </a:r>
-          </a:p>
-          <a:p>
-            <a:endParaRPr lang="en-US" dirty="0" smtClean="0"/>
-          </a:p>
-          <a:p>
-            <a:r>
-              <a:rPr lang="en-US" dirty="0" smtClean="0"/>
-              <a:t>Relationships up to 21 </a:t>
-            </a:r>
-            <a:r>
-              <a:rPr lang="en-US" dirty="0" err="1" smtClean="0"/>
-              <a:t>yrs</a:t>
-            </a:r>
-            <a:r>
-              <a:rPr lang="en-US" baseline="0" dirty="0" smtClean="0"/>
-              <a:t> in length</a:t>
-            </a:r>
+            <a:pPr marL="0" indent="0">
+              <a:buFont typeface="Arial"/>
+              <a:buNone/>
+            </a:pPr>
+            <a:r>
+              <a:rPr lang="en-US" sz="1200" i="1" dirty="0" smtClean="0"/>
+              <a:t>N = </a:t>
+            </a:r>
+            <a:r>
+              <a:rPr lang="en-US" sz="1200" i="0" dirty="0" smtClean="0"/>
+              <a:t>78</a:t>
+            </a:r>
+            <a:r>
+              <a:rPr lang="en-US" sz="1200" dirty="0" smtClean="0"/>
+              <a:t> romantic partner dyads </a:t>
+            </a:r>
+          </a:p>
+          <a:p>
+            <a:pPr marL="0" indent="0">
+              <a:buFont typeface="Arial"/>
+              <a:buNone/>
+            </a:pPr>
+            <a:r>
+              <a:rPr lang="en-US" sz="1200" dirty="0" smtClean="0"/>
+              <a:t>Mean Relationship Length = 3.9 years (</a:t>
+            </a:r>
+            <a:r>
+              <a:rPr lang="en-US" sz="1200" i="1" dirty="0" smtClean="0"/>
+              <a:t>SD</a:t>
+            </a:r>
+            <a:r>
+              <a:rPr lang="en-US" sz="1200" dirty="0" smtClean="0"/>
+              <a:t> = 3.1)</a:t>
+            </a:r>
+          </a:p>
+          <a:p>
+            <a:pPr marL="0" indent="0">
+              <a:buFont typeface="Arial"/>
+              <a:buNone/>
+            </a:pPr>
+            <a:r>
+              <a:rPr lang="en-US" sz="1200" dirty="0" smtClean="0"/>
+              <a:t>Mean Age = 27.4 (</a:t>
+            </a:r>
+            <a:r>
+              <a:rPr lang="en-US" sz="1200" i="1" dirty="0" smtClean="0"/>
+              <a:t>SD</a:t>
+            </a:r>
+            <a:r>
+              <a:rPr lang="en-US" sz="1200" dirty="0" smtClean="0"/>
+              <a:t> = 6.3)</a:t>
+            </a:r>
+          </a:p>
+          <a:p>
             <a:endParaRPr lang="en-US" dirty="0"/>
           </a:p>
         </p:txBody>
@@ -1088,7 +1180,20 @@
           <a:bodyPr/>
           <a:lstStyle/>
           <a:p>
-            <a:endParaRPr lang="en-US" dirty="0"/>
+            <a:r>
+              <a:rPr lang="en-US" dirty="0" smtClean="0"/>
+              <a:t>One’s own level predicts one’s</a:t>
+            </a:r>
+            <a:r>
+              <a:rPr lang="en-US" baseline="0" dirty="0" smtClean="0"/>
+              <a:t> own second derivative (acceleration) but only during female provide/male receive</a:t>
+            </a:r>
+          </a:p>
+          <a:p>
+            <a:r>
+              <a:rPr lang="en-US" baseline="0" dirty="0" smtClean="0"/>
+              <a:t>^ even though we get this effect for this couple, this is somewhat consistent with what we find looking at all dyads (i.e., there seems to be something special happening when female provide/male receive but not vice versa)</a:t>
+            </a:r>
           </a:p>
         </p:txBody>
       </p:sp>
@@ -1109,7 +1214,7 @@
           <a:p>
             <a:fld id="{FB401202-7B2C-1F44-9EFD-3AAF0086B375}" type="slidenum">
               <a:rPr lang="en-US" smtClean="0"/>
-              <a:t>12</a:t>
+              <a:t>11</a:t>
             </a:fld>
             <a:endParaRPr lang="en-US"/>
           </a:p>
@@ -1118,7 +1223,7 @@
     </p:spTree>
     <p:extLst>
       <p:ext uri="{BB962C8B-B14F-4D97-AF65-F5344CB8AC3E}">
-        <p14:creationId xmlns:p14="http://schemas.microsoft.com/office/powerpoint/2010/main" val="2028005176"/>
+        <p14:creationId xmlns:p14="http://schemas.microsoft.com/office/powerpoint/2010/main" val="2167555327"/>
       </p:ext>
     </p:extLst>
   </p:cSld>
@@ -1193,7 +1298,7 @@
           <a:p>
             <a:fld id="{449532B9-1DE5-854F-847B-81DAE3504361}" type="slidenum">
               <a:rPr lang="en-US" smtClean="0"/>
-              <a:t>13</a:t>
+              <a:t>16</a:t>
             </a:fld>
             <a:endParaRPr lang="en-US"/>
           </a:p>
@@ -1393,7 +1498,7 @@
           <a:p>
             <a:fld id="{3092F03C-7AD8-CA42-B8B6-48E38F7C0A8F}" type="datetime1">
               <a:rPr lang="en-US" smtClean="0"/>
-              <a:t>6/1/17</a:t>
+              <a:t>6/11/17</a:t>
             </a:fld>
             <a:endParaRPr lang="en-US"/>
           </a:p>
@@ -1563,7 +1668,7 @@
           <a:p>
             <a:fld id="{D13FE96D-78AE-AF4D-843A-55EF97CAEB4C}" type="datetime1">
               <a:rPr lang="en-US" smtClean="0"/>
-              <a:t>6/1/17</a:t>
+              <a:t>6/11/17</a:t>
             </a:fld>
             <a:endParaRPr lang="en-US"/>
           </a:p>
@@ -1743,7 +1848,7 @@
           <a:p>
             <a:fld id="{44025288-BE4E-0C48-AD9C-83947D3C0A53}" type="datetime1">
               <a:rPr lang="en-US" smtClean="0"/>
-              <a:t>6/1/17</a:t>
+              <a:t>6/11/17</a:t>
             </a:fld>
             <a:endParaRPr lang="en-US"/>
           </a:p>
@@ -1913,7 +2018,7 @@
           <a:p>
             <a:fld id="{F6595C39-964A-894A-899B-FA774D6FB125}" type="datetime1">
               <a:rPr lang="en-US" smtClean="0"/>
-              <a:t>6/1/17</a:t>
+              <a:t>6/11/17</a:t>
             </a:fld>
             <a:endParaRPr lang="en-US"/>
           </a:p>
@@ -2159,7 +2264,7 @@
           <a:p>
             <a:fld id="{CAF44435-6EAD-6B48-BD26-DEAF0355E46A}" type="datetime1">
               <a:rPr lang="en-US" smtClean="0"/>
-              <a:t>6/1/17</a:t>
+              <a:t>6/11/17</a:t>
             </a:fld>
             <a:endParaRPr lang="en-US"/>
           </a:p>
@@ -2447,7 +2552,7 @@
           <a:p>
             <a:fld id="{290D888E-9DCC-E140-95C2-A1C199E73FEC}" type="datetime1">
               <a:rPr lang="en-US" smtClean="0"/>
-              <a:t>6/1/17</a:t>
+              <a:t>6/11/17</a:t>
             </a:fld>
             <a:endParaRPr lang="en-US"/>
           </a:p>
@@ -2869,7 +2974,7 @@
           <a:p>
             <a:fld id="{AED37F02-A15E-BE42-8B8F-1E1EBD1B3F57}" type="datetime1">
               <a:rPr lang="en-US" smtClean="0"/>
-              <a:t>6/1/17</a:t>
+              <a:t>6/11/17</a:t>
             </a:fld>
             <a:endParaRPr lang="en-US"/>
           </a:p>
@@ -2987,7 +3092,7 @@
           <a:p>
             <a:fld id="{91D55A73-E565-014F-BD44-70F7B314B80C}" type="datetime1">
               <a:rPr lang="en-US" smtClean="0"/>
-              <a:t>6/1/17</a:t>
+              <a:t>6/11/17</a:t>
             </a:fld>
             <a:endParaRPr lang="en-US"/>
           </a:p>
@@ -3082,7 +3187,7 @@
           <a:p>
             <a:fld id="{7A9D32BA-5AA1-DE4B-AF6D-BE9E275C2FAB}" type="datetime1">
               <a:rPr lang="en-US" smtClean="0"/>
-              <a:t>6/1/17</a:t>
+              <a:t>6/11/17</a:t>
             </a:fld>
             <a:endParaRPr lang="en-US"/>
           </a:p>
@@ -3359,7 +3464,7 @@
           <a:p>
             <a:fld id="{1F5FF117-ADAD-DF4D-AB7D-B7CC6C2C971A}" type="datetime1">
               <a:rPr lang="en-US" smtClean="0"/>
-              <a:t>6/1/17</a:t>
+              <a:t>6/11/17</a:t>
             </a:fld>
             <a:endParaRPr lang="en-US"/>
           </a:p>
@@ -3612,7 +3717,7 @@
           <a:p>
             <a:fld id="{45419B7B-0B41-834D-B83E-0CD3DA689456}" type="datetime1">
               <a:rPr lang="en-US" smtClean="0"/>
-              <a:t>6/1/17</a:t>
+              <a:t>6/11/17</a:t>
             </a:fld>
             <a:endParaRPr lang="en-US"/>
           </a:p>
@@ -3825,7 +3930,7 @@
           <a:p>
             <a:fld id="{656FF8BA-9CFF-214D-BFC4-D985610E2320}" type="datetime1">
               <a:rPr lang="en-US" smtClean="0"/>
-              <a:t>6/1/17</a:t>
+              <a:t>6/11/17</a:t>
             </a:fld>
             <a:endParaRPr lang="en-US"/>
           </a:p>
@@ -4216,7 +4321,7 @@
         </p:nvSpPr>
         <p:spPr>
           <a:xfrm>
-            <a:off x="97695" y="2593870"/>
+            <a:off x="97695" y="2143821"/>
             <a:ext cx="9002885" cy="1470025"/>
           </a:xfrm>
         </p:spPr>
@@ -4276,13 +4381,13 @@
         </p:nvSpPr>
         <p:spPr>
           <a:xfrm>
-            <a:off x="805988" y="4603750"/>
+            <a:off x="805988" y="4278084"/>
             <a:ext cx="7536762" cy="1752600"/>
           </a:xfrm>
         </p:spPr>
         <p:txBody>
           <a:bodyPr>
-            <a:normAutofit/>
+            <a:normAutofit lnSpcReduction="10000"/>
           </a:bodyPr>
           <a:lstStyle/>
           <a:p>
@@ -4302,25 +4407,40 @@
                   <a:schemeClr val="tx1"/>
                 </a:solidFill>
               </a:rPr>
-              <a:t>Society for Ambulatory Assessment</a:t>
-            </a:r>
-          </a:p>
-          <a:p>
+              <a:t>Society for Ambulatory </a:t>
+            </a:r>
             <a:r>
               <a:rPr lang="en-US" sz="2400" dirty="0" smtClean="0">
                 <a:solidFill>
                   <a:schemeClr val="tx1"/>
                 </a:solidFill>
               </a:rPr>
-              <a:t>June 14, </a:t>
-            </a:r>
+              <a:t>Assessment</a:t>
+            </a:r>
+          </a:p>
+          <a:p>
             <a:r>
               <a:rPr lang="en-US" sz="2400" dirty="0" smtClean="0">
                 <a:solidFill>
                   <a:schemeClr val="tx1"/>
                 </a:solidFill>
               </a:rPr>
-              <a:t>2017</a:t>
+              <a:t>Dynamics Systems Preconference</a:t>
+            </a:r>
+            <a:endParaRPr lang="en-US" sz="2400" dirty="0" smtClean="0">
+              <a:solidFill>
+                <a:schemeClr val="tx1"/>
+              </a:solidFill>
+            </a:endParaRPr>
+          </a:p>
+          <a:p>
+            <a:r>
+              <a:rPr lang="en-US" sz="2400" dirty="0" smtClean="0">
+                <a:solidFill>
+                  <a:schemeClr val="tx1"/>
+                </a:solidFill>
+              </a:rPr>
+              <a:t>June 14, 2017</a:t>
             </a:r>
             <a:endParaRPr lang="en-US" sz="2400" dirty="0">
               <a:solidFill>
@@ -4384,7 +4504,7 @@
           <a:p>
             <a:r>
               <a:rPr lang="en-US" dirty="0" smtClean="0"/>
-              <a:t>Summary</a:t>
+              <a:t>Results</a:t>
             </a:r>
             <a:endParaRPr lang="en-US" dirty="0"/>
           </a:p>
@@ -4392,7 +4512,7 @@
       </p:sp>
       <p:sp>
         <p:nvSpPr>
-          <p:cNvPr id="4" name="Slide Number Placeholder 3"/>
+          <p:cNvPr id="3" name="Slide Number Placeholder 2"/>
           <p:cNvSpPr>
             <a:spLocks noGrp="1"/>
           </p:cNvSpPr>
@@ -4413,23 +4533,1075 @@
           </a:p>
         </p:txBody>
       </p:sp>
+      <p:graphicFrame>
+        <p:nvGraphicFramePr>
+          <p:cNvPr id="4" name="Table 3"/>
+          <p:cNvGraphicFramePr>
+            <a:graphicFrameLocks noGrp="1"/>
+          </p:cNvGraphicFramePr>
+          <p:nvPr>
+            <p:extLst>
+              <p:ext uri="{D42A27DB-BD31-4B8C-83A1-F6EECF244321}">
+                <p14:modId xmlns:p14="http://schemas.microsoft.com/office/powerpoint/2010/main" val="685281084"/>
+              </p:ext>
+            </p:extLst>
+          </p:nvPr>
+        </p:nvGraphicFramePr>
+        <p:xfrm>
+          <a:off x="792416" y="1416708"/>
+          <a:ext cx="7379380" cy="4023366"/>
+        </p:xfrm>
+        <a:graphic>
+          <a:graphicData uri="http://schemas.openxmlformats.org/drawingml/2006/table">
+            <a:tbl>
+              <a:tblPr firstRow="1" bandRow="1">
+                <a:tableStyleId>{5940675A-B579-460E-94D1-54222C63F5DA}</a:tableStyleId>
+              </a:tblPr>
+              <a:tblGrid>
+                <a:gridCol w="1302098"/>
+                <a:gridCol w="3038641"/>
+                <a:gridCol w="3038641"/>
+              </a:tblGrid>
+              <a:tr h="609475">
+                <a:tc>
+                  <a:txBody>
+                    <a:bodyPr/>
+                    <a:lstStyle/>
+                    <a:p>
+                      <a:endParaRPr lang="en-US" b="0" dirty="0">
+                        <a:latin typeface="Helvetica"/>
+                        <a:cs typeface="Helvetica"/>
+                      </a:endParaRPr>
+                    </a:p>
+                  </a:txBody>
+                  <a:tcPr/>
+                </a:tc>
+                <a:tc>
+                  <a:txBody>
+                    <a:bodyPr/>
+                    <a:lstStyle/>
+                    <a:p>
+                      <a:pPr algn="ctr"/>
+                      <a:r>
+                        <a:rPr lang="en-US" b="0" dirty="0" smtClean="0">
+                          <a:latin typeface="Helvetica"/>
+                          <a:cs typeface="Helvetica"/>
+                        </a:rPr>
+                        <a:t>Male</a:t>
+                      </a:r>
+                      <a:r>
+                        <a:rPr lang="en-US" b="0" baseline="0" dirty="0" smtClean="0">
+                          <a:latin typeface="Helvetica"/>
+                          <a:cs typeface="Helvetica"/>
+                        </a:rPr>
+                        <a:t> Provide / </a:t>
+                      </a:r>
+                    </a:p>
+                    <a:p>
+                      <a:pPr algn="ctr"/>
+                      <a:r>
+                        <a:rPr lang="en-US" b="0" baseline="0" dirty="0" smtClean="0">
+                          <a:latin typeface="Helvetica"/>
+                          <a:cs typeface="Helvetica"/>
+                        </a:rPr>
+                        <a:t>Female Receive</a:t>
+                      </a:r>
+                      <a:endParaRPr lang="en-US" b="0" dirty="0">
+                        <a:latin typeface="Helvetica"/>
+                        <a:cs typeface="Helvetica"/>
+                      </a:endParaRPr>
+                    </a:p>
+                  </a:txBody>
+                  <a:tcPr anchor="ctr"/>
+                </a:tc>
+                <a:tc>
+                  <a:txBody>
+                    <a:bodyPr/>
+                    <a:lstStyle/>
+                    <a:p>
+                      <a:pPr algn="ctr"/>
+                      <a:r>
+                        <a:rPr lang="en-US" b="0" dirty="0" smtClean="0">
+                          <a:latin typeface="Helvetica"/>
+                          <a:cs typeface="Helvetica"/>
+                        </a:rPr>
+                        <a:t>Female</a:t>
+                      </a:r>
+                      <a:r>
+                        <a:rPr lang="en-US" b="0" baseline="0" dirty="0" smtClean="0">
+                          <a:latin typeface="Helvetica"/>
+                          <a:cs typeface="Helvetica"/>
+                        </a:rPr>
+                        <a:t> Provide / </a:t>
+                      </a:r>
+                    </a:p>
+                    <a:p>
+                      <a:pPr algn="ctr"/>
+                      <a:r>
+                        <a:rPr lang="en-US" b="0" baseline="0" dirty="0" smtClean="0">
+                          <a:latin typeface="Helvetica"/>
+                          <a:cs typeface="Helvetica"/>
+                        </a:rPr>
+                        <a:t>Male Receive</a:t>
+                      </a:r>
+                      <a:endParaRPr lang="en-US" b="0" dirty="0">
+                        <a:latin typeface="Helvetica"/>
+                        <a:cs typeface="Helvetica"/>
+                      </a:endParaRPr>
+                    </a:p>
+                  </a:txBody>
+                  <a:tcPr anchor="ctr"/>
+                </a:tc>
+              </a:tr>
+              <a:tr h="563881">
+                <a:tc>
+                  <a:txBody>
+                    <a:bodyPr/>
+                    <a:lstStyle/>
+                    <a:p>
+                      <a:r>
+                        <a:rPr lang="en-US" b="0" dirty="0" smtClean="0">
+                          <a:solidFill>
+                            <a:srgbClr val="E700B5"/>
+                          </a:solidFill>
+                          <a:latin typeface="Helvetica"/>
+                          <a:cs typeface="Helvetica"/>
+                        </a:rPr>
+                        <a:t>F</a:t>
+                      </a:r>
+                      <a:r>
+                        <a:rPr lang="en-US" b="0" baseline="0" dirty="0" smtClean="0">
+                          <a:solidFill>
+                            <a:srgbClr val="E700B5"/>
+                          </a:solidFill>
+                          <a:latin typeface="Helvetica"/>
+                          <a:cs typeface="Helvetica"/>
+                        </a:rPr>
+                        <a:t> </a:t>
+                      </a:r>
+                      <a:r>
+                        <a:rPr lang="en-US" b="0" baseline="0" dirty="0" smtClean="0">
+                          <a:solidFill>
+                            <a:srgbClr val="E700B5"/>
+                          </a:solidFill>
+                          <a:latin typeface="Helvetica"/>
+                          <a:cs typeface="Helvetica"/>
+                          <a:sym typeface="Wingdings"/>
+                        </a:rPr>
+                        <a:t> F1</a:t>
+                      </a:r>
+                      <a:endParaRPr lang="en-US" b="0" dirty="0">
+                        <a:solidFill>
+                          <a:srgbClr val="E700B5"/>
+                        </a:solidFill>
+                        <a:latin typeface="Helvetica"/>
+                        <a:cs typeface="Helvetica"/>
+                      </a:endParaRPr>
+                    </a:p>
+                  </a:txBody>
+                  <a:tcPr anchor="ctr"/>
+                </a:tc>
+                <a:tc>
+                  <a:txBody>
+                    <a:bodyPr/>
+                    <a:lstStyle/>
+                    <a:p>
+                      <a:pPr algn="ctr"/>
+                      <a:r>
+                        <a:rPr lang="en-US" b="0" dirty="0" smtClean="0">
+                          <a:solidFill>
+                            <a:schemeClr val="bg1">
+                              <a:lumMod val="50000"/>
+                            </a:schemeClr>
+                          </a:solidFill>
+                          <a:latin typeface="Helvetica"/>
+                          <a:cs typeface="Helvetica"/>
+                        </a:rPr>
+                        <a:t>-.39 (.35)</a:t>
+                      </a:r>
+                      <a:endParaRPr lang="en-US" b="0" dirty="0">
+                        <a:solidFill>
+                          <a:schemeClr val="bg1">
+                            <a:lumMod val="50000"/>
+                          </a:schemeClr>
+                        </a:solidFill>
+                        <a:latin typeface="Helvetica"/>
+                        <a:cs typeface="Helvetica"/>
+                      </a:endParaRPr>
+                    </a:p>
+                  </a:txBody>
+                  <a:tcPr anchor="ctr"/>
+                </a:tc>
+                <a:tc>
+                  <a:txBody>
+                    <a:bodyPr/>
+                    <a:lstStyle/>
+                    <a:p>
+                      <a:pPr algn="ctr"/>
+                      <a:r>
+                        <a:rPr lang="en-US" b="1" dirty="0" smtClean="0">
+                          <a:latin typeface="Helvetica"/>
+                          <a:cs typeface="Helvetica"/>
+                        </a:rPr>
+                        <a:t>-1.45 (.44)</a:t>
+                      </a:r>
+                      <a:endParaRPr lang="en-US" b="1" dirty="0">
+                        <a:latin typeface="Helvetica"/>
+                        <a:cs typeface="Helvetica"/>
+                      </a:endParaRPr>
+                    </a:p>
+                  </a:txBody>
+                  <a:tcPr anchor="ctr"/>
+                </a:tc>
+              </a:tr>
+              <a:tr h="563881">
+                <a:tc>
+                  <a:txBody>
+                    <a:bodyPr/>
+                    <a:lstStyle/>
+                    <a:p>
+                      <a:pPr marL="0" marR="0" indent="0" algn="l" defTabSz="457200" rtl="0" eaLnBrk="1" fontAlgn="auto" latinLnBrk="0" hangingPunct="1">
+                        <a:lnSpc>
+                          <a:spcPct val="100000"/>
+                        </a:lnSpc>
+                        <a:spcBef>
+                          <a:spcPts val="0"/>
+                        </a:spcBef>
+                        <a:spcAft>
+                          <a:spcPts val="0"/>
+                        </a:spcAft>
+                        <a:buClrTx/>
+                        <a:buSzTx/>
+                        <a:buFontTx/>
+                        <a:buNone/>
+                        <a:tabLst/>
+                        <a:defRPr/>
+                      </a:pPr>
+                      <a:r>
+                        <a:rPr lang="en-US" b="0" dirty="0" smtClean="0">
+                          <a:solidFill>
+                            <a:srgbClr val="E700B5"/>
+                          </a:solidFill>
+                          <a:latin typeface="Helvetica"/>
+                          <a:cs typeface="Helvetica"/>
+                        </a:rPr>
+                        <a:t>F</a:t>
+                      </a:r>
+                      <a:r>
+                        <a:rPr lang="en-US" b="0" baseline="0" dirty="0" smtClean="0">
+                          <a:solidFill>
+                            <a:srgbClr val="E700B5"/>
+                          </a:solidFill>
+                          <a:latin typeface="Helvetica"/>
+                          <a:cs typeface="Helvetica"/>
+                        </a:rPr>
+                        <a:t> </a:t>
+                      </a:r>
+                      <a:r>
+                        <a:rPr lang="en-US" b="0" baseline="0" dirty="0" smtClean="0">
+                          <a:solidFill>
+                            <a:srgbClr val="E700B5"/>
+                          </a:solidFill>
+                          <a:latin typeface="Helvetica"/>
+                          <a:cs typeface="Helvetica"/>
+                          <a:sym typeface="Wingdings"/>
+                        </a:rPr>
+                        <a:t> F2</a:t>
+                      </a:r>
+                      <a:endParaRPr lang="en-US" b="0" dirty="0" smtClean="0">
+                        <a:solidFill>
+                          <a:srgbClr val="E700B5"/>
+                        </a:solidFill>
+                        <a:latin typeface="Helvetica"/>
+                        <a:cs typeface="Helvetica"/>
+                      </a:endParaRPr>
+                    </a:p>
+                  </a:txBody>
+                  <a:tcPr anchor="ctr"/>
+                </a:tc>
+                <a:tc>
+                  <a:txBody>
+                    <a:bodyPr/>
+                    <a:lstStyle/>
+                    <a:p>
+                      <a:pPr marL="0" marR="0" indent="0" algn="ctr" defTabSz="457200" rtl="0" eaLnBrk="1" fontAlgn="auto" latinLnBrk="0" hangingPunct="1">
+                        <a:lnSpc>
+                          <a:spcPct val="100000"/>
+                        </a:lnSpc>
+                        <a:spcBef>
+                          <a:spcPts val="0"/>
+                        </a:spcBef>
+                        <a:spcAft>
+                          <a:spcPts val="0"/>
+                        </a:spcAft>
+                        <a:buClrTx/>
+                        <a:buSzTx/>
+                        <a:buFontTx/>
+                        <a:buNone/>
+                        <a:tabLst/>
+                        <a:defRPr/>
+                      </a:pPr>
+                      <a:r>
+                        <a:rPr lang="en-US" b="0" dirty="0" smtClean="0">
+                          <a:solidFill>
+                            <a:schemeClr val="bg1">
+                              <a:lumMod val="50000"/>
+                            </a:schemeClr>
+                          </a:solidFill>
+                          <a:latin typeface="Helvetica"/>
+                          <a:cs typeface="Helvetica"/>
+                        </a:rPr>
+                        <a:t>-.81</a:t>
+                      </a:r>
+                      <a:r>
+                        <a:rPr lang="en-US" b="0" baseline="0" dirty="0" smtClean="0">
+                          <a:solidFill>
+                            <a:schemeClr val="bg1">
+                              <a:lumMod val="50000"/>
+                            </a:schemeClr>
+                          </a:solidFill>
+                          <a:latin typeface="Helvetica"/>
+                          <a:cs typeface="Helvetica"/>
+                        </a:rPr>
+                        <a:t> (.64)</a:t>
+                      </a:r>
+                      <a:endParaRPr lang="en-US" b="0" dirty="0" smtClean="0">
+                        <a:solidFill>
+                          <a:schemeClr val="bg1">
+                            <a:lumMod val="50000"/>
+                          </a:schemeClr>
+                        </a:solidFill>
+                        <a:latin typeface="Helvetica"/>
+                        <a:cs typeface="Helvetica"/>
+                      </a:endParaRPr>
+                    </a:p>
+                  </a:txBody>
+                  <a:tcPr anchor="ctr"/>
+                </a:tc>
+                <a:tc>
+                  <a:txBody>
+                    <a:bodyPr/>
+                    <a:lstStyle/>
+                    <a:p>
+                      <a:pPr algn="ctr"/>
+                      <a:r>
+                        <a:rPr lang="en-US" b="0" dirty="0" smtClean="0">
+                          <a:solidFill>
+                            <a:srgbClr val="7F7F7F"/>
+                          </a:solidFill>
+                          <a:latin typeface="Helvetica"/>
+                          <a:cs typeface="Helvetica"/>
+                        </a:rPr>
+                        <a:t>6.66 (NA)</a:t>
+                      </a:r>
+                      <a:endParaRPr lang="en-US" b="0" dirty="0">
+                        <a:solidFill>
+                          <a:srgbClr val="7F7F7F"/>
+                        </a:solidFill>
+                        <a:latin typeface="Helvetica"/>
+                        <a:cs typeface="Helvetica"/>
+                      </a:endParaRPr>
+                    </a:p>
+                  </a:txBody>
+                  <a:tcPr anchor="ctr"/>
+                </a:tc>
+              </a:tr>
+              <a:tr h="563881">
+                <a:tc>
+                  <a:txBody>
+                    <a:bodyPr/>
+                    <a:lstStyle/>
+                    <a:p>
+                      <a:r>
+                        <a:rPr lang="en-US" b="0" baseline="0" dirty="0" smtClean="0">
+                          <a:solidFill>
+                            <a:srgbClr val="0000FF"/>
+                          </a:solidFill>
+                          <a:latin typeface="Helvetica"/>
+                          <a:cs typeface="Helvetica"/>
+                        </a:rPr>
+                        <a:t>M </a:t>
+                      </a:r>
+                      <a:r>
+                        <a:rPr lang="en-US" b="0" baseline="0" dirty="0" smtClean="0">
+                          <a:solidFill>
+                            <a:srgbClr val="0000FF"/>
+                          </a:solidFill>
+                          <a:latin typeface="Helvetica"/>
+                          <a:cs typeface="Helvetica"/>
+                          <a:sym typeface="Wingdings"/>
+                        </a:rPr>
+                        <a:t> </a:t>
+                      </a:r>
+                      <a:r>
+                        <a:rPr lang="en-US" b="0" baseline="0" dirty="0" smtClean="0">
+                          <a:solidFill>
+                            <a:srgbClr val="0000FF"/>
+                          </a:solidFill>
+                          <a:latin typeface="Helvetica"/>
+                          <a:cs typeface="Helvetica"/>
+                          <a:sym typeface="Wingdings"/>
+                        </a:rPr>
+                        <a:t>M1</a:t>
+                      </a:r>
+                      <a:endParaRPr lang="en-US" b="0" dirty="0">
+                        <a:solidFill>
+                          <a:srgbClr val="0000FF"/>
+                        </a:solidFill>
+                        <a:latin typeface="Helvetica"/>
+                        <a:cs typeface="Helvetica"/>
+                      </a:endParaRPr>
+                    </a:p>
+                  </a:txBody>
+                  <a:tcPr anchor="ctr"/>
+                </a:tc>
+                <a:tc>
+                  <a:txBody>
+                    <a:bodyPr/>
+                    <a:lstStyle/>
+                    <a:p>
+                      <a:pPr algn="ctr"/>
+                      <a:r>
+                        <a:rPr lang="en-US" b="0" dirty="0" smtClean="0">
+                          <a:solidFill>
+                            <a:schemeClr val="bg1">
+                              <a:lumMod val="50000"/>
+                            </a:schemeClr>
+                          </a:solidFill>
+                          <a:latin typeface="Helvetica"/>
+                          <a:cs typeface="Helvetica"/>
+                        </a:rPr>
+                        <a:t>-.22 (.41)</a:t>
+                      </a:r>
+                      <a:endParaRPr lang="en-US" b="0" dirty="0">
+                        <a:solidFill>
+                          <a:schemeClr val="bg1">
+                            <a:lumMod val="50000"/>
+                          </a:schemeClr>
+                        </a:solidFill>
+                        <a:latin typeface="Helvetica"/>
+                        <a:cs typeface="Helvetica"/>
+                      </a:endParaRPr>
+                    </a:p>
+                  </a:txBody>
+                  <a:tcPr anchor="ctr"/>
+                </a:tc>
+                <a:tc>
+                  <a:txBody>
+                    <a:bodyPr/>
+                    <a:lstStyle/>
+                    <a:p>
+                      <a:pPr algn="ctr"/>
+                      <a:r>
+                        <a:rPr lang="en-US" b="1" dirty="0" smtClean="0">
+                          <a:latin typeface="Helvetica"/>
+                          <a:cs typeface="Helvetica"/>
+                        </a:rPr>
+                        <a:t>-.71</a:t>
+                      </a:r>
+                      <a:r>
+                        <a:rPr lang="en-US" b="1" baseline="0" dirty="0" smtClean="0">
+                          <a:latin typeface="Helvetica"/>
+                          <a:cs typeface="Helvetica"/>
+                        </a:rPr>
+                        <a:t> (.15)</a:t>
+                      </a:r>
+                      <a:endParaRPr lang="en-US" b="1" dirty="0">
+                        <a:latin typeface="Helvetica"/>
+                        <a:cs typeface="Helvetica"/>
+                      </a:endParaRPr>
+                    </a:p>
+                  </a:txBody>
+                  <a:tcPr anchor="ctr"/>
+                </a:tc>
+              </a:tr>
+              <a:tr h="563881">
+                <a:tc>
+                  <a:txBody>
+                    <a:bodyPr/>
+                    <a:lstStyle/>
+                    <a:p>
+                      <a:pPr marL="0" marR="0" indent="0" algn="l" defTabSz="457200" rtl="0" eaLnBrk="1" fontAlgn="auto" latinLnBrk="0" hangingPunct="1">
+                        <a:lnSpc>
+                          <a:spcPct val="100000"/>
+                        </a:lnSpc>
+                        <a:spcBef>
+                          <a:spcPts val="0"/>
+                        </a:spcBef>
+                        <a:spcAft>
+                          <a:spcPts val="0"/>
+                        </a:spcAft>
+                        <a:buClrTx/>
+                        <a:buSzTx/>
+                        <a:buFontTx/>
+                        <a:buNone/>
+                        <a:tabLst/>
+                        <a:defRPr/>
+                      </a:pPr>
+                      <a:r>
+                        <a:rPr lang="en-US" b="0" dirty="0" smtClean="0">
+                          <a:solidFill>
+                            <a:srgbClr val="0000FF"/>
+                          </a:solidFill>
+                          <a:latin typeface="Helvetica"/>
+                          <a:cs typeface="Helvetica"/>
+                        </a:rPr>
+                        <a:t>M</a:t>
+                      </a:r>
+                      <a:r>
+                        <a:rPr lang="en-US" b="0" baseline="0" dirty="0" smtClean="0">
+                          <a:solidFill>
+                            <a:srgbClr val="0000FF"/>
+                          </a:solidFill>
+                          <a:latin typeface="Helvetica"/>
+                          <a:cs typeface="Helvetica"/>
+                        </a:rPr>
+                        <a:t> </a:t>
+                      </a:r>
+                      <a:r>
+                        <a:rPr lang="en-US" b="0" baseline="0" dirty="0" smtClean="0">
+                          <a:solidFill>
+                            <a:srgbClr val="0000FF"/>
+                          </a:solidFill>
+                          <a:latin typeface="Helvetica"/>
+                          <a:cs typeface="Helvetica"/>
+                          <a:sym typeface="Wingdings"/>
+                        </a:rPr>
+                        <a:t> </a:t>
+                      </a:r>
+                      <a:r>
+                        <a:rPr lang="en-US" b="0" baseline="0" dirty="0" smtClean="0">
+                          <a:solidFill>
+                            <a:srgbClr val="0000FF"/>
+                          </a:solidFill>
+                          <a:latin typeface="Helvetica"/>
+                          <a:cs typeface="Helvetica"/>
+                          <a:sym typeface="Wingdings"/>
+                        </a:rPr>
+                        <a:t>M2</a:t>
+                      </a:r>
+                      <a:endParaRPr lang="en-US" b="0" dirty="0" smtClean="0">
+                        <a:solidFill>
+                          <a:srgbClr val="0000FF"/>
+                        </a:solidFill>
+                        <a:latin typeface="Helvetica"/>
+                        <a:cs typeface="Helvetica"/>
+                      </a:endParaRPr>
+                    </a:p>
+                  </a:txBody>
+                  <a:tcPr anchor="ctr"/>
+                </a:tc>
+                <a:tc>
+                  <a:txBody>
+                    <a:bodyPr/>
+                    <a:lstStyle/>
+                    <a:p>
+                      <a:pPr algn="ctr"/>
+                      <a:r>
+                        <a:rPr lang="en-US" b="0" dirty="0" smtClean="0">
+                          <a:solidFill>
+                            <a:schemeClr val="bg1">
+                              <a:lumMod val="50000"/>
+                            </a:schemeClr>
+                          </a:solidFill>
+                          <a:latin typeface="Helvetica"/>
+                          <a:cs typeface="Helvetica"/>
+                        </a:rPr>
+                        <a:t>.66 (.55)</a:t>
+                      </a:r>
+                      <a:endParaRPr lang="en-US" b="0" dirty="0">
+                        <a:solidFill>
+                          <a:schemeClr val="bg1">
+                            <a:lumMod val="50000"/>
+                          </a:schemeClr>
+                        </a:solidFill>
+                        <a:latin typeface="Helvetica"/>
+                        <a:cs typeface="Helvetica"/>
+                      </a:endParaRPr>
+                    </a:p>
+                  </a:txBody>
+                  <a:tcPr anchor="ctr"/>
+                </a:tc>
+                <a:tc>
+                  <a:txBody>
+                    <a:bodyPr/>
+                    <a:lstStyle/>
+                    <a:p>
+                      <a:pPr algn="ctr"/>
+                      <a:r>
+                        <a:rPr lang="en-US" b="0" dirty="0" smtClean="0">
+                          <a:solidFill>
+                            <a:srgbClr val="7F7F7F"/>
+                          </a:solidFill>
+                          <a:latin typeface="Helvetica"/>
+                          <a:cs typeface="Helvetica"/>
+                        </a:rPr>
+                        <a:t>.08</a:t>
+                      </a:r>
+                      <a:r>
+                        <a:rPr lang="en-US" b="0" baseline="0" dirty="0" smtClean="0">
+                          <a:solidFill>
+                            <a:srgbClr val="7F7F7F"/>
+                          </a:solidFill>
+                          <a:latin typeface="Helvetica"/>
+                          <a:cs typeface="Helvetica"/>
+                        </a:rPr>
+                        <a:t> (.23)</a:t>
+                      </a:r>
+                      <a:endParaRPr lang="en-US" b="0" dirty="0">
+                        <a:solidFill>
+                          <a:srgbClr val="7F7F7F"/>
+                        </a:solidFill>
+                        <a:latin typeface="Helvetica"/>
+                        <a:cs typeface="Helvetica"/>
+                      </a:endParaRPr>
+                    </a:p>
+                  </a:txBody>
+                  <a:tcPr anchor="ctr"/>
+                </a:tc>
+              </a:tr>
+              <a:tr h="563881">
+                <a:tc>
+                  <a:txBody>
+                    <a:bodyPr/>
+                    <a:lstStyle/>
+                    <a:p>
+                      <a:pPr marL="0" marR="0" indent="0" algn="l" defTabSz="457200" rtl="0" eaLnBrk="1" fontAlgn="auto" latinLnBrk="0" hangingPunct="1">
+                        <a:lnSpc>
+                          <a:spcPct val="100000"/>
+                        </a:lnSpc>
+                        <a:spcBef>
+                          <a:spcPts val="0"/>
+                        </a:spcBef>
+                        <a:spcAft>
+                          <a:spcPts val="0"/>
+                        </a:spcAft>
+                        <a:buClrTx/>
+                        <a:buSzTx/>
+                        <a:buFontTx/>
+                        <a:buNone/>
+                        <a:tabLst/>
+                        <a:defRPr/>
+                      </a:pPr>
+                      <a:r>
+                        <a:rPr lang="en-US" b="0" dirty="0" smtClean="0">
+                          <a:solidFill>
+                            <a:srgbClr val="E700B5"/>
+                          </a:solidFill>
+                          <a:latin typeface="Helvetica"/>
+                          <a:cs typeface="Helvetica"/>
+                        </a:rPr>
+                        <a:t>F</a:t>
+                      </a:r>
+                      <a:r>
+                        <a:rPr lang="en-US" b="0" baseline="0" dirty="0" smtClean="0">
+                          <a:solidFill>
+                            <a:srgbClr val="E700B5"/>
+                          </a:solidFill>
+                          <a:latin typeface="Helvetica"/>
+                          <a:cs typeface="Helvetica"/>
+                        </a:rPr>
+                        <a:t> </a:t>
+                      </a:r>
+                      <a:r>
+                        <a:rPr lang="en-US" b="0" baseline="0" dirty="0" smtClean="0">
+                          <a:solidFill>
+                            <a:srgbClr val="E700B5"/>
+                          </a:solidFill>
+                          <a:latin typeface="Helvetica"/>
+                          <a:cs typeface="Helvetica"/>
+                          <a:sym typeface="Wingdings"/>
+                        </a:rPr>
+                        <a:t></a:t>
+                      </a:r>
+                      <a:r>
+                        <a:rPr lang="en-US" b="0" baseline="0" dirty="0" smtClean="0">
+                          <a:latin typeface="Helvetica"/>
+                          <a:cs typeface="Helvetica"/>
+                          <a:sym typeface="Wingdings"/>
+                        </a:rPr>
+                        <a:t> </a:t>
+                      </a:r>
+                      <a:r>
+                        <a:rPr lang="en-US" b="0" baseline="0" dirty="0" smtClean="0">
+                          <a:solidFill>
+                            <a:srgbClr val="0000FF"/>
+                          </a:solidFill>
+                          <a:latin typeface="Helvetica"/>
+                          <a:cs typeface="Helvetica"/>
+                          <a:sym typeface="Wingdings"/>
+                        </a:rPr>
+                        <a:t>M2</a:t>
+                      </a:r>
+                      <a:endParaRPr lang="en-US" b="0" dirty="0" smtClean="0">
+                        <a:solidFill>
+                          <a:srgbClr val="0000FF"/>
+                        </a:solidFill>
+                        <a:latin typeface="Helvetica"/>
+                        <a:cs typeface="Helvetica"/>
+                      </a:endParaRPr>
+                    </a:p>
+                  </a:txBody>
+                  <a:tcPr anchor="ctr"/>
+                </a:tc>
+                <a:tc>
+                  <a:txBody>
+                    <a:bodyPr/>
+                    <a:lstStyle/>
+                    <a:p>
+                      <a:pPr algn="ctr"/>
+                      <a:r>
+                        <a:rPr lang="en-US" b="0" dirty="0" smtClean="0">
+                          <a:solidFill>
+                            <a:schemeClr val="bg1">
+                              <a:lumMod val="50000"/>
+                            </a:schemeClr>
+                          </a:solidFill>
+                          <a:latin typeface="Helvetica"/>
+                          <a:cs typeface="Helvetica"/>
+                        </a:rPr>
+                        <a:t>.22 (.52)</a:t>
+                      </a:r>
+                      <a:endParaRPr lang="en-US" b="0" dirty="0">
+                        <a:solidFill>
+                          <a:schemeClr val="bg1">
+                            <a:lumMod val="50000"/>
+                          </a:schemeClr>
+                        </a:solidFill>
+                        <a:latin typeface="Helvetica"/>
+                        <a:cs typeface="Helvetica"/>
+                      </a:endParaRPr>
+                    </a:p>
+                  </a:txBody>
+                  <a:tcPr anchor="ctr"/>
+                </a:tc>
+                <a:tc>
+                  <a:txBody>
+                    <a:bodyPr/>
+                    <a:lstStyle/>
+                    <a:p>
+                      <a:pPr algn="ctr"/>
+                      <a:r>
+                        <a:rPr lang="en-US" b="0" dirty="0" smtClean="0">
+                          <a:solidFill>
+                            <a:srgbClr val="7F7F7F"/>
+                          </a:solidFill>
+                          <a:latin typeface="Helvetica"/>
+                          <a:cs typeface="Helvetica"/>
+                        </a:rPr>
+                        <a:t>-.40 (NA)!</a:t>
+                      </a:r>
+                      <a:endParaRPr lang="en-US" b="0" dirty="0">
+                        <a:solidFill>
+                          <a:srgbClr val="7F7F7F"/>
+                        </a:solidFill>
+                        <a:latin typeface="Helvetica"/>
+                        <a:cs typeface="Helvetica"/>
+                      </a:endParaRPr>
+                    </a:p>
+                  </a:txBody>
+                  <a:tcPr anchor="ctr"/>
+                </a:tc>
+              </a:tr>
+              <a:tr h="563881">
+                <a:tc>
+                  <a:txBody>
+                    <a:bodyPr/>
+                    <a:lstStyle/>
+                    <a:p>
+                      <a:r>
+                        <a:rPr lang="en-US" b="0" dirty="0" smtClean="0">
+                          <a:solidFill>
+                            <a:srgbClr val="0000FF"/>
+                          </a:solidFill>
+                          <a:latin typeface="Helvetica"/>
+                          <a:cs typeface="Helvetica"/>
+                        </a:rPr>
+                        <a:t>M</a:t>
+                      </a:r>
+                      <a:r>
+                        <a:rPr lang="en-US" b="0" baseline="0" dirty="0" smtClean="0">
+                          <a:solidFill>
+                            <a:srgbClr val="0000FF"/>
+                          </a:solidFill>
+                          <a:latin typeface="Helvetica"/>
+                          <a:cs typeface="Helvetica"/>
+                        </a:rPr>
+                        <a:t> </a:t>
+                      </a:r>
+                      <a:r>
+                        <a:rPr lang="en-US" b="0" baseline="0" dirty="0" smtClean="0">
+                          <a:solidFill>
+                            <a:srgbClr val="0000FF"/>
+                          </a:solidFill>
+                          <a:latin typeface="Helvetica"/>
+                          <a:cs typeface="Helvetica"/>
+                          <a:sym typeface="Wingdings"/>
+                        </a:rPr>
+                        <a:t></a:t>
+                      </a:r>
+                      <a:r>
+                        <a:rPr lang="en-US" b="0" baseline="0" dirty="0" smtClean="0">
+                          <a:latin typeface="Helvetica"/>
+                          <a:cs typeface="Helvetica"/>
+                          <a:sym typeface="Wingdings"/>
+                        </a:rPr>
+                        <a:t> </a:t>
+                      </a:r>
+                      <a:r>
+                        <a:rPr lang="en-US" b="0" baseline="0" dirty="0" smtClean="0">
+                          <a:solidFill>
+                            <a:srgbClr val="E700B5"/>
+                          </a:solidFill>
+                          <a:latin typeface="Helvetica"/>
+                          <a:cs typeface="Helvetica"/>
+                          <a:sym typeface="Wingdings"/>
+                        </a:rPr>
+                        <a:t>F2</a:t>
+                      </a:r>
+                      <a:endParaRPr lang="en-US" b="0" dirty="0">
+                        <a:solidFill>
+                          <a:srgbClr val="E700B5"/>
+                        </a:solidFill>
+                        <a:latin typeface="Helvetica"/>
+                        <a:cs typeface="Helvetica"/>
+                      </a:endParaRPr>
+                    </a:p>
+                  </a:txBody>
+                  <a:tcPr anchor="ctr"/>
+                </a:tc>
+                <a:tc>
+                  <a:txBody>
+                    <a:bodyPr/>
+                    <a:lstStyle/>
+                    <a:p>
+                      <a:pPr algn="ctr"/>
+                      <a:r>
+                        <a:rPr lang="en-US" b="0" dirty="0" smtClean="0">
+                          <a:solidFill>
+                            <a:schemeClr val="bg1">
+                              <a:lumMod val="50000"/>
+                            </a:schemeClr>
+                          </a:solidFill>
+                          <a:latin typeface="Helvetica"/>
+                          <a:cs typeface="Helvetica"/>
+                        </a:rPr>
+                        <a:t>.40 (1.36)!</a:t>
+                      </a:r>
+                      <a:endParaRPr lang="en-US" b="0" dirty="0">
+                        <a:solidFill>
+                          <a:schemeClr val="bg1">
+                            <a:lumMod val="50000"/>
+                          </a:schemeClr>
+                        </a:solidFill>
+                        <a:latin typeface="Helvetica"/>
+                        <a:cs typeface="Helvetica"/>
+                      </a:endParaRPr>
+                    </a:p>
+                  </a:txBody>
+                  <a:tcPr anchor="ctr"/>
+                </a:tc>
+                <a:tc>
+                  <a:txBody>
+                    <a:bodyPr/>
+                    <a:lstStyle/>
+                    <a:p>
+                      <a:pPr algn="ctr"/>
+                      <a:r>
+                        <a:rPr lang="en-US" b="0" dirty="0" smtClean="0">
+                          <a:solidFill>
+                            <a:srgbClr val="7F7F7F"/>
+                          </a:solidFill>
+                          <a:latin typeface="Helvetica"/>
+                          <a:cs typeface="Helvetica"/>
+                        </a:rPr>
+                        <a:t>.03 (.24)</a:t>
+                      </a:r>
+                      <a:endParaRPr lang="en-US" b="0" dirty="0">
+                        <a:solidFill>
+                          <a:srgbClr val="7F7F7F"/>
+                        </a:solidFill>
+                        <a:latin typeface="Helvetica"/>
+                        <a:cs typeface="Helvetica"/>
+                      </a:endParaRPr>
+                    </a:p>
+                  </a:txBody>
+                  <a:tcPr anchor="ctr"/>
+                </a:tc>
+              </a:tr>
+            </a:tbl>
+          </a:graphicData>
+        </a:graphic>
+      </p:graphicFrame>
+      <p:cxnSp>
+        <p:nvCxnSpPr>
+          <p:cNvPr id="6" name="Straight Connector 5"/>
+          <p:cNvCxnSpPr/>
+          <p:nvPr/>
+        </p:nvCxnSpPr>
+        <p:spPr>
+          <a:xfrm>
+            <a:off x="792416" y="3186123"/>
+            <a:ext cx="7379381" cy="0"/>
+          </a:xfrm>
+          <a:prstGeom prst="line">
+            <a:avLst/>
+          </a:prstGeom>
+          <a:ln w="38100" cmpd="sng">
+            <a:solidFill>
+              <a:schemeClr val="tx1"/>
+            </a:solidFill>
+          </a:ln>
+        </p:spPr>
+        <p:style>
+          <a:lnRef idx="2">
+            <a:schemeClr val="accent1"/>
+          </a:lnRef>
+          <a:fillRef idx="0">
+            <a:schemeClr val="accent1"/>
+          </a:fillRef>
+          <a:effectRef idx="1">
+            <a:schemeClr val="accent1"/>
+          </a:effectRef>
+          <a:fontRef idx="minor">
+            <a:schemeClr val="tx1"/>
+          </a:fontRef>
+        </p:style>
+      </p:cxnSp>
+      <p:cxnSp>
+        <p:nvCxnSpPr>
+          <p:cNvPr id="7" name="Straight Connector 6"/>
+          <p:cNvCxnSpPr/>
+          <p:nvPr/>
+        </p:nvCxnSpPr>
+        <p:spPr>
+          <a:xfrm>
+            <a:off x="792416" y="4320958"/>
+            <a:ext cx="7379381" cy="0"/>
+          </a:xfrm>
+          <a:prstGeom prst="line">
+            <a:avLst/>
+          </a:prstGeom>
+          <a:ln w="38100" cmpd="sng">
+            <a:solidFill>
+              <a:schemeClr val="tx1"/>
+            </a:solidFill>
+          </a:ln>
+        </p:spPr>
+        <p:style>
+          <a:lnRef idx="2">
+            <a:schemeClr val="accent1"/>
+          </a:lnRef>
+          <a:fillRef idx="0">
+            <a:schemeClr val="accent1"/>
+          </a:fillRef>
+          <a:effectRef idx="1">
+            <a:schemeClr val="accent1"/>
+          </a:effectRef>
+          <a:fontRef idx="minor">
+            <a:schemeClr val="tx1"/>
+          </a:fontRef>
+        </p:style>
+      </p:cxnSp>
+      <p:sp>
+        <p:nvSpPr>
+          <p:cNvPr id="8" name="TextBox 7"/>
+          <p:cNvSpPr txBox="1"/>
+          <p:nvPr/>
+        </p:nvSpPr>
+        <p:spPr>
+          <a:xfrm>
+            <a:off x="792416" y="5640420"/>
+            <a:ext cx="6122234" cy="830997"/>
+          </a:xfrm>
+          <a:prstGeom prst="rect">
+            <a:avLst/>
+          </a:prstGeom>
+          <a:noFill/>
+        </p:spPr>
+        <p:txBody>
+          <a:bodyPr wrap="square" rtlCol="0">
+            <a:spAutoFit/>
+          </a:bodyPr>
+          <a:lstStyle/>
+          <a:p>
+            <a:r>
+              <a:rPr lang="en-US" sz="1600" dirty="0" smtClean="0">
+                <a:latin typeface="Helvetica"/>
+                <a:cs typeface="Helvetica"/>
+              </a:rPr>
+              <a:t>1 = First Derivative</a:t>
+            </a:r>
+          </a:p>
+          <a:p>
+            <a:r>
+              <a:rPr lang="en-US" sz="1600" dirty="0" smtClean="0">
+                <a:latin typeface="Helvetica"/>
+                <a:cs typeface="Helvetica"/>
+              </a:rPr>
+              <a:t>2 = Second Derivative</a:t>
+            </a:r>
+          </a:p>
+          <a:p>
+            <a:r>
+              <a:rPr lang="en-US" sz="1600" dirty="0" smtClean="0">
+                <a:latin typeface="Helvetica"/>
+                <a:cs typeface="Helvetica"/>
+              </a:rPr>
+              <a:t>! = Hitting upper/lower bound constraints</a:t>
+            </a:r>
+            <a:endParaRPr lang="en-US" sz="1600" dirty="0">
+              <a:latin typeface="Helvetica"/>
+              <a:cs typeface="Helvetica"/>
+            </a:endParaRPr>
+          </a:p>
+        </p:txBody>
+      </p:sp>
+      <p:cxnSp>
+        <p:nvCxnSpPr>
+          <p:cNvPr id="9" name="Straight Connector 8"/>
+          <p:cNvCxnSpPr/>
+          <p:nvPr/>
+        </p:nvCxnSpPr>
+        <p:spPr>
+          <a:xfrm>
+            <a:off x="792416" y="2053489"/>
+            <a:ext cx="7379381" cy="0"/>
+          </a:xfrm>
+          <a:prstGeom prst="line">
+            <a:avLst/>
+          </a:prstGeom>
+          <a:ln w="38100" cmpd="sng">
+            <a:solidFill>
+              <a:schemeClr val="tx1"/>
+            </a:solidFill>
+          </a:ln>
+        </p:spPr>
+        <p:style>
+          <a:lnRef idx="2">
+            <a:schemeClr val="accent1"/>
+          </a:lnRef>
+          <a:fillRef idx="0">
+            <a:schemeClr val="accent1"/>
+          </a:fillRef>
+          <a:effectRef idx="1">
+            <a:schemeClr val="accent1"/>
+          </a:effectRef>
+          <a:fontRef idx="minor">
+            <a:schemeClr val="tx1"/>
+          </a:fontRef>
+        </p:style>
+      </p:cxnSp>
     </p:spTree>
     <p:extLst>
       <p:ext uri="{BB962C8B-B14F-4D97-AF65-F5344CB8AC3E}">
-        <p14:creationId xmlns:p14="http://schemas.microsoft.com/office/powerpoint/2010/main" val="41875832"/>
+        <p14:creationId xmlns:p14="http://schemas.microsoft.com/office/powerpoint/2010/main" val="3390067039"/>
       </p:ext>
     </p:extLst>
   </p:cSld>
   <p:clrMapOvr>
     <a:masterClrMapping/>
   </p:clrMapOvr>
-  <p:timing>
-    <p:tnLst>
-      <p:par>
-        <p:cTn xmlns:p14="http://schemas.microsoft.com/office/powerpoint/2010/main" id="1" dur="indefinite" restart="never" nodeType="tmRoot"/>
-      </p:par>
-    </p:tnLst>
-  </p:timing>
 </p:sld>
 </file>
 
@@ -4467,7 +5639,7 @@
           <a:p>
             <a:r>
               <a:rPr lang="en-US" dirty="0" smtClean="0"/>
-              <a:t>Open Questions and Next Steps</a:t>
+              <a:t>Results</a:t>
             </a:r>
             <a:endParaRPr lang="en-US" dirty="0"/>
           </a:p>
@@ -4490,21 +5662,23 @@
           <a:p>
             <a:r>
               <a:rPr lang="en-US" dirty="0" smtClean="0"/>
-              <a:t>Prediction? How to examine heterogeneity?</a:t>
-            </a:r>
-          </a:p>
-          <a:p>
+              <a:t>Evidence of self-regulation, but </a:t>
+            </a:r>
             <a:r>
               <a:rPr lang="en-US" dirty="0" smtClean="0"/>
-              <a:t>Comparing results across different types of analyses (Coupled LDE vs. MLM?)</a:t>
-            </a:r>
-          </a:p>
-          <a:p>
+              <a:t>only during male receive / female provide phase</a:t>
+            </a:r>
+          </a:p>
+          <a:p>
+            <a:pPr lvl="1"/>
             <a:r>
               <a:rPr lang="en-US" dirty="0" smtClean="0"/>
-              <a:t>Interval length: 30 seconds? 5 seconds?</a:t>
-            </a:r>
-            <a:endParaRPr lang="en-US" dirty="0"/>
+              <a:t>For both partners, the higher one’s RSA relative to baseline, the more changes in RSA slow down</a:t>
+            </a:r>
+            <a:endParaRPr lang="en-US" dirty="0" smtClean="0"/>
+          </a:p>
+          <a:p>
+            <a:endParaRPr lang="en-US" dirty="0" smtClean="0"/>
           </a:p>
         </p:txBody>
       </p:sp>
@@ -4534,7 +5708,7 @@
     </p:spTree>
     <p:extLst>
       <p:ext uri="{BB962C8B-B14F-4D97-AF65-F5344CB8AC3E}">
-        <p14:creationId xmlns:p14="http://schemas.microsoft.com/office/powerpoint/2010/main" val="1462184132"/>
+        <p14:creationId xmlns:p14="http://schemas.microsoft.com/office/powerpoint/2010/main" val="41875832"/>
       </p:ext>
     </p:extLst>
   </p:cSld>
@@ -4585,7 +5759,7 @@
           <a:p>
             <a:r>
               <a:rPr lang="en-US" dirty="0" smtClean="0"/>
-              <a:t>Future Directions</a:t>
+              <a:t>Open Questions and Next Steps</a:t>
             </a:r>
             <a:endParaRPr lang="en-US" dirty="0"/>
           </a:p>
@@ -4601,31 +5775,21 @@
             <p:ph idx="1"/>
           </p:nvPr>
         </p:nvSpPr>
-        <p:spPr>
-          <a:xfrm>
-            <a:off x="564026" y="1417638"/>
-            <a:ext cx="8229600" cy="1183285"/>
-          </a:xfrm>
-        </p:spPr>
-        <p:txBody>
-          <a:bodyPr>
-            <a:normAutofit/>
-          </a:bodyPr>
-          <a:lstStyle/>
-          <a:p>
-            <a:r>
-              <a:rPr lang="en-US" sz="2800" dirty="0" smtClean="0"/>
-              <a:t>Explore heterogeneity</a:t>
-            </a:r>
-          </a:p>
-          <a:p>
-            <a:r>
-              <a:rPr lang="en-US" sz="2800" dirty="0" smtClean="0"/>
-              <a:t>Dynamical systems modeling</a:t>
-            </a:r>
-          </a:p>
-          <a:p>
-            <a:endParaRPr lang="en-US" sz="2800" dirty="0"/>
+        <p:spPr/>
+        <p:txBody>
+          <a:bodyPr/>
+          <a:lstStyle/>
+          <a:p>
+            <a:r>
+              <a:rPr lang="en-US" dirty="0" smtClean="0"/>
+              <a:t>Different time delay embed values may be necessary for each phase</a:t>
+            </a:r>
+          </a:p>
+          <a:p>
+            <a:pPr marL="457200" lvl="1" indent="0">
+              <a:buNone/>
+            </a:pPr>
+            <a:endParaRPr lang="en-US" dirty="0"/>
           </a:p>
         </p:txBody>
       </p:sp>
@@ -4652,745 +5816,10 @@
           </a:p>
         </p:txBody>
       </p:sp>
-      <p:grpSp>
-        <p:nvGrpSpPr>
-          <p:cNvPr id="18" name="Group 17"/>
-          <p:cNvGrpSpPr/>
-          <p:nvPr/>
-        </p:nvGrpSpPr>
-        <p:grpSpPr>
-          <a:xfrm>
-            <a:off x="676863" y="2812357"/>
-            <a:ext cx="3238201" cy="3416231"/>
-            <a:chOff x="645599" y="3149690"/>
-            <a:chExt cx="3238201" cy="3416231"/>
-          </a:xfrm>
-        </p:grpSpPr>
-        <p:pic>
-          <p:nvPicPr>
-            <p:cNvPr id="16" name="Picture 15" descr="femalespagh_provide_170425.pdf"/>
-            <p:cNvPicPr>
-              <a:picLocks noChangeAspect="1"/>
-            </p:cNvPicPr>
-            <p:nvPr/>
-          </p:nvPicPr>
-          <p:blipFill rotWithShape="1">
-            <a:blip r:embed="rId3">
-              <a:extLst>
-                <a:ext uri="{28A0092B-C50C-407E-A947-70E740481C1C}">
-                  <a14:useLocalDpi xmlns:a14="http://schemas.microsoft.com/office/drawing/2010/main" val="0"/>
-                </a:ext>
-              </a:extLst>
-            </a:blip>
-            <a:srcRect l="6200" b="9169"/>
-            <a:stretch/>
-          </p:blipFill>
-          <p:spPr>
-            <a:xfrm>
-              <a:off x="1020314" y="3183710"/>
-              <a:ext cx="2687494" cy="3036202"/>
-            </a:xfrm>
-            <a:prstGeom prst="rect">
-              <a:avLst/>
-            </a:prstGeom>
-          </p:spPr>
-        </p:pic>
-        <p:sp>
-          <p:nvSpPr>
-            <p:cNvPr id="21" name="TextBox 20"/>
-            <p:cNvSpPr txBox="1"/>
-            <p:nvPr/>
-          </p:nvSpPr>
-          <p:spPr>
-            <a:xfrm rot="16200000">
-              <a:off x="-747732" y="4543021"/>
-              <a:ext cx="3127357" cy="340695"/>
-            </a:xfrm>
-            <a:prstGeom prst="rect">
-              <a:avLst/>
-            </a:prstGeom>
-            <a:noFill/>
-          </p:spPr>
-          <p:txBody>
-            <a:bodyPr wrap="square" rtlCol="0">
-              <a:spAutoFit/>
-            </a:bodyPr>
-            <a:lstStyle/>
-            <a:p>
-              <a:pPr algn="ctr"/>
-              <a:r>
-                <a:rPr lang="en-US" sz="1600" dirty="0" smtClean="0">
-                  <a:latin typeface="Helvetica"/>
-                  <a:cs typeface="Helvetica"/>
-                </a:rPr>
-                <a:t>Recipient HRV</a:t>
-              </a:r>
-              <a:endParaRPr lang="en-US" sz="1600" dirty="0">
-                <a:latin typeface="Helvetica"/>
-                <a:cs typeface="Helvetica"/>
-              </a:endParaRPr>
-            </a:p>
-          </p:txBody>
-        </p:sp>
-        <p:sp>
-          <p:nvSpPr>
-            <p:cNvPr id="22" name="TextBox 21"/>
-            <p:cNvSpPr txBox="1"/>
-            <p:nvPr/>
-          </p:nvSpPr>
-          <p:spPr>
-            <a:xfrm>
-              <a:off x="1062706" y="6227367"/>
-              <a:ext cx="2821094" cy="338554"/>
-            </a:xfrm>
-            <a:prstGeom prst="rect">
-              <a:avLst/>
-            </a:prstGeom>
-            <a:noFill/>
-          </p:spPr>
-          <p:txBody>
-            <a:bodyPr wrap="square" rtlCol="0">
-              <a:spAutoFit/>
-            </a:bodyPr>
-            <a:lstStyle/>
-            <a:p>
-              <a:pPr algn="ctr"/>
-              <a:r>
-                <a:rPr lang="en-US" sz="1600" dirty="0" smtClean="0">
-                  <a:latin typeface="Helvetica"/>
-                  <a:cs typeface="Helvetica"/>
-                </a:rPr>
-                <a:t>Lagged Provider HRV</a:t>
-              </a:r>
-            </a:p>
-          </p:txBody>
-        </p:sp>
-      </p:grpSp>
-      <p:sp>
-        <p:nvSpPr>
-          <p:cNvPr id="23" name="TextBox 22"/>
-          <p:cNvSpPr txBox="1"/>
-          <p:nvPr/>
-        </p:nvSpPr>
-        <p:spPr>
-          <a:xfrm>
-            <a:off x="-1814342" y="3572170"/>
-            <a:ext cx="184666" cy="369332"/>
-          </a:xfrm>
-          <a:prstGeom prst="rect">
-            <a:avLst/>
-          </a:prstGeom>
-          <a:noFill/>
-        </p:spPr>
-        <p:txBody>
-          <a:bodyPr wrap="none" rtlCol="0">
-            <a:spAutoFit/>
-          </a:bodyPr>
-          <a:lstStyle/>
-          <a:p>
-            <a:endParaRPr lang="en-US" dirty="0"/>
-          </a:p>
-        </p:txBody>
-      </p:sp>
-      <p:grpSp>
-        <p:nvGrpSpPr>
-          <p:cNvPr id="12" name="Group 11"/>
-          <p:cNvGrpSpPr/>
-          <p:nvPr/>
-        </p:nvGrpSpPr>
-        <p:grpSpPr>
-          <a:xfrm>
-            <a:off x="4119175" y="2468230"/>
-            <a:ext cx="4758798" cy="3864757"/>
-            <a:chOff x="4119175" y="2468230"/>
-            <a:chExt cx="4758798" cy="3864757"/>
-          </a:xfrm>
-        </p:grpSpPr>
-        <p:grpSp>
-          <p:nvGrpSpPr>
-            <p:cNvPr id="30" name="Group 29"/>
-            <p:cNvGrpSpPr/>
-            <p:nvPr/>
-          </p:nvGrpSpPr>
-          <p:grpSpPr>
-            <a:xfrm>
-              <a:off x="4119175" y="2468230"/>
-              <a:ext cx="4758798" cy="3864757"/>
-              <a:chOff x="4119175" y="2468230"/>
-              <a:chExt cx="4758798" cy="3864757"/>
-            </a:xfrm>
-          </p:grpSpPr>
-          <p:grpSp>
-            <p:nvGrpSpPr>
-              <p:cNvPr id="20" name="Group 19"/>
-              <p:cNvGrpSpPr/>
-              <p:nvPr/>
-            </p:nvGrpSpPr>
-            <p:grpSpPr>
-              <a:xfrm>
-                <a:off x="4119175" y="2468230"/>
-                <a:ext cx="4758798" cy="3864757"/>
-                <a:chOff x="1747977" y="2403897"/>
-                <a:chExt cx="5495952" cy="4269601"/>
-              </a:xfrm>
-            </p:grpSpPr>
-            <p:grpSp>
-              <p:nvGrpSpPr>
-                <p:cNvPr id="5" name="Group 4"/>
-                <p:cNvGrpSpPr/>
-                <p:nvPr/>
-              </p:nvGrpSpPr>
-              <p:grpSpPr>
-                <a:xfrm>
-                  <a:off x="1747977" y="2403897"/>
-                  <a:ext cx="5495952" cy="4269601"/>
-                  <a:chOff x="1968150" y="1628241"/>
-                  <a:chExt cx="5129500" cy="4124891"/>
-                </a:xfrm>
-              </p:grpSpPr>
-              <p:grpSp>
-                <p:nvGrpSpPr>
-                  <p:cNvPr id="6" name="Group 5"/>
-                  <p:cNvGrpSpPr/>
-                  <p:nvPr/>
-                </p:nvGrpSpPr>
-                <p:grpSpPr>
-                  <a:xfrm>
-                    <a:off x="1968150" y="1628241"/>
-                    <a:ext cx="5129500" cy="4124891"/>
-                    <a:chOff x="4491873" y="2081079"/>
-                    <a:chExt cx="4374642" cy="3273552"/>
-                  </a:xfrm>
-                </p:grpSpPr>
-                <p:pic>
-                  <p:nvPicPr>
-                    <p:cNvPr id="10" name="Picture 9"/>
-                    <p:cNvPicPr>
-                      <a:picLocks noChangeAspect="1"/>
-                    </p:cNvPicPr>
-                    <p:nvPr/>
-                  </p:nvPicPr>
-                  <p:blipFill rotWithShape="1">
-                    <a:blip r:embed="rId4"/>
-                    <a:srcRect l="51541"/>
-                    <a:stretch/>
-                  </p:blipFill>
-                  <p:spPr>
-                    <a:xfrm>
-                      <a:off x="4558237" y="2081079"/>
-                      <a:ext cx="4308278" cy="3273552"/>
-                    </a:xfrm>
-                    <a:prstGeom prst="rect">
-                      <a:avLst/>
-                    </a:prstGeom>
-                  </p:spPr>
-                </p:pic>
-                <p:sp>
-                  <p:nvSpPr>
-                    <p:cNvPr id="11" name="Rectangle 10"/>
-                    <p:cNvSpPr/>
-                    <p:nvPr/>
-                  </p:nvSpPr>
-                  <p:spPr>
-                    <a:xfrm>
-                      <a:off x="4491873" y="2231489"/>
-                      <a:ext cx="475013" cy="449527"/>
-                    </a:xfrm>
-                    <a:prstGeom prst="rect">
-                      <a:avLst/>
-                    </a:prstGeom>
-                    <a:solidFill>
-                      <a:schemeClr val="bg1"/>
-                    </a:solidFill>
-                    <a:ln>
-                      <a:solidFill>
-                        <a:srgbClr val="FFFFFF"/>
-                      </a:solidFill>
-                    </a:ln>
-                    <a:effectLst/>
-                  </p:spPr>
-                  <p:style>
-                    <a:lnRef idx="1">
-                      <a:schemeClr val="accent1"/>
-                    </a:lnRef>
-                    <a:fillRef idx="3">
-                      <a:schemeClr val="accent1"/>
-                    </a:fillRef>
-                    <a:effectRef idx="2">
-                      <a:schemeClr val="accent1"/>
-                    </a:effectRef>
-                    <a:fontRef idx="minor">
-                      <a:schemeClr val="lt1"/>
-                    </a:fontRef>
-                  </p:style>
-                  <p:txBody>
-                    <a:bodyPr rtlCol="0" anchor="ctr"/>
-                    <a:lstStyle/>
-                    <a:p>
-                      <a:pPr algn="ctr"/>
-                      <a:endParaRPr lang="en-US"/>
-                    </a:p>
-                  </p:txBody>
-                </p:sp>
-              </p:grpSp>
-              <p:sp>
-                <p:nvSpPr>
-                  <p:cNvPr id="7" name="TextBox 6"/>
-                  <p:cNvSpPr txBox="1"/>
-                  <p:nvPr/>
-                </p:nvSpPr>
-                <p:spPr>
-                  <a:xfrm>
-                    <a:off x="2525127" y="3572390"/>
-                    <a:ext cx="1602590" cy="394191"/>
-                  </a:xfrm>
-                  <a:prstGeom prst="rect">
-                    <a:avLst/>
-                  </a:prstGeom>
-                  <a:solidFill>
-                    <a:schemeClr val="bg1"/>
-                  </a:solidFill>
-                </p:spPr>
-                <p:txBody>
-                  <a:bodyPr wrap="square" rtlCol="0">
-                    <a:spAutoFit/>
-                  </a:bodyPr>
-                  <a:lstStyle/>
-                  <a:p>
-                    <a:r>
-                      <a:rPr lang="en-US" dirty="0" smtClean="0">
-                        <a:latin typeface="Helvetica"/>
-                        <a:cs typeface="Helvetica"/>
-                      </a:rPr>
-                      <a:t>Provider</a:t>
-                    </a:r>
-                    <a:endParaRPr lang="en-US" dirty="0">
-                      <a:latin typeface="Helvetica"/>
-                      <a:cs typeface="Helvetica"/>
-                    </a:endParaRPr>
-                  </a:p>
-                </p:txBody>
-              </p:sp>
-              <p:sp>
-                <p:nvSpPr>
-                  <p:cNvPr id="8" name="TextBox 7"/>
-                  <p:cNvSpPr txBox="1"/>
-                  <p:nvPr/>
-                </p:nvSpPr>
-                <p:spPr>
-                  <a:xfrm>
-                    <a:off x="2525128" y="3987187"/>
-                    <a:ext cx="1500584" cy="394191"/>
-                  </a:xfrm>
-                  <a:prstGeom prst="rect">
-                    <a:avLst/>
-                  </a:prstGeom>
-                  <a:solidFill>
-                    <a:schemeClr val="bg1"/>
-                  </a:solidFill>
-                </p:spPr>
-                <p:txBody>
-                  <a:bodyPr wrap="square" rtlCol="0">
-                    <a:spAutoFit/>
-                  </a:bodyPr>
-                  <a:lstStyle/>
-                  <a:p>
-                    <a:r>
-                      <a:rPr lang="en-US" dirty="0" smtClean="0">
-                        <a:latin typeface="Helvetica"/>
-                        <a:cs typeface="Helvetica"/>
-                      </a:rPr>
-                      <a:t>Recipient</a:t>
-                    </a:r>
-                    <a:endParaRPr lang="en-US" dirty="0">
-                      <a:latin typeface="Helvetica"/>
-                      <a:cs typeface="Helvetica"/>
-                    </a:endParaRPr>
-                  </a:p>
-                </p:txBody>
-              </p:sp>
-              <p:sp>
-                <p:nvSpPr>
-                  <p:cNvPr id="9" name="Rectangle 8"/>
-                  <p:cNvSpPr/>
-                  <p:nvPr/>
-                </p:nvSpPr>
-                <p:spPr>
-                  <a:xfrm>
-                    <a:off x="4788683" y="2856151"/>
-                    <a:ext cx="636184" cy="566434"/>
-                  </a:xfrm>
-                  <a:prstGeom prst="rect">
-                    <a:avLst/>
-                  </a:prstGeom>
-                  <a:solidFill>
-                    <a:schemeClr val="bg1"/>
-                  </a:solidFill>
-                  <a:ln>
-                    <a:solidFill>
-                      <a:srgbClr val="FFFFFF"/>
-                    </a:solidFill>
-                  </a:ln>
-                  <a:effectLst/>
-                </p:spPr>
-                <p:style>
-                  <a:lnRef idx="1">
-                    <a:schemeClr val="accent1"/>
-                  </a:lnRef>
-                  <a:fillRef idx="3">
-                    <a:schemeClr val="accent1"/>
-                  </a:fillRef>
-                  <a:effectRef idx="2">
-                    <a:schemeClr val="accent1"/>
-                  </a:effectRef>
-                  <a:fontRef idx="minor">
-                    <a:schemeClr val="lt1"/>
-                  </a:fontRef>
-                </p:style>
-                <p:txBody>
-                  <a:bodyPr rtlCol="0" anchor="ctr"/>
-                  <a:lstStyle/>
-                  <a:p>
-                    <a:pPr algn="ctr"/>
-                    <a:endParaRPr lang="en-US"/>
-                  </a:p>
-                </p:txBody>
-              </p:sp>
-            </p:grpSp>
-            <p:grpSp>
-              <p:nvGrpSpPr>
-                <p:cNvPr id="19" name="Group 18"/>
-                <p:cNvGrpSpPr/>
-                <p:nvPr/>
-              </p:nvGrpSpPr>
-              <p:grpSpPr>
-                <a:xfrm>
-                  <a:off x="3131344" y="3562136"/>
-                  <a:ext cx="790264" cy="217664"/>
-                  <a:chOff x="3131344" y="3562136"/>
-                  <a:chExt cx="790264" cy="217664"/>
-                </a:xfrm>
-              </p:grpSpPr>
-              <p:cxnSp>
-                <p:nvCxnSpPr>
-                  <p:cNvPr id="13" name="Straight Arrow Connector 12"/>
-                  <p:cNvCxnSpPr/>
-                  <p:nvPr/>
-                </p:nvCxnSpPr>
-                <p:spPr>
-                  <a:xfrm flipV="1">
-                    <a:off x="3131344" y="3562136"/>
-                    <a:ext cx="336549" cy="151195"/>
-                  </a:xfrm>
-                  <a:prstGeom prst="straightConnector1">
-                    <a:avLst/>
-                  </a:prstGeom>
-                  <a:ln>
-                    <a:solidFill>
-                      <a:srgbClr val="FF0000"/>
-                    </a:solidFill>
-                    <a:tailEnd type="arrow"/>
-                  </a:ln>
-                </p:spPr>
-                <p:style>
-                  <a:lnRef idx="2">
-                    <a:schemeClr val="accent1"/>
-                  </a:lnRef>
-                  <a:fillRef idx="0">
-                    <a:schemeClr val="accent1"/>
-                  </a:fillRef>
-                  <a:effectRef idx="1">
-                    <a:schemeClr val="accent1"/>
-                  </a:effectRef>
-                  <a:fontRef idx="minor">
-                    <a:schemeClr val="tx1"/>
-                  </a:fontRef>
-                </p:style>
-              </p:cxnSp>
-              <p:cxnSp>
-                <p:nvCxnSpPr>
-                  <p:cNvPr id="15" name="Straight Arrow Connector 14"/>
-                  <p:cNvCxnSpPr/>
-                  <p:nvPr/>
-                </p:nvCxnSpPr>
-                <p:spPr>
-                  <a:xfrm>
-                    <a:off x="3489808" y="3562136"/>
-                    <a:ext cx="215900" cy="0"/>
-                  </a:xfrm>
-                  <a:prstGeom prst="straightConnector1">
-                    <a:avLst/>
-                  </a:prstGeom>
-                  <a:ln>
-                    <a:solidFill>
-                      <a:srgbClr val="FF0000"/>
-                    </a:solidFill>
-                    <a:tailEnd type="arrow"/>
-                  </a:ln>
-                </p:spPr>
-                <p:style>
-                  <a:lnRef idx="2">
-                    <a:schemeClr val="accent1"/>
-                  </a:lnRef>
-                  <a:fillRef idx="0">
-                    <a:schemeClr val="accent1"/>
-                  </a:fillRef>
-                  <a:effectRef idx="1">
-                    <a:schemeClr val="accent1"/>
-                  </a:effectRef>
-                  <a:fontRef idx="minor">
-                    <a:schemeClr val="tx1"/>
-                  </a:fontRef>
-                </p:style>
-              </p:cxnSp>
-              <p:cxnSp>
-                <p:nvCxnSpPr>
-                  <p:cNvPr id="17" name="Straight Arrow Connector 16"/>
-                  <p:cNvCxnSpPr/>
-                  <p:nvPr/>
-                </p:nvCxnSpPr>
-                <p:spPr>
-                  <a:xfrm>
-                    <a:off x="3705708" y="3644688"/>
-                    <a:ext cx="215900" cy="135112"/>
-                  </a:xfrm>
-                  <a:prstGeom prst="straightConnector1">
-                    <a:avLst/>
-                  </a:prstGeom>
-                  <a:ln>
-                    <a:solidFill>
-                      <a:srgbClr val="FF0000"/>
-                    </a:solidFill>
-                    <a:tailEnd type="arrow"/>
-                  </a:ln>
-                </p:spPr>
-                <p:style>
-                  <a:lnRef idx="2">
-                    <a:schemeClr val="accent1"/>
-                  </a:lnRef>
-                  <a:fillRef idx="0">
-                    <a:schemeClr val="accent1"/>
-                  </a:fillRef>
-                  <a:effectRef idx="1">
-                    <a:schemeClr val="accent1"/>
-                  </a:effectRef>
-                  <a:fontRef idx="minor">
-                    <a:schemeClr val="tx1"/>
-                  </a:fontRef>
-                </p:style>
-              </p:cxnSp>
-            </p:grpSp>
-          </p:grpSp>
-          <p:cxnSp>
-            <p:nvCxnSpPr>
-              <p:cNvPr id="27" name="Straight Connector 26"/>
-              <p:cNvCxnSpPr/>
-              <p:nvPr/>
-            </p:nvCxnSpPr>
-            <p:spPr>
-              <a:xfrm>
-                <a:off x="5814322" y="4883452"/>
-                <a:ext cx="308351" cy="0"/>
-              </a:xfrm>
-              <a:prstGeom prst="line">
-                <a:avLst/>
-              </a:prstGeom>
-              <a:ln w="12700" cmpd="sng">
-                <a:solidFill>
-                  <a:schemeClr val="tx1"/>
-                </a:solidFill>
-              </a:ln>
-              <a:effectLst/>
-            </p:spPr>
-            <p:style>
-              <a:lnRef idx="2">
-                <a:schemeClr val="accent1"/>
-              </a:lnRef>
-              <a:fillRef idx="0">
-                <a:schemeClr val="accent1"/>
-              </a:fillRef>
-              <a:effectRef idx="1">
-                <a:schemeClr val="accent1"/>
-              </a:effectRef>
-              <a:fontRef idx="minor">
-                <a:schemeClr val="tx1"/>
-              </a:fontRef>
-            </p:style>
-          </p:cxnSp>
-          <p:cxnSp>
-            <p:nvCxnSpPr>
-              <p:cNvPr id="29" name="Straight Connector 28"/>
-              <p:cNvCxnSpPr/>
-              <p:nvPr/>
-            </p:nvCxnSpPr>
-            <p:spPr>
-              <a:xfrm>
-                <a:off x="5781571" y="4498981"/>
-                <a:ext cx="308351" cy="0"/>
-              </a:xfrm>
-              <a:prstGeom prst="line">
-                <a:avLst/>
-              </a:prstGeom>
-              <a:ln w="12700" cmpd="sng">
-                <a:solidFill>
-                  <a:schemeClr val="tx1"/>
-                </a:solidFill>
-                <a:prstDash val="dash"/>
-              </a:ln>
-              <a:effectLst/>
-            </p:spPr>
-            <p:style>
-              <a:lnRef idx="2">
-                <a:schemeClr val="accent1"/>
-              </a:lnRef>
-              <a:fillRef idx="0">
-                <a:schemeClr val="accent1"/>
-              </a:fillRef>
-              <a:effectRef idx="1">
-                <a:schemeClr val="accent1"/>
-              </a:effectRef>
-              <a:fontRef idx="minor">
-                <a:schemeClr val="tx1"/>
-              </a:fontRef>
-            </p:style>
-          </p:cxnSp>
-        </p:grpSp>
-        <p:sp>
-          <p:nvSpPr>
-            <p:cNvPr id="28" name="TextBox 27"/>
-            <p:cNvSpPr txBox="1"/>
-            <p:nvPr/>
-          </p:nvSpPr>
-          <p:spPr>
-            <a:xfrm>
-              <a:off x="6973987" y="6009378"/>
-              <a:ext cx="1513827" cy="307777"/>
-            </a:xfrm>
-            <a:prstGeom prst="rect">
-              <a:avLst/>
-            </a:prstGeom>
-            <a:noFill/>
-          </p:spPr>
-          <p:txBody>
-            <a:bodyPr wrap="square" rtlCol="0">
-              <a:spAutoFit/>
-            </a:bodyPr>
-            <a:lstStyle/>
-            <a:p>
-              <a:pPr algn="r"/>
-              <a:r>
-                <a:rPr lang="en-US" sz="1400" dirty="0" smtClean="0">
-                  <a:latin typeface="Helvetica"/>
-                  <a:cs typeface="Helvetica"/>
-                </a:rPr>
-                <a:t>Butler (2011)</a:t>
-              </a:r>
-              <a:endParaRPr lang="en-US" sz="1400" dirty="0">
-                <a:latin typeface="Helvetica"/>
-                <a:cs typeface="Helvetica"/>
-              </a:endParaRPr>
-            </a:p>
-          </p:txBody>
-        </p:sp>
-      </p:grpSp>
-      <p:sp>
-        <p:nvSpPr>
-          <p:cNvPr id="31" name="Rectangle 30"/>
-          <p:cNvSpPr/>
-          <p:nvPr/>
-        </p:nvSpPr>
-        <p:spPr>
-          <a:xfrm>
-            <a:off x="7214175" y="3676146"/>
-            <a:ext cx="702814" cy="530712"/>
-          </a:xfrm>
-          <a:prstGeom prst="rect">
-            <a:avLst/>
-          </a:prstGeom>
-          <a:solidFill>
-            <a:schemeClr val="bg1"/>
-          </a:solidFill>
-          <a:ln>
-            <a:solidFill>
-              <a:srgbClr val="FFFFFF"/>
-            </a:solidFill>
-          </a:ln>
-          <a:effectLst/>
-        </p:spPr>
-        <p:style>
-          <a:lnRef idx="1">
-            <a:schemeClr val="accent1"/>
-          </a:lnRef>
-          <a:fillRef idx="3">
-            <a:schemeClr val="accent1"/>
-          </a:fillRef>
-          <a:effectRef idx="2">
-            <a:schemeClr val="accent1"/>
-          </a:effectRef>
-          <a:fontRef idx="minor">
-            <a:schemeClr val="lt1"/>
-          </a:fontRef>
-        </p:style>
-        <p:txBody>
-          <a:bodyPr rtlCol="0" anchor="ctr"/>
-          <a:lstStyle/>
-          <a:p>
-            <a:pPr algn="ctr"/>
-            <a:endParaRPr lang="en-US"/>
-          </a:p>
-        </p:txBody>
-      </p:sp>
-      <p:sp>
-        <p:nvSpPr>
-          <p:cNvPr id="25" name="Rectangle 24"/>
-          <p:cNvSpPr/>
-          <p:nvPr/>
-        </p:nvSpPr>
-        <p:spPr>
-          <a:xfrm>
-            <a:off x="7214175" y="3618703"/>
-            <a:ext cx="516726" cy="530712"/>
-          </a:xfrm>
-          <a:prstGeom prst="rect">
-            <a:avLst/>
-          </a:prstGeom>
-          <a:solidFill>
-            <a:schemeClr val="bg1"/>
-          </a:solidFill>
-          <a:ln>
-            <a:solidFill>
-              <a:srgbClr val="FFFFFF"/>
-            </a:solidFill>
-          </a:ln>
-          <a:effectLst/>
-        </p:spPr>
-        <p:style>
-          <a:lnRef idx="1">
-            <a:schemeClr val="accent1"/>
-          </a:lnRef>
-          <a:fillRef idx="3">
-            <a:schemeClr val="accent1"/>
-          </a:fillRef>
-          <a:effectRef idx="2">
-            <a:schemeClr val="accent1"/>
-          </a:effectRef>
-          <a:fontRef idx="minor">
-            <a:schemeClr val="lt1"/>
-          </a:fontRef>
-        </p:style>
-        <p:txBody>
-          <a:bodyPr rtlCol="0" anchor="ctr"/>
-          <a:lstStyle/>
-          <a:p>
-            <a:pPr algn="ctr"/>
-            <a:endParaRPr lang="en-US"/>
-          </a:p>
-        </p:txBody>
-      </p:sp>
     </p:spTree>
     <p:extLst>
       <p:ext uri="{BB962C8B-B14F-4D97-AF65-F5344CB8AC3E}">
-        <p14:creationId xmlns:p14="http://schemas.microsoft.com/office/powerpoint/2010/main" val="3510703325"/>
+        <p14:creationId xmlns:p14="http://schemas.microsoft.com/office/powerpoint/2010/main" val="1101509553"/>
       </p:ext>
     </p:extLst>
   </p:cSld>
@@ -5400,187 +5829,9 @@
   <p:timing>
     <p:tnLst>
       <p:par>
-        <p:cTn xmlns:p14="http://schemas.microsoft.com/office/powerpoint/2010/main" id="1" dur="indefinite" restart="never" nodeType="tmRoot">
-          <p:childTnLst>
-            <p:seq concurrent="1" nextAc="seek">
-              <p:cTn id="2" dur="indefinite" nodeType="mainSeq">
-                <p:childTnLst>
-                  <p:par>
-                    <p:cTn id="3" fill="hold">
-                      <p:stCondLst>
-                        <p:cond delay="indefinite"/>
-                      </p:stCondLst>
-                      <p:childTnLst>
-                        <p:par>
-                          <p:cTn id="4" fill="hold">
-                            <p:stCondLst>
-                              <p:cond delay="0"/>
-                            </p:stCondLst>
-                            <p:childTnLst>
-                              <p:par>
-                                <p:cTn id="5" presetID="1" presetClass="entr" presetSubtype="0" fill="hold" grpId="0" nodeType="clickEffect">
-                                  <p:stCondLst>
-                                    <p:cond delay="0"/>
-                                  </p:stCondLst>
-                                  <p:childTnLst>
-                                    <p:set>
-                                      <p:cBhvr>
-                                        <p:cTn id="6" dur="1" fill="hold">
-                                          <p:stCondLst>
-                                            <p:cond delay="0"/>
-                                          </p:stCondLst>
-                                        </p:cTn>
-                                        <p:tgtEl>
-                                          <p:spTgt spid="3">
-                                            <p:txEl>
-                                              <p:pRg st="0" end="0"/>
-                                            </p:txEl>
-                                          </p:spTgt>
-                                        </p:tgtEl>
-                                        <p:attrNameLst>
-                                          <p:attrName>style.visibility</p:attrName>
-                                        </p:attrNameLst>
-                                      </p:cBhvr>
-                                      <p:to>
-                                        <p:strVal val="visible"/>
-                                      </p:to>
-                                    </p:set>
-                                  </p:childTnLst>
-                                </p:cTn>
-                              </p:par>
-                              <p:par>
-                                <p:cTn id="7" presetID="1" presetClass="entr" presetSubtype="0" fill="hold" nodeType="withEffect">
-                                  <p:stCondLst>
-                                    <p:cond delay="0"/>
-                                  </p:stCondLst>
-                                  <p:childTnLst>
-                                    <p:set>
-                                      <p:cBhvr>
-                                        <p:cTn id="8" dur="1" fill="hold">
-                                          <p:stCondLst>
-                                            <p:cond delay="0"/>
-                                          </p:stCondLst>
-                                        </p:cTn>
-                                        <p:tgtEl>
-                                          <p:spTgt spid="18"/>
-                                        </p:tgtEl>
-                                        <p:attrNameLst>
-                                          <p:attrName>style.visibility</p:attrName>
-                                        </p:attrNameLst>
-                                      </p:cBhvr>
-                                      <p:to>
-                                        <p:strVal val="visible"/>
-                                      </p:to>
-                                    </p:set>
-                                  </p:childTnLst>
-                                </p:cTn>
-                              </p:par>
-                            </p:childTnLst>
-                          </p:cTn>
-                        </p:par>
-                      </p:childTnLst>
-                    </p:cTn>
-                  </p:par>
-                  <p:par>
-                    <p:cTn id="9" fill="hold">
-                      <p:stCondLst>
-                        <p:cond delay="indefinite"/>
-                      </p:stCondLst>
-                      <p:childTnLst>
-                        <p:par>
-                          <p:cTn id="10" fill="hold">
-                            <p:stCondLst>
-                              <p:cond delay="0"/>
-                            </p:stCondLst>
-                            <p:childTnLst>
-                              <p:par>
-                                <p:cTn id="11" presetID="1" presetClass="entr" presetSubtype="0" fill="hold" grpId="0" nodeType="clickEffect">
-                                  <p:stCondLst>
-                                    <p:cond delay="0"/>
-                                  </p:stCondLst>
-                                  <p:childTnLst>
-                                    <p:set>
-                                      <p:cBhvr>
-                                        <p:cTn id="12" dur="1" fill="hold">
-                                          <p:stCondLst>
-                                            <p:cond delay="0"/>
-                                          </p:stCondLst>
-                                        </p:cTn>
-                                        <p:tgtEl>
-                                          <p:spTgt spid="3">
-                                            <p:txEl>
-                                              <p:pRg st="1" end="1"/>
-                                            </p:txEl>
-                                          </p:spTgt>
-                                        </p:tgtEl>
-                                        <p:attrNameLst>
-                                          <p:attrName>style.visibility</p:attrName>
-                                        </p:attrNameLst>
-                                      </p:cBhvr>
-                                      <p:to>
-                                        <p:strVal val="visible"/>
-                                      </p:to>
-                                    </p:set>
-                                  </p:childTnLst>
-                                </p:cTn>
-                              </p:par>
-                              <p:par>
-                                <p:cTn id="13" presetID="1" presetClass="entr" presetSubtype="0" fill="hold" nodeType="withEffect">
-                                  <p:stCondLst>
-                                    <p:cond delay="0"/>
-                                  </p:stCondLst>
-                                  <p:childTnLst>
-                                    <p:set>
-                                      <p:cBhvr>
-                                        <p:cTn id="14" dur="1" fill="hold">
-                                          <p:stCondLst>
-                                            <p:cond delay="0"/>
-                                          </p:stCondLst>
-                                        </p:cTn>
-                                        <p:tgtEl>
-                                          <p:spTgt spid="12"/>
-                                        </p:tgtEl>
-                                        <p:attrNameLst>
-                                          <p:attrName>style.visibility</p:attrName>
-                                        </p:attrNameLst>
-                                      </p:cBhvr>
-                                      <p:to>
-                                        <p:strVal val="visible"/>
-                                      </p:to>
-                                    </p:set>
-                                  </p:childTnLst>
-                                </p:cTn>
-                              </p:par>
-                            </p:childTnLst>
-                          </p:cTn>
-                        </p:par>
-                      </p:childTnLst>
-                    </p:cTn>
-                  </p:par>
-                </p:childTnLst>
-              </p:cTn>
-              <p:prevCondLst>
-                <p:cond evt="onPrev" delay="0">
-                  <p:tgtEl>
-                    <p:sldTgt/>
-                  </p:tgtEl>
-                </p:cond>
-              </p:prevCondLst>
-              <p:nextCondLst>
-                <p:cond evt="onNext" delay="0">
-                  <p:tgtEl>
-                    <p:sldTgt/>
-                  </p:tgtEl>
-                </p:cond>
-              </p:nextCondLst>
-            </p:seq>
-          </p:childTnLst>
-        </p:cTn>
+        <p:cTn xmlns:p14="http://schemas.microsoft.com/office/powerpoint/2010/main" id="1" dur="indefinite" restart="never" nodeType="tmRoot"/>
       </p:par>
     </p:tnLst>
-    <p:bldLst>
-      <p:bldP spid="3" grpId="0" build="p"/>
-    </p:bldLst>
   </p:timing>
 </p:sld>
 </file>
@@ -5612,9 +5863,497 @@
             <p:ph type="title"/>
           </p:nvPr>
         </p:nvSpPr>
+        <p:spPr/>
+        <p:txBody>
+          <a:bodyPr/>
+          <a:lstStyle/>
+          <a:p>
+            <a:r>
+              <a:rPr lang="en-US" dirty="0" smtClean="0"/>
+              <a:t>Open Questions and Next Steps</a:t>
+            </a:r>
+            <a:endParaRPr lang="en-US" dirty="0"/>
+          </a:p>
+        </p:txBody>
+      </p:sp>
+      <p:sp>
+        <p:nvSpPr>
+          <p:cNvPr id="3" name="Content Placeholder 2"/>
+          <p:cNvSpPr>
+            <a:spLocks noGrp="1"/>
+          </p:cNvSpPr>
+          <p:nvPr>
+            <p:ph idx="1"/>
+          </p:nvPr>
+        </p:nvSpPr>
+        <p:spPr/>
+        <p:txBody>
+          <a:bodyPr/>
+          <a:lstStyle/>
+          <a:p>
+            <a:r>
+              <a:rPr lang="en-US" dirty="0" smtClean="0">
+                <a:solidFill>
+                  <a:srgbClr val="7F7F7F"/>
+                </a:solidFill>
+              </a:rPr>
+              <a:t>Different time delay embed values may be necessary for each phase</a:t>
+            </a:r>
+          </a:p>
+          <a:p>
+            <a:r>
+              <a:rPr lang="en-US" dirty="0"/>
+              <a:t>Interval length: 10 seconds? 2 seconds?</a:t>
+            </a:r>
+          </a:p>
+          <a:p>
+            <a:pPr lvl="1"/>
+            <a:r>
+              <a:rPr lang="en-US" dirty="0"/>
+              <a:t>Limitations: estimating </a:t>
+            </a:r>
+            <a:r>
+              <a:rPr lang="en-US" dirty="0" smtClean="0"/>
+              <a:t>RSA requires intervals of at least 10 seconds in </a:t>
+            </a:r>
+            <a:r>
+              <a:rPr lang="en-US" dirty="0" err="1" smtClean="0"/>
+              <a:t>Mindware</a:t>
+            </a:r>
+            <a:endParaRPr lang="en-US" dirty="0" smtClean="0"/>
+          </a:p>
+          <a:p>
+            <a:pPr marL="457200" lvl="1" indent="0">
+              <a:buNone/>
+            </a:pPr>
+            <a:endParaRPr lang="en-US" dirty="0"/>
+          </a:p>
+        </p:txBody>
+      </p:sp>
+      <p:sp>
+        <p:nvSpPr>
+          <p:cNvPr id="4" name="Slide Number Placeholder 3"/>
+          <p:cNvSpPr>
+            <a:spLocks noGrp="1"/>
+          </p:cNvSpPr>
+          <p:nvPr>
+            <p:ph type="sldNum" sz="quarter" idx="12"/>
+          </p:nvPr>
+        </p:nvSpPr>
+        <p:spPr/>
+        <p:txBody>
+          <a:bodyPr/>
+          <a:lstStyle/>
+          <a:p>
+            <a:fld id="{930465AD-53DA-D841-AEBD-0BDBF8BCBA90}" type="slidenum">
+              <a:rPr lang="en-US" smtClean="0"/>
+              <a:t>13</a:t>
+            </a:fld>
+            <a:endParaRPr lang="en-US"/>
+          </a:p>
+        </p:txBody>
+      </p:sp>
+    </p:spTree>
+    <p:extLst>
+      <p:ext uri="{BB962C8B-B14F-4D97-AF65-F5344CB8AC3E}">
+        <p14:creationId xmlns:p14="http://schemas.microsoft.com/office/powerpoint/2010/main" val="1764465543"/>
+      </p:ext>
+    </p:extLst>
+  </p:cSld>
+  <p:clrMapOvr>
+    <a:masterClrMapping/>
+  </p:clrMapOvr>
+  <p:timing>
+    <p:tnLst>
+      <p:par>
+        <p:cTn xmlns:p14="http://schemas.microsoft.com/office/powerpoint/2010/main" id="1" dur="indefinite" restart="never" nodeType="tmRoot"/>
+      </p:par>
+    </p:tnLst>
+  </p:timing>
+</p:sld>
+</file>
+
+<file path=ppt/slides/slide14.xml><?xml version="1.0" encoding="utf-8"?>
+<p:sld xmlns:a="http://schemas.openxmlformats.org/drawingml/2006/main" xmlns:r="http://schemas.openxmlformats.org/officeDocument/2006/relationships" xmlns:p="http://schemas.openxmlformats.org/presentationml/2006/main">
+  <p:cSld>
+    <p:spTree>
+      <p:nvGrpSpPr>
+        <p:cNvPr id="1" name=""/>
+        <p:cNvGrpSpPr/>
+        <p:nvPr/>
+      </p:nvGrpSpPr>
+      <p:grpSpPr>
+        <a:xfrm>
+          <a:off x="0" y="0"/>
+          <a:ext cx="0" cy="0"/>
+          <a:chOff x="0" y="0"/>
+          <a:chExt cx="0" cy="0"/>
+        </a:xfrm>
+      </p:grpSpPr>
+      <p:sp>
+        <p:nvSpPr>
+          <p:cNvPr id="2" name="Title 1"/>
+          <p:cNvSpPr>
+            <a:spLocks noGrp="1"/>
+          </p:cNvSpPr>
+          <p:nvPr>
+            <p:ph type="title"/>
+          </p:nvPr>
+        </p:nvSpPr>
+        <p:spPr/>
+        <p:txBody>
+          <a:bodyPr/>
+          <a:lstStyle/>
+          <a:p>
+            <a:r>
+              <a:rPr lang="en-US" dirty="0" smtClean="0"/>
+              <a:t>Open Questions and Next Steps</a:t>
+            </a:r>
+            <a:endParaRPr lang="en-US" dirty="0"/>
+          </a:p>
+        </p:txBody>
+      </p:sp>
+      <p:sp>
+        <p:nvSpPr>
+          <p:cNvPr id="3" name="Content Placeholder 2"/>
+          <p:cNvSpPr>
+            <a:spLocks noGrp="1"/>
+          </p:cNvSpPr>
+          <p:nvPr>
+            <p:ph idx="1"/>
+          </p:nvPr>
+        </p:nvSpPr>
+        <p:spPr/>
+        <p:txBody>
+          <a:bodyPr/>
+          <a:lstStyle/>
+          <a:p>
+            <a:r>
+              <a:rPr lang="en-US" dirty="0" smtClean="0">
+                <a:solidFill>
+                  <a:srgbClr val="7F7F7F"/>
+                </a:solidFill>
+              </a:rPr>
+              <a:t>Different time delay embed values may be necessary for each phase</a:t>
+            </a:r>
+          </a:p>
+          <a:p>
+            <a:r>
+              <a:rPr lang="en-US" dirty="0">
+                <a:solidFill>
+                  <a:srgbClr val="7F7F7F"/>
+                </a:solidFill>
+              </a:rPr>
+              <a:t>Interval length: 10 seconds? 2 seconds?</a:t>
+            </a:r>
+          </a:p>
+          <a:p>
+            <a:pPr lvl="1"/>
+            <a:r>
+              <a:rPr lang="en-US" dirty="0">
+                <a:solidFill>
+                  <a:srgbClr val="7F7F7F"/>
+                </a:solidFill>
+              </a:rPr>
+              <a:t>Limitations: estimating RSA requires intervals of at least 10 seconds in </a:t>
+            </a:r>
+            <a:r>
+              <a:rPr lang="en-US" dirty="0" err="1">
+                <a:solidFill>
+                  <a:srgbClr val="7F7F7F"/>
+                </a:solidFill>
+              </a:rPr>
+              <a:t>Mindware</a:t>
+            </a:r>
+            <a:endParaRPr lang="en-US" dirty="0">
+              <a:solidFill>
+                <a:srgbClr val="7F7F7F"/>
+              </a:solidFill>
+            </a:endParaRPr>
+          </a:p>
+          <a:p>
+            <a:r>
+              <a:rPr lang="en-US" dirty="0" smtClean="0"/>
+              <a:t>Prediction</a:t>
+            </a:r>
+            <a:r>
+              <a:rPr lang="en-US" dirty="0"/>
+              <a:t>? Examining heterogeneity</a:t>
+            </a:r>
+            <a:r>
+              <a:rPr lang="en-US" dirty="0" smtClean="0"/>
+              <a:t>?</a:t>
+            </a:r>
+          </a:p>
+          <a:p>
+            <a:pPr marL="457200" lvl="1" indent="0">
+              <a:buNone/>
+            </a:pPr>
+            <a:endParaRPr lang="en-US" dirty="0"/>
+          </a:p>
+        </p:txBody>
+      </p:sp>
+      <p:sp>
+        <p:nvSpPr>
+          <p:cNvPr id="4" name="Slide Number Placeholder 3"/>
+          <p:cNvSpPr>
+            <a:spLocks noGrp="1"/>
+          </p:cNvSpPr>
+          <p:nvPr>
+            <p:ph type="sldNum" sz="quarter" idx="12"/>
+          </p:nvPr>
+        </p:nvSpPr>
+        <p:spPr/>
+        <p:txBody>
+          <a:bodyPr/>
+          <a:lstStyle/>
+          <a:p>
+            <a:fld id="{930465AD-53DA-D841-AEBD-0BDBF8BCBA90}" type="slidenum">
+              <a:rPr lang="en-US" smtClean="0"/>
+              <a:t>14</a:t>
+            </a:fld>
+            <a:endParaRPr lang="en-US"/>
+          </a:p>
+        </p:txBody>
+      </p:sp>
+    </p:spTree>
+    <p:extLst>
+      <p:ext uri="{BB962C8B-B14F-4D97-AF65-F5344CB8AC3E}">
+        <p14:creationId xmlns:p14="http://schemas.microsoft.com/office/powerpoint/2010/main" val="2552513694"/>
+      </p:ext>
+    </p:extLst>
+  </p:cSld>
+  <p:clrMapOvr>
+    <a:masterClrMapping/>
+  </p:clrMapOvr>
+  <p:timing>
+    <p:tnLst>
+      <p:par>
+        <p:cTn xmlns:p14="http://schemas.microsoft.com/office/powerpoint/2010/main" id="1" dur="indefinite" restart="never" nodeType="tmRoot"/>
+      </p:par>
+    </p:tnLst>
+  </p:timing>
+</p:sld>
+</file>
+
+<file path=ppt/slides/slide15.xml><?xml version="1.0" encoding="utf-8"?>
+<p:sld xmlns:a="http://schemas.openxmlformats.org/drawingml/2006/main" xmlns:r="http://schemas.openxmlformats.org/officeDocument/2006/relationships" xmlns:p="http://schemas.openxmlformats.org/presentationml/2006/main">
+  <p:cSld>
+    <p:spTree>
+      <p:nvGrpSpPr>
+        <p:cNvPr id="1" name=""/>
+        <p:cNvGrpSpPr/>
+        <p:nvPr/>
+      </p:nvGrpSpPr>
+      <p:grpSpPr>
+        <a:xfrm>
+          <a:off x="0" y="0"/>
+          <a:ext cx="0" cy="0"/>
+          <a:chOff x="0" y="0"/>
+          <a:chExt cx="0" cy="0"/>
+        </a:xfrm>
+      </p:grpSpPr>
+      <p:sp>
+        <p:nvSpPr>
+          <p:cNvPr id="2" name="Title 1"/>
+          <p:cNvSpPr>
+            <a:spLocks noGrp="1"/>
+          </p:cNvSpPr>
+          <p:nvPr>
+            <p:ph type="title"/>
+          </p:nvPr>
+        </p:nvSpPr>
+        <p:spPr/>
+        <p:txBody>
+          <a:bodyPr/>
+          <a:lstStyle/>
+          <a:p>
+            <a:r>
+              <a:rPr lang="en-US" dirty="0" smtClean="0"/>
+              <a:t>Open Questions and Next Steps</a:t>
+            </a:r>
+            <a:endParaRPr lang="en-US" dirty="0"/>
+          </a:p>
+        </p:txBody>
+      </p:sp>
+      <p:sp>
+        <p:nvSpPr>
+          <p:cNvPr id="3" name="Content Placeholder 2"/>
+          <p:cNvSpPr>
+            <a:spLocks noGrp="1"/>
+          </p:cNvSpPr>
+          <p:nvPr>
+            <p:ph idx="1"/>
+          </p:nvPr>
+        </p:nvSpPr>
+        <p:spPr/>
+        <p:txBody>
+          <a:bodyPr/>
+          <a:lstStyle/>
+          <a:p>
+            <a:r>
+              <a:rPr lang="en-US" dirty="0" smtClean="0">
+                <a:solidFill>
+                  <a:srgbClr val="7F7F7F"/>
+                </a:solidFill>
+              </a:rPr>
+              <a:t>Different time delay embed values may be necessary for each phase</a:t>
+            </a:r>
+          </a:p>
+          <a:p>
+            <a:r>
+              <a:rPr lang="en-US" dirty="0">
+                <a:solidFill>
+                  <a:srgbClr val="7F7F7F"/>
+                </a:solidFill>
+              </a:rPr>
+              <a:t>Interval length: 10 seconds? 2 seconds?</a:t>
+            </a:r>
+          </a:p>
+          <a:p>
+            <a:pPr lvl="1"/>
+            <a:r>
+              <a:rPr lang="en-US" dirty="0">
+                <a:solidFill>
+                  <a:srgbClr val="7F7F7F"/>
+                </a:solidFill>
+              </a:rPr>
+              <a:t>Limitations: estimating RSA requires intervals of at least 10 seconds in </a:t>
+            </a:r>
+            <a:r>
+              <a:rPr lang="en-US" dirty="0" err="1">
+                <a:solidFill>
+                  <a:srgbClr val="7F7F7F"/>
+                </a:solidFill>
+              </a:rPr>
+              <a:t>Mindware</a:t>
+            </a:r>
+            <a:endParaRPr lang="en-US" dirty="0">
+              <a:solidFill>
+                <a:srgbClr val="7F7F7F"/>
+              </a:solidFill>
+            </a:endParaRPr>
+          </a:p>
+          <a:p>
+            <a:r>
+              <a:rPr lang="en-US" dirty="0" smtClean="0">
+                <a:solidFill>
+                  <a:srgbClr val="7F7F7F"/>
+                </a:solidFill>
+              </a:rPr>
+              <a:t>Prediction</a:t>
+            </a:r>
+            <a:r>
+              <a:rPr lang="en-US" dirty="0">
+                <a:solidFill>
+                  <a:srgbClr val="7F7F7F"/>
+                </a:solidFill>
+              </a:rPr>
+              <a:t>? Examining heterogeneity</a:t>
+            </a:r>
+            <a:r>
+              <a:rPr lang="en-US" dirty="0" smtClean="0">
+                <a:solidFill>
+                  <a:srgbClr val="7F7F7F"/>
+                </a:solidFill>
+              </a:rPr>
+              <a:t>?</a:t>
+            </a:r>
+          </a:p>
+          <a:p>
+            <a:r>
+              <a:rPr lang="en-US" dirty="0" smtClean="0"/>
+              <a:t>Comparing </a:t>
+            </a:r>
+            <a:r>
+              <a:rPr lang="en-US" dirty="0"/>
+              <a:t>results across different types of analyses (Coupled LDE vs. MLM</a:t>
+            </a:r>
+            <a:r>
+              <a:rPr lang="en-US" dirty="0" smtClean="0"/>
+              <a:t>?)</a:t>
+            </a:r>
+            <a:endParaRPr lang="en-US" dirty="0" smtClean="0"/>
+          </a:p>
+          <a:p>
+            <a:pPr lvl="1"/>
+            <a:endParaRPr lang="en-US" dirty="0"/>
+          </a:p>
+        </p:txBody>
+      </p:sp>
+      <p:sp>
+        <p:nvSpPr>
+          <p:cNvPr id="4" name="Slide Number Placeholder 3"/>
+          <p:cNvSpPr>
+            <a:spLocks noGrp="1"/>
+          </p:cNvSpPr>
+          <p:nvPr>
+            <p:ph type="sldNum" sz="quarter" idx="12"/>
+          </p:nvPr>
+        </p:nvSpPr>
+        <p:spPr/>
+        <p:txBody>
+          <a:bodyPr/>
+          <a:lstStyle/>
+          <a:p>
+            <a:fld id="{930465AD-53DA-D841-AEBD-0BDBF8BCBA90}" type="slidenum">
+              <a:rPr lang="en-US" smtClean="0"/>
+              <a:t>15</a:t>
+            </a:fld>
+            <a:endParaRPr lang="en-US"/>
+          </a:p>
+        </p:txBody>
+      </p:sp>
+    </p:spTree>
+    <p:extLst>
+      <p:ext uri="{BB962C8B-B14F-4D97-AF65-F5344CB8AC3E}">
+        <p14:creationId xmlns:p14="http://schemas.microsoft.com/office/powerpoint/2010/main" val="1603946737"/>
+      </p:ext>
+    </p:extLst>
+  </p:cSld>
+  <p:clrMapOvr>
+    <a:masterClrMapping/>
+  </p:clrMapOvr>
+  <p:timing>
+    <p:tnLst>
+      <p:par>
+        <p:cTn xmlns:p14="http://schemas.microsoft.com/office/powerpoint/2010/main" id="1" dur="indefinite" restart="never" nodeType="tmRoot"/>
+      </p:par>
+    </p:tnLst>
+  </p:timing>
+</p:sld>
+</file>
+
+<file path=ppt/slides/slide16.xml><?xml version="1.0" encoding="utf-8"?>
+<p:sld xmlns:a="http://schemas.openxmlformats.org/drawingml/2006/main" xmlns:r="http://schemas.openxmlformats.org/officeDocument/2006/relationships" xmlns:p="http://schemas.openxmlformats.org/presentationml/2006/main">
+  <p:cSld>
+    <p:spTree>
+      <p:nvGrpSpPr>
+        <p:cNvPr id="1" name=""/>
+        <p:cNvGrpSpPr/>
+        <p:nvPr/>
+      </p:nvGrpSpPr>
+      <p:grpSpPr>
+        <a:xfrm>
+          <a:off x="0" y="0"/>
+          <a:ext cx="0" cy="0"/>
+          <a:chOff x="0" y="0"/>
+          <a:chExt cx="0" cy="0"/>
+        </a:xfrm>
+      </p:grpSpPr>
+      <p:sp>
+        <p:nvSpPr>
+          <p:cNvPr id="2" name="Title 1"/>
+          <p:cNvSpPr>
+            <a:spLocks noGrp="1"/>
+          </p:cNvSpPr>
+          <p:nvPr>
+            <p:ph type="title"/>
+          </p:nvPr>
+        </p:nvSpPr>
         <p:spPr>
           <a:xfrm>
-            <a:off x="472764" y="261741"/>
+            <a:off x="457200" y="490580"/>
             <a:ext cx="8229600" cy="1007011"/>
           </a:xfrm>
         </p:spPr>
@@ -5634,81 +6373,6 @@
       </p:sp>
       <p:sp>
         <p:nvSpPr>
-          <p:cNvPr id="3" name="Content Placeholder 2"/>
-          <p:cNvSpPr>
-            <a:spLocks noGrp="1"/>
-          </p:cNvSpPr>
-          <p:nvPr>
-            <p:ph sz="half" idx="1"/>
-          </p:nvPr>
-        </p:nvSpPr>
-        <p:spPr>
-          <a:xfrm>
-            <a:off x="671309" y="2004371"/>
-            <a:ext cx="4408787" cy="2665648"/>
-          </a:xfrm>
-        </p:spPr>
-        <p:txBody>
-          <a:bodyPr>
-            <a:normAutofit/>
-          </a:bodyPr>
-          <a:lstStyle/>
-          <a:p>
-            <a:pPr marL="0" indent="0">
-              <a:buNone/>
-            </a:pPr>
-            <a:r>
-              <a:rPr lang="en-US" sz="2000" dirty="0" smtClean="0"/>
-              <a:t>Symposium Chair: Michael Russell</a:t>
-            </a:r>
-          </a:p>
-          <a:p>
-            <a:pPr marL="0" indent="0">
-              <a:buNone/>
-            </a:pPr>
-            <a:endParaRPr lang="en-US" sz="2000" dirty="0"/>
-          </a:p>
-          <a:p>
-            <a:pPr marL="0" indent="0">
-              <a:buNone/>
-            </a:pPr>
-            <a:r>
-              <a:rPr lang="en-US" sz="2000" dirty="0" err="1"/>
-              <a:t>Abdiel</a:t>
-            </a:r>
-            <a:r>
-              <a:rPr lang="en-US" sz="2000" dirty="0"/>
-              <a:t> Flores</a:t>
-            </a:r>
-          </a:p>
-          <a:p>
-            <a:pPr marL="0" indent="0">
-              <a:buNone/>
-            </a:pPr>
-            <a:r>
-              <a:rPr lang="en-US" sz="2000" dirty="0" err="1"/>
-              <a:t>Matti</a:t>
-            </a:r>
-            <a:r>
-              <a:rPr lang="en-US" sz="2000" dirty="0"/>
-              <a:t> </a:t>
-            </a:r>
-            <a:r>
-              <a:rPr lang="en-US" sz="2000" dirty="0" err="1"/>
-              <a:t>Vuorre</a:t>
-            </a:r>
-            <a:endParaRPr lang="en-US" sz="2000" dirty="0"/>
-          </a:p>
-          <a:p>
-            <a:pPr marL="0" indent="0">
-              <a:buNone/>
-            </a:pPr>
-            <a:endParaRPr lang="en-US" sz="2000" dirty="0"/>
-          </a:p>
-        </p:txBody>
-      </p:sp>
-      <p:sp>
-        <p:nvSpPr>
           <p:cNvPr id="4" name="Slide Number Placeholder 3"/>
           <p:cNvSpPr>
             <a:spLocks noGrp="1"/>
@@ -5724,7 +6388,7 @@
           <a:p>
             <a:fld id="{562B05B1-F230-4C39-ACDE-CFBA7CA93D5F}" type="slidenum">
               <a:rPr lang="en-US" smtClean="0"/>
-              <a:t>13</a:t>
+              <a:t>16</a:t>
             </a:fld>
             <a:endParaRPr lang="en-US"/>
           </a:p>
@@ -5848,7 +6512,7 @@
         </p:nvSpPr>
         <p:spPr>
           <a:xfrm>
-            <a:off x="671310" y="3911843"/>
+            <a:off x="671310" y="2051657"/>
             <a:ext cx="8380718" cy="1784819"/>
           </a:xfrm>
           <a:prstGeom prst="rect">
@@ -6164,7 +6828,7 @@
         </p:blipFill>
         <p:spPr>
           <a:xfrm>
-            <a:off x="5594967" y="1210656"/>
+            <a:off x="4897083" y="3727879"/>
             <a:ext cx="2987855" cy="1587429"/>
           </a:xfrm>
           <a:prstGeom prst="rect">
@@ -6194,7 +6858,7 @@
         </p:blipFill>
         <p:spPr>
           <a:xfrm>
-            <a:off x="5289662" y="2798085"/>
+            <a:off x="671310" y="3999488"/>
             <a:ext cx="3293160" cy="1132024"/>
           </a:xfrm>
           <a:prstGeom prst="rect">
@@ -6222,7 +6886,203 @@
 </p:sld>
 </file>
 
-<file path=ppt/slides/slide14.xml><?xml version="1.0" encoding="utf-8"?>
+<file path=ppt/slides/slide17.xml><?xml version="1.0" encoding="utf-8"?>
+<p:sld xmlns:a="http://schemas.openxmlformats.org/drawingml/2006/main" xmlns:r="http://schemas.openxmlformats.org/officeDocument/2006/relationships" xmlns:p="http://schemas.openxmlformats.org/presentationml/2006/main" show="0">
+  <p:cSld>
+    <p:spTree>
+      <p:nvGrpSpPr>
+        <p:cNvPr id="1" name=""/>
+        <p:cNvGrpSpPr/>
+        <p:nvPr/>
+      </p:nvGrpSpPr>
+      <p:grpSpPr>
+        <a:xfrm>
+          <a:off x="0" y="0"/>
+          <a:ext cx="0" cy="0"/>
+          <a:chOff x="0" y="0"/>
+          <a:chExt cx="0" cy="0"/>
+        </a:xfrm>
+      </p:grpSpPr>
+      <p:sp>
+        <p:nvSpPr>
+          <p:cNvPr id="3" name="Slide Number Placeholder 2"/>
+          <p:cNvSpPr>
+            <a:spLocks noGrp="1"/>
+          </p:cNvSpPr>
+          <p:nvPr>
+            <p:ph type="sldNum" sz="quarter" idx="12"/>
+          </p:nvPr>
+        </p:nvSpPr>
+        <p:spPr/>
+        <p:txBody>
+          <a:bodyPr/>
+          <a:lstStyle/>
+          <a:p>
+            <a:fld id="{930465AD-53DA-D841-AEBD-0BDBF8BCBA90}" type="slidenum">
+              <a:rPr lang="en-US" smtClean="0"/>
+              <a:t>17</a:t>
+            </a:fld>
+            <a:endParaRPr lang="en-US"/>
+          </a:p>
+        </p:txBody>
+      </p:sp>
+      <p:pic>
+        <p:nvPicPr>
+          <p:cNvPr id="2" name="Picture 1" descr="Raw_RSA_Panel_Plots.pdf"/>
+          <p:cNvPicPr>
+            <a:picLocks noChangeAspect="1"/>
+          </p:cNvPicPr>
+          <p:nvPr/>
+        </p:nvPicPr>
+        <p:blipFill>
+          <a:blip r:embed="rId2">
+            <a:extLst>
+              <a:ext uri="{28A0092B-C50C-407E-A947-70E740481C1C}">
+                <a14:useLocalDpi xmlns:a14="http://schemas.microsoft.com/office/drawing/2010/main" val="0"/>
+              </a:ext>
+            </a:extLst>
+          </a:blip>
+          <a:stretch>
+            <a:fillRect/>
+          </a:stretch>
+        </p:blipFill>
+        <p:spPr>
+          <a:xfrm>
+            <a:off x="1218356" y="0"/>
+            <a:ext cx="6858000" cy="6858000"/>
+          </a:xfrm>
+          <a:prstGeom prst="rect">
+            <a:avLst/>
+          </a:prstGeom>
+        </p:spPr>
+      </p:pic>
+    </p:spTree>
+    <p:extLst>
+      <p:ext uri="{BB962C8B-B14F-4D97-AF65-F5344CB8AC3E}">
+        <p14:creationId xmlns:p14="http://schemas.microsoft.com/office/powerpoint/2010/main" val="652471396"/>
+      </p:ext>
+    </p:extLst>
+  </p:cSld>
+  <p:clrMapOvr>
+    <a:masterClrMapping/>
+  </p:clrMapOvr>
+  <mc:AlternateContent xmlns:mc="http://schemas.openxmlformats.org/markup-compatibility/2006">
+    <mc:Choice xmlns:p14="http://schemas.microsoft.com/office/powerpoint/2010/main" Requires="p14">
+      <p:transition spd="slow" p14:dur="2000"/>
+    </mc:Choice>
+    <mc:Fallback>
+      <p:transition xmlns:p14="http://schemas.microsoft.com/office/powerpoint/2010/main" spd="slow"/>
+    </mc:Fallback>
+  </mc:AlternateContent>
+  <p:timing>
+    <p:tnLst>
+      <p:par>
+        <p:cTn xmlns:p14="http://schemas.microsoft.com/office/powerpoint/2010/main" id="1" dur="indefinite" restart="never" nodeType="tmRoot"/>
+      </p:par>
+    </p:tnLst>
+  </p:timing>
+</p:sld>
+</file>
+
+<file path=ppt/slides/slide18.xml><?xml version="1.0" encoding="utf-8"?>
+<p:sld xmlns:a="http://schemas.openxmlformats.org/drawingml/2006/main" xmlns:r="http://schemas.openxmlformats.org/officeDocument/2006/relationships" xmlns:p="http://schemas.openxmlformats.org/presentationml/2006/main" show="0">
+  <p:cSld>
+    <p:spTree>
+      <p:nvGrpSpPr>
+        <p:cNvPr id="1" name=""/>
+        <p:cNvGrpSpPr/>
+        <p:nvPr/>
+      </p:nvGrpSpPr>
+      <p:grpSpPr>
+        <a:xfrm>
+          <a:off x="0" y="0"/>
+          <a:ext cx="0" cy="0"/>
+          <a:chOff x="0" y="0"/>
+          <a:chExt cx="0" cy="0"/>
+        </a:xfrm>
+      </p:grpSpPr>
+      <p:sp>
+        <p:nvSpPr>
+          <p:cNvPr id="3" name="Slide Number Placeholder 2"/>
+          <p:cNvSpPr>
+            <a:spLocks noGrp="1"/>
+          </p:cNvSpPr>
+          <p:nvPr>
+            <p:ph type="sldNum" sz="quarter" idx="12"/>
+          </p:nvPr>
+        </p:nvSpPr>
+        <p:spPr/>
+        <p:txBody>
+          <a:bodyPr/>
+          <a:lstStyle/>
+          <a:p>
+            <a:fld id="{930465AD-53DA-D841-AEBD-0BDBF8BCBA90}" type="slidenum">
+              <a:rPr lang="en-US" smtClean="0"/>
+              <a:t>18</a:t>
+            </a:fld>
+            <a:endParaRPr lang="en-US"/>
+          </a:p>
+        </p:txBody>
+      </p:sp>
+      <p:pic>
+        <p:nvPicPr>
+          <p:cNvPr id="4" name="Picture 3" descr="Raw_RSA_Panel_Plots_withlines.pdf"/>
+          <p:cNvPicPr>
+            <a:picLocks noChangeAspect="1"/>
+          </p:cNvPicPr>
+          <p:nvPr/>
+        </p:nvPicPr>
+        <p:blipFill>
+          <a:blip r:embed="rId2">
+            <a:extLst>
+              <a:ext uri="{28A0092B-C50C-407E-A947-70E740481C1C}">
+                <a14:useLocalDpi xmlns:a14="http://schemas.microsoft.com/office/drawing/2010/main" val="0"/>
+              </a:ext>
+            </a:extLst>
+          </a:blip>
+          <a:stretch>
+            <a:fillRect/>
+          </a:stretch>
+        </p:blipFill>
+        <p:spPr>
+          <a:xfrm>
+            <a:off x="1214906" y="0"/>
+            <a:ext cx="6858000" cy="6858000"/>
+          </a:xfrm>
+          <a:prstGeom prst="rect">
+            <a:avLst/>
+          </a:prstGeom>
+        </p:spPr>
+      </p:pic>
+    </p:spTree>
+    <p:extLst>
+      <p:ext uri="{BB962C8B-B14F-4D97-AF65-F5344CB8AC3E}">
+        <p14:creationId xmlns:p14="http://schemas.microsoft.com/office/powerpoint/2010/main" val="2087085356"/>
+      </p:ext>
+    </p:extLst>
+  </p:cSld>
+  <p:clrMapOvr>
+    <a:masterClrMapping/>
+  </p:clrMapOvr>
+  <mc:AlternateContent xmlns:mc="http://schemas.openxmlformats.org/markup-compatibility/2006">
+    <mc:Choice xmlns:p14="http://schemas.microsoft.com/office/powerpoint/2010/main" Requires="p14">
+      <p:transition spd="slow" p14:dur="2000"/>
+    </mc:Choice>
+    <mc:Fallback>
+      <p:transition xmlns:p14="http://schemas.microsoft.com/office/powerpoint/2010/main" spd="slow"/>
+    </mc:Fallback>
+  </mc:AlternateContent>
+  <p:timing>
+    <p:tnLst>
+      <p:par>
+        <p:cTn xmlns:p14="http://schemas.microsoft.com/office/powerpoint/2010/main" id="1" dur="indefinite" restart="never" nodeType="tmRoot"/>
+      </p:par>
+    </p:tnLst>
+  </p:timing>
+</p:sld>
+</file>
+
+<file path=ppt/slides/slide19.xml><?xml version="1.0" encoding="utf-8"?>
 <p:sld xmlns:a="http://schemas.openxmlformats.org/drawingml/2006/main" xmlns:r="http://schemas.openxmlformats.org/officeDocument/2006/relationships" xmlns:p="http://schemas.openxmlformats.org/presentationml/2006/main">
   <p:cSld>
     <p:spTree>
@@ -6256,7 +7116,7 @@
           <a:p>
             <a:fld id="{930465AD-53DA-D841-AEBD-0BDBF8BCBA90}" type="slidenum">
               <a:rPr lang="en-US" smtClean="0"/>
-              <a:t>14</a:t>
+              <a:t>19</a:t>
             </a:fld>
             <a:endParaRPr lang="en-US"/>
           </a:p>
@@ -6272,186 +7132,6 @@
   <p:clrMapOvr>
     <a:masterClrMapping/>
   </p:clrMapOvr>
-  <p:timing>
-    <p:tnLst>
-      <p:par>
-        <p:cTn xmlns:p14="http://schemas.microsoft.com/office/powerpoint/2010/main" id="1" dur="indefinite" restart="never" nodeType="tmRoot"/>
-      </p:par>
-    </p:tnLst>
-  </p:timing>
-</p:sld>
-</file>
-
-<file path=ppt/slides/slide15.xml><?xml version="1.0" encoding="utf-8"?>
-<p:sld xmlns:a="http://schemas.openxmlformats.org/drawingml/2006/main" xmlns:r="http://schemas.openxmlformats.org/officeDocument/2006/relationships" xmlns:p="http://schemas.openxmlformats.org/presentationml/2006/main">
-  <p:cSld>
-    <p:spTree>
-      <p:nvGrpSpPr>
-        <p:cNvPr id="1" name=""/>
-        <p:cNvGrpSpPr/>
-        <p:nvPr/>
-      </p:nvGrpSpPr>
-      <p:grpSpPr>
-        <a:xfrm>
-          <a:off x="0" y="0"/>
-          <a:ext cx="0" cy="0"/>
-          <a:chOff x="0" y="0"/>
-          <a:chExt cx="0" cy="0"/>
-        </a:xfrm>
-      </p:grpSpPr>
-      <p:sp>
-        <p:nvSpPr>
-          <p:cNvPr id="2" name="Slide Number Placeholder 1"/>
-          <p:cNvSpPr>
-            <a:spLocks noGrp="1"/>
-          </p:cNvSpPr>
-          <p:nvPr>
-            <p:ph type="sldNum" sz="quarter" idx="12"/>
-          </p:nvPr>
-        </p:nvSpPr>
-        <p:spPr/>
-        <p:txBody>
-          <a:bodyPr/>
-          <a:lstStyle/>
-          <a:p>
-            <a:fld id="{930465AD-53DA-D841-AEBD-0BDBF8BCBA90}" type="slidenum">
-              <a:rPr lang="en-US" smtClean="0"/>
-              <a:t>15</a:t>
-            </a:fld>
-            <a:endParaRPr lang="en-US"/>
-          </a:p>
-        </p:txBody>
-      </p:sp>
-    </p:spTree>
-    <p:extLst>
-      <p:ext uri="{BB962C8B-B14F-4D97-AF65-F5344CB8AC3E}">
-        <p14:creationId xmlns:p14="http://schemas.microsoft.com/office/powerpoint/2010/main" val="130701263"/>
-      </p:ext>
-    </p:extLst>
-  </p:cSld>
-  <p:clrMapOvr>
-    <a:masterClrMapping/>
-  </p:clrMapOvr>
-</p:sld>
-</file>
-
-<file path=ppt/slides/slide16.xml><?xml version="1.0" encoding="utf-8"?>
-<p:sld xmlns:a="http://schemas.openxmlformats.org/drawingml/2006/main" xmlns:r="http://schemas.openxmlformats.org/officeDocument/2006/relationships" xmlns:p="http://schemas.openxmlformats.org/presentationml/2006/main">
-  <p:cSld>
-    <p:spTree>
-      <p:nvGrpSpPr>
-        <p:cNvPr id="1" name=""/>
-        <p:cNvGrpSpPr/>
-        <p:nvPr/>
-      </p:nvGrpSpPr>
-      <p:grpSpPr>
-        <a:xfrm>
-          <a:off x="0" y="0"/>
-          <a:ext cx="0" cy="0"/>
-          <a:chOff x="0" y="0"/>
-          <a:chExt cx="0" cy="0"/>
-        </a:xfrm>
-      </p:grpSpPr>
-      <p:pic>
-        <p:nvPicPr>
-          <p:cNvPr id="5" name="Picture 4" descr="syncplotgoal_170420.pdf"/>
-          <p:cNvPicPr>
-            <a:picLocks noChangeAspect="1"/>
-          </p:cNvPicPr>
-          <p:nvPr/>
-        </p:nvPicPr>
-        <p:blipFill rotWithShape="1">
-          <a:blip r:embed="rId2">
-            <a:extLst>
-              <a:ext uri="{28A0092B-C50C-407E-A947-70E740481C1C}">
-                <a14:useLocalDpi xmlns:a14="http://schemas.microsoft.com/office/drawing/2010/main" val="0"/>
-              </a:ext>
-            </a:extLst>
-          </a:blip>
-          <a:srcRect r="13417"/>
-          <a:stretch/>
-        </p:blipFill>
-        <p:spPr>
-          <a:xfrm>
-            <a:off x="914400" y="716485"/>
-            <a:ext cx="6729586" cy="5829300"/>
-          </a:xfrm>
-          <a:prstGeom prst="rect">
-            <a:avLst/>
-          </a:prstGeom>
-        </p:spPr>
-      </p:pic>
-      <p:sp>
-        <p:nvSpPr>
-          <p:cNvPr id="2" name="Title 1"/>
-          <p:cNvSpPr>
-            <a:spLocks noGrp="1"/>
-          </p:cNvSpPr>
-          <p:nvPr>
-            <p:ph type="title"/>
-          </p:nvPr>
-        </p:nvSpPr>
-        <p:spPr>
-          <a:xfrm>
-            <a:off x="457200" y="-38780"/>
-            <a:ext cx="8229600" cy="1143000"/>
-          </a:xfrm>
-        </p:spPr>
-        <p:txBody>
-          <a:bodyPr>
-            <a:noAutofit/>
-          </a:bodyPr>
-          <a:lstStyle/>
-          <a:p>
-            <a:r>
-              <a:rPr lang="en-US" sz="2800" dirty="0" smtClean="0"/>
-              <a:t>Control Discussion</a:t>
-            </a:r>
-            <a:endParaRPr lang="en-US" sz="2800" dirty="0"/>
-          </a:p>
-        </p:txBody>
-      </p:sp>
-      <p:sp>
-        <p:nvSpPr>
-          <p:cNvPr id="3" name="Slide Number Placeholder 2"/>
-          <p:cNvSpPr>
-            <a:spLocks noGrp="1"/>
-          </p:cNvSpPr>
-          <p:nvPr>
-            <p:ph type="sldNum" sz="quarter" idx="12"/>
-          </p:nvPr>
-        </p:nvSpPr>
-        <p:spPr/>
-        <p:txBody>
-          <a:bodyPr/>
-          <a:lstStyle/>
-          <a:p>
-            <a:fld id="{930465AD-53DA-D841-AEBD-0BDBF8BCBA90}" type="slidenum">
-              <a:rPr lang="en-US" smtClean="0"/>
-              <a:t>16</a:t>
-            </a:fld>
-            <a:endParaRPr lang="en-US"/>
-          </a:p>
-        </p:txBody>
-      </p:sp>
-    </p:spTree>
-    <p:extLst>
-      <p:ext uri="{BB962C8B-B14F-4D97-AF65-F5344CB8AC3E}">
-        <p14:creationId xmlns:p14="http://schemas.microsoft.com/office/powerpoint/2010/main" val="4287019132"/>
-      </p:ext>
-    </p:extLst>
-  </p:cSld>
-  <p:clrMapOvr>
-    <a:masterClrMapping/>
-  </p:clrMapOvr>
-  <mc:AlternateContent xmlns:mc="http://schemas.openxmlformats.org/markup-compatibility/2006" xmlns:p14="http://schemas.microsoft.com/office/powerpoint/2010/main">
-    <mc:Choice Requires="p14">
-      <p:transition spd="slow" p14:dur="2000"/>
-    </mc:Choice>
-    <mc:Fallback xmlns="">
-      <p:transition xmlns:p14="http://schemas.microsoft.com/office/powerpoint/2010/main" spd="slow"/>
-    </mc:Fallback>
-  </mc:AlternateContent>
   <p:timing>
     <p:tnLst>
       <p:par>
@@ -6595,233 +7275,6 @@
           </a:ln>
         </p:spPr>
       </p:pic>
-      <p:sp>
-        <p:nvSpPr>
-          <p:cNvPr id="7" name="Content Placeholder 3"/>
-          <p:cNvSpPr txBox="1">
-            <a:spLocks/>
-          </p:cNvSpPr>
-          <p:nvPr/>
-        </p:nvSpPr>
-        <p:spPr>
-          <a:xfrm>
-            <a:off x="153954" y="5721062"/>
-            <a:ext cx="8229600" cy="1123980"/>
-          </a:xfrm>
-          <a:prstGeom prst="rect">
-            <a:avLst/>
-          </a:prstGeom>
-        </p:spPr>
-        <p:txBody>
-          <a:bodyPr vert="horz" lIns="91440" tIns="45720" rIns="91440" bIns="45720" rtlCol="0">
-            <a:noAutofit/>
-          </a:bodyPr>
-          <a:lstStyle>
-            <a:lvl1pPr marL="342900" indent="-342900" algn="l" defTabSz="457200" rtl="0" eaLnBrk="1" latinLnBrk="0" hangingPunct="1">
-              <a:spcBef>
-                <a:spcPct val="20000"/>
-              </a:spcBef>
-              <a:buFont typeface="Arial"/>
-              <a:buChar char="•"/>
-              <a:defRPr sz="3200" kern="1200">
-                <a:solidFill>
-                  <a:schemeClr val="tx1"/>
-                </a:solidFill>
-                <a:latin typeface="Helvetica"/>
-                <a:ea typeface="+mn-ea"/>
-                <a:cs typeface="Helvetica"/>
-              </a:defRPr>
-            </a:lvl1pPr>
-            <a:lvl2pPr marL="742950" indent="-285750" algn="l" defTabSz="457200" rtl="0" eaLnBrk="1" latinLnBrk="0" hangingPunct="1">
-              <a:spcBef>
-                <a:spcPct val="20000"/>
-              </a:spcBef>
-              <a:buFont typeface="Arial"/>
-              <a:buChar char="–"/>
-              <a:defRPr sz="2800" kern="1200">
-                <a:solidFill>
-                  <a:schemeClr val="tx1"/>
-                </a:solidFill>
-                <a:latin typeface="Helvetica"/>
-                <a:ea typeface="+mn-ea"/>
-                <a:cs typeface="Helvetica"/>
-              </a:defRPr>
-            </a:lvl2pPr>
-            <a:lvl3pPr marL="1143000" indent="-228600" algn="l" defTabSz="457200" rtl="0" eaLnBrk="1" latinLnBrk="0" hangingPunct="1">
-              <a:spcBef>
-                <a:spcPct val="20000"/>
-              </a:spcBef>
-              <a:buFont typeface="Arial"/>
-              <a:buChar char="•"/>
-              <a:defRPr sz="2400" kern="1200">
-                <a:solidFill>
-                  <a:schemeClr val="tx1"/>
-                </a:solidFill>
-                <a:latin typeface="Helvetica"/>
-                <a:ea typeface="+mn-ea"/>
-                <a:cs typeface="Helvetica"/>
-              </a:defRPr>
-            </a:lvl3pPr>
-            <a:lvl4pPr marL="1600200" indent="-228600" algn="l" defTabSz="457200" rtl="0" eaLnBrk="1" latinLnBrk="0" hangingPunct="1">
-              <a:spcBef>
-                <a:spcPct val="20000"/>
-              </a:spcBef>
-              <a:buFont typeface="Arial"/>
-              <a:buChar char="–"/>
-              <a:defRPr sz="2000" kern="1200">
-                <a:solidFill>
-                  <a:schemeClr val="tx1"/>
-                </a:solidFill>
-                <a:latin typeface="Helvetica"/>
-                <a:ea typeface="+mn-ea"/>
-                <a:cs typeface="Helvetica"/>
-              </a:defRPr>
-            </a:lvl4pPr>
-            <a:lvl5pPr marL="2057400" indent="-228600" algn="l" defTabSz="457200" rtl="0" eaLnBrk="1" latinLnBrk="0" hangingPunct="1">
-              <a:spcBef>
-                <a:spcPct val="20000"/>
-              </a:spcBef>
-              <a:buFont typeface="Arial"/>
-              <a:buChar char="»"/>
-              <a:defRPr sz="2000" kern="1200">
-                <a:solidFill>
-                  <a:schemeClr val="tx1"/>
-                </a:solidFill>
-                <a:latin typeface="Helvetica"/>
-                <a:ea typeface="+mn-ea"/>
-                <a:cs typeface="Helvetica"/>
-              </a:defRPr>
-            </a:lvl5pPr>
-            <a:lvl6pPr marL="2514600" indent="-228600" algn="l" defTabSz="457200" rtl="0" eaLnBrk="1" latinLnBrk="0" hangingPunct="1">
-              <a:spcBef>
-                <a:spcPct val="20000"/>
-              </a:spcBef>
-              <a:buFont typeface="Arial"/>
-              <a:buChar char="•"/>
-              <a:defRPr sz="2000" kern="1200">
-                <a:solidFill>
-                  <a:schemeClr val="tx1"/>
-                </a:solidFill>
-                <a:latin typeface="+mn-lt"/>
-                <a:ea typeface="+mn-ea"/>
-                <a:cs typeface="+mn-cs"/>
-              </a:defRPr>
-            </a:lvl6pPr>
-            <a:lvl7pPr marL="2971800" indent="-228600" algn="l" defTabSz="457200" rtl="0" eaLnBrk="1" latinLnBrk="0" hangingPunct="1">
-              <a:spcBef>
-                <a:spcPct val="20000"/>
-              </a:spcBef>
-              <a:buFont typeface="Arial"/>
-              <a:buChar char="•"/>
-              <a:defRPr sz="2000" kern="1200">
-                <a:solidFill>
-                  <a:schemeClr val="tx1"/>
-                </a:solidFill>
-                <a:latin typeface="+mn-lt"/>
-                <a:ea typeface="+mn-ea"/>
-                <a:cs typeface="+mn-cs"/>
-              </a:defRPr>
-            </a:lvl7pPr>
-            <a:lvl8pPr marL="3429000" indent="-228600" algn="l" defTabSz="457200" rtl="0" eaLnBrk="1" latinLnBrk="0" hangingPunct="1">
-              <a:spcBef>
-                <a:spcPct val="20000"/>
-              </a:spcBef>
-              <a:buFont typeface="Arial"/>
-              <a:buChar char="•"/>
-              <a:defRPr sz="2000" kern="1200">
-                <a:solidFill>
-                  <a:schemeClr val="tx1"/>
-                </a:solidFill>
-                <a:latin typeface="+mn-lt"/>
-                <a:ea typeface="+mn-ea"/>
-                <a:cs typeface="+mn-cs"/>
-              </a:defRPr>
-            </a:lvl8pPr>
-            <a:lvl9pPr marL="3886200" indent="-228600" algn="l" defTabSz="457200" rtl="0" eaLnBrk="1" latinLnBrk="0" hangingPunct="1">
-              <a:spcBef>
-                <a:spcPct val="20000"/>
-              </a:spcBef>
-              <a:buFont typeface="Arial"/>
-              <a:buChar char="•"/>
-              <a:defRPr sz="2000" kern="1200">
-                <a:solidFill>
-                  <a:schemeClr val="tx1"/>
-                </a:solidFill>
-                <a:latin typeface="+mn-lt"/>
-                <a:ea typeface="+mn-ea"/>
-                <a:cs typeface="+mn-cs"/>
-              </a:defRPr>
-            </a:lvl9pPr>
-          </a:lstStyle>
-          <a:p>
-            <a:pPr marL="0" indent="0">
-              <a:buFont typeface="Arial"/>
-              <a:buNone/>
-            </a:pPr>
-            <a:r>
-              <a:rPr lang="en-US" sz="1800" i="1" dirty="0" smtClean="0"/>
-              <a:t>N = </a:t>
-            </a:r>
-            <a:r>
-              <a:rPr lang="en-US" sz="1800" dirty="0" smtClean="0"/>
-              <a:t>78 romantic partner dyads </a:t>
-            </a:r>
-          </a:p>
-          <a:p>
-            <a:pPr marL="0" indent="0">
-              <a:buFont typeface="Arial"/>
-              <a:buNone/>
-            </a:pPr>
-            <a:r>
-              <a:rPr lang="en-US" sz="1800" dirty="0" smtClean="0"/>
-              <a:t>Mean Relationship Length = 3.9 years (</a:t>
-            </a:r>
-            <a:r>
-              <a:rPr lang="en-US" sz="1800" i="1" dirty="0" smtClean="0"/>
-              <a:t>SD</a:t>
-            </a:r>
-            <a:r>
-              <a:rPr lang="en-US" sz="1800" dirty="0" smtClean="0"/>
-              <a:t> = 3.1)</a:t>
-            </a:r>
-          </a:p>
-          <a:p>
-            <a:pPr marL="0" indent="0">
-              <a:buFont typeface="Arial"/>
-              <a:buNone/>
-            </a:pPr>
-            <a:r>
-              <a:rPr lang="en-US" sz="1800" dirty="0" smtClean="0"/>
-              <a:t>Mean Age = 27.4 (</a:t>
-            </a:r>
-            <a:r>
-              <a:rPr lang="en-US" sz="1800" i="1" dirty="0" smtClean="0"/>
-              <a:t>SD</a:t>
-            </a:r>
-            <a:r>
-              <a:rPr lang="en-US" sz="1800" dirty="0" smtClean="0"/>
-              <a:t> = 6.3)</a:t>
-            </a:r>
-          </a:p>
-          <a:p>
-            <a:endParaRPr lang="en-US" sz="1800" dirty="0" smtClean="0"/>
-          </a:p>
-          <a:p>
-            <a:pPr marL="0" indent="0">
-              <a:buFont typeface="Arial"/>
-              <a:buNone/>
-            </a:pPr>
-            <a:endParaRPr lang="en-US" sz="1800" dirty="0" smtClean="0"/>
-          </a:p>
-          <a:p>
-            <a:pPr marL="0" indent="0">
-              <a:buFont typeface="Arial"/>
-              <a:buNone/>
-            </a:pPr>
-            <a:endParaRPr lang="en-US" sz="1800" dirty="0"/>
-          </a:p>
-        </p:txBody>
-      </p:sp>
     </p:spTree>
     <p:extLst>
       <p:ext uri="{BB962C8B-B14F-4D97-AF65-F5344CB8AC3E}">
@@ -6839,6 +7292,59 @@
       </p:par>
     </p:tnLst>
   </p:timing>
+</p:sld>
+</file>
+
+<file path=ppt/slides/slide20.xml><?xml version="1.0" encoding="utf-8"?>
+<p:sld xmlns:a="http://schemas.openxmlformats.org/drawingml/2006/main" xmlns:r="http://schemas.openxmlformats.org/officeDocument/2006/relationships" xmlns:p="http://schemas.openxmlformats.org/presentationml/2006/main">
+  <p:cSld>
+    <p:spTree>
+      <p:nvGrpSpPr>
+        <p:cNvPr id="1" name=""/>
+        <p:cNvGrpSpPr/>
+        <p:nvPr/>
+      </p:nvGrpSpPr>
+      <p:grpSpPr>
+        <a:xfrm>
+          <a:off x="0" y="0"/>
+          <a:ext cx="0" cy="0"/>
+          <a:chOff x="0" y="0"/>
+          <a:chExt cx="0" cy="0"/>
+        </a:xfrm>
+      </p:grpSpPr>
+      <p:sp>
+        <p:nvSpPr>
+          <p:cNvPr id="2" name="Slide Number Placeholder 1"/>
+          <p:cNvSpPr>
+            <a:spLocks noGrp="1"/>
+          </p:cNvSpPr>
+          <p:nvPr>
+            <p:ph type="sldNum" sz="quarter" idx="12"/>
+          </p:nvPr>
+        </p:nvSpPr>
+        <p:spPr/>
+        <p:txBody>
+          <a:bodyPr/>
+          <a:lstStyle/>
+          <a:p>
+            <a:fld id="{930465AD-53DA-D841-AEBD-0BDBF8BCBA90}" type="slidenum">
+              <a:rPr lang="en-US" smtClean="0"/>
+              <a:t>20</a:t>
+            </a:fld>
+            <a:endParaRPr lang="en-US"/>
+          </a:p>
+        </p:txBody>
+      </p:sp>
+    </p:spTree>
+    <p:extLst>
+      <p:ext uri="{BB962C8B-B14F-4D97-AF65-F5344CB8AC3E}">
+        <p14:creationId xmlns:p14="http://schemas.microsoft.com/office/powerpoint/2010/main" val="130701263"/>
+      </p:ext>
+    </p:extLst>
+  </p:cSld>
+  <p:clrMapOvr>
+    <a:masterClrMapping/>
+  </p:clrMapOvr>
 </p:sld>
 </file>
 
@@ -7058,233 +7564,6 @@
           </a:ln>
         </p:spPr>
       </p:pic>
-      <p:sp>
-        <p:nvSpPr>
-          <p:cNvPr id="10" name="Content Placeholder 3"/>
-          <p:cNvSpPr txBox="1">
-            <a:spLocks/>
-          </p:cNvSpPr>
-          <p:nvPr/>
-        </p:nvSpPr>
-        <p:spPr>
-          <a:xfrm>
-            <a:off x="153954" y="5721062"/>
-            <a:ext cx="8229600" cy="1123980"/>
-          </a:xfrm>
-          <a:prstGeom prst="rect">
-            <a:avLst/>
-          </a:prstGeom>
-        </p:spPr>
-        <p:txBody>
-          <a:bodyPr vert="horz" lIns="91440" tIns="45720" rIns="91440" bIns="45720" rtlCol="0">
-            <a:noAutofit/>
-          </a:bodyPr>
-          <a:lstStyle>
-            <a:lvl1pPr marL="342900" indent="-342900" algn="l" defTabSz="457200" rtl="0" eaLnBrk="1" latinLnBrk="0" hangingPunct="1">
-              <a:spcBef>
-                <a:spcPct val="20000"/>
-              </a:spcBef>
-              <a:buFont typeface="Arial"/>
-              <a:buChar char="•"/>
-              <a:defRPr sz="3200" kern="1200">
-                <a:solidFill>
-                  <a:schemeClr val="tx1"/>
-                </a:solidFill>
-                <a:latin typeface="Helvetica"/>
-                <a:ea typeface="+mn-ea"/>
-                <a:cs typeface="Helvetica"/>
-              </a:defRPr>
-            </a:lvl1pPr>
-            <a:lvl2pPr marL="742950" indent="-285750" algn="l" defTabSz="457200" rtl="0" eaLnBrk="1" latinLnBrk="0" hangingPunct="1">
-              <a:spcBef>
-                <a:spcPct val="20000"/>
-              </a:spcBef>
-              <a:buFont typeface="Arial"/>
-              <a:buChar char="–"/>
-              <a:defRPr sz="2800" kern="1200">
-                <a:solidFill>
-                  <a:schemeClr val="tx1"/>
-                </a:solidFill>
-                <a:latin typeface="Helvetica"/>
-                <a:ea typeface="+mn-ea"/>
-                <a:cs typeface="Helvetica"/>
-              </a:defRPr>
-            </a:lvl2pPr>
-            <a:lvl3pPr marL="1143000" indent="-228600" algn="l" defTabSz="457200" rtl="0" eaLnBrk="1" latinLnBrk="0" hangingPunct="1">
-              <a:spcBef>
-                <a:spcPct val="20000"/>
-              </a:spcBef>
-              <a:buFont typeface="Arial"/>
-              <a:buChar char="•"/>
-              <a:defRPr sz="2400" kern="1200">
-                <a:solidFill>
-                  <a:schemeClr val="tx1"/>
-                </a:solidFill>
-                <a:latin typeface="Helvetica"/>
-                <a:ea typeface="+mn-ea"/>
-                <a:cs typeface="Helvetica"/>
-              </a:defRPr>
-            </a:lvl3pPr>
-            <a:lvl4pPr marL="1600200" indent="-228600" algn="l" defTabSz="457200" rtl="0" eaLnBrk="1" latinLnBrk="0" hangingPunct="1">
-              <a:spcBef>
-                <a:spcPct val="20000"/>
-              </a:spcBef>
-              <a:buFont typeface="Arial"/>
-              <a:buChar char="–"/>
-              <a:defRPr sz="2000" kern="1200">
-                <a:solidFill>
-                  <a:schemeClr val="tx1"/>
-                </a:solidFill>
-                <a:latin typeface="Helvetica"/>
-                <a:ea typeface="+mn-ea"/>
-                <a:cs typeface="Helvetica"/>
-              </a:defRPr>
-            </a:lvl4pPr>
-            <a:lvl5pPr marL="2057400" indent="-228600" algn="l" defTabSz="457200" rtl="0" eaLnBrk="1" latinLnBrk="0" hangingPunct="1">
-              <a:spcBef>
-                <a:spcPct val="20000"/>
-              </a:spcBef>
-              <a:buFont typeface="Arial"/>
-              <a:buChar char="»"/>
-              <a:defRPr sz="2000" kern="1200">
-                <a:solidFill>
-                  <a:schemeClr val="tx1"/>
-                </a:solidFill>
-                <a:latin typeface="Helvetica"/>
-                <a:ea typeface="+mn-ea"/>
-                <a:cs typeface="Helvetica"/>
-              </a:defRPr>
-            </a:lvl5pPr>
-            <a:lvl6pPr marL="2514600" indent="-228600" algn="l" defTabSz="457200" rtl="0" eaLnBrk="1" latinLnBrk="0" hangingPunct="1">
-              <a:spcBef>
-                <a:spcPct val="20000"/>
-              </a:spcBef>
-              <a:buFont typeface="Arial"/>
-              <a:buChar char="•"/>
-              <a:defRPr sz="2000" kern="1200">
-                <a:solidFill>
-                  <a:schemeClr val="tx1"/>
-                </a:solidFill>
-                <a:latin typeface="+mn-lt"/>
-                <a:ea typeface="+mn-ea"/>
-                <a:cs typeface="+mn-cs"/>
-              </a:defRPr>
-            </a:lvl6pPr>
-            <a:lvl7pPr marL="2971800" indent="-228600" algn="l" defTabSz="457200" rtl="0" eaLnBrk="1" latinLnBrk="0" hangingPunct="1">
-              <a:spcBef>
-                <a:spcPct val="20000"/>
-              </a:spcBef>
-              <a:buFont typeface="Arial"/>
-              <a:buChar char="•"/>
-              <a:defRPr sz="2000" kern="1200">
-                <a:solidFill>
-                  <a:schemeClr val="tx1"/>
-                </a:solidFill>
-                <a:latin typeface="+mn-lt"/>
-                <a:ea typeface="+mn-ea"/>
-                <a:cs typeface="+mn-cs"/>
-              </a:defRPr>
-            </a:lvl7pPr>
-            <a:lvl8pPr marL="3429000" indent="-228600" algn="l" defTabSz="457200" rtl="0" eaLnBrk="1" latinLnBrk="0" hangingPunct="1">
-              <a:spcBef>
-                <a:spcPct val="20000"/>
-              </a:spcBef>
-              <a:buFont typeface="Arial"/>
-              <a:buChar char="•"/>
-              <a:defRPr sz="2000" kern="1200">
-                <a:solidFill>
-                  <a:schemeClr val="tx1"/>
-                </a:solidFill>
-                <a:latin typeface="+mn-lt"/>
-                <a:ea typeface="+mn-ea"/>
-                <a:cs typeface="+mn-cs"/>
-              </a:defRPr>
-            </a:lvl8pPr>
-            <a:lvl9pPr marL="3886200" indent="-228600" algn="l" defTabSz="457200" rtl="0" eaLnBrk="1" latinLnBrk="0" hangingPunct="1">
-              <a:spcBef>
-                <a:spcPct val="20000"/>
-              </a:spcBef>
-              <a:buFont typeface="Arial"/>
-              <a:buChar char="•"/>
-              <a:defRPr sz="2000" kern="1200">
-                <a:solidFill>
-                  <a:schemeClr val="tx1"/>
-                </a:solidFill>
-                <a:latin typeface="+mn-lt"/>
-                <a:ea typeface="+mn-ea"/>
-                <a:cs typeface="+mn-cs"/>
-              </a:defRPr>
-            </a:lvl9pPr>
-          </a:lstStyle>
-          <a:p>
-            <a:pPr marL="0" indent="0">
-              <a:buFont typeface="Arial"/>
-              <a:buNone/>
-            </a:pPr>
-            <a:r>
-              <a:rPr lang="en-US" sz="1800" i="1" dirty="0" smtClean="0"/>
-              <a:t>N = </a:t>
-            </a:r>
-            <a:r>
-              <a:rPr lang="en-US" sz="1800" dirty="0" smtClean="0"/>
-              <a:t>78 romantic partner dyads </a:t>
-            </a:r>
-          </a:p>
-          <a:p>
-            <a:pPr marL="0" indent="0">
-              <a:buFont typeface="Arial"/>
-              <a:buNone/>
-            </a:pPr>
-            <a:r>
-              <a:rPr lang="en-US" sz="1800" dirty="0" smtClean="0"/>
-              <a:t>Mean Relationship Length = 3.9 years (</a:t>
-            </a:r>
-            <a:r>
-              <a:rPr lang="en-US" sz="1800" i="1" dirty="0" smtClean="0"/>
-              <a:t>SD</a:t>
-            </a:r>
-            <a:r>
-              <a:rPr lang="en-US" sz="1800" dirty="0" smtClean="0"/>
-              <a:t> = 3.1)</a:t>
-            </a:r>
-          </a:p>
-          <a:p>
-            <a:pPr marL="0" indent="0">
-              <a:buFont typeface="Arial"/>
-              <a:buNone/>
-            </a:pPr>
-            <a:r>
-              <a:rPr lang="en-US" sz="1800" dirty="0" smtClean="0"/>
-              <a:t>Mean Age = 27.4 (</a:t>
-            </a:r>
-            <a:r>
-              <a:rPr lang="en-US" sz="1800" i="1" dirty="0" smtClean="0"/>
-              <a:t>SD</a:t>
-            </a:r>
-            <a:r>
-              <a:rPr lang="en-US" sz="1800" dirty="0" smtClean="0"/>
-              <a:t> = 6.3)</a:t>
-            </a:r>
-          </a:p>
-          <a:p>
-            <a:endParaRPr lang="en-US" sz="1800" dirty="0" smtClean="0"/>
-          </a:p>
-          <a:p>
-            <a:pPr marL="0" indent="0">
-              <a:buFont typeface="Arial"/>
-              <a:buNone/>
-            </a:pPr>
-            <a:endParaRPr lang="en-US" sz="1800" dirty="0" smtClean="0"/>
-          </a:p>
-          <a:p>
-            <a:pPr marL="0" indent="0">
-              <a:buFont typeface="Arial"/>
-              <a:buNone/>
-            </a:pPr>
-            <a:endParaRPr lang="en-US" sz="1800" dirty="0"/>
-          </a:p>
-        </p:txBody>
-      </p:sp>
     </p:spTree>
     <p:extLst>
       <p:ext uri="{BB962C8B-B14F-4D97-AF65-F5344CB8AC3E}">
@@ -7555,233 +7834,6 @@
           </a:ln>
         </p:spPr>
       </p:pic>
-      <p:sp>
-        <p:nvSpPr>
-          <p:cNvPr id="11" name="Content Placeholder 3"/>
-          <p:cNvSpPr txBox="1">
-            <a:spLocks/>
-          </p:cNvSpPr>
-          <p:nvPr/>
-        </p:nvSpPr>
-        <p:spPr>
-          <a:xfrm>
-            <a:off x="153954" y="5721062"/>
-            <a:ext cx="8229600" cy="1123980"/>
-          </a:xfrm>
-          <a:prstGeom prst="rect">
-            <a:avLst/>
-          </a:prstGeom>
-        </p:spPr>
-        <p:txBody>
-          <a:bodyPr vert="horz" lIns="91440" tIns="45720" rIns="91440" bIns="45720" rtlCol="0">
-            <a:noAutofit/>
-          </a:bodyPr>
-          <a:lstStyle>
-            <a:lvl1pPr marL="342900" indent="-342900" algn="l" defTabSz="457200" rtl="0" eaLnBrk="1" latinLnBrk="0" hangingPunct="1">
-              <a:spcBef>
-                <a:spcPct val="20000"/>
-              </a:spcBef>
-              <a:buFont typeface="Arial"/>
-              <a:buChar char="•"/>
-              <a:defRPr sz="3200" kern="1200">
-                <a:solidFill>
-                  <a:schemeClr val="tx1"/>
-                </a:solidFill>
-                <a:latin typeface="Helvetica"/>
-                <a:ea typeface="+mn-ea"/>
-                <a:cs typeface="Helvetica"/>
-              </a:defRPr>
-            </a:lvl1pPr>
-            <a:lvl2pPr marL="742950" indent="-285750" algn="l" defTabSz="457200" rtl="0" eaLnBrk="1" latinLnBrk="0" hangingPunct="1">
-              <a:spcBef>
-                <a:spcPct val="20000"/>
-              </a:spcBef>
-              <a:buFont typeface="Arial"/>
-              <a:buChar char="–"/>
-              <a:defRPr sz="2800" kern="1200">
-                <a:solidFill>
-                  <a:schemeClr val="tx1"/>
-                </a:solidFill>
-                <a:latin typeface="Helvetica"/>
-                <a:ea typeface="+mn-ea"/>
-                <a:cs typeface="Helvetica"/>
-              </a:defRPr>
-            </a:lvl2pPr>
-            <a:lvl3pPr marL="1143000" indent="-228600" algn="l" defTabSz="457200" rtl="0" eaLnBrk="1" latinLnBrk="0" hangingPunct="1">
-              <a:spcBef>
-                <a:spcPct val="20000"/>
-              </a:spcBef>
-              <a:buFont typeface="Arial"/>
-              <a:buChar char="•"/>
-              <a:defRPr sz="2400" kern="1200">
-                <a:solidFill>
-                  <a:schemeClr val="tx1"/>
-                </a:solidFill>
-                <a:latin typeface="Helvetica"/>
-                <a:ea typeface="+mn-ea"/>
-                <a:cs typeface="Helvetica"/>
-              </a:defRPr>
-            </a:lvl3pPr>
-            <a:lvl4pPr marL="1600200" indent="-228600" algn="l" defTabSz="457200" rtl="0" eaLnBrk="1" latinLnBrk="0" hangingPunct="1">
-              <a:spcBef>
-                <a:spcPct val="20000"/>
-              </a:spcBef>
-              <a:buFont typeface="Arial"/>
-              <a:buChar char="–"/>
-              <a:defRPr sz="2000" kern="1200">
-                <a:solidFill>
-                  <a:schemeClr val="tx1"/>
-                </a:solidFill>
-                <a:latin typeface="Helvetica"/>
-                <a:ea typeface="+mn-ea"/>
-                <a:cs typeface="Helvetica"/>
-              </a:defRPr>
-            </a:lvl4pPr>
-            <a:lvl5pPr marL="2057400" indent="-228600" algn="l" defTabSz="457200" rtl="0" eaLnBrk="1" latinLnBrk="0" hangingPunct="1">
-              <a:spcBef>
-                <a:spcPct val="20000"/>
-              </a:spcBef>
-              <a:buFont typeface="Arial"/>
-              <a:buChar char="»"/>
-              <a:defRPr sz="2000" kern="1200">
-                <a:solidFill>
-                  <a:schemeClr val="tx1"/>
-                </a:solidFill>
-                <a:latin typeface="Helvetica"/>
-                <a:ea typeface="+mn-ea"/>
-                <a:cs typeface="Helvetica"/>
-              </a:defRPr>
-            </a:lvl5pPr>
-            <a:lvl6pPr marL="2514600" indent="-228600" algn="l" defTabSz="457200" rtl="0" eaLnBrk="1" latinLnBrk="0" hangingPunct="1">
-              <a:spcBef>
-                <a:spcPct val="20000"/>
-              </a:spcBef>
-              <a:buFont typeface="Arial"/>
-              <a:buChar char="•"/>
-              <a:defRPr sz="2000" kern="1200">
-                <a:solidFill>
-                  <a:schemeClr val="tx1"/>
-                </a:solidFill>
-                <a:latin typeface="+mn-lt"/>
-                <a:ea typeface="+mn-ea"/>
-                <a:cs typeface="+mn-cs"/>
-              </a:defRPr>
-            </a:lvl6pPr>
-            <a:lvl7pPr marL="2971800" indent="-228600" algn="l" defTabSz="457200" rtl="0" eaLnBrk="1" latinLnBrk="0" hangingPunct="1">
-              <a:spcBef>
-                <a:spcPct val="20000"/>
-              </a:spcBef>
-              <a:buFont typeface="Arial"/>
-              <a:buChar char="•"/>
-              <a:defRPr sz="2000" kern="1200">
-                <a:solidFill>
-                  <a:schemeClr val="tx1"/>
-                </a:solidFill>
-                <a:latin typeface="+mn-lt"/>
-                <a:ea typeface="+mn-ea"/>
-                <a:cs typeface="+mn-cs"/>
-              </a:defRPr>
-            </a:lvl7pPr>
-            <a:lvl8pPr marL="3429000" indent="-228600" algn="l" defTabSz="457200" rtl="0" eaLnBrk="1" latinLnBrk="0" hangingPunct="1">
-              <a:spcBef>
-                <a:spcPct val="20000"/>
-              </a:spcBef>
-              <a:buFont typeface="Arial"/>
-              <a:buChar char="•"/>
-              <a:defRPr sz="2000" kern="1200">
-                <a:solidFill>
-                  <a:schemeClr val="tx1"/>
-                </a:solidFill>
-                <a:latin typeface="+mn-lt"/>
-                <a:ea typeface="+mn-ea"/>
-                <a:cs typeface="+mn-cs"/>
-              </a:defRPr>
-            </a:lvl8pPr>
-            <a:lvl9pPr marL="3886200" indent="-228600" algn="l" defTabSz="457200" rtl="0" eaLnBrk="1" latinLnBrk="0" hangingPunct="1">
-              <a:spcBef>
-                <a:spcPct val="20000"/>
-              </a:spcBef>
-              <a:buFont typeface="Arial"/>
-              <a:buChar char="•"/>
-              <a:defRPr sz="2000" kern="1200">
-                <a:solidFill>
-                  <a:schemeClr val="tx1"/>
-                </a:solidFill>
-                <a:latin typeface="+mn-lt"/>
-                <a:ea typeface="+mn-ea"/>
-                <a:cs typeface="+mn-cs"/>
-              </a:defRPr>
-            </a:lvl9pPr>
-          </a:lstStyle>
-          <a:p>
-            <a:pPr marL="0" indent="0">
-              <a:buFont typeface="Arial"/>
-              <a:buNone/>
-            </a:pPr>
-            <a:r>
-              <a:rPr lang="en-US" sz="1800" i="1" dirty="0" smtClean="0"/>
-              <a:t>N = </a:t>
-            </a:r>
-            <a:r>
-              <a:rPr lang="en-US" sz="1800" dirty="0" smtClean="0"/>
-              <a:t>78 romantic partner dyads </a:t>
-            </a:r>
-          </a:p>
-          <a:p>
-            <a:pPr marL="0" indent="0">
-              <a:buFont typeface="Arial"/>
-              <a:buNone/>
-            </a:pPr>
-            <a:r>
-              <a:rPr lang="en-US" sz="1800" dirty="0" smtClean="0"/>
-              <a:t>Mean Relationship Length = 3.9 years (</a:t>
-            </a:r>
-            <a:r>
-              <a:rPr lang="en-US" sz="1800" i="1" dirty="0" smtClean="0"/>
-              <a:t>SD</a:t>
-            </a:r>
-            <a:r>
-              <a:rPr lang="en-US" sz="1800" dirty="0" smtClean="0"/>
-              <a:t> = 3.1)</a:t>
-            </a:r>
-          </a:p>
-          <a:p>
-            <a:pPr marL="0" indent="0">
-              <a:buFont typeface="Arial"/>
-              <a:buNone/>
-            </a:pPr>
-            <a:r>
-              <a:rPr lang="en-US" sz="1800" dirty="0" smtClean="0"/>
-              <a:t>Mean Age = 27.4 (</a:t>
-            </a:r>
-            <a:r>
-              <a:rPr lang="en-US" sz="1800" i="1" dirty="0" smtClean="0"/>
-              <a:t>SD</a:t>
-            </a:r>
-            <a:r>
-              <a:rPr lang="en-US" sz="1800" dirty="0" smtClean="0"/>
-              <a:t> = 6.3)</a:t>
-            </a:r>
-          </a:p>
-          <a:p>
-            <a:endParaRPr lang="en-US" sz="1800" dirty="0" smtClean="0"/>
-          </a:p>
-          <a:p>
-            <a:pPr marL="0" indent="0">
-              <a:buFont typeface="Arial"/>
-              <a:buNone/>
-            </a:pPr>
-            <a:endParaRPr lang="en-US" sz="1800" dirty="0" smtClean="0"/>
-          </a:p>
-          <a:p>
-            <a:pPr marL="0" indent="0">
-              <a:buFont typeface="Arial"/>
-              <a:buNone/>
-            </a:pPr>
-            <a:endParaRPr lang="en-US" sz="1800" dirty="0"/>
-          </a:p>
-        </p:txBody>
-      </p:sp>
     </p:spTree>
     <p:extLst>
       <p:ext uri="{BB962C8B-B14F-4D97-AF65-F5344CB8AC3E}">
@@ -7888,7 +7940,7 @@
         </p:blipFill>
         <p:spPr>
           <a:xfrm>
-            <a:off x="542129" y="2148009"/>
+            <a:off x="710707" y="1857369"/>
             <a:ext cx="8065293" cy="2002513"/>
           </a:xfrm>
           <a:prstGeom prst="rect">
@@ -7896,6 +7948,77 @@
           </a:prstGeom>
         </p:spPr>
       </p:pic>
+      <p:sp>
+        <p:nvSpPr>
+          <p:cNvPr id="3" name="TextBox 2"/>
+          <p:cNvSpPr txBox="1"/>
+          <p:nvPr/>
+        </p:nvSpPr>
+        <p:spPr>
+          <a:xfrm>
+            <a:off x="988995" y="4192089"/>
+            <a:ext cx="7529225" cy="1815882"/>
+          </a:xfrm>
+          <a:prstGeom prst="rect">
+            <a:avLst/>
+          </a:prstGeom>
+          <a:noFill/>
+        </p:spPr>
+        <p:txBody>
+          <a:bodyPr wrap="square" rtlCol="0">
+            <a:spAutoFit/>
+          </a:bodyPr>
+          <a:lstStyle/>
+          <a:p>
+            <a:pPr algn="ctr"/>
+            <a:r>
+              <a:rPr lang="en-US" sz="2800" dirty="0" smtClean="0">
+                <a:latin typeface="Helvetica"/>
+                <a:cs typeface="Helvetica"/>
+              </a:rPr>
+              <a:t>10 second intervals = 30 observations/phase</a:t>
+            </a:r>
+          </a:p>
+          <a:p>
+            <a:pPr algn="ctr"/>
+            <a:endParaRPr lang="en-US" sz="1400" dirty="0" smtClean="0">
+              <a:latin typeface="Helvetica"/>
+              <a:cs typeface="Helvetica"/>
+            </a:endParaRPr>
+          </a:p>
+          <a:p>
+            <a:pPr algn="ctr"/>
+            <a:endParaRPr lang="en-US" sz="1400" dirty="0">
+              <a:latin typeface="Helvetica"/>
+              <a:cs typeface="Helvetica"/>
+            </a:endParaRPr>
+          </a:p>
+          <a:p>
+            <a:pPr algn="ctr"/>
+            <a:r>
+              <a:rPr lang="en-US" sz="2800" dirty="0" smtClean="0">
+                <a:latin typeface="Helvetica"/>
+                <a:cs typeface="Helvetica"/>
+              </a:rPr>
+              <a:t>Phase 1 = Male Provide / Female Receive</a:t>
+            </a:r>
+          </a:p>
+          <a:p>
+            <a:pPr algn="ctr"/>
+            <a:r>
+              <a:rPr lang="en-US" sz="2800" dirty="0" smtClean="0">
+                <a:latin typeface="Helvetica"/>
+                <a:cs typeface="Helvetica"/>
+              </a:rPr>
+              <a:t>Phase 2 = Female Provide / Male Receive</a:t>
+            </a:r>
+            <a:endParaRPr lang="en-US" sz="2800" dirty="0">
+              <a:latin typeface="Helvetica"/>
+              <a:cs typeface="Helvetica"/>
+            </a:endParaRPr>
+          </a:p>
+        </p:txBody>
+      </p:sp>
     </p:spTree>
     <p:extLst>
       <p:ext uri="{BB962C8B-B14F-4D97-AF65-F5344CB8AC3E}">
@@ -7917,7 +8040,7 @@
 </file>
 
 <file path=ppt/slides/slide6.xml><?xml version="1.0" encoding="utf-8"?>
-<p:sld xmlns:a="http://schemas.openxmlformats.org/drawingml/2006/main" xmlns:r="http://schemas.openxmlformats.org/officeDocument/2006/relationships" xmlns:p="http://schemas.openxmlformats.org/presentationml/2006/main">
+<p:sld xmlns:a="http://schemas.openxmlformats.org/drawingml/2006/main" xmlns:r="http://schemas.openxmlformats.org/officeDocument/2006/relationships" xmlns:p="http://schemas.openxmlformats.org/presentationml/2006/main" show="0">
   <p:cSld>
     <p:spTree>
       <p:nvGrpSpPr>
@@ -7951,186 +8074,6 @@
             <a:fld id="{930465AD-53DA-D841-AEBD-0BDBF8BCBA90}" type="slidenum">
               <a:rPr lang="en-US" smtClean="0"/>
               <a:t>6</a:t>
-            </a:fld>
-            <a:endParaRPr lang="en-US"/>
-          </a:p>
-        </p:txBody>
-      </p:sp>
-      <p:pic>
-        <p:nvPicPr>
-          <p:cNvPr id="2" name="Picture 1" descr="Raw_RSA_Panel_Plots.pdf"/>
-          <p:cNvPicPr>
-            <a:picLocks noChangeAspect="1"/>
-          </p:cNvPicPr>
-          <p:nvPr/>
-        </p:nvPicPr>
-        <p:blipFill>
-          <a:blip r:embed="rId2">
-            <a:extLst>
-              <a:ext uri="{28A0092B-C50C-407E-A947-70E740481C1C}">
-                <a14:useLocalDpi xmlns:a14="http://schemas.microsoft.com/office/drawing/2010/main" val="0"/>
-              </a:ext>
-            </a:extLst>
-          </a:blip>
-          <a:stretch>
-            <a:fillRect/>
-          </a:stretch>
-        </p:blipFill>
-        <p:spPr>
-          <a:xfrm>
-            <a:off x="1218356" y="0"/>
-            <a:ext cx="6858000" cy="6858000"/>
-          </a:xfrm>
-          <a:prstGeom prst="rect">
-            <a:avLst/>
-          </a:prstGeom>
-        </p:spPr>
-      </p:pic>
-    </p:spTree>
-    <p:extLst>
-      <p:ext uri="{BB962C8B-B14F-4D97-AF65-F5344CB8AC3E}">
-        <p14:creationId xmlns:p14="http://schemas.microsoft.com/office/powerpoint/2010/main" val="652471396"/>
-      </p:ext>
-    </p:extLst>
-  </p:cSld>
-  <p:clrMapOvr>
-    <a:masterClrMapping/>
-  </p:clrMapOvr>
-  <p:timing>
-    <p:tnLst>
-      <p:par>
-        <p:cTn xmlns:p14="http://schemas.microsoft.com/office/powerpoint/2010/main" id="1" dur="indefinite" restart="never" nodeType="tmRoot"/>
-      </p:par>
-    </p:tnLst>
-  </p:timing>
-</p:sld>
-</file>
-
-<file path=ppt/slides/slide7.xml><?xml version="1.0" encoding="utf-8"?>
-<p:sld xmlns:a="http://schemas.openxmlformats.org/drawingml/2006/main" xmlns:r="http://schemas.openxmlformats.org/officeDocument/2006/relationships" xmlns:p="http://schemas.openxmlformats.org/presentationml/2006/main">
-  <p:cSld>
-    <p:spTree>
-      <p:nvGrpSpPr>
-        <p:cNvPr id="1" name=""/>
-        <p:cNvGrpSpPr/>
-        <p:nvPr/>
-      </p:nvGrpSpPr>
-      <p:grpSpPr>
-        <a:xfrm>
-          <a:off x="0" y="0"/>
-          <a:ext cx="0" cy="0"/>
-          <a:chOff x="0" y="0"/>
-          <a:chExt cx="0" cy="0"/>
-        </a:xfrm>
-      </p:grpSpPr>
-      <p:sp>
-        <p:nvSpPr>
-          <p:cNvPr id="3" name="Slide Number Placeholder 2"/>
-          <p:cNvSpPr>
-            <a:spLocks noGrp="1"/>
-          </p:cNvSpPr>
-          <p:nvPr>
-            <p:ph type="sldNum" sz="quarter" idx="12"/>
-          </p:nvPr>
-        </p:nvSpPr>
-        <p:spPr/>
-        <p:txBody>
-          <a:bodyPr/>
-          <a:lstStyle/>
-          <a:p>
-            <a:fld id="{930465AD-53DA-D841-AEBD-0BDBF8BCBA90}" type="slidenum">
-              <a:rPr lang="en-US" smtClean="0"/>
-              <a:t>7</a:t>
-            </a:fld>
-            <a:endParaRPr lang="en-US"/>
-          </a:p>
-        </p:txBody>
-      </p:sp>
-      <p:pic>
-        <p:nvPicPr>
-          <p:cNvPr id="4" name="Picture 3" descr="Raw_RSA_Panel_Plots_withlines.pdf"/>
-          <p:cNvPicPr>
-            <a:picLocks noChangeAspect="1"/>
-          </p:cNvPicPr>
-          <p:nvPr/>
-        </p:nvPicPr>
-        <p:blipFill>
-          <a:blip r:embed="rId2">
-            <a:extLst>
-              <a:ext uri="{28A0092B-C50C-407E-A947-70E740481C1C}">
-                <a14:useLocalDpi xmlns:a14="http://schemas.microsoft.com/office/drawing/2010/main" val="0"/>
-              </a:ext>
-            </a:extLst>
-          </a:blip>
-          <a:stretch>
-            <a:fillRect/>
-          </a:stretch>
-        </p:blipFill>
-        <p:spPr>
-          <a:xfrm>
-            <a:off x="1214906" y="0"/>
-            <a:ext cx="6858000" cy="6858000"/>
-          </a:xfrm>
-          <a:prstGeom prst="rect">
-            <a:avLst/>
-          </a:prstGeom>
-        </p:spPr>
-      </p:pic>
-    </p:spTree>
-    <p:extLst>
-      <p:ext uri="{BB962C8B-B14F-4D97-AF65-F5344CB8AC3E}">
-        <p14:creationId xmlns:p14="http://schemas.microsoft.com/office/powerpoint/2010/main" val="2087085356"/>
-      </p:ext>
-    </p:extLst>
-  </p:cSld>
-  <p:clrMapOvr>
-    <a:masterClrMapping/>
-  </p:clrMapOvr>
-  <p:timing>
-    <p:tnLst>
-      <p:par>
-        <p:cTn xmlns:p14="http://schemas.microsoft.com/office/powerpoint/2010/main" id="1" dur="indefinite" restart="never" nodeType="tmRoot"/>
-      </p:par>
-    </p:tnLst>
-  </p:timing>
-</p:sld>
-</file>
-
-<file path=ppt/slides/slide8.xml><?xml version="1.0" encoding="utf-8"?>
-<p:sld xmlns:a="http://schemas.openxmlformats.org/drawingml/2006/main" xmlns:r="http://schemas.openxmlformats.org/officeDocument/2006/relationships" xmlns:p="http://schemas.openxmlformats.org/presentationml/2006/main">
-  <p:cSld>
-    <p:spTree>
-      <p:nvGrpSpPr>
-        <p:cNvPr id="1" name=""/>
-        <p:cNvGrpSpPr/>
-        <p:nvPr/>
-      </p:nvGrpSpPr>
-      <p:grpSpPr>
-        <a:xfrm>
-          <a:off x="0" y="0"/>
-          <a:ext cx="0" cy="0"/>
-          <a:chOff x="0" y="0"/>
-          <a:chExt cx="0" cy="0"/>
-        </a:xfrm>
-      </p:grpSpPr>
-      <p:sp>
-        <p:nvSpPr>
-          <p:cNvPr id="3" name="Slide Number Placeholder 2"/>
-          <p:cNvSpPr>
-            <a:spLocks noGrp="1"/>
-          </p:cNvSpPr>
-          <p:nvPr>
-            <p:ph type="sldNum" sz="quarter" idx="12"/>
-          </p:nvPr>
-        </p:nvSpPr>
-        <p:spPr/>
-        <p:txBody>
-          <a:bodyPr/>
-          <a:lstStyle/>
-          <a:p>
-            <a:fld id="{930465AD-53DA-D841-AEBD-0BDBF8BCBA90}" type="slidenum">
-              <a:rPr lang="en-US" smtClean="0"/>
-              <a:t>8</a:t>
             </a:fld>
             <a:endParaRPr lang="en-US"/>
           </a:p>
@@ -8403,6 +8346,212 @@
           </a:fontRef>
         </p:style>
       </p:cxnSp>
+      <p:sp>
+        <p:nvSpPr>
+          <p:cNvPr id="7" name="Rectangle 6"/>
+          <p:cNvSpPr/>
+          <p:nvPr/>
+        </p:nvSpPr>
+        <p:spPr>
+          <a:xfrm>
+            <a:off x="239987" y="2967335"/>
+            <a:ext cx="8664038" cy="1754327"/>
+          </a:xfrm>
+          <a:prstGeom prst="rect">
+            <a:avLst/>
+          </a:prstGeom>
+          <a:noFill/>
+        </p:spPr>
+        <p:txBody>
+          <a:bodyPr wrap="none" lIns="91440" tIns="45720" rIns="91440" bIns="45720">
+            <a:spAutoFit/>
+          </a:bodyPr>
+          <a:lstStyle/>
+          <a:p>
+            <a:pPr algn="ctr"/>
+            <a:r>
+              <a:rPr lang="en-US" sz="5400" b="1" cap="all" dirty="0" smtClean="0">
+                <a:ln w="9000" cmpd="sng">
+                  <a:solidFill>
+                    <a:schemeClr val="accent4">
+                      <a:shade val="50000"/>
+                      <a:satMod val="120000"/>
+                    </a:schemeClr>
+                  </a:solidFill>
+                  <a:prstDash val="solid"/>
+                </a:ln>
+                <a:gradFill>
+                  <a:gsLst>
+                    <a:gs pos="0">
+                      <a:schemeClr val="accent4">
+                        <a:shade val="20000"/>
+                        <a:satMod val="245000"/>
+                      </a:schemeClr>
+                    </a:gs>
+                    <a:gs pos="43000">
+                      <a:schemeClr val="accent4">
+                        <a:satMod val="255000"/>
+                      </a:schemeClr>
+                    </a:gs>
+                    <a:gs pos="48000">
+                      <a:schemeClr val="accent4">
+                        <a:shade val="85000"/>
+                        <a:satMod val="255000"/>
+                      </a:schemeClr>
+                    </a:gs>
+                    <a:gs pos="100000">
+                      <a:schemeClr val="accent4">
+                        <a:shade val="20000"/>
+                        <a:satMod val="245000"/>
+                      </a:schemeClr>
+                    </a:gs>
+                  </a:gsLst>
+                  <a:lin ang="5400000"/>
+                </a:gradFill>
+                <a:effectLst>
+                  <a:reflection blurRad="12700" stA="28000" endPos="45000" dist="1000" dir="5400000" sy="-100000" algn="bl" rotWithShape="0"/>
+                </a:effectLst>
+              </a:rPr>
+              <a:t>Redo figure with correct</a:t>
+            </a:r>
+          </a:p>
+          <a:p>
+            <a:pPr algn="ctr"/>
+            <a:r>
+              <a:rPr lang="en-US" sz="5400" b="1" cap="all" dirty="0">
+                <a:ln w="9000" cmpd="sng">
+                  <a:solidFill>
+                    <a:schemeClr val="accent4">
+                      <a:shade val="50000"/>
+                      <a:satMod val="120000"/>
+                    </a:schemeClr>
+                  </a:solidFill>
+                  <a:prstDash val="solid"/>
+                </a:ln>
+                <a:gradFill>
+                  <a:gsLst>
+                    <a:gs pos="0">
+                      <a:schemeClr val="accent4">
+                        <a:shade val="20000"/>
+                        <a:satMod val="245000"/>
+                      </a:schemeClr>
+                    </a:gs>
+                    <a:gs pos="43000">
+                      <a:schemeClr val="accent4">
+                        <a:satMod val="255000"/>
+                      </a:schemeClr>
+                    </a:gs>
+                    <a:gs pos="48000">
+                      <a:schemeClr val="accent4">
+                        <a:shade val="85000"/>
+                        <a:satMod val="255000"/>
+                      </a:schemeClr>
+                    </a:gs>
+                    <a:gs pos="100000">
+                      <a:schemeClr val="accent4">
+                        <a:shade val="20000"/>
+                        <a:satMod val="245000"/>
+                      </a:schemeClr>
+                    </a:gs>
+                  </a:gsLst>
+                  <a:lin ang="5400000"/>
+                </a:gradFill>
+                <a:effectLst>
+                  <a:reflection blurRad="12700" stA="28000" endPos="45000" dist="1000" dir="5400000" sy="-100000" algn="bl" rotWithShape="0"/>
+                </a:effectLst>
+              </a:rPr>
+              <a:t>p</a:t>
+            </a:r>
+            <a:r>
+              <a:rPr lang="en-US" sz="5400" b="1" cap="all" dirty="0" smtClean="0">
+                <a:ln w="9000" cmpd="sng">
+                  <a:solidFill>
+                    <a:schemeClr val="accent4">
+                      <a:shade val="50000"/>
+                      <a:satMod val="120000"/>
+                    </a:schemeClr>
+                  </a:solidFill>
+                  <a:prstDash val="solid"/>
+                </a:ln>
+                <a:gradFill>
+                  <a:gsLst>
+                    <a:gs pos="0">
+                      <a:schemeClr val="accent4">
+                        <a:shade val="20000"/>
+                        <a:satMod val="245000"/>
+                      </a:schemeClr>
+                    </a:gs>
+                    <a:gs pos="43000">
+                      <a:schemeClr val="accent4">
+                        <a:satMod val="255000"/>
+                      </a:schemeClr>
+                    </a:gs>
+                    <a:gs pos="48000">
+                      <a:schemeClr val="accent4">
+                        <a:shade val="85000"/>
+                        <a:satMod val="255000"/>
+                      </a:schemeClr>
+                    </a:gs>
+                    <a:gs pos="100000">
+                      <a:schemeClr val="accent4">
+                        <a:shade val="20000"/>
+                        <a:satMod val="245000"/>
+                      </a:schemeClr>
+                    </a:gs>
+                  </a:gsLst>
+                  <a:lin ang="5400000"/>
+                </a:gradFill>
+                <a:effectLst>
+                  <a:reflection blurRad="12700" stA="28000" endPos="45000" dist="1000" dir="5400000" sy="-100000" algn="bl" rotWithShape="0"/>
+                </a:effectLst>
+              </a:rPr>
+              <a:t>hases and intervals</a:t>
+            </a:r>
+            <a:endParaRPr lang="en-US" sz="5400" b="1" cap="all" dirty="0">
+              <a:ln w="9000" cmpd="sng">
+                <a:solidFill>
+                  <a:schemeClr val="accent4">
+                    <a:shade val="50000"/>
+                    <a:satMod val="120000"/>
+                  </a:schemeClr>
+                </a:solidFill>
+                <a:prstDash val="solid"/>
+              </a:ln>
+              <a:gradFill>
+                <a:gsLst>
+                  <a:gs pos="0">
+                    <a:schemeClr val="accent4">
+                      <a:shade val="20000"/>
+                      <a:satMod val="245000"/>
+                    </a:schemeClr>
+                  </a:gs>
+                  <a:gs pos="43000">
+                    <a:schemeClr val="accent4">
+                      <a:satMod val="255000"/>
+                    </a:schemeClr>
+                  </a:gs>
+                  <a:gs pos="48000">
+                    <a:schemeClr val="accent4">
+                      <a:shade val="85000"/>
+                      <a:satMod val="255000"/>
+                    </a:schemeClr>
+                  </a:gs>
+                  <a:gs pos="100000">
+                    <a:schemeClr val="accent4">
+                      <a:shade val="20000"/>
+                      <a:satMod val="245000"/>
+                    </a:schemeClr>
+                  </a:gs>
+                </a:gsLst>
+                <a:lin ang="5400000"/>
+              </a:gradFill>
+              <a:effectLst>
+                <a:reflection blurRad="12700" stA="28000" endPos="45000" dist="1000" dir="5400000" sy="-100000" algn="bl" rotWithShape="0"/>
+              </a:effectLst>
+            </a:endParaRPr>
+          </a:p>
+        </p:txBody>
+      </p:sp>
     </p:spTree>
     <p:extLst>
       <p:ext uri="{BB962C8B-B14F-4D97-AF65-F5344CB8AC3E}">
@@ -8413,6 +8562,14 @@
   <p:clrMapOvr>
     <a:masterClrMapping/>
   </p:clrMapOvr>
+  <mc:AlternateContent xmlns:mc="http://schemas.openxmlformats.org/markup-compatibility/2006">
+    <mc:Choice xmlns:p14="http://schemas.microsoft.com/office/powerpoint/2010/main" Requires="p14">
+      <p:transition spd="slow" p14:dur="2000"/>
+    </mc:Choice>
+    <mc:Fallback>
+      <p:transition xmlns:p14="http://schemas.microsoft.com/office/powerpoint/2010/main" spd="slow"/>
+    </mc:Fallback>
+  </mc:AlternateContent>
   <p:timing>
     <p:tnLst>
       <p:par>
@@ -8686,6 +8843,308 @@
 </p:sld>
 </file>
 
+<file path=ppt/slides/slide7.xml><?xml version="1.0" encoding="utf-8"?>
+<p:sld xmlns:a="http://schemas.openxmlformats.org/drawingml/2006/main" xmlns:r="http://schemas.openxmlformats.org/officeDocument/2006/relationships" xmlns:p="http://schemas.openxmlformats.org/presentationml/2006/main">
+  <p:cSld>
+    <p:spTree>
+      <p:nvGrpSpPr>
+        <p:cNvPr id="1" name=""/>
+        <p:cNvGrpSpPr/>
+        <p:nvPr/>
+      </p:nvGrpSpPr>
+      <p:grpSpPr>
+        <a:xfrm>
+          <a:off x="0" y="0"/>
+          <a:ext cx="0" cy="0"/>
+          <a:chOff x="0" y="0"/>
+          <a:chExt cx="0" cy="0"/>
+        </a:xfrm>
+      </p:grpSpPr>
+      <p:sp>
+        <p:nvSpPr>
+          <p:cNvPr id="3" name="Title 2"/>
+          <p:cNvSpPr>
+            <a:spLocks noGrp="1"/>
+          </p:cNvSpPr>
+          <p:nvPr>
+            <p:ph type="title"/>
+          </p:nvPr>
+        </p:nvSpPr>
+        <p:spPr>
+          <a:xfrm>
+            <a:off x="457200" y="0"/>
+            <a:ext cx="8229600" cy="1143000"/>
+          </a:xfrm>
+        </p:spPr>
+        <p:txBody>
+          <a:bodyPr>
+            <a:normAutofit/>
+          </a:bodyPr>
+          <a:lstStyle/>
+          <a:p>
+            <a:r>
+              <a:rPr lang="en-US" sz="3600" dirty="0" smtClean="0"/>
+              <a:t>Dyad 178</a:t>
+            </a:r>
+            <a:endParaRPr lang="en-US" sz="3600" dirty="0"/>
+          </a:p>
+        </p:txBody>
+      </p:sp>
+      <p:sp>
+        <p:nvSpPr>
+          <p:cNvPr id="2" name="Slide Number Placeholder 1"/>
+          <p:cNvSpPr>
+            <a:spLocks noGrp="1"/>
+          </p:cNvSpPr>
+          <p:nvPr>
+            <p:ph type="sldNum" sz="quarter" idx="12"/>
+          </p:nvPr>
+        </p:nvSpPr>
+        <p:spPr/>
+        <p:txBody>
+          <a:bodyPr/>
+          <a:lstStyle/>
+          <a:p>
+            <a:fld id="{930465AD-53DA-D841-AEBD-0BDBF8BCBA90}" type="slidenum">
+              <a:rPr lang="en-US" smtClean="0"/>
+              <a:t>7</a:t>
+            </a:fld>
+            <a:endParaRPr lang="en-US"/>
+          </a:p>
+        </p:txBody>
+      </p:sp>
+      <p:pic>
+        <p:nvPicPr>
+          <p:cNvPr id="5" name="Picture 4" descr="Raw_Data_178_femaleprovide.pdf"/>
+          <p:cNvPicPr>
+            <a:picLocks noChangeAspect="1"/>
+          </p:cNvPicPr>
+          <p:nvPr/>
+        </p:nvPicPr>
+        <p:blipFill>
+          <a:blip r:embed="rId2">
+            <a:extLst>
+              <a:ext uri="{28A0092B-C50C-407E-A947-70E740481C1C}">
+                <a14:useLocalDpi xmlns:a14="http://schemas.microsoft.com/office/drawing/2010/main" val="0"/>
+              </a:ext>
+            </a:extLst>
+          </a:blip>
+          <a:stretch>
+            <a:fillRect/>
+          </a:stretch>
+        </p:blipFill>
+        <p:spPr>
+          <a:xfrm>
+            <a:off x="4650669" y="937378"/>
+            <a:ext cx="4572000" cy="5486400"/>
+          </a:xfrm>
+          <a:prstGeom prst="rect">
+            <a:avLst/>
+          </a:prstGeom>
+        </p:spPr>
+      </p:pic>
+      <p:pic>
+        <p:nvPicPr>
+          <p:cNvPr id="6" name="Picture 5" descr="Raw_Data_178_maleprovide.pdf"/>
+          <p:cNvPicPr>
+            <a:picLocks noChangeAspect="1"/>
+          </p:cNvPicPr>
+          <p:nvPr/>
+        </p:nvPicPr>
+        <p:blipFill>
+          <a:blip r:embed="rId3">
+            <a:extLst>
+              <a:ext uri="{28A0092B-C50C-407E-A947-70E740481C1C}">
+                <a14:useLocalDpi xmlns:a14="http://schemas.microsoft.com/office/drawing/2010/main" val="0"/>
+              </a:ext>
+            </a:extLst>
+          </a:blip>
+          <a:stretch>
+            <a:fillRect/>
+          </a:stretch>
+        </p:blipFill>
+        <p:spPr>
+          <a:xfrm>
+            <a:off x="112386" y="937378"/>
+            <a:ext cx="4572000" cy="5486400"/>
+          </a:xfrm>
+          <a:prstGeom prst="rect">
+            <a:avLst/>
+          </a:prstGeom>
+        </p:spPr>
+      </p:pic>
+    </p:spTree>
+    <p:extLst>
+      <p:ext uri="{BB962C8B-B14F-4D97-AF65-F5344CB8AC3E}">
+        <p14:creationId xmlns:p14="http://schemas.microsoft.com/office/powerpoint/2010/main" val="1709206830"/>
+      </p:ext>
+    </p:extLst>
+  </p:cSld>
+  <p:clrMapOvr>
+    <a:masterClrMapping/>
+  </p:clrMapOvr>
+</p:sld>
+</file>
+
+<file path=ppt/slides/slide8.xml><?xml version="1.0" encoding="utf-8"?>
+<p:sld xmlns:a="http://schemas.openxmlformats.org/drawingml/2006/main" xmlns:r="http://schemas.openxmlformats.org/officeDocument/2006/relationships" xmlns:p="http://schemas.openxmlformats.org/presentationml/2006/main">
+  <p:cSld>
+    <p:spTree>
+      <p:nvGrpSpPr>
+        <p:cNvPr id="1" name=""/>
+        <p:cNvGrpSpPr/>
+        <p:nvPr/>
+      </p:nvGrpSpPr>
+      <p:grpSpPr>
+        <a:xfrm>
+          <a:off x="0" y="0"/>
+          <a:ext cx="0" cy="0"/>
+          <a:chOff x="0" y="0"/>
+          <a:chExt cx="0" cy="0"/>
+        </a:xfrm>
+      </p:grpSpPr>
+      <p:sp>
+        <p:nvSpPr>
+          <p:cNvPr id="2" name="Slide Number Placeholder 1"/>
+          <p:cNvSpPr>
+            <a:spLocks noGrp="1"/>
+          </p:cNvSpPr>
+          <p:nvPr>
+            <p:ph type="sldNum" sz="quarter" idx="12"/>
+          </p:nvPr>
+        </p:nvSpPr>
+        <p:spPr/>
+        <p:txBody>
+          <a:bodyPr/>
+          <a:lstStyle/>
+          <a:p>
+            <a:fld id="{930465AD-53DA-D841-AEBD-0BDBF8BCBA90}" type="slidenum">
+              <a:rPr lang="en-US" smtClean="0"/>
+              <a:t>8</a:t>
+            </a:fld>
+            <a:endParaRPr lang="en-US"/>
+          </a:p>
+        </p:txBody>
+      </p:sp>
+      <p:pic>
+        <p:nvPicPr>
+          <p:cNvPr id="3" name="Picture 2" descr="Raw_Data_178_femaleprovide_withlines.pdf"/>
+          <p:cNvPicPr>
+            <a:picLocks noChangeAspect="1"/>
+          </p:cNvPicPr>
+          <p:nvPr/>
+        </p:nvPicPr>
+        <p:blipFill>
+          <a:blip r:embed="rId2">
+            <a:extLst>
+              <a:ext uri="{28A0092B-C50C-407E-A947-70E740481C1C}">
+                <a14:useLocalDpi xmlns:a14="http://schemas.microsoft.com/office/drawing/2010/main" val="0"/>
+              </a:ext>
+            </a:extLst>
+          </a:blip>
+          <a:stretch>
+            <a:fillRect/>
+          </a:stretch>
+        </p:blipFill>
+        <p:spPr>
+          <a:xfrm>
+            <a:off x="4650669" y="937378"/>
+            <a:ext cx="4572000" cy="5486400"/>
+          </a:xfrm>
+          <a:prstGeom prst="rect">
+            <a:avLst/>
+          </a:prstGeom>
+        </p:spPr>
+      </p:pic>
+      <p:pic>
+        <p:nvPicPr>
+          <p:cNvPr id="4" name="Picture 3" descr="Raw_Data_178_maleprovide_withlines.pdf"/>
+          <p:cNvPicPr>
+            <a:picLocks noChangeAspect="1"/>
+          </p:cNvPicPr>
+          <p:nvPr/>
+        </p:nvPicPr>
+        <p:blipFill>
+          <a:blip r:embed="rId3">
+            <a:extLst>
+              <a:ext uri="{28A0092B-C50C-407E-A947-70E740481C1C}">
+                <a14:useLocalDpi xmlns:a14="http://schemas.microsoft.com/office/drawing/2010/main" val="0"/>
+              </a:ext>
+            </a:extLst>
+          </a:blip>
+          <a:stretch>
+            <a:fillRect/>
+          </a:stretch>
+        </p:blipFill>
+        <p:spPr>
+          <a:xfrm>
+            <a:off x="112386" y="937378"/>
+            <a:ext cx="4572000" cy="5486400"/>
+          </a:xfrm>
+          <a:prstGeom prst="rect">
+            <a:avLst/>
+          </a:prstGeom>
+        </p:spPr>
+      </p:pic>
+      <p:sp>
+        <p:nvSpPr>
+          <p:cNvPr id="6" name="Title 2"/>
+          <p:cNvSpPr txBox="1">
+            <a:spLocks/>
+          </p:cNvSpPr>
+          <p:nvPr/>
+        </p:nvSpPr>
+        <p:spPr>
+          <a:xfrm>
+            <a:off x="457200" y="249678"/>
+            <a:ext cx="8229600" cy="1143000"/>
+          </a:xfrm>
+          <a:prstGeom prst="rect">
+            <a:avLst/>
+          </a:prstGeom>
+        </p:spPr>
+        <p:txBody>
+          <a:bodyPr>
+            <a:normAutofit/>
+          </a:bodyPr>
+          <a:lstStyle>
+            <a:lvl1pPr algn="ctr" defTabSz="457200" rtl="0" eaLnBrk="1" latinLnBrk="0" hangingPunct="1">
+              <a:spcBef>
+                <a:spcPct val="0"/>
+              </a:spcBef>
+              <a:buNone/>
+              <a:defRPr sz="4400" kern="1200">
+                <a:solidFill>
+                  <a:schemeClr val="tx1"/>
+                </a:solidFill>
+                <a:latin typeface="Helvetica"/>
+                <a:ea typeface="+mj-ea"/>
+                <a:cs typeface="Helvetica"/>
+              </a:defRPr>
+            </a:lvl1pPr>
+          </a:lstStyle>
+          <a:p>
+            <a:r>
+              <a:rPr lang="en-US" sz="3600" dirty="0" smtClean="0"/>
+              <a:t>Dyad 178</a:t>
+            </a:r>
+            <a:endParaRPr lang="en-US" sz="3600" dirty="0"/>
+          </a:p>
+        </p:txBody>
+      </p:sp>
+    </p:spTree>
+    <p:extLst>
+      <p:ext uri="{BB962C8B-B14F-4D97-AF65-F5344CB8AC3E}">
+        <p14:creationId xmlns:p14="http://schemas.microsoft.com/office/powerpoint/2010/main" val="686617226"/>
+      </p:ext>
+    </p:extLst>
+  </p:cSld>
+  <p:clrMapOvr>
+    <a:masterClrMapping/>
+  </p:clrMapOvr>
+</p:sld>
+</file>
+
 <file path=ppt/slides/slide9.xml><?xml version="1.0" encoding="utf-8"?>
 <p:sld xmlns:a="http://schemas.openxmlformats.org/drawingml/2006/main" xmlns:r="http://schemas.openxmlformats.org/officeDocument/2006/relationships" xmlns:p="http://schemas.openxmlformats.org/presentationml/2006/main">
   <p:cSld>
@@ -8743,20 +9202,13 @@
           <a:p>
             <a:r>
               <a:rPr lang="en-US" dirty="0" smtClean="0"/>
-              <a:t>Subset of 14 dyads</a:t>
-            </a:r>
-          </a:p>
-          <a:p>
-            <a:pPr lvl="1"/>
+              <a:t>1 dyad as dynamic system</a:t>
+            </a:r>
+          </a:p>
+          <a:p>
             <a:r>
               <a:rPr lang="en-US" dirty="0" smtClean="0"/>
-              <a:t>40 segments/dyad x 14 dyads = 560 obs.</a:t>
-            </a:r>
-          </a:p>
-          <a:p>
-            <a:r>
-              <a:rPr lang="en-US" dirty="0" smtClean="0"/>
-              <a:t>Coupled LDE models (</a:t>
+              <a:t>Coupled LDE model (</a:t>
             </a:r>
             <a:r>
               <a:rPr lang="en-US" dirty="0" err="1" smtClean="0"/>
@@ -8772,15 +9224,20 @@
             </a:r>
             <a:r>
               <a:rPr lang="en-US" dirty="0" smtClean="0"/>
-              <a:t>, 2005)</a:t>
-            </a:r>
-          </a:p>
-          <a:p>
+              <a:t>, 2005</a:t>
+            </a:r>
             <a:r>
               <a:rPr lang="en-US" dirty="0" smtClean="0"/>
-              <a:t>Separate models run for each dyad, with summary statistics aggregated</a:t>
-            </a:r>
-            <a:endParaRPr lang="en-US" dirty="0"/>
+              <a:t>)</a:t>
+            </a:r>
+          </a:p>
+          <a:p>
+            <a:pPr lvl="1"/>
+            <a:r>
+              <a:rPr lang="en-US" dirty="0" smtClean="0"/>
+              <a:t>Time Delay Embedding = 5</a:t>
+            </a:r>
+            <a:endParaRPr lang="en-US" dirty="0" smtClean="0"/>
           </a:p>
         </p:txBody>
       </p:sp>
@@ -8817,6 +9274,14 @@
   <p:clrMapOvr>
     <a:masterClrMapping/>
   </p:clrMapOvr>
+  <mc:AlternateContent xmlns:mc="http://schemas.openxmlformats.org/markup-compatibility/2006" xmlns:p14="http://schemas.microsoft.com/office/powerpoint/2010/main">
+    <mc:Choice Requires="p14">
+      <p:transition spd="slow" p14:dur="2000"/>
+    </mc:Choice>
+    <mc:Fallback xmlns="">
+      <p:transition xmlns:p14="http://schemas.microsoft.com/office/powerpoint/2010/main" spd="slow"/>
+    </mc:Fallback>
+  </mc:AlternateContent>
   <p:timing>
     <p:tnLst>
       <p:par>

--- a/DSM/Bolger_DSM_Report_from_the_Trenches_170601.pptx
+++ b/DSM/Bolger_DSM_Report_from_the_Trenches_170601.pptx
@@ -16,19 +16,19 @@
     <p:sldId id="350" r:id="rId4"/>
     <p:sldId id="285" r:id="rId5"/>
     <p:sldId id="332" r:id="rId6"/>
-    <p:sldId id="498" r:id="rId7"/>
-    <p:sldId id="499" r:id="rId8"/>
-    <p:sldId id="500" r:id="rId9"/>
-    <p:sldId id="495" r:id="rId10"/>
-    <p:sldId id="501" r:id="rId11"/>
-    <p:sldId id="472" r:id="rId12"/>
-    <p:sldId id="503" r:id="rId13"/>
-    <p:sldId id="504" r:id="rId14"/>
-    <p:sldId id="505" r:id="rId15"/>
-    <p:sldId id="506" r:id="rId16"/>
-    <p:sldId id="416" r:id="rId17"/>
-    <p:sldId id="497" r:id="rId18"/>
-    <p:sldId id="464" r:id="rId19"/>
+    <p:sldId id="499" r:id="rId7"/>
+    <p:sldId id="500" r:id="rId8"/>
+    <p:sldId id="495" r:id="rId9"/>
+    <p:sldId id="501" r:id="rId10"/>
+    <p:sldId id="472" r:id="rId11"/>
+    <p:sldId id="503" r:id="rId12"/>
+    <p:sldId id="504" r:id="rId13"/>
+    <p:sldId id="505" r:id="rId14"/>
+    <p:sldId id="506" r:id="rId15"/>
+    <p:sldId id="416" r:id="rId16"/>
+    <p:sldId id="497" r:id="rId17"/>
+    <p:sldId id="464" r:id="rId18"/>
+    <p:sldId id="498" r:id="rId19"/>
     <p:sldId id="375" r:id="rId20"/>
     <p:sldId id="376" r:id="rId21"/>
   </p:sldIdLst>
@@ -1180,20 +1180,7 @@
           <a:bodyPr/>
           <a:lstStyle/>
           <a:p>
-            <a:r>
-              <a:rPr lang="en-US" dirty="0" smtClean="0"/>
-              <a:t>One’s own level predicts one’s</a:t>
-            </a:r>
-            <a:r>
-              <a:rPr lang="en-US" baseline="0" dirty="0" smtClean="0"/>
-              <a:t> own second derivative (acceleration) but only during female provide/male receive</a:t>
-            </a:r>
-          </a:p>
-          <a:p>
-            <a:r>
-              <a:rPr lang="en-US" baseline="0" dirty="0" smtClean="0"/>
-              <a:t>^ even though we get this effect for this couple, this is somewhat consistent with what we find looking at all dyads (i.e., there seems to be something special happening when female provide/male receive but not vice versa)</a:t>
-            </a:r>
+            <a:endParaRPr lang="en-US" dirty="0"/>
           </a:p>
         </p:txBody>
       </p:sp>
@@ -1214,7 +1201,7 @@
           <a:p>
             <a:fld id="{FB401202-7B2C-1F44-9EFD-3AAF0086B375}" type="slidenum">
               <a:rPr lang="en-US" smtClean="0"/>
-              <a:t>11</a:t>
+              <a:t>9</a:t>
             </a:fld>
             <a:endParaRPr lang="en-US"/>
           </a:p>
@@ -1223,7 +1210,7 @@
     </p:spTree>
     <p:extLst>
       <p:ext uri="{BB962C8B-B14F-4D97-AF65-F5344CB8AC3E}">
-        <p14:creationId xmlns:p14="http://schemas.microsoft.com/office/powerpoint/2010/main" val="2167555327"/>
+        <p14:creationId xmlns:p14="http://schemas.microsoft.com/office/powerpoint/2010/main" val="248650883"/>
       </p:ext>
     </p:extLst>
   </p:cSld>
@@ -1277,6 +1264,103 @@
           <a:bodyPr/>
           <a:lstStyle/>
           <a:p>
+            <a:r>
+              <a:rPr lang="en-US" dirty="0" smtClean="0"/>
+              <a:t>One’s own level predicts one’s</a:t>
+            </a:r>
+            <a:r>
+              <a:rPr lang="en-US" baseline="0" dirty="0" smtClean="0"/>
+              <a:t> own second derivative (acceleration) but only during female provide/male receive</a:t>
+            </a:r>
+          </a:p>
+          <a:p>
+            <a:r>
+              <a:rPr lang="en-US" baseline="0" dirty="0" smtClean="0"/>
+              <a:t>^ even though we get this effect for this couple, this is somewhat consistent with what we find looking at all dyads (i.e., there seems to be something special happening when female provide/male receive but not vice versa)</a:t>
+            </a:r>
+          </a:p>
+        </p:txBody>
+      </p:sp>
+      <p:sp>
+        <p:nvSpPr>
+          <p:cNvPr id="4" name="Slide Number Placeholder 3"/>
+          <p:cNvSpPr>
+            <a:spLocks noGrp="1"/>
+          </p:cNvSpPr>
+          <p:nvPr>
+            <p:ph type="sldNum" sz="quarter" idx="10"/>
+          </p:nvPr>
+        </p:nvSpPr>
+        <p:spPr/>
+        <p:txBody>
+          <a:bodyPr/>
+          <a:lstStyle/>
+          <a:p>
+            <a:fld id="{FB401202-7B2C-1F44-9EFD-3AAF0086B375}" type="slidenum">
+              <a:rPr lang="en-US" smtClean="0"/>
+              <a:t>10</a:t>
+            </a:fld>
+            <a:endParaRPr lang="en-US"/>
+          </a:p>
+        </p:txBody>
+      </p:sp>
+    </p:spTree>
+    <p:extLst>
+      <p:ext uri="{BB962C8B-B14F-4D97-AF65-F5344CB8AC3E}">
+        <p14:creationId xmlns:p14="http://schemas.microsoft.com/office/powerpoint/2010/main" val="2167555327"/>
+      </p:ext>
+    </p:extLst>
+  </p:cSld>
+  <p:clrMapOvr>
+    <a:masterClrMapping/>
+  </p:clrMapOvr>
+</p:notes>
+</file>
+
+<file path=ppt/notesSlides/notesSlide7.xml><?xml version="1.0" encoding="utf-8"?>
+<p:notes xmlns:a="http://schemas.openxmlformats.org/drawingml/2006/main" xmlns:r="http://schemas.openxmlformats.org/officeDocument/2006/relationships" xmlns:p="http://schemas.openxmlformats.org/presentationml/2006/main">
+  <p:cSld>
+    <p:spTree>
+      <p:nvGrpSpPr>
+        <p:cNvPr id="1" name=""/>
+        <p:cNvGrpSpPr/>
+        <p:nvPr/>
+      </p:nvGrpSpPr>
+      <p:grpSpPr>
+        <a:xfrm>
+          <a:off x="0" y="0"/>
+          <a:ext cx="0" cy="0"/>
+          <a:chOff x="0" y="0"/>
+          <a:chExt cx="0" cy="0"/>
+        </a:xfrm>
+      </p:grpSpPr>
+      <p:sp>
+        <p:nvSpPr>
+          <p:cNvPr id="2" name="Slide Image Placeholder 1"/>
+          <p:cNvSpPr>
+            <a:spLocks noGrp="1" noRot="1" noChangeAspect="1"/>
+          </p:cNvSpPr>
+          <p:nvPr>
+            <p:ph type="sldImg"/>
+          </p:nvPr>
+        </p:nvSpPr>
+        <p:spPr/>
+      </p:sp>
+      <p:sp>
+        <p:nvSpPr>
+          <p:cNvPr id="3" name="Notes Placeholder 2"/>
+          <p:cNvSpPr>
+            <a:spLocks noGrp="1"/>
+          </p:cNvSpPr>
+          <p:nvPr>
+            <p:ph type="body" idx="1"/>
+          </p:nvPr>
+        </p:nvSpPr>
+        <p:spPr/>
+        <p:txBody>
+          <a:bodyPr/>
+          <a:lstStyle/>
+          <a:p>
             <a:endParaRPr lang="en-US" dirty="0"/>
           </a:p>
         </p:txBody>
@@ -1298,7 +1382,7 @@
           <a:p>
             <a:fld id="{449532B9-1DE5-854F-847B-81DAE3504361}" type="slidenum">
               <a:rPr lang="en-US" smtClean="0"/>
-              <a:t>16</a:t>
+              <a:t>15</a:t>
             </a:fld>
             <a:endParaRPr lang="en-US"/>
           </a:p>
@@ -4512,6 +4596,1264 @@
       </p:sp>
       <p:sp>
         <p:nvSpPr>
+          <p:cNvPr id="3" name="Content Placeholder 2"/>
+          <p:cNvSpPr>
+            <a:spLocks noGrp="1"/>
+          </p:cNvSpPr>
+          <p:nvPr>
+            <p:ph idx="1"/>
+          </p:nvPr>
+        </p:nvSpPr>
+        <p:spPr/>
+        <p:txBody>
+          <a:bodyPr/>
+          <a:lstStyle/>
+          <a:p>
+            <a:r>
+              <a:rPr lang="en-US" dirty="0" smtClean="0"/>
+              <a:t>Evidence of self-regulation, but </a:t>
+            </a:r>
+            <a:r>
+              <a:rPr lang="en-US" dirty="0" smtClean="0"/>
+              <a:t>only during male receive / female provide phase</a:t>
+            </a:r>
+          </a:p>
+          <a:p>
+            <a:pPr lvl="1"/>
+            <a:r>
+              <a:rPr lang="en-US" dirty="0" smtClean="0"/>
+              <a:t>For both partners, the higher one’s RSA relative to baseline, the more changes in RSA slow down</a:t>
+            </a:r>
+            <a:endParaRPr lang="en-US" dirty="0" smtClean="0"/>
+          </a:p>
+          <a:p>
+            <a:endParaRPr lang="en-US" dirty="0" smtClean="0"/>
+          </a:p>
+        </p:txBody>
+      </p:sp>
+      <p:sp>
+        <p:nvSpPr>
+          <p:cNvPr id="4" name="Slide Number Placeholder 3"/>
+          <p:cNvSpPr>
+            <a:spLocks noGrp="1"/>
+          </p:cNvSpPr>
+          <p:nvPr>
+            <p:ph type="sldNum" sz="quarter" idx="12"/>
+          </p:nvPr>
+        </p:nvSpPr>
+        <p:spPr/>
+        <p:txBody>
+          <a:bodyPr/>
+          <a:lstStyle/>
+          <a:p>
+            <a:fld id="{930465AD-53DA-D841-AEBD-0BDBF8BCBA90}" type="slidenum">
+              <a:rPr lang="en-US" smtClean="0"/>
+              <a:t>10</a:t>
+            </a:fld>
+            <a:endParaRPr lang="en-US"/>
+          </a:p>
+        </p:txBody>
+      </p:sp>
+    </p:spTree>
+    <p:extLst>
+      <p:ext uri="{BB962C8B-B14F-4D97-AF65-F5344CB8AC3E}">
+        <p14:creationId xmlns:p14="http://schemas.microsoft.com/office/powerpoint/2010/main" val="41875832"/>
+      </p:ext>
+    </p:extLst>
+  </p:cSld>
+  <p:clrMapOvr>
+    <a:masterClrMapping/>
+  </p:clrMapOvr>
+  <p:timing>
+    <p:tnLst>
+      <p:par>
+        <p:cTn xmlns:p14="http://schemas.microsoft.com/office/powerpoint/2010/main" id="1" dur="indefinite" restart="never" nodeType="tmRoot"/>
+      </p:par>
+    </p:tnLst>
+  </p:timing>
+</p:sld>
+</file>
+
+<file path=ppt/slides/slide11.xml><?xml version="1.0" encoding="utf-8"?>
+<p:sld xmlns:a="http://schemas.openxmlformats.org/drawingml/2006/main" xmlns:r="http://schemas.openxmlformats.org/officeDocument/2006/relationships" xmlns:p="http://schemas.openxmlformats.org/presentationml/2006/main">
+  <p:cSld>
+    <p:spTree>
+      <p:nvGrpSpPr>
+        <p:cNvPr id="1" name=""/>
+        <p:cNvGrpSpPr/>
+        <p:nvPr/>
+      </p:nvGrpSpPr>
+      <p:grpSpPr>
+        <a:xfrm>
+          <a:off x="0" y="0"/>
+          <a:ext cx="0" cy="0"/>
+          <a:chOff x="0" y="0"/>
+          <a:chExt cx="0" cy="0"/>
+        </a:xfrm>
+      </p:grpSpPr>
+      <p:sp>
+        <p:nvSpPr>
+          <p:cNvPr id="2" name="Title 1"/>
+          <p:cNvSpPr>
+            <a:spLocks noGrp="1"/>
+          </p:cNvSpPr>
+          <p:nvPr>
+            <p:ph type="title"/>
+          </p:nvPr>
+        </p:nvSpPr>
+        <p:spPr/>
+        <p:txBody>
+          <a:bodyPr/>
+          <a:lstStyle/>
+          <a:p>
+            <a:r>
+              <a:rPr lang="en-US" dirty="0" smtClean="0"/>
+              <a:t>Open Questions and Next Steps</a:t>
+            </a:r>
+            <a:endParaRPr lang="en-US" dirty="0"/>
+          </a:p>
+        </p:txBody>
+      </p:sp>
+      <p:sp>
+        <p:nvSpPr>
+          <p:cNvPr id="3" name="Content Placeholder 2"/>
+          <p:cNvSpPr>
+            <a:spLocks noGrp="1"/>
+          </p:cNvSpPr>
+          <p:nvPr>
+            <p:ph idx="1"/>
+          </p:nvPr>
+        </p:nvSpPr>
+        <p:spPr/>
+        <p:txBody>
+          <a:bodyPr/>
+          <a:lstStyle/>
+          <a:p>
+            <a:r>
+              <a:rPr lang="en-US" dirty="0" smtClean="0"/>
+              <a:t>Different time delay embed values may be necessary for each phase</a:t>
+            </a:r>
+          </a:p>
+          <a:p>
+            <a:pPr marL="457200" lvl="1" indent="0">
+              <a:buNone/>
+            </a:pPr>
+            <a:endParaRPr lang="en-US" dirty="0"/>
+          </a:p>
+        </p:txBody>
+      </p:sp>
+      <p:sp>
+        <p:nvSpPr>
+          <p:cNvPr id="4" name="Slide Number Placeholder 3"/>
+          <p:cNvSpPr>
+            <a:spLocks noGrp="1"/>
+          </p:cNvSpPr>
+          <p:nvPr>
+            <p:ph type="sldNum" sz="quarter" idx="12"/>
+          </p:nvPr>
+        </p:nvSpPr>
+        <p:spPr/>
+        <p:txBody>
+          <a:bodyPr/>
+          <a:lstStyle/>
+          <a:p>
+            <a:fld id="{930465AD-53DA-D841-AEBD-0BDBF8BCBA90}" type="slidenum">
+              <a:rPr lang="en-US" smtClean="0"/>
+              <a:t>11</a:t>
+            </a:fld>
+            <a:endParaRPr lang="en-US"/>
+          </a:p>
+        </p:txBody>
+      </p:sp>
+    </p:spTree>
+    <p:extLst>
+      <p:ext uri="{BB962C8B-B14F-4D97-AF65-F5344CB8AC3E}">
+        <p14:creationId xmlns:p14="http://schemas.microsoft.com/office/powerpoint/2010/main" val="1101509553"/>
+      </p:ext>
+    </p:extLst>
+  </p:cSld>
+  <p:clrMapOvr>
+    <a:masterClrMapping/>
+  </p:clrMapOvr>
+  <p:timing>
+    <p:tnLst>
+      <p:par>
+        <p:cTn xmlns:p14="http://schemas.microsoft.com/office/powerpoint/2010/main" id="1" dur="indefinite" restart="never" nodeType="tmRoot"/>
+      </p:par>
+    </p:tnLst>
+  </p:timing>
+</p:sld>
+</file>
+
+<file path=ppt/slides/slide12.xml><?xml version="1.0" encoding="utf-8"?>
+<p:sld xmlns:a="http://schemas.openxmlformats.org/drawingml/2006/main" xmlns:r="http://schemas.openxmlformats.org/officeDocument/2006/relationships" xmlns:p="http://schemas.openxmlformats.org/presentationml/2006/main">
+  <p:cSld>
+    <p:spTree>
+      <p:nvGrpSpPr>
+        <p:cNvPr id="1" name=""/>
+        <p:cNvGrpSpPr/>
+        <p:nvPr/>
+      </p:nvGrpSpPr>
+      <p:grpSpPr>
+        <a:xfrm>
+          <a:off x="0" y="0"/>
+          <a:ext cx="0" cy="0"/>
+          <a:chOff x="0" y="0"/>
+          <a:chExt cx="0" cy="0"/>
+        </a:xfrm>
+      </p:grpSpPr>
+      <p:sp>
+        <p:nvSpPr>
+          <p:cNvPr id="2" name="Title 1"/>
+          <p:cNvSpPr>
+            <a:spLocks noGrp="1"/>
+          </p:cNvSpPr>
+          <p:nvPr>
+            <p:ph type="title"/>
+          </p:nvPr>
+        </p:nvSpPr>
+        <p:spPr/>
+        <p:txBody>
+          <a:bodyPr/>
+          <a:lstStyle/>
+          <a:p>
+            <a:r>
+              <a:rPr lang="en-US" dirty="0" smtClean="0"/>
+              <a:t>Open Questions and Next Steps</a:t>
+            </a:r>
+            <a:endParaRPr lang="en-US" dirty="0"/>
+          </a:p>
+        </p:txBody>
+      </p:sp>
+      <p:sp>
+        <p:nvSpPr>
+          <p:cNvPr id="3" name="Content Placeholder 2"/>
+          <p:cNvSpPr>
+            <a:spLocks noGrp="1"/>
+          </p:cNvSpPr>
+          <p:nvPr>
+            <p:ph idx="1"/>
+          </p:nvPr>
+        </p:nvSpPr>
+        <p:spPr/>
+        <p:txBody>
+          <a:bodyPr/>
+          <a:lstStyle/>
+          <a:p>
+            <a:r>
+              <a:rPr lang="en-US" dirty="0" smtClean="0">
+                <a:solidFill>
+                  <a:srgbClr val="7F7F7F"/>
+                </a:solidFill>
+              </a:rPr>
+              <a:t>Different time delay embed values may be necessary for each phase</a:t>
+            </a:r>
+          </a:p>
+          <a:p>
+            <a:r>
+              <a:rPr lang="en-US" dirty="0"/>
+              <a:t>Interval length: 10 seconds? 2 seconds?</a:t>
+            </a:r>
+          </a:p>
+          <a:p>
+            <a:pPr lvl="1"/>
+            <a:r>
+              <a:rPr lang="en-US" dirty="0"/>
+              <a:t>Limitations: estimating </a:t>
+            </a:r>
+            <a:r>
+              <a:rPr lang="en-US" dirty="0" smtClean="0"/>
+              <a:t>RSA requires intervals of at least 10 seconds in </a:t>
+            </a:r>
+            <a:r>
+              <a:rPr lang="en-US" dirty="0" err="1" smtClean="0"/>
+              <a:t>Mindware</a:t>
+            </a:r>
+            <a:endParaRPr lang="en-US" dirty="0" smtClean="0"/>
+          </a:p>
+          <a:p>
+            <a:pPr marL="457200" lvl="1" indent="0">
+              <a:buNone/>
+            </a:pPr>
+            <a:endParaRPr lang="en-US" dirty="0"/>
+          </a:p>
+        </p:txBody>
+      </p:sp>
+      <p:sp>
+        <p:nvSpPr>
+          <p:cNvPr id="4" name="Slide Number Placeholder 3"/>
+          <p:cNvSpPr>
+            <a:spLocks noGrp="1"/>
+          </p:cNvSpPr>
+          <p:nvPr>
+            <p:ph type="sldNum" sz="quarter" idx="12"/>
+          </p:nvPr>
+        </p:nvSpPr>
+        <p:spPr/>
+        <p:txBody>
+          <a:bodyPr/>
+          <a:lstStyle/>
+          <a:p>
+            <a:fld id="{930465AD-53DA-D841-AEBD-0BDBF8BCBA90}" type="slidenum">
+              <a:rPr lang="en-US" smtClean="0"/>
+              <a:t>12</a:t>
+            </a:fld>
+            <a:endParaRPr lang="en-US"/>
+          </a:p>
+        </p:txBody>
+      </p:sp>
+    </p:spTree>
+    <p:extLst>
+      <p:ext uri="{BB962C8B-B14F-4D97-AF65-F5344CB8AC3E}">
+        <p14:creationId xmlns:p14="http://schemas.microsoft.com/office/powerpoint/2010/main" val="1764465543"/>
+      </p:ext>
+    </p:extLst>
+  </p:cSld>
+  <p:clrMapOvr>
+    <a:masterClrMapping/>
+  </p:clrMapOvr>
+  <p:timing>
+    <p:tnLst>
+      <p:par>
+        <p:cTn xmlns:p14="http://schemas.microsoft.com/office/powerpoint/2010/main" id="1" dur="indefinite" restart="never" nodeType="tmRoot"/>
+      </p:par>
+    </p:tnLst>
+  </p:timing>
+</p:sld>
+</file>
+
+<file path=ppt/slides/slide13.xml><?xml version="1.0" encoding="utf-8"?>
+<p:sld xmlns:a="http://schemas.openxmlformats.org/drawingml/2006/main" xmlns:r="http://schemas.openxmlformats.org/officeDocument/2006/relationships" xmlns:p="http://schemas.openxmlformats.org/presentationml/2006/main">
+  <p:cSld>
+    <p:spTree>
+      <p:nvGrpSpPr>
+        <p:cNvPr id="1" name=""/>
+        <p:cNvGrpSpPr/>
+        <p:nvPr/>
+      </p:nvGrpSpPr>
+      <p:grpSpPr>
+        <a:xfrm>
+          <a:off x="0" y="0"/>
+          <a:ext cx="0" cy="0"/>
+          <a:chOff x="0" y="0"/>
+          <a:chExt cx="0" cy="0"/>
+        </a:xfrm>
+      </p:grpSpPr>
+      <p:sp>
+        <p:nvSpPr>
+          <p:cNvPr id="2" name="Title 1"/>
+          <p:cNvSpPr>
+            <a:spLocks noGrp="1"/>
+          </p:cNvSpPr>
+          <p:nvPr>
+            <p:ph type="title"/>
+          </p:nvPr>
+        </p:nvSpPr>
+        <p:spPr/>
+        <p:txBody>
+          <a:bodyPr/>
+          <a:lstStyle/>
+          <a:p>
+            <a:r>
+              <a:rPr lang="en-US" dirty="0" smtClean="0"/>
+              <a:t>Open Questions and Next Steps</a:t>
+            </a:r>
+            <a:endParaRPr lang="en-US" dirty="0"/>
+          </a:p>
+        </p:txBody>
+      </p:sp>
+      <p:sp>
+        <p:nvSpPr>
+          <p:cNvPr id="3" name="Content Placeholder 2"/>
+          <p:cNvSpPr>
+            <a:spLocks noGrp="1"/>
+          </p:cNvSpPr>
+          <p:nvPr>
+            <p:ph idx="1"/>
+          </p:nvPr>
+        </p:nvSpPr>
+        <p:spPr/>
+        <p:txBody>
+          <a:bodyPr/>
+          <a:lstStyle/>
+          <a:p>
+            <a:r>
+              <a:rPr lang="en-US" dirty="0" smtClean="0">
+                <a:solidFill>
+                  <a:srgbClr val="7F7F7F"/>
+                </a:solidFill>
+              </a:rPr>
+              <a:t>Different time delay embed values may be necessary for each phase</a:t>
+            </a:r>
+          </a:p>
+          <a:p>
+            <a:r>
+              <a:rPr lang="en-US" dirty="0">
+                <a:solidFill>
+                  <a:srgbClr val="7F7F7F"/>
+                </a:solidFill>
+              </a:rPr>
+              <a:t>Interval length: 10 seconds? 2 seconds?</a:t>
+            </a:r>
+          </a:p>
+          <a:p>
+            <a:pPr lvl="1"/>
+            <a:r>
+              <a:rPr lang="en-US" dirty="0">
+                <a:solidFill>
+                  <a:srgbClr val="7F7F7F"/>
+                </a:solidFill>
+              </a:rPr>
+              <a:t>Limitations: estimating RSA requires intervals of at least 10 seconds in </a:t>
+            </a:r>
+            <a:r>
+              <a:rPr lang="en-US" dirty="0" err="1">
+                <a:solidFill>
+                  <a:srgbClr val="7F7F7F"/>
+                </a:solidFill>
+              </a:rPr>
+              <a:t>Mindware</a:t>
+            </a:r>
+            <a:endParaRPr lang="en-US" dirty="0">
+              <a:solidFill>
+                <a:srgbClr val="7F7F7F"/>
+              </a:solidFill>
+            </a:endParaRPr>
+          </a:p>
+          <a:p>
+            <a:r>
+              <a:rPr lang="en-US" dirty="0" smtClean="0"/>
+              <a:t>Prediction</a:t>
+            </a:r>
+            <a:r>
+              <a:rPr lang="en-US" dirty="0"/>
+              <a:t>? Examining heterogeneity</a:t>
+            </a:r>
+            <a:r>
+              <a:rPr lang="en-US" dirty="0" smtClean="0"/>
+              <a:t>?</a:t>
+            </a:r>
+          </a:p>
+          <a:p>
+            <a:pPr marL="457200" lvl="1" indent="0">
+              <a:buNone/>
+            </a:pPr>
+            <a:endParaRPr lang="en-US" dirty="0"/>
+          </a:p>
+        </p:txBody>
+      </p:sp>
+      <p:sp>
+        <p:nvSpPr>
+          <p:cNvPr id="4" name="Slide Number Placeholder 3"/>
+          <p:cNvSpPr>
+            <a:spLocks noGrp="1"/>
+          </p:cNvSpPr>
+          <p:nvPr>
+            <p:ph type="sldNum" sz="quarter" idx="12"/>
+          </p:nvPr>
+        </p:nvSpPr>
+        <p:spPr/>
+        <p:txBody>
+          <a:bodyPr/>
+          <a:lstStyle/>
+          <a:p>
+            <a:fld id="{930465AD-53DA-D841-AEBD-0BDBF8BCBA90}" type="slidenum">
+              <a:rPr lang="en-US" smtClean="0"/>
+              <a:t>13</a:t>
+            </a:fld>
+            <a:endParaRPr lang="en-US"/>
+          </a:p>
+        </p:txBody>
+      </p:sp>
+    </p:spTree>
+    <p:extLst>
+      <p:ext uri="{BB962C8B-B14F-4D97-AF65-F5344CB8AC3E}">
+        <p14:creationId xmlns:p14="http://schemas.microsoft.com/office/powerpoint/2010/main" val="2552513694"/>
+      </p:ext>
+    </p:extLst>
+  </p:cSld>
+  <p:clrMapOvr>
+    <a:masterClrMapping/>
+  </p:clrMapOvr>
+  <p:timing>
+    <p:tnLst>
+      <p:par>
+        <p:cTn xmlns:p14="http://schemas.microsoft.com/office/powerpoint/2010/main" id="1" dur="indefinite" restart="never" nodeType="tmRoot"/>
+      </p:par>
+    </p:tnLst>
+  </p:timing>
+</p:sld>
+</file>
+
+<file path=ppt/slides/slide14.xml><?xml version="1.0" encoding="utf-8"?>
+<p:sld xmlns:a="http://schemas.openxmlformats.org/drawingml/2006/main" xmlns:r="http://schemas.openxmlformats.org/officeDocument/2006/relationships" xmlns:p="http://schemas.openxmlformats.org/presentationml/2006/main">
+  <p:cSld>
+    <p:spTree>
+      <p:nvGrpSpPr>
+        <p:cNvPr id="1" name=""/>
+        <p:cNvGrpSpPr/>
+        <p:nvPr/>
+      </p:nvGrpSpPr>
+      <p:grpSpPr>
+        <a:xfrm>
+          <a:off x="0" y="0"/>
+          <a:ext cx="0" cy="0"/>
+          <a:chOff x="0" y="0"/>
+          <a:chExt cx="0" cy="0"/>
+        </a:xfrm>
+      </p:grpSpPr>
+      <p:sp>
+        <p:nvSpPr>
+          <p:cNvPr id="2" name="Title 1"/>
+          <p:cNvSpPr>
+            <a:spLocks noGrp="1"/>
+          </p:cNvSpPr>
+          <p:nvPr>
+            <p:ph type="title"/>
+          </p:nvPr>
+        </p:nvSpPr>
+        <p:spPr/>
+        <p:txBody>
+          <a:bodyPr/>
+          <a:lstStyle/>
+          <a:p>
+            <a:r>
+              <a:rPr lang="en-US" dirty="0" smtClean="0"/>
+              <a:t>Open Questions and Next Steps</a:t>
+            </a:r>
+            <a:endParaRPr lang="en-US" dirty="0"/>
+          </a:p>
+        </p:txBody>
+      </p:sp>
+      <p:sp>
+        <p:nvSpPr>
+          <p:cNvPr id="3" name="Content Placeholder 2"/>
+          <p:cNvSpPr>
+            <a:spLocks noGrp="1"/>
+          </p:cNvSpPr>
+          <p:nvPr>
+            <p:ph idx="1"/>
+          </p:nvPr>
+        </p:nvSpPr>
+        <p:spPr/>
+        <p:txBody>
+          <a:bodyPr/>
+          <a:lstStyle/>
+          <a:p>
+            <a:r>
+              <a:rPr lang="en-US" dirty="0" smtClean="0">
+                <a:solidFill>
+                  <a:srgbClr val="7F7F7F"/>
+                </a:solidFill>
+              </a:rPr>
+              <a:t>Different time delay embed values may be necessary for each phase</a:t>
+            </a:r>
+          </a:p>
+          <a:p>
+            <a:r>
+              <a:rPr lang="en-US" dirty="0">
+                <a:solidFill>
+                  <a:srgbClr val="7F7F7F"/>
+                </a:solidFill>
+              </a:rPr>
+              <a:t>Interval length: 10 seconds? 2 seconds?</a:t>
+            </a:r>
+          </a:p>
+          <a:p>
+            <a:pPr lvl="1"/>
+            <a:r>
+              <a:rPr lang="en-US" dirty="0">
+                <a:solidFill>
+                  <a:srgbClr val="7F7F7F"/>
+                </a:solidFill>
+              </a:rPr>
+              <a:t>Limitations: estimating RSA requires intervals of at least 10 seconds in </a:t>
+            </a:r>
+            <a:r>
+              <a:rPr lang="en-US" dirty="0" err="1">
+                <a:solidFill>
+                  <a:srgbClr val="7F7F7F"/>
+                </a:solidFill>
+              </a:rPr>
+              <a:t>Mindware</a:t>
+            </a:r>
+            <a:endParaRPr lang="en-US" dirty="0">
+              <a:solidFill>
+                <a:srgbClr val="7F7F7F"/>
+              </a:solidFill>
+            </a:endParaRPr>
+          </a:p>
+          <a:p>
+            <a:r>
+              <a:rPr lang="en-US" dirty="0" smtClean="0">
+                <a:solidFill>
+                  <a:srgbClr val="7F7F7F"/>
+                </a:solidFill>
+              </a:rPr>
+              <a:t>Prediction</a:t>
+            </a:r>
+            <a:r>
+              <a:rPr lang="en-US" dirty="0">
+                <a:solidFill>
+                  <a:srgbClr val="7F7F7F"/>
+                </a:solidFill>
+              </a:rPr>
+              <a:t>? Examining heterogeneity</a:t>
+            </a:r>
+            <a:r>
+              <a:rPr lang="en-US" dirty="0" smtClean="0">
+                <a:solidFill>
+                  <a:srgbClr val="7F7F7F"/>
+                </a:solidFill>
+              </a:rPr>
+              <a:t>?</a:t>
+            </a:r>
+          </a:p>
+          <a:p>
+            <a:r>
+              <a:rPr lang="en-US" dirty="0" smtClean="0"/>
+              <a:t>Comparing </a:t>
+            </a:r>
+            <a:r>
+              <a:rPr lang="en-US" dirty="0"/>
+              <a:t>results across different types of analyses (Coupled LDE vs. MLM</a:t>
+            </a:r>
+            <a:r>
+              <a:rPr lang="en-US" dirty="0" smtClean="0"/>
+              <a:t>?)</a:t>
+            </a:r>
+            <a:endParaRPr lang="en-US" dirty="0" smtClean="0"/>
+          </a:p>
+          <a:p>
+            <a:pPr lvl="1"/>
+            <a:endParaRPr lang="en-US" dirty="0"/>
+          </a:p>
+        </p:txBody>
+      </p:sp>
+      <p:sp>
+        <p:nvSpPr>
+          <p:cNvPr id="4" name="Slide Number Placeholder 3"/>
+          <p:cNvSpPr>
+            <a:spLocks noGrp="1"/>
+          </p:cNvSpPr>
+          <p:nvPr>
+            <p:ph type="sldNum" sz="quarter" idx="12"/>
+          </p:nvPr>
+        </p:nvSpPr>
+        <p:spPr/>
+        <p:txBody>
+          <a:bodyPr/>
+          <a:lstStyle/>
+          <a:p>
+            <a:fld id="{930465AD-53DA-D841-AEBD-0BDBF8BCBA90}" type="slidenum">
+              <a:rPr lang="en-US" smtClean="0"/>
+              <a:t>14</a:t>
+            </a:fld>
+            <a:endParaRPr lang="en-US"/>
+          </a:p>
+        </p:txBody>
+      </p:sp>
+    </p:spTree>
+    <p:extLst>
+      <p:ext uri="{BB962C8B-B14F-4D97-AF65-F5344CB8AC3E}">
+        <p14:creationId xmlns:p14="http://schemas.microsoft.com/office/powerpoint/2010/main" val="1603946737"/>
+      </p:ext>
+    </p:extLst>
+  </p:cSld>
+  <p:clrMapOvr>
+    <a:masterClrMapping/>
+  </p:clrMapOvr>
+  <p:timing>
+    <p:tnLst>
+      <p:par>
+        <p:cTn xmlns:p14="http://schemas.microsoft.com/office/powerpoint/2010/main" id="1" dur="indefinite" restart="never" nodeType="tmRoot"/>
+      </p:par>
+    </p:tnLst>
+  </p:timing>
+</p:sld>
+</file>
+
+<file path=ppt/slides/slide15.xml><?xml version="1.0" encoding="utf-8"?>
+<p:sld xmlns:a="http://schemas.openxmlformats.org/drawingml/2006/main" xmlns:r="http://schemas.openxmlformats.org/officeDocument/2006/relationships" xmlns:p="http://schemas.openxmlformats.org/presentationml/2006/main">
+  <p:cSld>
+    <p:spTree>
+      <p:nvGrpSpPr>
+        <p:cNvPr id="1" name=""/>
+        <p:cNvGrpSpPr/>
+        <p:nvPr/>
+      </p:nvGrpSpPr>
+      <p:grpSpPr>
+        <a:xfrm>
+          <a:off x="0" y="0"/>
+          <a:ext cx="0" cy="0"/>
+          <a:chOff x="0" y="0"/>
+          <a:chExt cx="0" cy="0"/>
+        </a:xfrm>
+      </p:grpSpPr>
+      <p:sp>
+        <p:nvSpPr>
+          <p:cNvPr id="2" name="Title 1"/>
+          <p:cNvSpPr>
+            <a:spLocks noGrp="1"/>
+          </p:cNvSpPr>
+          <p:nvPr>
+            <p:ph type="title"/>
+          </p:nvPr>
+        </p:nvSpPr>
+        <p:spPr>
+          <a:xfrm>
+            <a:off x="457200" y="490580"/>
+            <a:ext cx="8229600" cy="1007011"/>
+          </a:xfrm>
+        </p:spPr>
+        <p:txBody>
+          <a:bodyPr>
+            <a:normAutofit/>
+          </a:bodyPr>
+          <a:lstStyle/>
+          <a:p>
+            <a:r>
+              <a:rPr lang="en-US" sz="4000" dirty="0" smtClean="0"/>
+              <a:t>Thank you!</a:t>
+            </a:r>
+            <a:endParaRPr lang="en-US" sz="4000" dirty="0"/>
+          </a:p>
+        </p:txBody>
+      </p:sp>
+      <p:sp>
+        <p:nvSpPr>
+          <p:cNvPr id="4" name="Slide Number Placeholder 3"/>
+          <p:cNvSpPr>
+            <a:spLocks noGrp="1"/>
+          </p:cNvSpPr>
+          <p:nvPr>
+            <p:ph type="sldNum" sz="quarter" idx="12"/>
+          </p:nvPr>
+        </p:nvSpPr>
+        <p:spPr/>
+        <p:txBody>
+          <a:bodyPr/>
+          <a:lstStyle/>
+          <a:p>
+            <a:fld id="{562B05B1-F230-4C39-ACDE-CFBA7CA93D5F}" type="slidenum">
+              <a:rPr lang="en-US" smtClean="0"/>
+              <a:t>15</a:t>
+            </a:fld>
+            <a:endParaRPr lang="en-US"/>
+          </a:p>
+        </p:txBody>
+      </p:sp>
+      <p:pic>
+        <p:nvPicPr>
+          <p:cNvPr id="8" name="Picture 6"/>
+          <p:cNvPicPr>
+            <a:picLocks noChangeAspect="1"/>
+          </p:cNvPicPr>
+          <p:nvPr/>
+        </p:nvPicPr>
+        <p:blipFill>
+          <a:blip r:embed="rId3">
+            <a:extLst>
+              <a:ext uri="{28A0092B-C50C-407E-A947-70E740481C1C}">
+                <a14:useLocalDpi xmlns:a14="http://schemas.microsoft.com/office/drawing/2010/main" val="0"/>
+              </a:ext>
+            </a:extLst>
+          </a:blip>
+          <a:srcRect l="-1588" t="20140" r="8466" b="28511"/>
+          <a:stretch>
+            <a:fillRect/>
+          </a:stretch>
+        </p:blipFill>
+        <p:spPr bwMode="auto">
+          <a:xfrm>
+            <a:off x="25823863" y="30726063"/>
+            <a:ext cx="2979737" cy="1354137"/>
+          </a:xfrm>
+          <a:prstGeom prst="rect">
+            <a:avLst/>
+          </a:prstGeom>
+          <a:noFill/>
+          <a:ln>
+            <a:noFill/>
+          </a:ln>
+          <a:extLst>
+            <a:ext uri="{909E8E84-426E-40dd-AFC4-6F175D3DCCD1}">
+              <a14:hiddenFill xmlns:a14="http://schemas.microsoft.com/office/drawing/2010/main">
+                <a:solidFill>
+                  <a:srgbClr val="FFFFFF"/>
+                </a:solidFill>
+              </a14:hiddenFill>
+            </a:ext>
+            <a:ext uri="{91240B29-F687-4f45-9708-019B960494DF}">
+              <a14:hiddenLine xmlns:a14="http://schemas.microsoft.com/office/drawing/2010/main" w="9525">
+                <a:solidFill>
+                  <a:srgbClr val="000000"/>
+                </a:solidFill>
+                <a:miter lim="800000"/>
+                <a:headEnd/>
+                <a:tailEnd/>
+              </a14:hiddenLine>
+            </a:ext>
+          </a:extLst>
+        </p:spPr>
+      </p:pic>
+      <p:pic>
+        <p:nvPicPr>
+          <p:cNvPr id="9" name="Picture 7" descr="CASPR.jpg"/>
+          <p:cNvPicPr>
+            <a:picLocks noChangeAspect="1"/>
+          </p:cNvPicPr>
+          <p:nvPr/>
+        </p:nvPicPr>
+        <p:blipFill>
+          <a:blip r:embed="rId4">
+            <a:extLst>
+              <a:ext uri="{28A0092B-C50C-407E-A947-70E740481C1C}">
+                <a14:useLocalDpi xmlns:a14="http://schemas.microsoft.com/office/drawing/2010/main" val="0"/>
+              </a:ext>
+            </a:extLst>
+          </a:blip>
+          <a:srcRect t="9134"/>
+          <a:stretch>
+            <a:fillRect/>
+          </a:stretch>
+        </p:blipFill>
+        <p:spPr bwMode="auto">
+          <a:xfrm>
+            <a:off x="14935200" y="30826075"/>
+            <a:ext cx="3733800" cy="1165225"/>
+          </a:xfrm>
+          <a:prstGeom prst="rect">
+            <a:avLst/>
+          </a:prstGeom>
+          <a:noFill/>
+          <a:ln>
+            <a:noFill/>
+          </a:ln>
+          <a:extLst>
+            <a:ext uri="{909E8E84-426E-40dd-AFC4-6F175D3DCCD1}">
+              <a14:hiddenFill xmlns:a14="http://schemas.microsoft.com/office/drawing/2010/main">
+                <a:solidFill>
+                  <a:srgbClr val="FFFFFF"/>
+                </a:solidFill>
+              </a14:hiddenFill>
+            </a:ext>
+            <a:ext uri="{91240B29-F687-4f45-9708-019B960494DF}">
+              <a14:hiddenLine xmlns:a14="http://schemas.microsoft.com/office/drawing/2010/main" w="9525">
+                <a:solidFill>
+                  <a:srgbClr val="000000"/>
+                </a:solidFill>
+                <a:miter lim="800000"/>
+                <a:headEnd/>
+                <a:tailEnd/>
+              </a14:hiddenLine>
+            </a:ext>
+          </a:extLst>
+        </p:spPr>
+      </p:pic>
+      <p:sp>
+        <p:nvSpPr>
+          <p:cNvPr id="10" name="Content Placeholder 4"/>
+          <p:cNvSpPr txBox="1">
+            <a:spLocks/>
+          </p:cNvSpPr>
+          <p:nvPr/>
+        </p:nvSpPr>
+        <p:spPr>
+          <a:xfrm>
+            <a:off x="671310" y="2051657"/>
+            <a:ext cx="8380718" cy="1784819"/>
+          </a:xfrm>
+          <a:prstGeom prst="rect">
+            <a:avLst/>
+          </a:prstGeom>
+        </p:spPr>
+        <p:txBody>
+          <a:bodyPr vert="horz" lIns="91440" tIns="45720" rIns="91440" bIns="45720" rtlCol="0">
+            <a:noAutofit/>
+          </a:bodyPr>
+          <a:lstStyle>
+            <a:lvl1pPr marL="342900" indent="-342900" algn="l" defTabSz="457200" rtl="0" eaLnBrk="1" latinLnBrk="0" hangingPunct="1">
+              <a:spcBef>
+                <a:spcPct val="20000"/>
+              </a:spcBef>
+              <a:buFont typeface="Arial"/>
+              <a:buChar char="•"/>
+              <a:defRPr sz="2800" kern="1200">
+                <a:solidFill>
+                  <a:schemeClr val="tx1"/>
+                </a:solidFill>
+                <a:latin typeface="Helvetica"/>
+                <a:ea typeface="+mn-ea"/>
+                <a:cs typeface="Helvetica"/>
+              </a:defRPr>
+            </a:lvl1pPr>
+            <a:lvl2pPr marL="742950" indent="-285750" algn="l" defTabSz="457200" rtl="0" eaLnBrk="1" latinLnBrk="0" hangingPunct="1">
+              <a:spcBef>
+                <a:spcPct val="20000"/>
+              </a:spcBef>
+              <a:buFont typeface="Arial"/>
+              <a:buChar char="–"/>
+              <a:defRPr sz="2400" kern="1200">
+                <a:solidFill>
+                  <a:schemeClr val="tx1"/>
+                </a:solidFill>
+                <a:latin typeface="Helvetica"/>
+                <a:ea typeface="+mn-ea"/>
+                <a:cs typeface="Helvetica"/>
+              </a:defRPr>
+            </a:lvl2pPr>
+            <a:lvl3pPr marL="1143000" indent="-228600" algn="l" defTabSz="457200" rtl="0" eaLnBrk="1" latinLnBrk="0" hangingPunct="1">
+              <a:spcBef>
+                <a:spcPct val="20000"/>
+              </a:spcBef>
+              <a:buFont typeface="Arial"/>
+              <a:buChar char="•"/>
+              <a:defRPr sz="2000" kern="1200">
+                <a:solidFill>
+                  <a:schemeClr val="tx1"/>
+                </a:solidFill>
+                <a:latin typeface="Helvetica"/>
+                <a:ea typeface="+mn-ea"/>
+                <a:cs typeface="Helvetica"/>
+              </a:defRPr>
+            </a:lvl3pPr>
+            <a:lvl4pPr marL="1600200" indent="-228600" algn="l" defTabSz="457200" rtl="0" eaLnBrk="1" latinLnBrk="0" hangingPunct="1">
+              <a:spcBef>
+                <a:spcPct val="20000"/>
+              </a:spcBef>
+              <a:buFont typeface="Arial"/>
+              <a:buChar char="–"/>
+              <a:defRPr sz="1800" kern="1200">
+                <a:solidFill>
+                  <a:schemeClr val="tx1"/>
+                </a:solidFill>
+                <a:latin typeface="Helvetica"/>
+                <a:ea typeface="+mn-ea"/>
+                <a:cs typeface="Helvetica"/>
+              </a:defRPr>
+            </a:lvl4pPr>
+            <a:lvl5pPr marL="2057400" indent="-228600" algn="l" defTabSz="457200" rtl="0" eaLnBrk="1" latinLnBrk="0" hangingPunct="1">
+              <a:spcBef>
+                <a:spcPct val="20000"/>
+              </a:spcBef>
+              <a:buFont typeface="Arial"/>
+              <a:buChar char="»"/>
+              <a:defRPr sz="1800" kern="1200">
+                <a:solidFill>
+                  <a:schemeClr val="tx1"/>
+                </a:solidFill>
+                <a:latin typeface="Helvetica"/>
+                <a:ea typeface="+mn-ea"/>
+                <a:cs typeface="Helvetica"/>
+              </a:defRPr>
+            </a:lvl5pPr>
+            <a:lvl6pPr marL="2514600" indent="-228600" algn="l" defTabSz="457200" rtl="0" eaLnBrk="1" latinLnBrk="0" hangingPunct="1">
+              <a:spcBef>
+                <a:spcPct val="20000"/>
+              </a:spcBef>
+              <a:buFont typeface="Arial"/>
+              <a:buChar char="•"/>
+              <a:defRPr sz="1800" kern="1200">
+                <a:solidFill>
+                  <a:schemeClr val="tx1"/>
+                </a:solidFill>
+                <a:latin typeface="+mn-lt"/>
+                <a:ea typeface="+mn-ea"/>
+                <a:cs typeface="+mn-cs"/>
+              </a:defRPr>
+            </a:lvl6pPr>
+            <a:lvl7pPr marL="2971800" indent="-228600" algn="l" defTabSz="457200" rtl="0" eaLnBrk="1" latinLnBrk="0" hangingPunct="1">
+              <a:spcBef>
+                <a:spcPct val="20000"/>
+              </a:spcBef>
+              <a:buFont typeface="Arial"/>
+              <a:buChar char="•"/>
+              <a:defRPr sz="1800" kern="1200">
+                <a:solidFill>
+                  <a:schemeClr val="tx1"/>
+                </a:solidFill>
+                <a:latin typeface="+mn-lt"/>
+                <a:ea typeface="+mn-ea"/>
+                <a:cs typeface="+mn-cs"/>
+              </a:defRPr>
+            </a:lvl7pPr>
+            <a:lvl8pPr marL="3429000" indent="-228600" algn="l" defTabSz="457200" rtl="0" eaLnBrk="1" latinLnBrk="0" hangingPunct="1">
+              <a:spcBef>
+                <a:spcPct val="20000"/>
+              </a:spcBef>
+              <a:buFont typeface="Arial"/>
+              <a:buChar char="•"/>
+              <a:defRPr sz="1800" kern="1200">
+                <a:solidFill>
+                  <a:schemeClr val="tx1"/>
+                </a:solidFill>
+                <a:latin typeface="+mn-lt"/>
+                <a:ea typeface="+mn-ea"/>
+                <a:cs typeface="+mn-cs"/>
+              </a:defRPr>
+            </a:lvl8pPr>
+            <a:lvl9pPr marL="3886200" indent="-228600" algn="l" defTabSz="457200" rtl="0" eaLnBrk="1" latinLnBrk="0" hangingPunct="1">
+              <a:spcBef>
+                <a:spcPct val="20000"/>
+              </a:spcBef>
+              <a:buFont typeface="Arial"/>
+              <a:buChar char="•"/>
+              <a:defRPr sz="1800" kern="1200">
+                <a:solidFill>
+                  <a:schemeClr val="tx1"/>
+                </a:solidFill>
+                <a:latin typeface="+mn-lt"/>
+                <a:ea typeface="+mn-ea"/>
+                <a:cs typeface="+mn-cs"/>
+              </a:defRPr>
+            </a:lvl9pPr>
+          </a:lstStyle>
+          <a:p>
+            <a:pPr marL="0" indent="0">
+              <a:lnSpc>
+                <a:spcPct val="80000"/>
+              </a:lnSpc>
+              <a:buFont typeface="Arial"/>
+              <a:buNone/>
+            </a:pPr>
+            <a:r>
+              <a:rPr lang="en-US" sz="2000" dirty="0" smtClean="0"/>
+              <a:t>Research Assistants:</a:t>
+            </a:r>
+          </a:p>
+          <a:p>
+            <a:pPr marL="0" indent="0">
+              <a:lnSpc>
+                <a:spcPct val="80000"/>
+              </a:lnSpc>
+              <a:buNone/>
+            </a:pPr>
+            <a:r>
+              <a:rPr lang="en-US" sz="2000" dirty="0" smtClean="0"/>
+              <a:t>Carina Brown, </a:t>
+            </a:r>
+            <a:r>
+              <a:rPr lang="en-US" sz="2000" dirty="0"/>
+              <a:t>Jessica </a:t>
+            </a:r>
+            <a:r>
+              <a:rPr lang="en-US" sz="2000" dirty="0" err="1"/>
+              <a:t>Paek</a:t>
+            </a:r>
+            <a:r>
+              <a:rPr lang="en-US" sz="2000" dirty="0"/>
+              <a:t>, Sophia </a:t>
+            </a:r>
+            <a:r>
+              <a:rPr lang="en-US" sz="2000" dirty="0" smtClean="0"/>
+              <a:t>Golden, Jessica Gingrich, </a:t>
+            </a:r>
+          </a:p>
+          <a:p>
+            <a:pPr marL="0" indent="0">
+              <a:lnSpc>
+                <a:spcPct val="80000"/>
+              </a:lnSpc>
+              <a:buFont typeface="Arial"/>
+              <a:buNone/>
+            </a:pPr>
+            <a:r>
+              <a:rPr lang="en-US" sz="2000" dirty="0" smtClean="0"/>
+              <a:t>Kate Puglia, Jordan Cline, Lauren Cohen, Alexander Fulmer, </a:t>
+            </a:r>
+          </a:p>
+          <a:p>
+            <a:pPr marL="0" indent="0">
+              <a:lnSpc>
+                <a:spcPct val="80000"/>
+              </a:lnSpc>
+              <a:buFont typeface="Arial"/>
+              <a:buNone/>
+            </a:pPr>
+            <a:r>
+              <a:rPr lang="en-US" sz="2000" dirty="0" smtClean="0"/>
+              <a:t>Sarah </a:t>
+            </a:r>
+            <a:r>
+              <a:rPr lang="en-US" sz="2000" dirty="0" err="1" smtClean="0"/>
+              <a:t>Goetzke</a:t>
+            </a:r>
+            <a:r>
+              <a:rPr lang="en-US" sz="2000" dirty="0" smtClean="0"/>
+              <a:t>, Lana </a:t>
+            </a:r>
+            <a:r>
+              <a:rPr lang="en-US" sz="2000" dirty="0" err="1" smtClean="0"/>
+              <a:t>Khamash</a:t>
+            </a:r>
+            <a:r>
+              <a:rPr lang="en-US" sz="2000" dirty="0" smtClean="0"/>
+              <a:t>, </a:t>
+            </a:r>
+            <a:r>
+              <a:rPr lang="en-US" sz="2000" dirty="0" err="1" smtClean="0"/>
+              <a:t>Shelagh</a:t>
+            </a:r>
+            <a:r>
+              <a:rPr lang="en-US" sz="2000" dirty="0" smtClean="0"/>
+              <a:t> </a:t>
+            </a:r>
+            <a:r>
+              <a:rPr lang="en-US" sz="2000" dirty="0" err="1" smtClean="0"/>
+              <a:t>Mahbubani</a:t>
+            </a:r>
+            <a:r>
+              <a:rPr lang="en-US" sz="2000" dirty="0" smtClean="0"/>
+              <a:t>, Max </a:t>
+            </a:r>
+            <a:r>
+              <a:rPr lang="en-US" sz="2000" dirty="0" err="1" smtClean="0"/>
+              <a:t>Mikelic</a:t>
+            </a:r>
+            <a:r>
+              <a:rPr lang="en-US" sz="2000" dirty="0" smtClean="0"/>
+              <a:t>,</a:t>
+            </a:r>
+          </a:p>
+          <a:p>
+            <a:pPr marL="0" indent="0">
+              <a:lnSpc>
+                <a:spcPct val="80000"/>
+              </a:lnSpc>
+              <a:buFont typeface="Arial"/>
+              <a:buNone/>
+            </a:pPr>
+            <a:r>
+              <a:rPr lang="en-US" sz="2000" dirty="0" smtClean="0"/>
+              <a:t>Courtney Peters, Sam </a:t>
+            </a:r>
+            <a:r>
+              <a:rPr lang="en-US" sz="2000" dirty="0" err="1" smtClean="0"/>
+              <a:t>Pitasky</a:t>
+            </a:r>
+            <a:r>
+              <a:rPr lang="en-US" sz="2000" dirty="0" smtClean="0"/>
+              <a:t>, and </a:t>
+            </a:r>
+            <a:r>
+              <a:rPr lang="en-US" sz="2000" dirty="0" err="1" smtClean="0"/>
+              <a:t>Saya</a:t>
+            </a:r>
+            <a:r>
+              <a:rPr lang="en-US" sz="2000" dirty="0" smtClean="0"/>
+              <a:t> </a:t>
+            </a:r>
+            <a:r>
+              <a:rPr lang="en-US" sz="2000" dirty="0" err="1" smtClean="0"/>
+              <a:t>Weissman</a:t>
+            </a:r>
+            <a:endParaRPr lang="en-US" sz="2000" dirty="0" smtClean="0"/>
+          </a:p>
+          <a:p>
+            <a:pPr marL="0" indent="0">
+              <a:lnSpc>
+                <a:spcPct val="80000"/>
+              </a:lnSpc>
+              <a:buFont typeface="Arial"/>
+              <a:buNone/>
+            </a:pPr>
+            <a:endParaRPr lang="en-US" sz="2000" dirty="0"/>
+          </a:p>
+        </p:txBody>
+      </p:sp>
+      <p:pic>
+        <p:nvPicPr>
+          <p:cNvPr id="7" name="Picture 6"/>
+          <p:cNvPicPr>
+            <a:picLocks noChangeAspect="1"/>
+          </p:cNvPicPr>
+          <p:nvPr/>
+        </p:nvPicPr>
+        <p:blipFill rotWithShape="1">
+          <a:blip r:embed="rId5"/>
+          <a:srcRect t="12781" b="21152"/>
+          <a:stretch/>
+        </p:blipFill>
+        <p:spPr>
+          <a:xfrm>
+            <a:off x="4897083" y="3727879"/>
+            <a:ext cx="2987855" cy="1587429"/>
+          </a:xfrm>
+          <a:prstGeom prst="rect">
+            <a:avLst/>
+          </a:prstGeom>
+        </p:spPr>
+      </p:pic>
+      <p:pic>
+        <p:nvPicPr>
+          <p:cNvPr id="6" name="Picture 5" descr="CASPR.jpg"/>
+          <p:cNvPicPr>
+            <a:picLocks noChangeAspect="1"/>
+          </p:cNvPicPr>
+          <p:nvPr/>
+        </p:nvPicPr>
+        <p:blipFill>
+          <a:blip r:embed="rId4">
+            <a:extLst>
+              <a:ext uri="{28A0092B-C50C-407E-A947-70E740481C1C}">
+                <a14:useLocalDpi xmlns:a14="http://schemas.microsoft.com/office/drawing/2010/main" val="0"/>
+              </a:ext>
+            </a:extLst>
+          </a:blip>
+          <a:stretch>
+            <a:fillRect/>
+          </a:stretch>
+        </p:blipFill>
+        <p:spPr>
+          <a:xfrm>
+            <a:off x="671310" y="3999488"/>
+            <a:ext cx="3293160" cy="1132024"/>
+          </a:xfrm>
+          <a:prstGeom prst="rect">
+            <a:avLst/>
+          </a:prstGeom>
+        </p:spPr>
+      </p:pic>
+    </p:spTree>
+    <p:extLst>
+      <p:ext uri="{BB962C8B-B14F-4D97-AF65-F5344CB8AC3E}">
+        <p14:creationId xmlns:p14="http://schemas.microsoft.com/office/powerpoint/2010/main" val="1755338520"/>
+      </p:ext>
+    </p:extLst>
+  </p:cSld>
+  <p:clrMapOvr>
+    <a:masterClrMapping/>
+  </p:clrMapOvr>
+  <p:timing>
+    <p:tnLst>
+      <p:par>
+        <p:cTn xmlns:p14="http://schemas.microsoft.com/office/powerpoint/2010/main" id="1" dur="indefinite" restart="never" nodeType="tmRoot"/>
+      </p:par>
+    </p:tnLst>
+  </p:timing>
+</p:sld>
+</file>
+
+<file path=ppt/slides/slide16.xml><?xml version="1.0" encoding="utf-8"?>
+<p:sld xmlns:a="http://schemas.openxmlformats.org/drawingml/2006/main" xmlns:r="http://schemas.openxmlformats.org/officeDocument/2006/relationships" xmlns:p="http://schemas.openxmlformats.org/presentationml/2006/main" show="0">
+  <p:cSld>
+    <p:spTree>
+      <p:nvGrpSpPr>
+        <p:cNvPr id="1" name=""/>
+        <p:cNvGrpSpPr/>
+        <p:nvPr/>
+      </p:nvGrpSpPr>
+      <p:grpSpPr>
+        <a:xfrm>
+          <a:off x="0" y="0"/>
+          <a:ext cx="0" cy="0"/>
+          <a:chOff x="0" y="0"/>
+          <a:chExt cx="0" cy="0"/>
+        </a:xfrm>
+      </p:grpSpPr>
+      <p:sp>
+        <p:nvSpPr>
           <p:cNvPr id="3" name="Slide Number Placeholder 2"/>
           <p:cNvSpPr>
             <a:spLocks noGrp="1"/>
@@ -4527,7 +5869,2242 @@
           <a:p>
             <a:fld id="{930465AD-53DA-D841-AEBD-0BDBF8BCBA90}" type="slidenum">
               <a:rPr lang="en-US" smtClean="0"/>
-              <a:t>10</a:t>
+              <a:t>16</a:t>
+            </a:fld>
+            <a:endParaRPr lang="en-US"/>
+          </a:p>
+        </p:txBody>
+      </p:sp>
+      <p:pic>
+        <p:nvPicPr>
+          <p:cNvPr id="2" name="Picture 1" descr="Raw_RSA_Panel_Plots.pdf"/>
+          <p:cNvPicPr>
+            <a:picLocks noChangeAspect="1"/>
+          </p:cNvPicPr>
+          <p:nvPr/>
+        </p:nvPicPr>
+        <p:blipFill>
+          <a:blip r:embed="rId2">
+            <a:extLst>
+              <a:ext uri="{28A0092B-C50C-407E-A947-70E740481C1C}">
+                <a14:useLocalDpi xmlns:a14="http://schemas.microsoft.com/office/drawing/2010/main" val="0"/>
+              </a:ext>
+            </a:extLst>
+          </a:blip>
+          <a:stretch>
+            <a:fillRect/>
+          </a:stretch>
+        </p:blipFill>
+        <p:spPr>
+          <a:xfrm>
+            <a:off x="1218356" y="0"/>
+            <a:ext cx="6858000" cy="6858000"/>
+          </a:xfrm>
+          <a:prstGeom prst="rect">
+            <a:avLst/>
+          </a:prstGeom>
+        </p:spPr>
+      </p:pic>
+    </p:spTree>
+    <p:extLst>
+      <p:ext uri="{BB962C8B-B14F-4D97-AF65-F5344CB8AC3E}">
+        <p14:creationId xmlns:p14="http://schemas.microsoft.com/office/powerpoint/2010/main" val="652471396"/>
+      </p:ext>
+    </p:extLst>
+  </p:cSld>
+  <p:clrMapOvr>
+    <a:masterClrMapping/>
+  </p:clrMapOvr>
+  <mc:AlternateContent xmlns:mc="http://schemas.openxmlformats.org/markup-compatibility/2006">
+    <mc:Choice xmlns:p14="http://schemas.microsoft.com/office/powerpoint/2010/main" Requires="p14">
+      <p:transition spd="slow" p14:dur="2000"/>
+    </mc:Choice>
+    <mc:Fallback>
+      <p:transition xmlns:p14="http://schemas.microsoft.com/office/powerpoint/2010/main" spd="slow"/>
+    </mc:Fallback>
+  </mc:AlternateContent>
+  <p:timing>
+    <p:tnLst>
+      <p:par>
+        <p:cTn xmlns:p14="http://schemas.microsoft.com/office/powerpoint/2010/main" id="1" dur="indefinite" restart="never" nodeType="tmRoot"/>
+      </p:par>
+    </p:tnLst>
+  </p:timing>
+</p:sld>
+</file>
+
+<file path=ppt/slides/slide17.xml><?xml version="1.0" encoding="utf-8"?>
+<p:sld xmlns:a="http://schemas.openxmlformats.org/drawingml/2006/main" xmlns:r="http://schemas.openxmlformats.org/officeDocument/2006/relationships" xmlns:p="http://schemas.openxmlformats.org/presentationml/2006/main" show="0">
+  <p:cSld>
+    <p:spTree>
+      <p:nvGrpSpPr>
+        <p:cNvPr id="1" name=""/>
+        <p:cNvGrpSpPr/>
+        <p:nvPr/>
+      </p:nvGrpSpPr>
+      <p:grpSpPr>
+        <a:xfrm>
+          <a:off x="0" y="0"/>
+          <a:ext cx="0" cy="0"/>
+          <a:chOff x="0" y="0"/>
+          <a:chExt cx="0" cy="0"/>
+        </a:xfrm>
+      </p:grpSpPr>
+      <p:sp>
+        <p:nvSpPr>
+          <p:cNvPr id="3" name="Slide Number Placeholder 2"/>
+          <p:cNvSpPr>
+            <a:spLocks noGrp="1"/>
+          </p:cNvSpPr>
+          <p:nvPr>
+            <p:ph type="sldNum" sz="quarter" idx="12"/>
+          </p:nvPr>
+        </p:nvSpPr>
+        <p:spPr/>
+        <p:txBody>
+          <a:bodyPr/>
+          <a:lstStyle/>
+          <a:p>
+            <a:fld id="{930465AD-53DA-D841-AEBD-0BDBF8BCBA90}" type="slidenum">
+              <a:rPr lang="en-US" smtClean="0"/>
+              <a:t>17</a:t>
+            </a:fld>
+            <a:endParaRPr lang="en-US"/>
+          </a:p>
+        </p:txBody>
+      </p:sp>
+      <p:pic>
+        <p:nvPicPr>
+          <p:cNvPr id="4" name="Picture 3" descr="Raw_RSA_Panel_Plots_withlines.pdf"/>
+          <p:cNvPicPr>
+            <a:picLocks noChangeAspect="1"/>
+          </p:cNvPicPr>
+          <p:nvPr/>
+        </p:nvPicPr>
+        <p:blipFill>
+          <a:blip r:embed="rId2">
+            <a:extLst>
+              <a:ext uri="{28A0092B-C50C-407E-A947-70E740481C1C}">
+                <a14:useLocalDpi xmlns:a14="http://schemas.microsoft.com/office/drawing/2010/main" val="0"/>
+              </a:ext>
+            </a:extLst>
+          </a:blip>
+          <a:stretch>
+            <a:fillRect/>
+          </a:stretch>
+        </p:blipFill>
+        <p:spPr>
+          <a:xfrm>
+            <a:off x="1214906" y="0"/>
+            <a:ext cx="6858000" cy="6858000"/>
+          </a:xfrm>
+          <a:prstGeom prst="rect">
+            <a:avLst/>
+          </a:prstGeom>
+        </p:spPr>
+      </p:pic>
+    </p:spTree>
+    <p:extLst>
+      <p:ext uri="{BB962C8B-B14F-4D97-AF65-F5344CB8AC3E}">
+        <p14:creationId xmlns:p14="http://schemas.microsoft.com/office/powerpoint/2010/main" val="2087085356"/>
+      </p:ext>
+    </p:extLst>
+  </p:cSld>
+  <p:clrMapOvr>
+    <a:masterClrMapping/>
+  </p:clrMapOvr>
+  <mc:AlternateContent xmlns:mc="http://schemas.openxmlformats.org/markup-compatibility/2006">
+    <mc:Choice xmlns:p14="http://schemas.microsoft.com/office/powerpoint/2010/main" Requires="p14">
+      <p:transition spd="slow" p14:dur="2000"/>
+    </mc:Choice>
+    <mc:Fallback>
+      <p:transition xmlns:p14="http://schemas.microsoft.com/office/powerpoint/2010/main" spd="slow"/>
+    </mc:Fallback>
+  </mc:AlternateContent>
+  <p:timing>
+    <p:tnLst>
+      <p:par>
+        <p:cTn xmlns:p14="http://schemas.microsoft.com/office/powerpoint/2010/main" id="1" dur="indefinite" restart="never" nodeType="tmRoot"/>
+      </p:par>
+    </p:tnLst>
+  </p:timing>
+</p:sld>
+</file>
+
+<file path=ppt/slides/slide18.xml><?xml version="1.0" encoding="utf-8"?>
+<p:sld xmlns:a="http://schemas.openxmlformats.org/drawingml/2006/main" xmlns:r="http://schemas.openxmlformats.org/officeDocument/2006/relationships" xmlns:p="http://schemas.openxmlformats.org/presentationml/2006/main" show="0">
+  <p:cSld>
+    <p:spTree>
+      <p:nvGrpSpPr>
+        <p:cNvPr id="1" name=""/>
+        <p:cNvGrpSpPr/>
+        <p:nvPr/>
+      </p:nvGrpSpPr>
+      <p:grpSpPr>
+        <a:xfrm>
+          <a:off x="0" y="0"/>
+          <a:ext cx="0" cy="0"/>
+          <a:chOff x="0" y="0"/>
+          <a:chExt cx="0" cy="0"/>
+        </a:xfrm>
+      </p:grpSpPr>
+      <p:sp>
+        <p:nvSpPr>
+          <p:cNvPr id="3" name="Slide Number Placeholder 2"/>
+          <p:cNvSpPr>
+            <a:spLocks noGrp="1"/>
+          </p:cNvSpPr>
+          <p:nvPr>
+            <p:ph type="sldNum" sz="quarter" idx="12"/>
+          </p:nvPr>
+        </p:nvSpPr>
+        <p:spPr/>
+        <p:txBody>
+          <a:bodyPr/>
+          <a:lstStyle/>
+          <a:p>
+            <a:fld id="{930465AD-53DA-D841-AEBD-0BDBF8BCBA90}" type="slidenum">
+              <a:rPr lang="en-US" smtClean="0"/>
+              <a:t>18</a:t>
+            </a:fld>
+            <a:endParaRPr lang="en-US"/>
+          </a:p>
+        </p:txBody>
+      </p:sp>
+      <p:pic>
+        <p:nvPicPr>
+          <p:cNvPr id="4" name="Picture 3" descr="Raw_RSA_Panel_Plots_withlines.pdf"/>
+          <p:cNvPicPr>
+            <a:picLocks noChangeAspect="1"/>
+          </p:cNvPicPr>
+          <p:nvPr/>
+        </p:nvPicPr>
+        <p:blipFill rotWithShape="1">
+          <a:blip r:embed="rId2">
+            <a:extLst>
+              <a:ext uri="{28A0092B-C50C-407E-A947-70E740481C1C}">
+                <a14:useLocalDpi xmlns:a14="http://schemas.microsoft.com/office/drawing/2010/main" val="0"/>
+              </a:ext>
+            </a:extLst>
+          </a:blip>
+          <a:srcRect l="23805" r="25122" b="49513"/>
+          <a:stretch/>
+        </p:blipFill>
+        <p:spPr>
+          <a:xfrm>
+            <a:off x="984864" y="171494"/>
+            <a:ext cx="6505280" cy="6430793"/>
+          </a:xfrm>
+          <a:prstGeom prst="rect">
+            <a:avLst/>
+          </a:prstGeom>
+        </p:spPr>
+      </p:pic>
+      <p:sp>
+        <p:nvSpPr>
+          <p:cNvPr id="2" name="Oval 1"/>
+          <p:cNvSpPr/>
+          <p:nvPr/>
+        </p:nvSpPr>
+        <p:spPr>
+          <a:xfrm>
+            <a:off x="6453445" y="881141"/>
+            <a:ext cx="907112" cy="1477207"/>
+          </a:xfrm>
+          <a:prstGeom prst="ellipse">
+            <a:avLst/>
+          </a:prstGeom>
+          <a:noFill/>
+          <a:ln w="38100" cmpd="sng">
+            <a:solidFill>
+              <a:srgbClr val="FFFF00"/>
+            </a:solidFill>
+          </a:ln>
+          <a:effectLst/>
+        </p:spPr>
+        <p:style>
+          <a:lnRef idx="1">
+            <a:schemeClr val="accent1"/>
+          </a:lnRef>
+          <a:fillRef idx="3">
+            <a:schemeClr val="accent1"/>
+          </a:fillRef>
+          <a:effectRef idx="2">
+            <a:schemeClr val="accent1"/>
+          </a:effectRef>
+          <a:fontRef idx="minor">
+            <a:schemeClr val="lt1"/>
+          </a:fontRef>
+        </p:style>
+        <p:txBody>
+          <a:bodyPr rtlCol="0" anchor="ctr"/>
+          <a:lstStyle/>
+          <a:p>
+            <a:pPr algn="ctr"/>
+            <a:endParaRPr lang="en-US"/>
+          </a:p>
+        </p:txBody>
+      </p:sp>
+      <p:sp>
+        <p:nvSpPr>
+          <p:cNvPr id="5" name="Oval 4"/>
+          <p:cNvSpPr/>
+          <p:nvPr/>
+        </p:nvSpPr>
+        <p:spPr>
+          <a:xfrm>
+            <a:off x="3288411" y="4156409"/>
+            <a:ext cx="907112" cy="1477207"/>
+          </a:xfrm>
+          <a:prstGeom prst="ellipse">
+            <a:avLst/>
+          </a:prstGeom>
+          <a:noFill/>
+          <a:ln w="38100" cmpd="sng">
+            <a:solidFill>
+              <a:srgbClr val="FFFF00"/>
+            </a:solidFill>
+          </a:ln>
+          <a:effectLst/>
+        </p:spPr>
+        <p:style>
+          <a:lnRef idx="1">
+            <a:schemeClr val="accent1"/>
+          </a:lnRef>
+          <a:fillRef idx="3">
+            <a:schemeClr val="accent1"/>
+          </a:fillRef>
+          <a:effectRef idx="2">
+            <a:schemeClr val="accent1"/>
+          </a:effectRef>
+          <a:fontRef idx="minor">
+            <a:schemeClr val="lt1"/>
+          </a:fontRef>
+        </p:style>
+        <p:txBody>
+          <a:bodyPr rtlCol="0" anchor="ctr"/>
+          <a:lstStyle/>
+          <a:p>
+            <a:pPr algn="ctr"/>
+            <a:endParaRPr lang="en-US"/>
+          </a:p>
+        </p:txBody>
+      </p:sp>
+      <p:sp>
+        <p:nvSpPr>
+          <p:cNvPr id="6" name="TextBox 5"/>
+          <p:cNvSpPr txBox="1"/>
+          <p:nvPr/>
+        </p:nvSpPr>
+        <p:spPr>
+          <a:xfrm>
+            <a:off x="7360557" y="1082020"/>
+            <a:ext cx="1529128" cy="369332"/>
+          </a:xfrm>
+          <a:prstGeom prst="rect">
+            <a:avLst/>
+          </a:prstGeom>
+          <a:noFill/>
+        </p:spPr>
+        <p:txBody>
+          <a:bodyPr wrap="square" rtlCol="0">
+            <a:spAutoFit/>
+          </a:bodyPr>
+          <a:lstStyle/>
+          <a:p>
+            <a:pPr algn="ctr"/>
+            <a:r>
+              <a:rPr lang="en-US" dirty="0" smtClean="0">
+                <a:latin typeface="Helvetica"/>
+                <a:cs typeface="Helvetica"/>
+              </a:rPr>
+              <a:t>Syncing up</a:t>
+            </a:r>
+            <a:endParaRPr lang="en-US" dirty="0">
+              <a:latin typeface="Helvetica"/>
+              <a:cs typeface="Helvetica"/>
+            </a:endParaRPr>
+          </a:p>
+        </p:txBody>
+      </p:sp>
+      <p:cxnSp>
+        <p:nvCxnSpPr>
+          <p:cNvPr id="8" name="Straight Arrow Connector 7"/>
+          <p:cNvCxnSpPr/>
+          <p:nvPr/>
+        </p:nvCxnSpPr>
+        <p:spPr>
+          <a:xfrm flipH="1">
+            <a:off x="7243927" y="1451352"/>
+            <a:ext cx="596104" cy="168393"/>
+          </a:xfrm>
+          <a:prstGeom prst="straightConnector1">
+            <a:avLst/>
+          </a:prstGeom>
+          <a:ln>
+            <a:solidFill>
+              <a:schemeClr val="tx1"/>
+            </a:solidFill>
+            <a:tailEnd type="arrow"/>
+          </a:ln>
+        </p:spPr>
+        <p:style>
+          <a:lnRef idx="2">
+            <a:schemeClr val="accent1"/>
+          </a:lnRef>
+          <a:fillRef idx="0">
+            <a:schemeClr val="accent1"/>
+          </a:fillRef>
+          <a:effectRef idx="1">
+            <a:schemeClr val="accent1"/>
+          </a:effectRef>
+          <a:fontRef idx="minor">
+            <a:schemeClr val="tx1"/>
+          </a:fontRef>
+        </p:style>
+      </p:cxnSp>
+      <p:sp>
+        <p:nvSpPr>
+          <p:cNvPr id="10" name="TextBox 9"/>
+          <p:cNvSpPr txBox="1"/>
+          <p:nvPr/>
+        </p:nvSpPr>
+        <p:spPr>
+          <a:xfrm>
+            <a:off x="3651256" y="3340277"/>
+            <a:ext cx="1529128" cy="369332"/>
+          </a:xfrm>
+          <a:prstGeom prst="rect">
+            <a:avLst/>
+          </a:prstGeom>
+          <a:noFill/>
+        </p:spPr>
+        <p:txBody>
+          <a:bodyPr wrap="square" rtlCol="0">
+            <a:spAutoFit/>
+          </a:bodyPr>
+          <a:lstStyle/>
+          <a:p>
+            <a:pPr algn="ctr"/>
+            <a:r>
+              <a:rPr lang="en-US" dirty="0" smtClean="0">
+                <a:latin typeface="Helvetica"/>
+                <a:cs typeface="Helvetica"/>
+              </a:rPr>
+              <a:t>Equilibrium</a:t>
+            </a:r>
+            <a:endParaRPr lang="en-US" dirty="0">
+              <a:latin typeface="Helvetica"/>
+              <a:cs typeface="Helvetica"/>
+            </a:endParaRPr>
+          </a:p>
+        </p:txBody>
+      </p:sp>
+      <p:cxnSp>
+        <p:nvCxnSpPr>
+          <p:cNvPr id="11" name="Straight Arrow Connector 10"/>
+          <p:cNvCxnSpPr>
+            <a:stCxn id="10" idx="2"/>
+          </p:cNvCxnSpPr>
+          <p:nvPr/>
+        </p:nvCxnSpPr>
+        <p:spPr>
+          <a:xfrm flipH="1">
+            <a:off x="4017205" y="3709609"/>
+            <a:ext cx="398615" cy="1240331"/>
+          </a:xfrm>
+          <a:prstGeom prst="straightConnector1">
+            <a:avLst/>
+          </a:prstGeom>
+          <a:ln>
+            <a:solidFill>
+              <a:schemeClr val="tx1"/>
+            </a:solidFill>
+            <a:tailEnd type="arrow"/>
+          </a:ln>
+        </p:spPr>
+        <p:style>
+          <a:lnRef idx="2">
+            <a:schemeClr val="accent1"/>
+          </a:lnRef>
+          <a:fillRef idx="0">
+            <a:schemeClr val="accent1"/>
+          </a:fillRef>
+          <a:effectRef idx="1">
+            <a:schemeClr val="accent1"/>
+          </a:effectRef>
+          <a:fontRef idx="minor">
+            <a:schemeClr val="tx1"/>
+          </a:fontRef>
+        </p:style>
+      </p:cxnSp>
+    </p:spTree>
+    <p:extLst>
+      <p:ext uri="{BB962C8B-B14F-4D97-AF65-F5344CB8AC3E}">
+        <p14:creationId xmlns:p14="http://schemas.microsoft.com/office/powerpoint/2010/main" val="2657935250"/>
+      </p:ext>
+    </p:extLst>
+  </p:cSld>
+  <p:clrMapOvr>
+    <a:masterClrMapping/>
+  </p:clrMapOvr>
+  <mc:AlternateContent xmlns:mc="http://schemas.openxmlformats.org/markup-compatibility/2006">
+    <mc:Choice xmlns:p14="http://schemas.microsoft.com/office/powerpoint/2010/main" Requires="p14">
+      <p:transition spd="slow" p14:dur="2000"/>
+    </mc:Choice>
+    <mc:Fallback>
+      <p:transition xmlns:p14="http://schemas.microsoft.com/office/powerpoint/2010/main" spd="slow"/>
+    </mc:Fallback>
+  </mc:AlternateContent>
+  <p:timing>
+    <p:tnLst>
+      <p:par>
+        <p:cTn xmlns:p14="http://schemas.microsoft.com/office/powerpoint/2010/main" id="1" dur="indefinite" restart="never" nodeType="tmRoot">
+          <p:childTnLst>
+            <p:seq concurrent="1" nextAc="seek">
+              <p:cTn id="2" dur="indefinite" nodeType="mainSeq">
+                <p:childTnLst>
+                  <p:par>
+                    <p:cTn id="3" fill="hold">
+                      <p:stCondLst>
+                        <p:cond delay="indefinite"/>
+                      </p:stCondLst>
+                      <p:childTnLst>
+                        <p:par>
+                          <p:cTn id="4" fill="hold">
+                            <p:stCondLst>
+                              <p:cond delay="0"/>
+                            </p:stCondLst>
+                            <p:childTnLst>
+                              <p:par>
+                                <p:cTn id="5" presetID="1" presetClass="entr" presetSubtype="0" fill="hold" grpId="0" nodeType="clickEffect">
+                                  <p:stCondLst>
+                                    <p:cond delay="0"/>
+                                  </p:stCondLst>
+                                  <p:childTnLst>
+                                    <p:set>
+                                      <p:cBhvr>
+                                        <p:cTn id="6" dur="1" fill="hold">
+                                          <p:stCondLst>
+                                            <p:cond delay="0"/>
+                                          </p:stCondLst>
+                                        </p:cTn>
+                                        <p:tgtEl>
+                                          <p:spTgt spid="2"/>
+                                        </p:tgtEl>
+                                        <p:attrNameLst>
+                                          <p:attrName>style.visibility</p:attrName>
+                                        </p:attrNameLst>
+                                      </p:cBhvr>
+                                      <p:to>
+                                        <p:strVal val="visible"/>
+                                      </p:to>
+                                    </p:set>
+                                  </p:childTnLst>
+                                </p:cTn>
+                              </p:par>
+                            </p:childTnLst>
+                          </p:cTn>
+                        </p:par>
+                      </p:childTnLst>
+                    </p:cTn>
+                  </p:par>
+                  <p:par>
+                    <p:cTn id="7" fill="hold">
+                      <p:stCondLst>
+                        <p:cond delay="indefinite"/>
+                      </p:stCondLst>
+                      <p:childTnLst>
+                        <p:par>
+                          <p:cTn id="8" fill="hold">
+                            <p:stCondLst>
+                              <p:cond delay="0"/>
+                            </p:stCondLst>
+                            <p:childTnLst>
+                              <p:par>
+                                <p:cTn id="9" presetID="1" presetClass="entr" presetSubtype="0" fill="hold" grpId="0" nodeType="clickEffect">
+                                  <p:stCondLst>
+                                    <p:cond delay="0"/>
+                                  </p:stCondLst>
+                                  <p:childTnLst>
+                                    <p:set>
+                                      <p:cBhvr>
+                                        <p:cTn id="10" dur="1" fill="hold">
+                                          <p:stCondLst>
+                                            <p:cond delay="0"/>
+                                          </p:stCondLst>
+                                        </p:cTn>
+                                        <p:tgtEl>
+                                          <p:spTgt spid="6"/>
+                                        </p:tgtEl>
+                                        <p:attrNameLst>
+                                          <p:attrName>style.visibility</p:attrName>
+                                        </p:attrNameLst>
+                                      </p:cBhvr>
+                                      <p:to>
+                                        <p:strVal val="visible"/>
+                                      </p:to>
+                                    </p:set>
+                                  </p:childTnLst>
+                                </p:cTn>
+                              </p:par>
+                              <p:par>
+                                <p:cTn id="11" presetID="1" presetClass="entr" presetSubtype="0" fill="hold" nodeType="withEffect">
+                                  <p:stCondLst>
+                                    <p:cond delay="0"/>
+                                  </p:stCondLst>
+                                  <p:childTnLst>
+                                    <p:set>
+                                      <p:cBhvr>
+                                        <p:cTn id="12" dur="1" fill="hold">
+                                          <p:stCondLst>
+                                            <p:cond delay="0"/>
+                                          </p:stCondLst>
+                                        </p:cTn>
+                                        <p:tgtEl>
+                                          <p:spTgt spid="8"/>
+                                        </p:tgtEl>
+                                        <p:attrNameLst>
+                                          <p:attrName>style.visibility</p:attrName>
+                                        </p:attrNameLst>
+                                      </p:cBhvr>
+                                      <p:to>
+                                        <p:strVal val="visible"/>
+                                      </p:to>
+                                    </p:set>
+                                  </p:childTnLst>
+                                </p:cTn>
+                              </p:par>
+                            </p:childTnLst>
+                          </p:cTn>
+                        </p:par>
+                      </p:childTnLst>
+                    </p:cTn>
+                  </p:par>
+                  <p:par>
+                    <p:cTn id="13" fill="hold">
+                      <p:stCondLst>
+                        <p:cond delay="indefinite"/>
+                      </p:stCondLst>
+                      <p:childTnLst>
+                        <p:par>
+                          <p:cTn id="14" fill="hold">
+                            <p:stCondLst>
+                              <p:cond delay="0"/>
+                            </p:stCondLst>
+                            <p:childTnLst>
+                              <p:par>
+                                <p:cTn id="15" presetID="1" presetClass="entr" presetSubtype="0" fill="hold" grpId="0" nodeType="clickEffect">
+                                  <p:stCondLst>
+                                    <p:cond delay="0"/>
+                                  </p:stCondLst>
+                                  <p:childTnLst>
+                                    <p:set>
+                                      <p:cBhvr>
+                                        <p:cTn id="16" dur="1" fill="hold">
+                                          <p:stCondLst>
+                                            <p:cond delay="0"/>
+                                          </p:stCondLst>
+                                        </p:cTn>
+                                        <p:tgtEl>
+                                          <p:spTgt spid="5"/>
+                                        </p:tgtEl>
+                                        <p:attrNameLst>
+                                          <p:attrName>style.visibility</p:attrName>
+                                        </p:attrNameLst>
+                                      </p:cBhvr>
+                                      <p:to>
+                                        <p:strVal val="visible"/>
+                                      </p:to>
+                                    </p:set>
+                                  </p:childTnLst>
+                                </p:cTn>
+                              </p:par>
+                            </p:childTnLst>
+                          </p:cTn>
+                        </p:par>
+                      </p:childTnLst>
+                    </p:cTn>
+                  </p:par>
+                  <p:par>
+                    <p:cTn id="17" fill="hold">
+                      <p:stCondLst>
+                        <p:cond delay="indefinite"/>
+                      </p:stCondLst>
+                      <p:childTnLst>
+                        <p:par>
+                          <p:cTn id="18" fill="hold">
+                            <p:stCondLst>
+                              <p:cond delay="0"/>
+                            </p:stCondLst>
+                            <p:childTnLst>
+                              <p:par>
+                                <p:cTn id="19" presetID="1" presetClass="entr" presetSubtype="0" fill="hold" grpId="0" nodeType="clickEffect">
+                                  <p:stCondLst>
+                                    <p:cond delay="0"/>
+                                  </p:stCondLst>
+                                  <p:childTnLst>
+                                    <p:set>
+                                      <p:cBhvr>
+                                        <p:cTn id="20" dur="1" fill="hold">
+                                          <p:stCondLst>
+                                            <p:cond delay="0"/>
+                                          </p:stCondLst>
+                                        </p:cTn>
+                                        <p:tgtEl>
+                                          <p:spTgt spid="10"/>
+                                        </p:tgtEl>
+                                        <p:attrNameLst>
+                                          <p:attrName>style.visibility</p:attrName>
+                                        </p:attrNameLst>
+                                      </p:cBhvr>
+                                      <p:to>
+                                        <p:strVal val="visible"/>
+                                      </p:to>
+                                    </p:set>
+                                  </p:childTnLst>
+                                </p:cTn>
+                              </p:par>
+                              <p:par>
+                                <p:cTn id="21" presetID="1" presetClass="entr" presetSubtype="0" fill="hold" nodeType="withEffect">
+                                  <p:stCondLst>
+                                    <p:cond delay="0"/>
+                                  </p:stCondLst>
+                                  <p:childTnLst>
+                                    <p:set>
+                                      <p:cBhvr>
+                                        <p:cTn id="22" dur="1" fill="hold">
+                                          <p:stCondLst>
+                                            <p:cond delay="0"/>
+                                          </p:stCondLst>
+                                        </p:cTn>
+                                        <p:tgtEl>
+                                          <p:spTgt spid="11"/>
+                                        </p:tgtEl>
+                                        <p:attrNameLst>
+                                          <p:attrName>style.visibility</p:attrName>
+                                        </p:attrNameLst>
+                                      </p:cBhvr>
+                                      <p:to>
+                                        <p:strVal val="visible"/>
+                                      </p:to>
+                                    </p:set>
+                                  </p:childTnLst>
+                                </p:cTn>
+                              </p:par>
+                            </p:childTnLst>
+                          </p:cTn>
+                        </p:par>
+                      </p:childTnLst>
+                    </p:cTn>
+                  </p:par>
+                </p:childTnLst>
+              </p:cTn>
+              <p:prevCondLst>
+                <p:cond evt="onPrev" delay="0">
+                  <p:tgtEl>
+                    <p:sldTgt/>
+                  </p:tgtEl>
+                </p:cond>
+              </p:prevCondLst>
+              <p:nextCondLst>
+                <p:cond evt="onNext" delay="0">
+                  <p:tgtEl>
+                    <p:sldTgt/>
+                  </p:tgtEl>
+                </p:cond>
+              </p:nextCondLst>
+            </p:seq>
+          </p:childTnLst>
+        </p:cTn>
+      </p:par>
+    </p:tnLst>
+    <p:bldLst>
+      <p:bldP spid="2" grpId="0" animBg="1"/>
+      <p:bldP spid="5" grpId="0" animBg="1"/>
+      <p:bldP spid="6" grpId="0"/>
+      <p:bldP spid="10" grpId="0"/>
+    </p:bldLst>
+  </p:timing>
+</p:sld>
+</file>
+
+<file path=ppt/slides/slide19.xml><?xml version="1.0" encoding="utf-8"?>
+<p:sld xmlns:a="http://schemas.openxmlformats.org/drawingml/2006/main" xmlns:r="http://schemas.openxmlformats.org/officeDocument/2006/relationships" xmlns:p="http://schemas.openxmlformats.org/presentationml/2006/main">
+  <p:cSld>
+    <p:spTree>
+      <p:nvGrpSpPr>
+        <p:cNvPr id="1" name=""/>
+        <p:cNvGrpSpPr/>
+        <p:nvPr/>
+      </p:nvGrpSpPr>
+      <p:grpSpPr>
+        <a:xfrm>
+          <a:off x="0" y="0"/>
+          <a:ext cx="0" cy="0"/>
+          <a:chOff x="0" y="0"/>
+          <a:chExt cx="0" cy="0"/>
+        </a:xfrm>
+      </p:grpSpPr>
+      <p:sp>
+        <p:nvSpPr>
+          <p:cNvPr id="2" name="Slide Number Placeholder 1"/>
+          <p:cNvSpPr>
+            <a:spLocks noGrp="1"/>
+          </p:cNvSpPr>
+          <p:nvPr>
+            <p:ph type="sldNum" sz="quarter" idx="12"/>
+          </p:nvPr>
+        </p:nvSpPr>
+        <p:spPr/>
+        <p:txBody>
+          <a:bodyPr/>
+          <a:lstStyle/>
+          <a:p>
+            <a:fld id="{930465AD-53DA-D841-AEBD-0BDBF8BCBA90}" type="slidenum">
+              <a:rPr lang="en-US" smtClean="0"/>
+              <a:t>19</a:t>
+            </a:fld>
+            <a:endParaRPr lang="en-US"/>
+          </a:p>
+        </p:txBody>
+      </p:sp>
+    </p:spTree>
+    <p:extLst>
+      <p:ext uri="{BB962C8B-B14F-4D97-AF65-F5344CB8AC3E}">
+        <p14:creationId xmlns:p14="http://schemas.microsoft.com/office/powerpoint/2010/main" val="816186230"/>
+      </p:ext>
+    </p:extLst>
+  </p:cSld>
+  <p:clrMapOvr>
+    <a:masterClrMapping/>
+  </p:clrMapOvr>
+  <p:timing>
+    <p:tnLst>
+      <p:par>
+        <p:cTn xmlns:p14="http://schemas.microsoft.com/office/powerpoint/2010/main" id="1" dur="indefinite" restart="never" nodeType="tmRoot"/>
+      </p:par>
+    </p:tnLst>
+  </p:timing>
+</p:sld>
+</file>
+
+<file path=ppt/slides/slide2.xml><?xml version="1.0" encoding="utf-8"?>
+<p:sld xmlns:a="http://schemas.openxmlformats.org/drawingml/2006/main" xmlns:r="http://schemas.openxmlformats.org/officeDocument/2006/relationships" xmlns:p="http://schemas.openxmlformats.org/presentationml/2006/main">
+  <p:cSld>
+    <p:spTree>
+      <p:nvGrpSpPr>
+        <p:cNvPr id="1" name=""/>
+        <p:cNvGrpSpPr/>
+        <p:nvPr/>
+      </p:nvGrpSpPr>
+      <p:grpSpPr>
+        <a:xfrm>
+          <a:off x="0" y="0"/>
+          <a:ext cx="0" cy="0"/>
+          <a:chOff x="0" y="0"/>
+          <a:chExt cx="0" cy="0"/>
+        </a:xfrm>
+      </p:grpSpPr>
+      <p:sp>
+        <p:nvSpPr>
+          <p:cNvPr id="2" name="Title 1"/>
+          <p:cNvSpPr>
+            <a:spLocks noGrp="1"/>
+          </p:cNvSpPr>
+          <p:nvPr>
+            <p:ph type="title"/>
+          </p:nvPr>
+        </p:nvSpPr>
+        <p:spPr/>
+        <p:txBody>
+          <a:bodyPr/>
+          <a:lstStyle/>
+          <a:p>
+            <a:r>
+              <a:rPr lang="en-US" dirty="0" smtClean="0"/>
+              <a:t>Method</a:t>
+            </a:r>
+            <a:endParaRPr lang="en-US" dirty="0"/>
+          </a:p>
+        </p:txBody>
+      </p:sp>
+      <p:sp>
+        <p:nvSpPr>
+          <p:cNvPr id="3" name="Slide Number Placeholder 2"/>
+          <p:cNvSpPr>
+            <a:spLocks noGrp="1"/>
+          </p:cNvSpPr>
+          <p:nvPr>
+            <p:ph type="sldNum" sz="quarter" idx="12"/>
+          </p:nvPr>
+        </p:nvSpPr>
+        <p:spPr/>
+        <p:txBody>
+          <a:bodyPr/>
+          <a:lstStyle/>
+          <a:p>
+            <a:fld id="{562B05B1-F230-4C39-ACDE-CFBA7CA93D5F}" type="slidenum">
+              <a:rPr lang="en-US" smtClean="0"/>
+              <a:t>2</a:t>
+            </a:fld>
+            <a:endParaRPr lang="en-US" dirty="0"/>
+          </a:p>
+        </p:txBody>
+      </p:sp>
+      <p:cxnSp>
+        <p:nvCxnSpPr>
+          <p:cNvPr id="17" name="Straight Arrow Connector 16"/>
+          <p:cNvCxnSpPr/>
+          <p:nvPr/>
+        </p:nvCxnSpPr>
+        <p:spPr>
+          <a:xfrm>
+            <a:off x="153954" y="1441053"/>
+            <a:ext cx="8819631" cy="1"/>
+          </a:xfrm>
+          <a:prstGeom prst="straightConnector1">
+            <a:avLst/>
+          </a:prstGeom>
+          <a:ln w="38100" cmpd="sng">
+            <a:solidFill>
+              <a:srgbClr val="000000"/>
+            </a:solidFill>
+            <a:tailEnd type="arrow"/>
+          </a:ln>
+        </p:spPr>
+        <p:style>
+          <a:lnRef idx="2">
+            <a:schemeClr val="accent1"/>
+          </a:lnRef>
+          <a:fillRef idx="0">
+            <a:schemeClr val="accent1"/>
+          </a:fillRef>
+          <a:effectRef idx="1">
+            <a:schemeClr val="accent1"/>
+          </a:effectRef>
+          <a:fontRef idx="minor">
+            <a:schemeClr val="tx1"/>
+          </a:fontRef>
+        </p:style>
+      </p:cxnSp>
+      <p:pic>
+        <p:nvPicPr>
+          <p:cNvPr id="13" name="Picture 12" descr="IMG_6354.JPG"/>
+          <p:cNvPicPr>
+            <a:picLocks noChangeAspect="1"/>
+          </p:cNvPicPr>
+          <p:nvPr/>
+        </p:nvPicPr>
+        <p:blipFill rotWithShape="1">
+          <a:blip r:embed="rId3">
+            <a:extLst>
+              <a:ext uri="{28A0092B-C50C-407E-A947-70E740481C1C}">
+                <a14:useLocalDpi xmlns:a14="http://schemas.microsoft.com/office/drawing/2010/main" val="0"/>
+              </a:ext>
+            </a:extLst>
+          </a:blip>
+          <a:srcRect l="11271" r="11220"/>
+          <a:stretch/>
+        </p:blipFill>
+        <p:spPr>
+          <a:xfrm rot="5400000">
+            <a:off x="346145" y="1769031"/>
+            <a:ext cx="3579098" cy="3463241"/>
+          </a:xfrm>
+          <a:prstGeom prst="rect">
+            <a:avLst/>
+          </a:prstGeom>
+          <a:ln w="28575" cmpd="sng">
+            <a:solidFill>
+              <a:schemeClr val="tx1"/>
+            </a:solidFill>
+          </a:ln>
+        </p:spPr>
+      </p:pic>
+    </p:spTree>
+    <p:extLst>
+      <p:ext uri="{BB962C8B-B14F-4D97-AF65-F5344CB8AC3E}">
+        <p14:creationId xmlns:p14="http://schemas.microsoft.com/office/powerpoint/2010/main" val="3777636159"/>
+      </p:ext>
+    </p:extLst>
+  </p:cSld>
+  <p:clrMapOvr>
+    <a:masterClrMapping/>
+  </p:clrMapOvr>
+  <p:timing>
+    <p:tnLst>
+      <p:par>
+        <p:cTn xmlns:p14="http://schemas.microsoft.com/office/powerpoint/2010/main" id="1" dur="indefinite" restart="never" nodeType="tmRoot"/>
+      </p:par>
+    </p:tnLst>
+  </p:timing>
+</p:sld>
+</file>
+
+<file path=ppt/slides/slide20.xml><?xml version="1.0" encoding="utf-8"?>
+<p:sld xmlns:a="http://schemas.openxmlformats.org/drawingml/2006/main" xmlns:r="http://schemas.openxmlformats.org/officeDocument/2006/relationships" xmlns:p="http://schemas.openxmlformats.org/presentationml/2006/main">
+  <p:cSld>
+    <p:spTree>
+      <p:nvGrpSpPr>
+        <p:cNvPr id="1" name=""/>
+        <p:cNvGrpSpPr/>
+        <p:nvPr/>
+      </p:nvGrpSpPr>
+      <p:grpSpPr>
+        <a:xfrm>
+          <a:off x="0" y="0"/>
+          <a:ext cx="0" cy="0"/>
+          <a:chOff x="0" y="0"/>
+          <a:chExt cx="0" cy="0"/>
+        </a:xfrm>
+      </p:grpSpPr>
+      <p:sp>
+        <p:nvSpPr>
+          <p:cNvPr id="2" name="Slide Number Placeholder 1"/>
+          <p:cNvSpPr>
+            <a:spLocks noGrp="1"/>
+          </p:cNvSpPr>
+          <p:nvPr>
+            <p:ph type="sldNum" sz="quarter" idx="12"/>
+          </p:nvPr>
+        </p:nvSpPr>
+        <p:spPr/>
+        <p:txBody>
+          <a:bodyPr/>
+          <a:lstStyle/>
+          <a:p>
+            <a:fld id="{930465AD-53DA-D841-AEBD-0BDBF8BCBA90}" type="slidenum">
+              <a:rPr lang="en-US" smtClean="0"/>
+              <a:t>20</a:t>
+            </a:fld>
+            <a:endParaRPr lang="en-US"/>
+          </a:p>
+        </p:txBody>
+      </p:sp>
+    </p:spTree>
+    <p:extLst>
+      <p:ext uri="{BB962C8B-B14F-4D97-AF65-F5344CB8AC3E}">
+        <p14:creationId xmlns:p14="http://schemas.microsoft.com/office/powerpoint/2010/main" val="130701263"/>
+      </p:ext>
+    </p:extLst>
+  </p:cSld>
+  <p:clrMapOvr>
+    <a:masterClrMapping/>
+  </p:clrMapOvr>
+</p:sld>
+</file>
+
+<file path=ppt/slides/slide3.xml><?xml version="1.0" encoding="utf-8"?>
+<p:sld xmlns:a="http://schemas.openxmlformats.org/drawingml/2006/main" xmlns:r="http://schemas.openxmlformats.org/officeDocument/2006/relationships" xmlns:p="http://schemas.openxmlformats.org/presentationml/2006/main">
+  <p:cSld>
+    <p:spTree>
+      <p:nvGrpSpPr>
+        <p:cNvPr id="1" name=""/>
+        <p:cNvGrpSpPr/>
+        <p:nvPr/>
+      </p:nvGrpSpPr>
+      <p:grpSpPr>
+        <a:xfrm>
+          <a:off x="0" y="0"/>
+          <a:ext cx="0" cy="0"/>
+          <a:chOff x="0" y="0"/>
+          <a:chExt cx="0" cy="0"/>
+        </a:xfrm>
+      </p:grpSpPr>
+      <p:sp>
+        <p:nvSpPr>
+          <p:cNvPr id="2" name="Title 1"/>
+          <p:cNvSpPr>
+            <a:spLocks noGrp="1"/>
+          </p:cNvSpPr>
+          <p:nvPr>
+            <p:ph type="title"/>
+          </p:nvPr>
+        </p:nvSpPr>
+        <p:spPr/>
+        <p:txBody>
+          <a:bodyPr/>
+          <a:lstStyle/>
+          <a:p>
+            <a:r>
+              <a:rPr lang="en-US" dirty="0" smtClean="0"/>
+              <a:t>Method</a:t>
+            </a:r>
+            <a:endParaRPr lang="en-US" dirty="0"/>
+          </a:p>
+        </p:txBody>
+      </p:sp>
+      <p:sp>
+        <p:nvSpPr>
+          <p:cNvPr id="3" name="Slide Number Placeholder 2"/>
+          <p:cNvSpPr>
+            <a:spLocks noGrp="1"/>
+          </p:cNvSpPr>
+          <p:nvPr>
+            <p:ph type="sldNum" sz="quarter" idx="12"/>
+          </p:nvPr>
+        </p:nvSpPr>
+        <p:spPr/>
+        <p:txBody>
+          <a:bodyPr/>
+          <a:lstStyle/>
+          <a:p>
+            <a:fld id="{562B05B1-F230-4C39-ACDE-CFBA7CA93D5F}" type="slidenum">
+              <a:rPr lang="en-US" smtClean="0"/>
+              <a:t>3</a:t>
+            </a:fld>
+            <a:endParaRPr lang="en-US" dirty="0"/>
+          </a:p>
+        </p:txBody>
+      </p:sp>
+      <p:cxnSp>
+        <p:nvCxnSpPr>
+          <p:cNvPr id="17" name="Straight Arrow Connector 16"/>
+          <p:cNvCxnSpPr/>
+          <p:nvPr/>
+        </p:nvCxnSpPr>
+        <p:spPr>
+          <a:xfrm>
+            <a:off x="153954" y="1441053"/>
+            <a:ext cx="8819631" cy="1"/>
+          </a:xfrm>
+          <a:prstGeom prst="straightConnector1">
+            <a:avLst/>
+          </a:prstGeom>
+          <a:ln w="38100" cmpd="sng">
+            <a:solidFill>
+              <a:srgbClr val="000000"/>
+            </a:solidFill>
+            <a:tailEnd type="arrow"/>
+          </a:ln>
+        </p:spPr>
+        <p:style>
+          <a:lnRef idx="2">
+            <a:schemeClr val="accent1"/>
+          </a:lnRef>
+          <a:fillRef idx="0">
+            <a:schemeClr val="accent1"/>
+          </a:fillRef>
+          <a:effectRef idx="1">
+            <a:schemeClr val="accent1"/>
+          </a:effectRef>
+          <a:fontRef idx="minor">
+            <a:schemeClr val="tx1"/>
+          </a:fontRef>
+        </p:style>
+      </p:cxnSp>
+      <p:pic>
+        <p:nvPicPr>
+          <p:cNvPr id="13" name="Picture 12" descr="IMG_6354.JPG"/>
+          <p:cNvPicPr>
+            <a:picLocks noChangeAspect="1"/>
+          </p:cNvPicPr>
+          <p:nvPr/>
+        </p:nvPicPr>
+        <p:blipFill rotWithShape="1">
+          <a:blip r:embed="rId3">
+            <a:extLst>
+              <a:ext uri="{28A0092B-C50C-407E-A947-70E740481C1C}">
+                <a14:useLocalDpi xmlns:a14="http://schemas.microsoft.com/office/drawing/2010/main" val="0"/>
+              </a:ext>
+            </a:extLst>
+          </a:blip>
+          <a:srcRect l="11271" r="11220"/>
+          <a:stretch/>
+        </p:blipFill>
+        <p:spPr>
+          <a:xfrm rot="5400000">
+            <a:off x="346145" y="1769031"/>
+            <a:ext cx="3579098" cy="3463241"/>
+          </a:xfrm>
+          <a:prstGeom prst="rect">
+            <a:avLst/>
+          </a:prstGeom>
+          <a:ln w="28575" cmpd="sng">
+            <a:solidFill>
+              <a:schemeClr val="tx1"/>
+            </a:solidFill>
+          </a:ln>
+        </p:spPr>
+      </p:pic>
+      <p:sp>
+        <p:nvSpPr>
+          <p:cNvPr id="19" name="Rectangle 18"/>
+          <p:cNvSpPr/>
+          <p:nvPr/>
+        </p:nvSpPr>
+        <p:spPr>
+          <a:xfrm>
+            <a:off x="173161" y="1517643"/>
+            <a:ext cx="3809999" cy="3994546"/>
+          </a:xfrm>
+          <a:prstGeom prst="rect">
+            <a:avLst/>
+          </a:prstGeom>
+          <a:solidFill>
+            <a:schemeClr val="bg1">
+              <a:alpha val="60000"/>
+            </a:schemeClr>
+          </a:solidFill>
+          <a:ln>
+            <a:solidFill>
+              <a:schemeClr val="bg1"/>
+            </a:solidFill>
+          </a:ln>
+          <a:effectLst/>
+        </p:spPr>
+        <p:style>
+          <a:lnRef idx="1">
+            <a:schemeClr val="accent1"/>
+          </a:lnRef>
+          <a:fillRef idx="3">
+            <a:schemeClr val="accent1"/>
+          </a:fillRef>
+          <a:effectRef idx="2">
+            <a:schemeClr val="accent1"/>
+          </a:effectRef>
+          <a:fontRef idx="minor">
+            <a:schemeClr val="lt1"/>
+          </a:fontRef>
+        </p:style>
+        <p:txBody>
+          <a:bodyPr rtlCol="0" anchor="ctr"/>
+          <a:lstStyle/>
+          <a:p>
+            <a:pPr algn="ctr"/>
+            <a:endParaRPr lang="en-US"/>
+          </a:p>
+        </p:txBody>
+      </p:sp>
+      <p:pic>
+        <p:nvPicPr>
+          <p:cNvPr id="21" name="Picture 20" descr="IMG_6351.JPG"/>
+          <p:cNvPicPr>
+            <a:picLocks noChangeAspect="1"/>
+          </p:cNvPicPr>
+          <p:nvPr/>
+        </p:nvPicPr>
+        <p:blipFill rotWithShape="1">
+          <a:blip r:embed="rId4">
+            <a:extLst>
+              <a:ext uri="{28A0092B-C50C-407E-A947-70E740481C1C}">
+                <a14:useLocalDpi xmlns:a14="http://schemas.microsoft.com/office/drawing/2010/main" val="0"/>
+              </a:ext>
+            </a:extLst>
+          </a:blip>
+          <a:srcRect l="13561" r="15561"/>
+          <a:stretch/>
+        </p:blipFill>
+        <p:spPr>
+          <a:xfrm rot="5400000">
+            <a:off x="2347529" y="1867509"/>
+            <a:ext cx="3579101" cy="3787235"/>
+          </a:xfrm>
+          <a:prstGeom prst="rect">
+            <a:avLst/>
+          </a:prstGeom>
+          <a:ln w="28575" cmpd="sng">
+            <a:solidFill>
+              <a:srgbClr val="000000"/>
+            </a:solidFill>
+          </a:ln>
+        </p:spPr>
+      </p:pic>
+    </p:spTree>
+    <p:extLst>
+      <p:ext uri="{BB962C8B-B14F-4D97-AF65-F5344CB8AC3E}">
+        <p14:creationId xmlns:p14="http://schemas.microsoft.com/office/powerpoint/2010/main" val="792530631"/>
+      </p:ext>
+    </p:extLst>
+  </p:cSld>
+  <p:clrMapOvr>
+    <a:masterClrMapping/>
+  </p:clrMapOvr>
+  <p:timing>
+    <p:tnLst>
+      <p:par>
+        <p:cTn xmlns:p14="http://schemas.microsoft.com/office/powerpoint/2010/main" id="1" dur="indefinite" restart="never" nodeType="tmRoot"/>
+      </p:par>
+    </p:tnLst>
+  </p:timing>
+</p:sld>
+</file>
+
+<file path=ppt/slides/slide4.xml><?xml version="1.0" encoding="utf-8"?>
+<p:sld xmlns:a="http://schemas.openxmlformats.org/drawingml/2006/main" xmlns:r="http://schemas.openxmlformats.org/officeDocument/2006/relationships" xmlns:p="http://schemas.openxmlformats.org/presentationml/2006/main">
+  <p:cSld>
+    <p:spTree>
+      <p:nvGrpSpPr>
+        <p:cNvPr id="1" name=""/>
+        <p:cNvGrpSpPr/>
+        <p:nvPr/>
+      </p:nvGrpSpPr>
+      <p:grpSpPr>
+        <a:xfrm>
+          <a:off x="0" y="0"/>
+          <a:ext cx="0" cy="0"/>
+          <a:chOff x="0" y="0"/>
+          <a:chExt cx="0" cy="0"/>
+        </a:xfrm>
+      </p:grpSpPr>
+      <p:sp>
+        <p:nvSpPr>
+          <p:cNvPr id="2" name="Title 1"/>
+          <p:cNvSpPr>
+            <a:spLocks noGrp="1"/>
+          </p:cNvSpPr>
+          <p:nvPr>
+            <p:ph type="title"/>
+          </p:nvPr>
+        </p:nvSpPr>
+        <p:spPr/>
+        <p:txBody>
+          <a:bodyPr/>
+          <a:lstStyle/>
+          <a:p>
+            <a:r>
+              <a:rPr lang="en-US" dirty="0" smtClean="0"/>
+              <a:t>Method</a:t>
+            </a:r>
+            <a:endParaRPr lang="en-US" dirty="0"/>
+          </a:p>
+        </p:txBody>
+      </p:sp>
+      <p:sp>
+        <p:nvSpPr>
+          <p:cNvPr id="3" name="Slide Number Placeholder 2"/>
+          <p:cNvSpPr>
+            <a:spLocks noGrp="1"/>
+          </p:cNvSpPr>
+          <p:nvPr>
+            <p:ph type="sldNum" sz="quarter" idx="12"/>
+          </p:nvPr>
+        </p:nvSpPr>
+        <p:spPr/>
+        <p:txBody>
+          <a:bodyPr/>
+          <a:lstStyle/>
+          <a:p>
+            <a:fld id="{562B05B1-F230-4C39-ACDE-CFBA7CA93D5F}" type="slidenum">
+              <a:rPr lang="en-US" smtClean="0"/>
+              <a:t>4</a:t>
+            </a:fld>
+            <a:endParaRPr lang="en-US" dirty="0"/>
+          </a:p>
+        </p:txBody>
+      </p:sp>
+      <p:cxnSp>
+        <p:nvCxnSpPr>
+          <p:cNvPr id="17" name="Straight Arrow Connector 16"/>
+          <p:cNvCxnSpPr/>
+          <p:nvPr/>
+        </p:nvCxnSpPr>
+        <p:spPr>
+          <a:xfrm>
+            <a:off x="153954" y="1441053"/>
+            <a:ext cx="8819631" cy="1"/>
+          </a:xfrm>
+          <a:prstGeom prst="straightConnector1">
+            <a:avLst/>
+          </a:prstGeom>
+          <a:ln w="38100" cmpd="sng">
+            <a:solidFill>
+              <a:srgbClr val="000000"/>
+            </a:solidFill>
+            <a:tailEnd type="arrow"/>
+          </a:ln>
+        </p:spPr>
+        <p:style>
+          <a:lnRef idx="2">
+            <a:schemeClr val="accent1"/>
+          </a:lnRef>
+          <a:fillRef idx="0">
+            <a:schemeClr val="accent1"/>
+          </a:fillRef>
+          <a:effectRef idx="1">
+            <a:schemeClr val="accent1"/>
+          </a:effectRef>
+          <a:fontRef idx="minor">
+            <a:schemeClr val="tx1"/>
+          </a:fontRef>
+        </p:style>
+      </p:cxnSp>
+      <p:pic>
+        <p:nvPicPr>
+          <p:cNvPr id="13" name="Picture 12" descr="IMG_6354.JPG"/>
+          <p:cNvPicPr>
+            <a:picLocks noChangeAspect="1"/>
+          </p:cNvPicPr>
+          <p:nvPr/>
+        </p:nvPicPr>
+        <p:blipFill rotWithShape="1">
+          <a:blip r:embed="rId3">
+            <a:extLst>
+              <a:ext uri="{28A0092B-C50C-407E-A947-70E740481C1C}">
+                <a14:useLocalDpi xmlns:a14="http://schemas.microsoft.com/office/drawing/2010/main" val="0"/>
+              </a:ext>
+            </a:extLst>
+          </a:blip>
+          <a:srcRect l="11271" r="11220"/>
+          <a:stretch/>
+        </p:blipFill>
+        <p:spPr>
+          <a:xfrm rot="5400000">
+            <a:off x="346145" y="1769031"/>
+            <a:ext cx="3579098" cy="3463241"/>
+          </a:xfrm>
+          <a:prstGeom prst="rect">
+            <a:avLst/>
+          </a:prstGeom>
+          <a:ln w="28575" cmpd="sng">
+            <a:solidFill>
+              <a:schemeClr val="tx1"/>
+            </a:solidFill>
+          </a:ln>
+        </p:spPr>
+      </p:pic>
+      <p:pic>
+        <p:nvPicPr>
+          <p:cNvPr id="21" name="Picture 20" descr="IMG_6351.JPG"/>
+          <p:cNvPicPr>
+            <a:picLocks noChangeAspect="1"/>
+          </p:cNvPicPr>
+          <p:nvPr/>
+        </p:nvPicPr>
+        <p:blipFill rotWithShape="1">
+          <a:blip r:embed="rId4">
+            <a:extLst>
+              <a:ext uri="{28A0092B-C50C-407E-A947-70E740481C1C}">
+                <a14:useLocalDpi xmlns:a14="http://schemas.microsoft.com/office/drawing/2010/main" val="0"/>
+              </a:ext>
+            </a:extLst>
+          </a:blip>
+          <a:srcRect l="13561" r="15561"/>
+          <a:stretch/>
+        </p:blipFill>
+        <p:spPr>
+          <a:xfrm rot="5400000">
+            <a:off x="2347529" y="1867509"/>
+            <a:ext cx="3579101" cy="3787235"/>
+          </a:xfrm>
+          <a:prstGeom prst="rect">
+            <a:avLst/>
+          </a:prstGeom>
+          <a:ln w="28575" cmpd="sng">
+            <a:solidFill>
+              <a:srgbClr val="000000"/>
+            </a:solidFill>
+          </a:ln>
+        </p:spPr>
+      </p:pic>
+      <p:sp>
+        <p:nvSpPr>
+          <p:cNvPr id="19" name="Rectangle 18"/>
+          <p:cNvSpPr/>
+          <p:nvPr/>
+        </p:nvSpPr>
+        <p:spPr>
+          <a:xfrm>
+            <a:off x="173161" y="1517642"/>
+            <a:ext cx="6380039" cy="4203419"/>
+          </a:xfrm>
+          <a:prstGeom prst="rect">
+            <a:avLst/>
+          </a:prstGeom>
+          <a:solidFill>
+            <a:schemeClr val="bg1">
+              <a:alpha val="60000"/>
+            </a:schemeClr>
+          </a:solidFill>
+          <a:ln>
+            <a:solidFill>
+              <a:schemeClr val="bg1"/>
+            </a:solidFill>
+          </a:ln>
+          <a:effectLst/>
+        </p:spPr>
+        <p:style>
+          <a:lnRef idx="1">
+            <a:schemeClr val="accent1"/>
+          </a:lnRef>
+          <a:fillRef idx="3">
+            <a:schemeClr val="accent1"/>
+          </a:fillRef>
+          <a:effectRef idx="2">
+            <a:schemeClr val="accent1"/>
+          </a:effectRef>
+          <a:fontRef idx="minor">
+            <a:schemeClr val="lt1"/>
+          </a:fontRef>
+        </p:style>
+        <p:txBody>
+          <a:bodyPr rtlCol="0" anchor="ctr"/>
+          <a:lstStyle/>
+          <a:p>
+            <a:pPr algn="ctr"/>
+            <a:endParaRPr lang="en-US"/>
+          </a:p>
+        </p:txBody>
+      </p:sp>
+      <p:pic>
+        <p:nvPicPr>
+          <p:cNvPr id="22" name="Picture 21" descr="IMG_6332.JPG"/>
+          <p:cNvPicPr>
+            <a:picLocks noChangeAspect="1"/>
+          </p:cNvPicPr>
+          <p:nvPr/>
+        </p:nvPicPr>
+        <p:blipFill rotWithShape="1">
+          <a:blip r:embed="rId5">
+            <a:extLst>
+              <a:ext uri="{28A0092B-C50C-407E-A947-70E740481C1C}">
+                <a14:useLocalDpi xmlns:a14="http://schemas.microsoft.com/office/drawing/2010/main" val="0"/>
+              </a:ext>
+            </a:extLst>
+          </a:blip>
+          <a:srcRect l="23697" r="3461"/>
+          <a:stretch/>
+        </p:blipFill>
+        <p:spPr>
+          <a:xfrm rot="5400000">
+            <a:off x="4979931" y="2154416"/>
+            <a:ext cx="3685256" cy="3794429"/>
+          </a:xfrm>
+          <a:prstGeom prst="rect">
+            <a:avLst/>
+          </a:prstGeom>
+          <a:ln w="28575" cmpd="sng">
+            <a:solidFill>
+              <a:srgbClr val="000000"/>
+            </a:solidFill>
+          </a:ln>
+        </p:spPr>
+      </p:pic>
+    </p:spTree>
+    <p:extLst>
+      <p:ext uri="{BB962C8B-B14F-4D97-AF65-F5344CB8AC3E}">
+        <p14:creationId xmlns:p14="http://schemas.microsoft.com/office/powerpoint/2010/main" val="4215632231"/>
+      </p:ext>
+    </p:extLst>
+  </p:cSld>
+  <p:clrMapOvr>
+    <a:masterClrMapping/>
+  </p:clrMapOvr>
+  <p:timing>
+    <p:tnLst>
+      <p:par>
+        <p:cTn xmlns:p14="http://schemas.microsoft.com/office/powerpoint/2010/main" id="1" dur="indefinite" restart="never" nodeType="tmRoot"/>
+      </p:par>
+    </p:tnLst>
+  </p:timing>
+</p:sld>
+</file>
+
+<file path=ppt/slides/slide5.xml><?xml version="1.0" encoding="utf-8"?>
+<p:sld xmlns:a="http://schemas.openxmlformats.org/drawingml/2006/main" xmlns:r="http://schemas.openxmlformats.org/officeDocument/2006/relationships" xmlns:p="http://schemas.openxmlformats.org/presentationml/2006/main">
+  <p:cSld>
+    <p:spTree>
+      <p:nvGrpSpPr>
+        <p:cNvPr id="1" name=""/>
+        <p:cNvGrpSpPr/>
+        <p:nvPr/>
+      </p:nvGrpSpPr>
+      <p:grpSpPr>
+        <a:xfrm>
+          <a:off x="0" y="0"/>
+          <a:ext cx="0" cy="0"/>
+          <a:chOff x="0" y="0"/>
+          <a:chExt cx="0" cy="0"/>
+        </a:xfrm>
+      </p:grpSpPr>
+      <p:sp>
+        <p:nvSpPr>
+          <p:cNvPr id="2" name="Title 1"/>
+          <p:cNvSpPr>
+            <a:spLocks noGrp="1"/>
+          </p:cNvSpPr>
+          <p:nvPr>
+            <p:ph type="title"/>
+          </p:nvPr>
+        </p:nvSpPr>
+        <p:spPr>
+          <a:xfrm>
+            <a:off x="457200" y="329989"/>
+            <a:ext cx="8229600" cy="1143000"/>
+          </a:xfrm>
+        </p:spPr>
+        <p:txBody>
+          <a:bodyPr>
+            <a:noAutofit/>
+          </a:bodyPr>
+          <a:lstStyle/>
+          <a:p>
+            <a:r>
+              <a:rPr lang="en-US" sz="3600" dirty="0" smtClean="0"/>
+              <a:t>Respiratory Sinus Arrhythmia (RSA)</a:t>
+            </a:r>
+            <a:endParaRPr lang="en-US" sz="3600" dirty="0"/>
+          </a:p>
+        </p:txBody>
+      </p:sp>
+      <p:sp>
+        <p:nvSpPr>
+          <p:cNvPr id="4" name="Slide Number Placeholder 3"/>
+          <p:cNvSpPr>
+            <a:spLocks noGrp="1"/>
+          </p:cNvSpPr>
+          <p:nvPr>
+            <p:ph type="sldNum" sz="quarter" idx="12"/>
+          </p:nvPr>
+        </p:nvSpPr>
+        <p:spPr/>
+        <p:txBody>
+          <a:bodyPr/>
+          <a:lstStyle/>
+          <a:p>
+            <a:fld id="{930465AD-53DA-D841-AEBD-0BDBF8BCBA90}" type="slidenum">
+              <a:rPr lang="en-US" smtClean="0"/>
+              <a:t>5</a:t>
+            </a:fld>
+            <a:endParaRPr lang="en-US"/>
+          </a:p>
+        </p:txBody>
+      </p:sp>
+      <p:pic>
+        <p:nvPicPr>
+          <p:cNvPr id="7" name="Picture 6"/>
+          <p:cNvPicPr>
+            <a:picLocks noChangeAspect="1"/>
+          </p:cNvPicPr>
+          <p:nvPr/>
+        </p:nvPicPr>
+        <p:blipFill>
+          <a:blip r:embed="rId3"/>
+          <a:stretch>
+            <a:fillRect/>
+          </a:stretch>
+        </p:blipFill>
+        <p:spPr>
+          <a:xfrm>
+            <a:off x="497491" y="1734830"/>
+            <a:ext cx="8065293" cy="2002513"/>
+          </a:xfrm>
+          <a:prstGeom prst="rect">
+            <a:avLst/>
+          </a:prstGeom>
+        </p:spPr>
+      </p:pic>
+      <p:sp>
+        <p:nvSpPr>
+          <p:cNvPr id="3" name="TextBox 2"/>
+          <p:cNvSpPr txBox="1"/>
+          <p:nvPr/>
+        </p:nvSpPr>
+        <p:spPr>
+          <a:xfrm>
+            <a:off x="775779" y="4069550"/>
+            <a:ext cx="7529225" cy="1815882"/>
+          </a:xfrm>
+          <a:prstGeom prst="rect">
+            <a:avLst/>
+          </a:prstGeom>
+          <a:noFill/>
+        </p:spPr>
+        <p:txBody>
+          <a:bodyPr wrap="square" rtlCol="0">
+            <a:spAutoFit/>
+          </a:bodyPr>
+          <a:lstStyle/>
+          <a:p>
+            <a:pPr algn="ctr"/>
+            <a:r>
+              <a:rPr lang="en-US" sz="2800" dirty="0" smtClean="0">
+                <a:latin typeface="Helvetica"/>
+                <a:cs typeface="Helvetica"/>
+              </a:rPr>
+              <a:t>10 second intervals = 30 observations/phase</a:t>
+            </a:r>
+          </a:p>
+          <a:p>
+            <a:pPr algn="ctr"/>
+            <a:endParaRPr lang="en-US" sz="1400" dirty="0" smtClean="0">
+              <a:latin typeface="Helvetica"/>
+              <a:cs typeface="Helvetica"/>
+            </a:endParaRPr>
+          </a:p>
+          <a:p>
+            <a:pPr algn="ctr"/>
+            <a:endParaRPr lang="en-US" sz="1400" dirty="0">
+              <a:latin typeface="Helvetica"/>
+              <a:cs typeface="Helvetica"/>
+            </a:endParaRPr>
+          </a:p>
+          <a:p>
+            <a:pPr algn="ctr"/>
+            <a:r>
+              <a:rPr lang="en-US" sz="2800" dirty="0" smtClean="0">
+                <a:latin typeface="Helvetica"/>
+                <a:cs typeface="Helvetica"/>
+              </a:rPr>
+              <a:t>Phase 1 = Male Provide / Female Receive</a:t>
+            </a:r>
+          </a:p>
+          <a:p>
+            <a:pPr algn="ctr"/>
+            <a:r>
+              <a:rPr lang="en-US" sz="2800" dirty="0" smtClean="0">
+                <a:latin typeface="Helvetica"/>
+                <a:cs typeface="Helvetica"/>
+              </a:rPr>
+              <a:t>Phase 2 = Female Provide / Male Receive</a:t>
+            </a:r>
+            <a:endParaRPr lang="en-US" sz="2800" dirty="0">
+              <a:latin typeface="Helvetica"/>
+              <a:cs typeface="Helvetica"/>
+            </a:endParaRPr>
+          </a:p>
+        </p:txBody>
+      </p:sp>
+    </p:spTree>
+    <p:extLst>
+      <p:ext uri="{BB962C8B-B14F-4D97-AF65-F5344CB8AC3E}">
+        <p14:creationId xmlns:p14="http://schemas.microsoft.com/office/powerpoint/2010/main" val="46331223"/>
+      </p:ext>
+    </p:extLst>
+  </p:cSld>
+  <p:clrMapOvr>
+    <a:masterClrMapping/>
+  </p:clrMapOvr>
+  <p:timing>
+    <p:tnLst>
+      <p:par>
+        <p:cTn xmlns:p14="http://schemas.microsoft.com/office/powerpoint/2010/main" id="1" dur="indefinite" restart="never" nodeType="tmRoot"/>
+      </p:par>
+    </p:tnLst>
+  </p:timing>
+</p:sld>
+</file>
+
+<file path=ppt/slides/slide6.xml><?xml version="1.0" encoding="utf-8"?>
+<p:sld xmlns:a="http://schemas.openxmlformats.org/drawingml/2006/main" xmlns:r="http://schemas.openxmlformats.org/officeDocument/2006/relationships" xmlns:p="http://schemas.openxmlformats.org/presentationml/2006/main">
+  <p:cSld>
+    <p:spTree>
+      <p:nvGrpSpPr>
+        <p:cNvPr id="1" name=""/>
+        <p:cNvGrpSpPr/>
+        <p:nvPr/>
+      </p:nvGrpSpPr>
+      <p:grpSpPr>
+        <a:xfrm>
+          <a:off x="0" y="0"/>
+          <a:ext cx="0" cy="0"/>
+          <a:chOff x="0" y="0"/>
+          <a:chExt cx="0" cy="0"/>
+        </a:xfrm>
+      </p:grpSpPr>
+      <p:sp>
+        <p:nvSpPr>
+          <p:cNvPr id="3" name="Title 2"/>
+          <p:cNvSpPr>
+            <a:spLocks noGrp="1"/>
+          </p:cNvSpPr>
+          <p:nvPr>
+            <p:ph type="title"/>
+          </p:nvPr>
+        </p:nvSpPr>
+        <p:spPr>
+          <a:xfrm>
+            <a:off x="457200" y="0"/>
+            <a:ext cx="8229600" cy="1143000"/>
+          </a:xfrm>
+        </p:spPr>
+        <p:txBody>
+          <a:bodyPr>
+            <a:normAutofit/>
+          </a:bodyPr>
+          <a:lstStyle/>
+          <a:p>
+            <a:r>
+              <a:rPr lang="en-US" sz="3600" dirty="0" smtClean="0"/>
+              <a:t>Dyad 168</a:t>
+            </a:r>
+            <a:endParaRPr lang="en-US" sz="3600" dirty="0"/>
+          </a:p>
+        </p:txBody>
+      </p:sp>
+      <p:sp>
+        <p:nvSpPr>
+          <p:cNvPr id="2" name="Slide Number Placeholder 1"/>
+          <p:cNvSpPr>
+            <a:spLocks noGrp="1"/>
+          </p:cNvSpPr>
+          <p:nvPr>
+            <p:ph type="sldNum" sz="quarter" idx="12"/>
+          </p:nvPr>
+        </p:nvSpPr>
+        <p:spPr/>
+        <p:txBody>
+          <a:bodyPr/>
+          <a:lstStyle/>
+          <a:p>
+            <a:fld id="{930465AD-53DA-D841-AEBD-0BDBF8BCBA90}" type="slidenum">
+              <a:rPr lang="en-US" smtClean="0"/>
+              <a:t>6</a:t>
+            </a:fld>
+            <a:endParaRPr lang="en-US"/>
+          </a:p>
+        </p:txBody>
+      </p:sp>
+      <p:pic>
+        <p:nvPicPr>
+          <p:cNvPr id="5" name="Picture 4" descr="Raw_Data_178_femaleprovide.pdf"/>
+          <p:cNvPicPr>
+            <a:picLocks noChangeAspect="1"/>
+          </p:cNvPicPr>
+          <p:nvPr/>
+        </p:nvPicPr>
+        <p:blipFill>
+          <a:blip r:embed="rId2">
+            <a:extLst>
+              <a:ext uri="{28A0092B-C50C-407E-A947-70E740481C1C}">
+                <a14:useLocalDpi xmlns:a14="http://schemas.microsoft.com/office/drawing/2010/main" val="0"/>
+              </a:ext>
+            </a:extLst>
+          </a:blip>
+          <a:stretch>
+            <a:fillRect/>
+          </a:stretch>
+        </p:blipFill>
+        <p:spPr>
+          <a:xfrm>
+            <a:off x="4650669" y="937378"/>
+            <a:ext cx="4572000" cy="5486400"/>
+          </a:xfrm>
+          <a:prstGeom prst="rect">
+            <a:avLst/>
+          </a:prstGeom>
+        </p:spPr>
+      </p:pic>
+      <p:pic>
+        <p:nvPicPr>
+          <p:cNvPr id="6" name="Picture 5" descr="Raw_Data_178_maleprovide.pdf"/>
+          <p:cNvPicPr>
+            <a:picLocks noChangeAspect="1"/>
+          </p:cNvPicPr>
+          <p:nvPr/>
+        </p:nvPicPr>
+        <p:blipFill>
+          <a:blip r:embed="rId3">
+            <a:extLst>
+              <a:ext uri="{28A0092B-C50C-407E-A947-70E740481C1C}">
+                <a14:useLocalDpi xmlns:a14="http://schemas.microsoft.com/office/drawing/2010/main" val="0"/>
+              </a:ext>
+            </a:extLst>
+          </a:blip>
+          <a:stretch>
+            <a:fillRect/>
+          </a:stretch>
+        </p:blipFill>
+        <p:spPr>
+          <a:xfrm>
+            <a:off x="112386" y="937378"/>
+            <a:ext cx="4572000" cy="5486400"/>
+          </a:xfrm>
+          <a:prstGeom prst="rect">
+            <a:avLst/>
+          </a:prstGeom>
+        </p:spPr>
+      </p:pic>
+    </p:spTree>
+    <p:extLst>
+      <p:ext uri="{BB962C8B-B14F-4D97-AF65-F5344CB8AC3E}">
+        <p14:creationId xmlns:p14="http://schemas.microsoft.com/office/powerpoint/2010/main" val="1709206830"/>
+      </p:ext>
+    </p:extLst>
+  </p:cSld>
+  <p:clrMapOvr>
+    <a:masterClrMapping/>
+  </p:clrMapOvr>
+</p:sld>
+</file>
+
+<file path=ppt/slides/slide7.xml><?xml version="1.0" encoding="utf-8"?>
+<p:sld xmlns:a="http://schemas.openxmlformats.org/drawingml/2006/main" xmlns:r="http://schemas.openxmlformats.org/officeDocument/2006/relationships" xmlns:p="http://schemas.openxmlformats.org/presentationml/2006/main">
+  <p:cSld>
+    <p:spTree>
+      <p:nvGrpSpPr>
+        <p:cNvPr id="1" name=""/>
+        <p:cNvGrpSpPr/>
+        <p:nvPr/>
+      </p:nvGrpSpPr>
+      <p:grpSpPr>
+        <a:xfrm>
+          <a:off x="0" y="0"/>
+          <a:ext cx="0" cy="0"/>
+          <a:chOff x="0" y="0"/>
+          <a:chExt cx="0" cy="0"/>
+        </a:xfrm>
+      </p:grpSpPr>
+      <p:sp>
+        <p:nvSpPr>
+          <p:cNvPr id="2" name="Slide Number Placeholder 1"/>
+          <p:cNvSpPr>
+            <a:spLocks noGrp="1"/>
+          </p:cNvSpPr>
+          <p:nvPr>
+            <p:ph type="sldNum" sz="quarter" idx="12"/>
+          </p:nvPr>
+        </p:nvSpPr>
+        <p:spPr/>
+        <p:txBody>
+          <a:bodyPr/>
+          <a:lstStyle/>
+          <a:p>
+            <a:fld id="{930465AD-53DA-D841-AEBD-0BDBF8BCBA90}" type="slidenum">
+              <a:rPr lang="en-US" smtClean="0"/>
+              <a:t>7</a:t>
+            </a:fld>
+            <a:endParaRPr lang="en-US"/>
+          </a:p>
+        </p:txBody>
+      </p:sp>
+      <p:pic>
+        <p:nvPicPr>
+          <p:cNvPr id="3" name="Picture 2" descr="Raw_Data_178_femaleprovide_withlines.pdf"/>
+          <p:cNvPicPr>
+            <a:picLocks noChangeAspect="1"/>
+          </p:cNvPicPr>
+          <p:nvPr/>
+        </p:nvPicPr>
+        <p:blipFill>
+          <a:blip r:embed="rId2">
+            <a:extLst>
+              <a:ext uri="{28A0092B-C50C-407E-A947-70E740481C1C}">
+                <a14:useLocalDpi xmlns:a14="http://schemas.microsoft.com/office/drawing/2010/main" val="0"/>
+              </a:ext>
+            </a:extLst>
+          </a:blip>
+          <a:stretch>
+            <a:fillRect/>
+          </a:stretch>
+        </p:blipFill>
+        <p:spPr>
+          <a:xfrm>
+            <a:off x="4650669" y="937378"/>
+            <a:ext cx="4572000" cy="5486400"/>
+          </a:xfrm>
+          <a:prstGeom prst="rect">
+            <a:avLst/>
+          </a:prstGeom>
+        </p:spPr>
+      </p:pic>
+      <p:pic>
+        <p:nvPicPr>
+          <p:cNvPr id="4" name="Picture 3" descr="Raw_Data_178_maleprovide_withlines.pdf"/>
+          <p:cNvPicPr>
+            <a:picLocks noChangeAspect="1"/>
+          </p:cNvPicPr>
+          <p:nvPr/>
+        </p:nvPicPr>
+        <p:blipFill>
+          <a:blip r:embed="rId3">
+            <a:extLst>
+              <a:ext uri="{28A0092B-C50C-407E-A947-70E740481C1C}">
+                <a14:useLocalDpi xmlns:a14="http://schemas.microsoft.com/office/drawing/2010/main" val="0"/>
+              </a:ext>
+            </a:extLst>
+          </a:blip>
+          <a:stretch>
+            <a:fillRect/>
+          </a:stretch>
+        </p:blipFill>
+        <p:spPr>
+          <a:xfrm>
+            <a:off x="112386" y="937378"/>
+            <a:ext cx="4572000" cy="5486400"/>
+          </a:xfrm>
+          <a:prstGeom prst="rect">
+            <a:avLst/>
+          </a:prstGeom>
+        </p:spPr>
+      </p:pic>
+      <p:sp>
+        <p:nvSpPr>
+          <p:cNvPr id="6" name="Title 2"/>
+          <p:cNvSpPr txBox="1">
+            <a:spLocks/>
+          </p:cNvSpPr>
+          <p:nvPr/>
+        </p:nvSpPr>
+        <p:spPr>
+          <a:xfrm>
+            <a:off x="457200" y="249678"/>
+            <a:ext cx="8229600" cy="1143000"/>
+          </a:xfrm>
+          <a:prstGeom prst="rect">
+            <a:avLst/>
+          </a:prstGeom>
+        </p:spPr>
+        <p:txBody>
+          <a:bodyPr>
+            <a:normAutofit/>
+          </a:bodyPr>
+          <a:lstStyle>
+            <a:lvl1pPr algn="ctr" defTabSz="457200" rtl="0" eaLnBrk="1" latinLnBrk="0" hangingPunct="1">
+              <a:spcBef>
+                <a:spcPct val="0"/>
+              </a:spcBef>
+              <a:buNone/>
+              <a:defRPr sz="4400" kern="1200">
+                <a:solidFill>
+                  <a:schemeClr val="tx1"/>
+                </a:solidFill>
+                <a:latin typeface="Helvetica"/>
+                <a:ea typeface="+mj-ea"/>
+                <a:cs typeface="Helvetica"/>
+              </a:defRPr>
+            </a:lvl1pPr>
+          </a:lstStyle>
+          <a:p>
+            <a:r>
+              <a:rPr lang="en-US" sz="3600" dirty="0" smtClean="0"/>
+              <a:t>Dyad 168</a:t>
+            </a:r>
+            <a:endParaRPr lang="en-US" sz="3600" dirty="0"/>
+          </a:p>
+        </p:txBody>
+      </p:sp>
+    </p:spTree>
+    <p:extLst>
+      <p:ext uri="{BB962C8B-B14F-4D97-AF65-F5344CB8AC3E}">
+        <p14:creationId xmlns:p14="http://schemas.microsoft.com/office/powerpoint/2010/main" val="686617226"/>
+      </p:ext>
+    </p:extLst>
+  </p:cSld>
+  <p:clrMapOvr>
+    <a:masterClrMapping/>
+  </p:clrMapOvr>
+</p:sld>
+</file>
+
+<file path=ppt/slides/slide8.xml><?xml version="1.0" encoding="utf-8"?>
+<p:sld xmlns:a="http://schemas.openxmlformats.org/drawingml/2006/main" xmlns:r="http://schemas.openxmlformats.org/officeDocument/2006/relationships" xmlns:p="http://schemas.openxmlformats.org/presentationml/2006/main">
+  <p:cSld>
+    <p:spTree>
+      <p:nvGrpSpPr>
+        <p:cNvPr id="1" name=""/>
+        <p:cNvGrpSpPr/>
+        <p:nvPr/>
+      </p:nvGrpSpPr>
+      <p:grpSpPr>
+        <a:xfrm>
+          <a:off x="0" y="0"/>
+          <a:ext cx="0" cy="0"/>
+          <a:chOff x="0" y="0"/>
+          <a:chExt cx="0" cy="0"/>
+        </a:xfrm>
+      </p:grpSpPr>
+      <p:sp>
+        <p:nvSpPr>
+          <p:cNvPr id="2" name="Title 1"/>
+          <p:cNvSpPr>
+            <a:spLocks noGrp="1"/>
+          </p:cNvSpPr>
+          <p:nvPr>
+            <p:ph type="title"/>
+          </p:nvPr>
+        </p:nvSpPr>
+        <p:spPr/>
+        <p:txBody>
+          <a:bodyPr/>
+          <a:lstStyle/>
+          <a:p>
+            <a:r>
+              <a:rPr lang="en-US" dirty="0" smtClean="0"/>
+              <a:t>Analysis Strategy</a:t>
+            </a:r>
+            <a:endParaRPr lang="en-US" dirty="0"/>
+          </a:p>
+        </p:txBody>
+      </p:sp>
+      <p:sp>
+        <p:nvSpPr>
+          <p:cNvPr id="3" name="Content Placeholder 2"/>
+          <p:cNvSpPr>
+            <a:spLocks noGrp="1"/>
+          </p:cNvSpPr>
+          <p:nvPr>
+            <p:ph idx="1"/>
+          </p:nvPr>
+        </p:nvSpPr>
+        <p:spPr/>
+        <p:txBody>
+          <a:bodyPr/>
+          <a:lstStyle/>
+          <a:p>
+            <a:r>
+              <a:rPr lang="en-US" dirty="0" smtClean="0"/>
+              <a:t>Case Study: 1 </a:t>
+            </a:r>
+            <a:r>
+              <a:rPr lang="en-US" dirty="0" smtClean="0"/>
+              <a:t>dyad </a:t>
+            </a:r>
+            <a:r>
+              <a:rPr lang="en-US" dirty="0" smtClean="0"/>
+              <a:t>as a </a:t>
+            </a:r>
+            <a:r>
+              <a:rPr lang="en-US" dirty="0" smtClean="0"/>
+              <a:t>dynamic system</a:t>
+            </a:r>
+          </a:p>
+          <a:p>
+            <a:r>
+              <a:rPr lang="en-US" dirty="0" smtClean="0"/>
+              <a:t>Coupled LDE model (</a:t>
+            </a:r>
+            <a:r>
+              <a:rPr lang="en-US" dirty="0" err="1" smtClean="0"/>
+              <a:t>Boker</a:t>
+            </a:r>
+            <a:r>
+              <a:rPr lang="en-US" dirty="0" smtClean="0"/>
+              <a:t> &amp; </a:t>
+            </a:r>
+            <a:r>
+              <a:rPr lang="en-US" dirty="0" err="1" smtClean="0"/>
+              <a:t>Laurenceau</a:t>
+            </a:r>
+            <a:r>
+              <a:rPr lang="en-US" dirty="0" smtClean="0"/>
+              <a:t>, 2005</a:t>
+            </a:r>
+            <a:r>
+              <a:rPr lang="en-US" dirty="0" smtClean="0"/>
+              <a:t>)</a:t>
+            </a:r>
+          </a:p>
+          <a:p>
+            <a:pPr lvl="1"/>
+            <a:r>
+              <a:rPr lang="en-US" dirty="0" smtClean="0"/>
+              <a:t>Time Delay Embedding = 5</a:t>
+            </a:r>
+            <a:endParaRPr lang="en-US" dirty="0" smtClean="0"/>
+          </a:p>
+        </p:txBody>
+      </p:sp>
+      <p:sp>
+        <p:nvSpPr>
+          <p:cNvPr id="4" name="Slide Number Placeholder 3"/>
+          <p:cNvSpPr>
+            <a:spLocks noGrp="1"/>
+          </p:cNvSpPr>
+          <p:nvPr>
+            <p:ph type="sldNum" sz="quarter" idx="12"/>
+          </p:nvPr>
+        </p:nvSpPr>
+        <p:spPr/>
+        <p:txBody>
+          <a:bodyPr/>
+          <a:lstStyle/>
+          <a:p>
+            <a:fld id="{930465AD-53DA-D841-AEBD-0BDBF8BCBA90}" type="slidenum">
+              <a:rPr lang="en-US" smtClean="0"/>
+              <a:t>8</a:t>
+            </a:fld>
+            <a:endParaRPr lang="en-US"/>
+          </a:p>
+        </p:txBody>
+      </p:sp>
+    </p:spTree>
+    <p:extLst>
+      <p:ext uri="{BB962C8B-B14F-4D97-AF65-F5344CB8AC3E}">
+        <p14:creationId xmlns:p14="http://schemas.microsoft.com/office/powerpoint/2010/main" val="3242271376"/>
+      </p:ext>
+    </p:extLst>
+  </p:cSld>
+  <p:clrMapOvr>
+    <a:masterClrMapping/>
+  </p:clrMapOvr>
+  <mc:AlternateContent xmlns:mc="http://schemas.openxmlformats.org/markup-compatibility/2006" xmlns:p14="http://schemas.microsoft.com/office/powerpoint/2010/main">
+    <mc:Choice Requires="p14">
+      <p:transition spd="slow" p14:dur="2000"/>
+    </mc:Choice>
+    <mc:Fallback xmlns="">
+      <p:transition xmlns:p14="http://schemas.microsoft.com/office/powerpoint/2010/main" spd="slow"/>
+    </mc:Fallback>
+  </mc:AlternateContent>
+  <p:timing>
+    <p:tnLst>
+      <p:par>
+        <p:cTn xmlns:p14="http://schemas.microsoft.com/office/powerpoint/2010/main" id="1" dur="indefinite" restart="never" nodeType="tmRoot"/>
+      </p:par>
+    </p:tnLst>
+  </p:timing>
+</p:sld>
+</file>
+
+<file path=ppt/slides/slide9.xml><?xml version="1.0" encoding="utf-8"?>
+<p:sld xmlns:a="http://schemas.openxmlformats.org/drawingml/2006/main" xmlns:r="http://schemas.openxmlformats.org/officeDocument/2006/relationships" xmlns:p="http://schemas.openxmlformats.org/presentationml/2006/main">
+  <p:cSld>
+    <p:spTree>
+      <p:nvGrpSpPr>
+        <p:cNvPr id="1" name=""/>
+        <p:cNvGrpSpPr/>
+        <p:nvPr/>
+      </p:nvGrpSpPr>
+      <p:grpSpPr>
+        <a:xfrm>
+          <a:off x="0" y="0"/>
+          <a:ext cx="0" cy="0"/>
+          <a:chOff x="0" y="0"/>
+          <a:chExt cx="0" cy="0"/>
+        </a:xfrm>
+      </p:grpSpPr>
+      <p:sp>
+        <p:nvSpPr>
+          <p:cNvPr id="2" name="Title 1"/>
+          <p:cNvSpPr>
+            <a:spLocks noGrp="1"/>
+          </p:cNvSpPr>
+          <p:nvPr>
+            <p:ph type="title"/>
+          </p:nvPr>
+        </p:nvSpPr>
+        <p:spPr/>
+        <p:txBody>
+          <a:bodyPr/>
+          <a:lstStyle/>
+          <a:p>
+            <a:r>
+              <a:rPr lang="en-US" dirty="0" smtClean="0"/>
+              <a:t>Results</a:t>
+            </a:r>
+            <a:endParaRPr lang="en-US" dirty="0"/>
+          </a:p>
+        </p:txBody>
+      </p:sp>
+      <p:sp>
+        <p:nvSpPr>
+          <p:cNvPr id="3" name="Slide Number Placeholder 2"/>
+          <p:cNvSpPr>
+            <a:spLocks noGrp="1"/>
+          </p:cNvSpPr>
+          <p:nvPr>
+            <p:ph type="sldNum" sz="quarter" idx="12"/>
+          </p:nvPr>
+        </p:nvSpPr>
+        <p:spPr/>
+        <p:txBody>
+          <a:bodyPr/>
+          <a:lstStyle/>
+          <a:p>
+            <a:fld id="{930465AD-53DA-D841-AEBD-0BDBF8BCBA90}" type="slidenum">
+              <a:rPr lang="en-US" smtClean="0"/>
+              <a:t>9</a:t>
             </a:fld>
             <a:endParaRPr lang="en-US"/>
           </a:p>
@@ -5511,8 +9088,8 @@
         </p:nvSpPr>
         <p:spPr>
           <a:xfrm>
-            <a:off x="792416" y="5640420"/>
-            <a:ext cx="6122234" cy="830997"/>
+            <a:off x="792416" y="5618140"/>
+            <a:ext cx="6122234" cy="1077218"/>
           </a:xfrm>
           <a:prstGeom prst="rect">
             <a:avLst/>
@@ -5549,6 +9126,15 @@
                 <a:cs typeface="Helvetica"/>
               </a:rPr>
               <a:t>! = Hitting upper/lower bound constraints</a:t>
+            </a:r>
+          </a:p>
+          <a:p>
+            <a:r>
+              <a:rPr lang="en-US" sz="1600" dirty="0" smtClean="0">
+                <a:latin typeface="Helvetica"/>
+                <a:cs typeface="Helvetica"/>
+              </a:rPr>
+              <a:t>Standard Errors are in parentheses</a:t>
             </a:r>
             <a:endParaRPr lang="en-US" sz="1600" dirty="0">
               <a:latin typeface="Helvetica"/>
@@ -5602,3693 +9188,6 @@
   <p:clrMapOvr>
     <a:masterClrMapping/>
   </p:clrMapOvr>
-</p:sld>
-</file>
-
-<file path=ppt/slides/slide11.xml><?xml version="1.0" encoding="utf-8"?>
-<p:sld xmlns:a="http://schemas.openxmlformats.org/drawingml/2006/main" xmlns:r="http://schemas.openxmlformats.org/officeDocument/2006/relationships" xmlns:p="http://schemas.openxmlformats.org/presentationml/2006/main">
-  <p:cSld>
-    <p:spTree>
-      <p:nvGrpSpPr>
-        <p:cNvPr id="1" name=""/>
-        <p:cNvGrpSpPr/>
-        <p:nvPr/>
-      </p:nvGrpSpPr>
-      <p:grpSpPr>
-        <a:xfrm>
-          <a:off x="0" y="0"/>
-          <a:ext cx="0" cy="0"/>
-          <a:chOff x="0" y="0"/>
-          <a:chExt cx="0" cy="0"/>
-        </a:xfrm>
-      </p:grpSpPr>
-      <p:sp>
-        <p:nvSpPr>
-          <p:cNvPr id="2" name="Title 1"/>
-          <p:cNvSpPr>
-            <a:spLocks noGrp="1"/>
-          </p:cNvSpPr>
-          <p:nvPr>
-            <p:ph type="title"/>
-          </p:nvPr>
-        </p:nvSpPr>
-        <p:spPr/>
-        <p:txBody>
-          <a:bodyPr/>
-          <a:lstStyle/>
-          <a:p>
-            <a:r>
-              <a:rPr lang="en-US" dirty="0" smtClean="0"/>
-              <a:t>Results</a:t>
-            </a:r>
-            <a:endParaRPr lang="en-US" dirty="0"/>
-          </a:p>
-        </p:txBody>
-      </p:sp>
-      <p:sp>
-        <p:nvSpPr>
-          <p:cNvPr id="3" name="Content Placeholder 2"/>
-          <p:cNvSpPr>
-            <a:spLocks noGrp="1"/>
-          </p:cNvSpPr>
-          <p:nvPr>
-            <p:ph idx="1"/>
-          </p:nvPr>
-        </p:nvSpPr>
-        <p:spPr/>
-        <p:txBody>
-          <a:bodyPr/>
-          <a:lstStyle/>
-          <a:p>
-            <a:r>
-              <a:rPr lang="en-US" dirty="0" smtClean="0"/>
-              <a:t>Evidence of self-regulation, but </a:t>
-            </a:r>
-            <a:r>
-              <a:rPr lang="en-US" dirty="0" smtClean="0"/>
-              <a:t>only during male receive / female provide phase</a:t>
-            </a:r>
-          </a:p>
-          <a:p>
-            <a:pPr lvl="1"/>
-            <a:r>
-              <a:rPr lang="en-US" dirty="0" smtClean="0"/>
-              <a:t>For both partners, the higher one’s RSA relative to baseline, the more changes in RSA slow down</a:t>
-            </a:r>
-            <a:endParaRPr lang="en-US" dirty="0" smtClean="0"/>
-          </a:p>
-          <a:p>
-            <a:endParaRPr lang="en-US" dirty="0" smtClean="0"/>
-          </a:p>
-        </p:txBody>
-      </p:sp>
-      <p:sp>
-        <p:nvSpPr>
-          <p:cNvPr id="4" name="Slide Number Placeholder 3"/>
-          <p:cNvSpPr>
-            <a:spLocks noGrp="1"/>
-          </p:cNvSpPr>
-          <p:nvPr>
-            <p:ph type="sldNum" sz="quarter" idx="12"/>
-          </p:nvPr>
-        </p:nvSpPr>
-        <p:spPr/>
-        <p:txBody>
-          <a:bodyPr/>
-          <a:lstStyle/>
-          <a:p>
-            <a:fld id="{930465AD-53DA-D841-AEBD-0BDBF8BCBA90}" type="slidenum">
-              <a:rPr lang="en-US" smtClean="0"/>
-              <a:t>11</a:t>
-            </a:fld>
-            <a:endParaRPr lang="en-US"/>
-          </a:p>
-        </p:txBody>
-      </p:sp>
-    </p:spTree>
-    <p:extLst>
-      <p:ext uri="{BB962C8B-B14F-4D97-AF65-F5344CB8AC3E}">
-        <p14:creationId xmlns:p14="http://schemas.microsoft.com/office/powerpoint/2010/main" val="41875832"/>
-      </p:ext>
-    </p:extLst>
-  </p:cSld>
-  <p:clrMapOvr>
-    <a:masterClrMapping/>
-  </p:clrMapOvr>
-  <p:timing>
-    <p:tnLst>
-      <p:par>
-        <p:cTn xmlns:p14="http://schemas.microsoft.com/office/powerpoint/2010/main" id="1" dur="indefinite" restart="never" nodeType="tmRoot"/>
-      </p:par>
-    </p:tnLst>
-  </p:timing>
-</p:sld>
-</file>
-
-<file path=ppt/slides/slide12.xml><?xml version="1.0" encoding="utf-8"?>
-<p:sld xmlns:a="http://schemas.openxmlformats.org/drawingml/2006/main" xmlns:r="http://schemas.openxmlformats.org/officeDocument/2006/relationships" xmlns:p="http://schemas.openxmlformats.org/presentationml/2006/main">
-  <p:cSld>
-    <p:spTree>
-      <p:nvGrpSpPr>
-        <p:cNvPr id="1" name=""/>
-        <p:cNvGrpSpPr/>
-        <p:nvPr/>
-      </p:nvGrpSpPr>
-      <p:grpSpPr>
-        <a:xfrm>
-          <a:off x="0" y="0"/>
-          <a:ext cx="0" cy="0"/>
-          <a:chOff x="0" y="0"/>
-          <a:chExt cx="0" cy="0"/>
-        </a:xfrm>
-      </p:grpSpPr>
-      <p:sp>
-        <p:nvSpPr>
-          <p:cNvPr id="2" name="Title 1"/>
-          <p:cNvSpPr>
-            <a:spLocks noGrp="1"/>
-          </p:cNvSpPr>
-          <p:nvPr>
-            <p:ph type="title"/>
-          </p:nvPr>
-        </p:nvSpPr>
-        <p:spPr/>
-        <p:txBody>
-          <a:bodyPr/>
-          <a:lstStyle/>
-          <a:p>
-            <a:r>
-              <a:rPr lang="en-US" dirty="0" smtClean="0"/>
-              <a:t>Open Questions and Next Steps</a:t>
-            </a:r>
-            <a:endParaRPr lang="en-US" dirty="0"/>
-          </a:p>
-        </p:txBody>
-      </p:sp>
-      <p:sp>
-        <p:nvSpPr>
-          <p:cNvPr id="3" name="Content Placeholder 2"/>
-          <p:cNvSpPr>
-            <a:spLocks noGrp="1"/>
-          </p:cNvSpPr>
-          <p:nvPr>
-            <p:ph idx="1"/>
-          </p:nvPr>
-        </p:nvSpPr>
-        <p:spPr/>
-        <p:txBody>
-          <a:bodyPr/>
-          <a:lstStyle/>
-          <a:p>
-            <a:r>
-              <a:rPr lang="en-US" dirty="0" smtClean="0"/>
-              <a:t>Different time delay embed values may be necessary for each phase</a:t>
-            </a:r>
-          </a:p>
-          <a:p>
-            <a:pPr marL="457200" lvl="1" indent="0">
-              <a:buNone/>
-            </a:pPr>
-            <a:endParaRPr lang="en-US" dirty="0"/>
-          </a:p>
-        </p:txBody>
-      </p:sp>
-      <p:sp>
-        <p:nvSpPr>
-          <p:cNvPr id="4" name="Slide Number Placeholder 3"/>
-          <p:cNvSpPr>
-            <a:spLocks noGrp="1"/>
-          </p:cNvSpPr>
-          <p:nvPr>
-            <p:ph type="sldNum" sz="quarter" idx="12"/>
-          </p:nvPr>
-        </p:nvSpPr>
-        <p:spPr/>
-        <p:txBody>
-          <a:bodyPr/>
-          <a:lstStyle/>
-          <a:p>
-            <a:fld id="{930465AD-53DA-D841-AEBD-0BDBF8BCBA90}" type="slidenum">
-              <a:rPr lang="en-US" smtClean="0"/>
-              <a:t>12</a:t>
-            </a:fld>
-            <a:endParaRPr lang="en-US"/>
-          </a:p>
-        </p:txBody>
-      </p:sp>
-    </p:spTree>
-    <p:extLst>
-      <p:ext uri="{BB962C8B-B14F-4D97-AF65-F5344CB8AC3E}">
-        <p14:creationId xmlns:p14="http://schemas.microsoft.com/office/powerpoint/2010/main" val="1101509553"/>
-      </p:ext>
-    </p:extLst>
-  </p:cSld>
-  <p:clrMapOvr>
-    <a:masterClrMapping/>
-  </p:clrMapOvr>
-  <p:timing>
-    <p:tnLst>
-      <p:par>
-        <p:cTn xmlns:p14="http://schemas.microsoft.com/office/powerpoint/2010/main" id="1" dur="indefinite" restart="never" nodeType="tmRoot"/>
-      </p:par>
-    </p:tnLst>
-  </p:timing>
-</p:sld>
-</file>
-
-<file path=ppt/slides/slide13.xml><?xml version="1.0" encoding="utf-8"?>
-<p:sld xmlns:a="http://schemas.openxmlformats.org/drawingml/2006/main" xmlns:r="http://schemas.openxmlformats.org/officeDocument/2006/relationships" xmlns:p="http://schemas.openxmlformats.org/presentationml/2006/main">
-  <p:cSld>
-    <p:spTree>
-      <p:nvGrpSpPr>
-        <p:cNvPr id="1" name=""/>
-        <p:cNvGrpSpPr/>
-        <p:nvPr/>
-      </p:nvGrpSpPr>
-      <p:grpSpPr>
-        <a:xfrm>
-          <a:off x="0" y="0"/>
-          <a:ext cx="0" cy="0"/>
-          <a:chOff x="0" y="0"/>
-          <a:chExt cx="0" cy="0"/>
-        </a:xfrm>
-      </p:grpSpPr>
-      <p:sp>
-        <p:nvSpPr>
-          <p:cNvPr id="2" name="Title 1"/>
-          <p:cNvSpPr>
-            <a:spLocks noGrp="1"/>
-          </p:cNvSpPr>
-          <p:nvPr>
-            <p:ph type="title"/>
-          </p:nvPr>
-        </p:nvSpPr>
-        <p:spPr/>
-        <p:txBody>
-          <a:bodyPr/>
-          <a:lstStyle/>
-          <a:p>
-            <a:r>
-              <a:rPr lang="en-US" dirty="0" smtClean="0"/>
-              <a:t>Open Questions and Next Steps</a:t>
-            </a:r>
-            <a:endParaRPr lang="en-US" dirty="0"/>
-          </a:p>
-        </p:txBody>
-      </p:sp>
-      <p:sp>
-        <p:nvSpPr>
-          <p:cNvPr id="3" name="Content Placeholder 2"/>
-          <p:cNvSpPr>
-            <a:spLocks noGrp="1"/>
-          </p:cNvSpPr>
-          <p:nvPr>
-            <p:ph idx="1"/>
-          </p:nvPr>
-        </p:nvSpPr>
-        <p:spPr/>
-        <p:txBody>
-          <a:bodyPr/>
-          <a:lstStyle/>
-          <a:p>
-            <a:r>
-              <a:rPr lang="en-US" dirty="0" smtClean="0">
-                <a:solidFill>
-                  <a:srgbClr val="7F7F7F"/>
-                </a:solidFill>
-              </a:rPr>
-              <a:t>Different time delay embed values may be necessary for each phase</a:t>
-            </a:r>
-          </a:p>
-          <a:p>
-            <a:r>
-              <a:rPr lang="en-US" dirty="0"/>
-              <a:t>Interval length: 10 seconds? 2 seconds?</a:t>
-            </a:r>
-          </a:p>
-          <a:p>
-            <a:pPr lvl="1"/>
-            <a:r>
-              <a:rPr lang="en-US" dirty="0"/>
-              <a:t>Limitations: estimating </a:t>
-            </a:r>
-            <a:r>
-              <a:rPr lang="en-US" dirty="0" smtClean="0"/>
-              <a:t>RSA requires intervals of at least 10 seconds in </a:t>
-            </a:r>
-            <a:r>
-              <a:rPr lang="en-US" dirty="0" err="1" smtClean="0"/>
-              <a:t>Mindware</a:t>
-            </a:r>
-            <a:endParaRPr lang="en-US" dirty="0" smtClean="0"/>
-          </a:p>
-          <a:p>
-            <a:pPr marL="457200" lvl="1" indent="0">
-              <a:buNone/>
-            </a:pPr>
-            <a:endParaRPr lang="en-US" dirty="0"/>
-          </a:p>
-        </p:txBody>
-      </p:sp>
-      <p:sp>
-        <p:nvSpPr>
-          <p:cNvPr id="4" name="Slide Number Placeholder 3"/>
-          <p:cNvSpPr>
-            <a:spLocks noGrp="1"/>
-          </p:cNvSpPr>
-          <p:nvPr>
-            <p:ph type="sldNum" sz="quarter" idx="12"/>
-          </p:nvPr>
-        </p:nvSpPr>
-        <p:spPr/>
-        <p:txBody>
-          <a:bodyPr/>
-          <a:lstStyle/>
-          <a:p>
-            <a:fld id="{930465AD-53DA-D841-AEBD-0BDBF8BCBA90}" type="slidenum">
-              <a:rPr lang="en-US" smtClean="0"/>
-              <a:t>13</a:t>
-            </a:fld>
-            <a:endParaRPr lang="en-US"/>
-          </a:p>
-        </p:txBody>
-      </p:sp>
-    </p:spTree>
-    <p:extLst>
-      <p:ext uri="{BB962C8B-B14F-4D97-AF65-F5344CB8AC3E}">
-        <p14:creationId xmlns:p14="http://schemas.microsoft.com/office/powerpoint/2010/main" val="1764465543"/>
-      </p:ext>
-    </p:extLst>
-  </p:cSld>
-  <p:clrMapOvr>
-    <a:masterClrMapping/>
-  </p:clrMapOvr>
-  <p:timing>
-    <p:tnLst>
-      <p:par>
-        <p:cTn xmlns:p14="http://schemas.microsoft.com/office/powerpoint/2010/main" id="1" dur="indefinite" restart="never" nodeType="tmRoot"/>
-      </p:par>
-    </p:tnLst>
-  </p:timing>
-</p:sld>
-</file>
-
-<file path=ppt/slides/slide14.xml><?xml version="1.0" encoding="utf-8"?>
-<p:sld xmlns:a="http://schemas.openxmlformats.org/drawingml/2006/main" xmlns:r="http://schemas.openxmlformats.org/officeDocument/2006/relationships" xmlns:p="http://schemas.openxmlformats.org/presentationml/2006/main">
-  <p:cSld>
-    <p:spTree>
-      <p:nvGrpSpPr>
-        <p:cNvPr id="1" name=""/>
-        <p:cNvGrpSpPr/>
-        <p:nvPr/>
-      </p:nvGrpSpPr>
-      <p:grpSpPr>
-        <a:xfrm>
-          <a:off x="0" y="0"/>
-          <a:ext cx="0" cy="0"/>
-          <a:chOff x="0" y="0"/>
-          <a:chExt cx="0" cy="0"/>
-        </a:xfrm>
-      </p:grpSpPr>
-      <p:sp>
-        <p:nvSpPr>
-          <p:cNvPr id="2" name="Title 1"/>
-          <p:cNvSpPr>
-            <a:spLocks noGrp="1"/>
-          </p:cNvSpPr>
-          <p:nvPr>
-            <p:ph type="title"/>
-          </p:nvPr>
-        </p:nvSpPr>
-        <p:spPr/>
-        <p:txBody>
-          <a:bodyPr/>
-          <a:lstStyle/>
-          <a:p>
-            <a:r>
-              <a:rPr lang="en-US" dirty="0" smtClean="0"/>
-              <a:t>Open Questions and Next Steps</a:t>
-            </a:r>
-            <a:endParaRPr lang="en-US" dirty="0"/>
-          </a:p>
-        </p:txBody>
-      </p:sp>
-      <p:sp>
-        <p:nvSpPr>
-          <p:cNvPr id="3" name="Content Placeholder 2"/>
-          <p:cNvSpPr>
-            <a:spLocks noGrp="1"/>
-          </p:cNvSpPr>
-          <p:nvPr>
-            <p:ph idx="1"/>
-          </p:nvPr>
-        </p:nvSpPr>
-        <p:spPr/>
-        <p:txBody>
-          <a:bodyPr/>
-          <a:lstStyle/>
-          <a:p>
-            <a:r>
-              <a:rPr lang="en-US" dirty="0" smtClean="0">
-                <a:solidFill>
-                  <a:srgbClr val="7F7F7F"/>
-                </a:solidFill>
-              </a:rPr>
-              <a:t>Different time delay embed values may be necessary for each phase</a:t>
-            </a:r>
-          </a:p>
-          <a:p>
-            <a:r>
-              <a:rPr lang="en-US" dirty="0">
-                <a:solidFill>
-                  <a:srgbClr val="7F7F7F"/>
-                </a:solidFill>
-              </a:rPr>
-              <a:t>Interval length: 10 seconds? 2 seconds?</a:t>
-            </a:r>
-          </a:p>
-          <a:p>
-            <a:pPr lvl="1"/>
-            <a:r>
-              <a:rPr lang="en-US" dirty="0">
-                <a:solidFill>
-                  <a:srgbClr val="7F7F7F"/>
-                </a:solidFill>
-              </a:rPr>
-              <a:t>Limitations: estimating RSA requires intervals of at least 10 seconds in </a:t>
-            </a:r>
-            <a:r>
-              <a:rPr lang="en-US" dirty="0" err="1">
-                <a:solidFill>
-                  <a:srgbClr val="7F7F7F"/>
-                </a:solidFill>
-              </a:rPr>
-              <a:t>Mindware</a:t>
-            </a:r>
-            <a:endParaRPr lang="en-US" dirty="0">
-              <a:solidFill>
-                <a:srgbClr val="7F7F7F"/>
-              </a:solidFill>
-            </a:endParaRPr>
-          </a:p>
-          <a:p>
-            <a:r>
-              <a:rPr lang="en-US" dirty="0" smtClean="0"/>
-              <a:t>Prediction</a:t>
-            </a:r>
-            <a:r>
-              <a:rPr lang="en-US" dirty="0"/>
-              <a:t>? Examining heterogeneity</a:t>
-            </a:r>
-            <a:r>
-              <a:rPr lang="en-US" dirty="0" smtClean="0"/>
-              <a:t>?</a:t>
-            </a:r>
-          </a:p>
-          <a:p>
-            <a:pPr marL="457200" lvl="1" indent="0">
-              <a:buNone/>
-            </a:pPr>
-            <a:endParaRPr lang="en-US" dirty="0"/>
-          </a:p>
-        </p:txBody>
-      </p:sp>
-      <p:sp>
-        <p:nvSpPr>
-          <p:cNvPr id="4" name="Slide Number Placeholder 3"/>
-          <p:cNvSpPr>
-            <a:spLocks noGrp="1"/>
-          </p:cNvSpPr>
-          <p:nvPr>
-            <p:ph type="sldNum" sz="quarter" idx="12"/>
-          </p:nvPr>
-        </p:nvSpPr>
-        <p:spPr/>
-        <p:txBody>
-          <a:bodyPr/>
-          <a:lstStyle/>
-          <a:p>
-            <a:fld id="{930465AD-53DA-D841-AEBD-0BDBF8BCBA90}" type="slidenum">
-              <a:rPr lang="en-US" smtClean="0"/>
-              <a:t>14</a:t>
-            </a:fld>
-            <a:endParaRPr lang="en-US"/>
-          </a:p>
-        </p:txBody>
-      </p:sp>
-    </p:spTree>
-    <p:extLst>
-      <p:ext uri="{BB962C8B-B14F-4D97-AF65-F5344CB8AC3E}">
-        <p14:creationId xmlns:p14="http://schemas.microsoft.com/office/powerpoint/2010/main" val="2552513694"/>
-      </p:ext>
-    </p:extLst>
-  </p:cSld>
-  <p:clrMapOvr>
-    <a:masterClrMapping/>
-  </p:clrMapOvr>
-  <p:timing>
-    <p:tnLst>
-      <p:par>
-        <p:cTn xmlns:p14="http://schemas.microsoft.com/office/powerpoint/2010/main" id="1" dur="indefinite" restart="never" nodeType="tmRoot"/>
-      </p:par>
-    </p:tnLst>
-  </p:timing>
-</p:sld>
-</file>
-
-<file path=ppt/slides/slide15.xml><?xml version="1.0" encoding="utf-8"?>
-<p:sld xmlns:a="http://schemas.openxmlformats.org/drawingml/2006/main" xmlns:r="http://schemas.openxmlformats.org/officeDocument/2006/relationships" xmlns:p="http://schemas.openxmlformats.org/presentationml/2006/main">
-  <p:cSld>
-    <p:spTree>
-      <p:nvGrpSpPr>
-        <p:cNvPr id="1" name=""/>
-        <p:cNvGrpSpPr/>
-        <p:nvPr/>
-      </p:nvGrpSpPr>
-      <p:grpSpPr>
-        <a:xfrm>
-          <a:off x="0" y="0"/>
-          <a:ext cx="0" cy="0"/>
-          <a:chOff x="0" y="0"/>
-          <a:chExt cx="0" cy="0"/>
-        </a:xfrm>
-      </p:grpSpPr>
-      <p:sp>
-        <p:nvSpPr>
-          <p:cNvPr id="2" name="Title 1"/>
-          <p:cNvSpPr>
-            <a:spLocks noGrp="1"/>
-          </p:cNvSpPr>
-          <p:nvPr>
-            <p:ph type="title"/>
-          </p:nvPr>
-        </p:nvSpPr>
-        <p:spPr/>
-        <p:txBody>
-          <a:bodyPr/>
-          <a:lstStyle/>
-          <a:p>
-            <a:r>
-              <a:rPr lang="en-US" dirty="0" smtClean="0"/>
-              <a:t>Open Questions and Next Steps</a:t>
-            </a:r>
-            <a:endParaRPr lang="en-US" dirty="0"/>
-          </a:p>
-        </p:txBody>
-      </p:sp>
-      <p:sp>
-        <p:nvSpPr>
-          <p:cNvPr id="3" name="Content Placeholder 2"/>
-          <p:cNvSpPr>
-            <a:spLocks noGrp="1"/>
-          </p:cNvSpPr>
-          <p:nvPr>
-            <p:ph idx="1"/>
-          </p:nvPr>
-        </p:nvSpPr>
-        <p:spPr/>
-        <p:txBody>
-          <a:bodyPr/>
-          <a:lstStyle/>
-          <a:p>
-            <a:r>
-              <a:rPr lang="en-US" dirty="0" smtClean="0">
-                <a:solidFill>
-                  <a:srgbClr val="7F7F7F"/>
-                </a:solidFill>
-              </a:rPr>
-              <a:t>Different time delay embed values may be necessary for each phase</a:t>
-            </a:r>
-          </a:p>
-          <a:p>
-            <a:r>
-              <a:rPr lang="en-US" dirty="0">
-                <a:solidFill>
-                  <a:srgbClr val="7F7F7F"/>
-                </a:solidFill>
-              </a:rPr>
-              <a:t>Interval length: 10 seconds? 2 seconds?</a:t>
-            </a:r>
-          </a:p>
-          <a:p>
-            <a:pPr lvl="1"/>
-            <a:r>
-              <a:rPr lang="en-US" dirty="0">
-                <a:solidFill>
-                  <a:srgbClr val="7F7F7F"/>
-                </a:solidFill>
-              </a:rPr>
-              <a:t>Limitations: estimating RSA requires intervals of at least 10 seconds in </a:t>
-            </a:r>
-            <a:r>
-              <a:rPr lang="en-US" dirty="0" err="1">
-                <a:solidFill>
-                  <a:srgbClr val="7F7F7F"/>
-                </a:solidFill>
-              </a:rPr>
-              <a:t>Mindware</a:t>
-            </a:r>
-            <a:endParaRPr lang="en-US" dirty="0">
-              <a:solidFill>
-                <a:srgbClr val="7F7F7F"/>
-              </a:solidFill>
-            </a:endParaRPr>
-          </a:p>
-          <a:p>
-            <a:r>
-              <a:rPr lang="en-US" dirty="0" smtClean="0">
-                <a:solidFill>
-                  <a:srgbClr val="7F7F7F"/>
-                </a:solidFill>
-              </a:rPr>
-              <a:t>Prediction</a:t>
-            </a:r>
-            <a:r>
-              <a:rPr lang="en-US" dirty="0">
-                <a:solidFill>
-                  <a:srgbClr val="7F7F7F"/>
-                </a:solidFill>
-              </a:rPr>
-              <a:t>? Examining heterogeneity</a:t>
-            </a:r>
-            <a:r>
-              <a:rPr lang="en-US" dirty="0" smtClean="0">
-                <a:solidFill>
-                  <a:srgbClr val="7F7F7F"/>
-                </a:solidFill>
-              </a:rPr>
-              <a:t>?</a:t>
-            </a:r>
-          </a:p>
-          <a:p>
-            <a:r>
-              <a:rPr lang="en-US" dirty="0" smtClean="0"/>
-              <a:t>Comparing </a:t>
-            </a:r>
-            <a:r>
-              <a:rPr lang="en-US" dirty="0"/>
-              <a:t>results across different types of analyses (Coupled LDE vs. MLM</a:t>
-            </a:r>
-            <a:r>
-              <a:rPr lang="en-US" dirty="0" smtClean="0"/>
-              <a:t>?)</a:t>
-            </a:r>
-            <a:endParaRPr lang="en-US" dirty="0" smtClean="0"/>
-          </a:p>
-          <a:p>
-            <a:pPr lvl="1"/>
-            <a:endParaRPr lang="en-US" dirty="0"/>
-          </a:p>
-        </p:txBody>
-      </p:sp>
-      <p:sp>
-        <p:nvSpPr>
-          <p:cNvPr id="4" name="Slide Number Placeholder 3"/>
-          <p:cNvSpPr>
-            <a:spLocks noGrp="1"/>
-          </p:cNvSpPr>
-          <p:nvPr>
-            <p:ph type="sldNum" sz="quarter" idx="12"/>
-          </p:nvPr>
-        </p:nvSpPr>
-        <p:spPr/>
-        <p:txBody>
-          <a:bodyPr/>
-          <a:lstStyle/>
-          <a:p>
-            <a:fld id="{930465AD-53DA-D841-AEBD-0BDBF8BCBA90}" type="slidenum">
-              <a:rPr lang="en-US" smtClean="0"/>
-              <a:t>15</a:t>
-            </a:fld>
-            <a:endParaRPr lang="en-US"/>
-          </a:p>
-        </p:txBody>
-      </p:sp>
-    </p:spTree>
-    <p:extLst>
-      <p:ext uri="{BB962C8B-B14F-4D97-AF65-F5344CB8AC3E}">
-        <p14:creationId xmlns:p14="http://schemas.microsoft.com/office/powerpoint/2010/main" val="1603946737"/>
-      </p:ext>
-    </p:extLst>
-  </p:cSld>
-  <p:clrMapOvr>
-    <a:masterClrMapping/>
-  </p:clrMapOvr>
-  <p:timing>
-    <p:tnLst>
-      <p:par>
-        <p:cTn xmlns:p14="http://schemas.microsoft.com/office/powerpoint/2010/main" id="1" dur="indefinite" restart="never" nodeType="tmRoot"/>
-      </p:par>
-    </p:tnLst>
-  </p:timing>
-</p:sld>
-</file>
-
-<file path=ppt/slides/slide16.xml><?xml version="1.0" encoding="utf-8"?>
-<p:sld xmlns:a="http://schemas.openxmlformats.org/drawingml/2006/main" xmlns:r="http://schemas.openxmlformats.org/officeDocument/2006/relationships" xmlns:p="http://schemas.openxmlformats.org/presentationml/2006/main">
-  <p:cSld>
-    <p:spTree>
-      <p:nvGrpSpPr>
-        <p:cNvPr id="1" name=""/>
-        <p:cNvGrpSpPr/>
-        <p:nvPr/>
-      </p:nvGrpSpPr>
-      <p:grpSpPr>
-        <a:xfrm>
-          <a:off x="0" y="0"/>
-          <a:ext cx="0" cy="0"/>
-          <a:chOff x="0" y="0"/>
-          <a:chExt cx="0" cy="0"/>
-        </a:xfrm>
-      </p:grpSpPr>
-      <p:sp>
-        <p:nvSpPr>
-          <p:cNvPr id="2" name="Title 1"/>
-          <p:cNvSpPr>
-            <a:spLocks noGrp="1"/>
-          </p:cNvSpPr>
-          <p:nvPr>
-            <p:ph type="title"/>
-          </p:nvPr>
-        </p:nvSpPr>
-        <p:spPr>
-          <a:xfrm>
-            <a:off x="457200" y="490580"/>
-            <a:ext cx="8229600" cy="1007011"/>
-          </a:xfrm>
-        </p:spPr>
-        <p:txBody>
-          <a:bodyPr>
-            <a:normAutofit/>
-          </a:bodyPr>
-          <a:lstStyle/>
-          <a:p>
-            <a:r>
-              <a:rPr lang="en-US" sz="4000" dirty="0" smtClean="0"/>
-              <a:t>Thank you!</a:t>
-            </a:r>
-            <a:endParaRPr lang="en-US" sz="4000" dirty="0"/>
-          </a:p>
-        </p:txBody>
-      </p:sp>
-      <p:sp>
-        <p:nvSpPr>
-          <p:cNvPr id="4" name="Slide Number Placeholder 3"/>
-          <p:cNvSpPr>
-            <a:spLocks noGrp="1"/>
-          </p:cNvSpPr>
-          <p:nvPr>
-            <p:ph type="sldNum" sz="quarter" idx="12"/>
-          </p:nvPr>
-        </p:nvSpPr>
-        <p:spPr/>
-        <p:txBody>
-          <a:bodyPr/>
-          <a:lstStyle/>
-          <a:p>
-            <a:fld id="{562B05B1-F230-4C39-ACDE-CFBA7CA93D5F}" type="slidenum">
-              <a:rPr lang="en-US" smtClean="0"/>
-              <a:t>16</a:t>
-            </a:fld>
-            <a:endParaRPr lang="en-US"/>
-          </a:p>
-        </p:txBody>
-      </p:sp>
-      <p:pic>
-        <p:nvPicPr>
-          <p:cNvPr id="8" name="Picture 6"/>
-          <p:cNvPicPr>
-            <a:picLocks noChangeAspect="1"/>
-          </p:cNvPicPr>
-          <p:nvPr/>
-        </p:nvPicPr>
-        <p:blipFill>
-          <a:blip r:embed="rId3">
-            <a:extLst>
-              <a:ext uri="{28A0092B-C50C-407E-A947-70E740481C1C}">
-                <a14:useLocalDpi xmlns:a14="http://schemas.microsoft.com/office/drawing/2010/main" val="0"/>
-              </a:ext>
-            </a:extLst>
-          </a:blip>
-          <a:srcRect l="-1588" t="20140" r="8466" b="28511"/>
-          <a:stretch>
-            <a:fillRect/>
-          </a:stretch>
-        </p:blipFill>
-        <p:spPr bwMode="auto">
-          <a:xfrm>
-            <a:off x="25823863" y="30726063"/>
-            <a:ext cx="2979737" cy="1354137"/>
-          </a:xfrm>
-          <a:prstGeom prst="rect">
-            <a:avLst/>
-          </a:prstGeom>
-          <a:noFill/>
-          <a:ln>
-            <a:noFill/>
-          </a:ln>
-          <a:extLst>
-            <a:ext uri="{909E8E84-426E-40dd-AFC4-6F175D3DCCD1}">
-              <a14:hiddenFill xmlns:a14="http://schemas.microsoft.com/office/drawing/2010/main">
-                <a:solidFill>
-                  <a:srgbClr val="FFFFFF"/>
-                </a:solidFill>
-              </a14:hiddenFill>
-            </a:ext>
-            <a:ext uri="{91240B29-F687-4f45-9708-019B960494DF}">
-              <a14:hiddenLine xmlns:a14="http://schemas.microsoft.com/office/drawing/2010/main" w="9525">
-                <a:solidFill>
-                  <a:srgbClr val="000000"/>
-                </a:solidFill>
-                <a:miter lim="800000"/>
-                <a:headEnd/>
-                <a:tailEnd/>
-              </a14:hiddenLine>
-            </a:ext>
-          </a:extLst>
-        </p:spPr>
-      </p:pic>
-      <p:pic>
-        <p:nvPicPr>
-          <p:cNvPr id="9" name="Picture 7" descr="CASPR.jpg"/>
-          <p:cNvPicPr>
-            <a:picLocks noChangeAspect="1"/>
-          </p:cNvPicPr>
-          <p:nvPr/>
-        </p:nvPicPr>
-        <p:blipFill>
-          <a:blip r:embed="rId4">
-            <a:extLst>
-              <a:ext uri="{28A0092B-C50C-407E-A947-70E740481C1C}">
-                <a14:useLocalDpi xmlns:a14="http://schemas.microsoft.com/office/drawing/2010/main" val="0"/>
-              </a:ext>
-            </a:extLst>
-          </a:blip>
-          <a:srcRect t="9134"/>
-          <a:stretch>
-            <a:fillRect/>
-          </a:stretch>
-        </p:blipFill>
-        <p:spPr bwMode="auto">
-          <a:xfrm>
-            <a:off x="14935200" y="30826075"/>
-            <a:ext cx="3733800" cy="1165225"/>
-          </a:xfrm>
-          <a:prstGeom prst="rect">
-            <a:avLst/>
-          </a:prstGeom>
-          <a:noFill/>
-          <a:ln>
-            <a:noFill/>
-          </a:ln>
-          <a:extLst>
-            <a:ext uri="{909E8E84-426E-40dd-AFC4-6F175D3DCCD1}">
-              <a14:hiddenFill xmlns:a14="http://schemas.microsoft.com/office/drawing/2010/main">
-                <a:solidFill>
-                  <a:srgbClr val="FFFFFF"/>
-                </a:solidFill>
-              </a14:hiddenFill>
-            </a:ext>
-            <a:ext uri="{91240B29-F687-4f45-9708-019B960494DF}">
-              <a14:hiddenLine xmlns:a14="http://schemas.microsoft.com/office/drawing/2010/main" w="9525">
-                <a:solidFill>
-                  <a:srgbClr val="000000"/>
-                </a:solidFill>
-                <a:miter lim="800000"/>
-                <a:headEnd/>
-                <a:tailEnd/>
-              </a14:hiddenLine>
-            </a:ext>
-          </a:extLst>
-        </p:spPr>
-      </p:pic>
-      <p:sp>
-        <p:nvSpPr>
-          <p:cNvPr id="10" name="Content Placeholder 4"/>
-          <p:cNvSpPr txBox="1">
-            <a:spLocks/>
-          </p:cNvSpPr>
-          <p:nvPr/>
-        </p:nvSpPr>
-        <p:spPr>
-          <a:xfrm>
-            <a:off x="671310" y="2051657"/>
-            <a:ext cx="8380718" cy="1784819"/>
-          </a:xfrm>
-          <a:prstGeom prst="rect">
-            <a:avLst/>
-          </a:prstGeom>
-        </p:spPr>
-        <p:txBody>
-          <a:bodyPr vert="horz" lIns="91440" tIns="45720" rIns="91440" bIns="45720" rtlCol="0">
-            <a:noAutofit/>
-          </a:bodyPr>
-          <a:lstStyle>
-            <a:lvl1pPr marL="342900" indent="-342900" algn="l" defTabSz="457200" rtl="0" eaLnBrk="1" latinLnBrk="0" hangingPunct="1">
-              <a:spcBef>
-                <a:spcPct val="20000"/>
-              </a:spcBef>
-              <a:buFont typeface="Arial"/>
-              <a:buChar char="•"/>
-              <a:defRPr sz="2800" kern="1200">
-                <a:solidFill>
-                  <a:schemeClr val="tx1"/>
-                </a:solidFill>
-                <a:latin typeface="Helvetica"/>
-                <a:ea typeface="+mn-ea"/>
-                <a:cs typeface="Helvetica"/>
-              </a:defRPr>
-            </a:lvl1pPr>
-            <a:lvl2pPr marL="742950" indent="-285750" algn="l" defTabSz="457200" rtl="0" eaLnBrk="1" latinLnBrk="0" hangingPunct="1">
-              <a:spcBef>
-                <a:spcPct val="20000"/>
-              </a:spcBef>
-              <a:buFont typeface="Arial"/>
-              <a:buChar char="–"/>
-              <a:defRPr sz="2400" kern="1200">
-                <a:solidFill>
-                  <a:schemeClr val="tx1"/>
-                </a:solidFill>
-                <a:latin typeface="Helvetica"/>
-                <a:ea typeface="+mn-ea"/>
-                <a:cs typeface="Helvetica"/>
-              </a:defRPr>
-            </a:lvl2pPr>
-            <a:lvl3pPr marL="1143000" indent="-228600" algn="l" defTabSz="457200" rtl="0" eaLnBrk="1" latinLnBrk="0" hangingPunct="1">
-              <a:spcBef>
-                <a:spcPct val="20000"/>
-              </a:spcBef>
-              <a:buFont typeface="Arial"/>
-              <a:buChar char="•"/>
-              <a:defRPr sz="2000" kern="1200">
-                <a:solidFill>
-                  <a:schemeClr val="tx1"/>
-                </a:solidFill>
-                <a:latin typeface="Helvetica"/>
-                <a:ea typeface="+mn-ea"/>
-                <a:cs typeface="Helvetica"/>
-              </a:defRPr>
-            </a:lvl3pPr>
-            <a:lvl4pPr marL="1600200" indent="-228600" algn="l" defTabSz="457200" rtl="0" eaLnBrk="1" latinLnBrk="0" hangingPunct="1">
-              <a:spcBef>
-                <a:spcPct val="20000"/>
-              </a:spcBef>
-              <a:buFont typeface="Arial"/>
-              <a:buChar char="–"/>
-              <a:defRPr sz="1800" kern="1200">
-                <a:solidFill>
-                  <a:schemeClr val="tx1"/>
-                </a:solidFill>
-                <a:latin typeface="Helvetica"/>
-                <a:ea typeface="+mn-ea"/>
-                <a:cs typeface="Helvetica"/>
-              </a:defRPr>
-            </a:lvl4pPr>
-            <a:lvl5pPr marL="2057400" indent="-228600" algn="l" defTabSz="457200" rtl="0" eaLnBrk="1" latinLnBrk="0" hangingPunct="1">
-              <a:spcBef>
-                <a:spcPct val="20000"/>
-              </a:spcBef>
-              <a:buFont typeface="Arial"/>
-              <a:buChar char="»"/>
-              <a:defRPr sz="1800" kern="1200">
-                <a:solidFill>
-                  <a:schemeClr val="tx1"/>
-                </a:solidFill>
-                <a:latin typeface="Helvetica"/>
-                <a:ea typeface="+mn-ea"/>
-                <a:cs typeface="Helvetica"/>
-              </a:defRPr>
-            </a:lvl5pPr>
-            <a:lvl6pPr marL="2514600" indent="-228600" algn="l" defTabSz="457200" rtl="0" eaLnBrk="1" latinLnBrk="0" hangingPunct="1">
-              <a:spcBef>
-                <a:spcPct val="20000"/>
-              </a:spcBef>
-              <a:buFont typeface="Arial"/>
-              <a:buChar char="•"/>
-              <a:defRPr sz="1800" kern="1200">
-                <a:solidFill>
-                  <a:schemeClr val="tx1"/>
-                </a:solidFill>
-                <a:latin typeface="+mn-lt"/>
-                <a:ea typeface="+mn-ea"/>
-                <a:cs typeface="+mn-cs"/>
-              </a:defRPr>
-            </a:lvl6pPr>
-            <a:lvl7pPr marL="2971800" indent="-228600" algn="l" defTabSz="457200" rtl="0" eaLnBrk="1" latinLnBrk="0" hangingPunct="1">
-              <a:spcBef>
-                <a:spcPct val="20000"/>
-              </a:spcBef>
-              <a:buFont typeface="Arial"/>
-              <a:buChar char="•"/>
-              <a:defRPr sz="1800" kern="1200">
-                <a:solidFill>
-                  <a:schemeClr val="tx1"/>
-                </a:solidFill>
-                <a:latin typeface="+mn-lt"/>
-                <a:ea typeface="+mn-ea"/>
-                <a:cs typeface="+mn-cs"/>
-              </a:defRPr>
-            </a:lvl7pPr>
-            <a:lvl8pPr marL="3429000" indent="-228600" algn="l" defTabSz="457200" rtl="0" eaLnBrk="1" latinLnBrk="0" hangingPunct="1">
-              <a:spcBef>
-                <a:spcPct val="20000"/>
-              </a:spcBef>
-              <a:buFont typeface="Arial"/>
-              <a:buChar char="•"/>
-              <a:defRPr sz="1800" kern="1200">
-                <a:solidFill>
-                  <a:schemeClr val="tx1"/>
-                </a:solidFill>
-                <a:latin typeface="+mn-lt"/>
-                <a:ea typeface="+mn-ea"/>
-                <a:cs typeface="+mn-cs"/>
-              </a:defRPr>
-            </a:lvl8pPr>
-            <a:lvl9pPr marL="3886200" indent="-228600" algn="l" defTabSz="457200" rtl="0" eaLnBrk="1" latinLnBrk="0" hangingPunct="1">
-              <a:spcBef>
-                <a:spcPct val="20000"/>
-              </a:spcBef>
-              <a:buFont typeface="Arial"/>
-              <a:buChar char="•"/>
-              <a:defRPr sz="1800" kern="1200">
-                <a:solidFill>
-                  <a:schemeClr val="tx1"/>
-                </a:solidFill>
-                <a:latin typeface="+mn-lt"/>
-                <a:ea typeface="+mn-ea"/>
-                <a:cs typeface="+mn-cs"/>
-              </a:defRPr>
-            </a:lvl9pPr>
-          </a:lstStyle>
-          <a:p>
-            <a:pPr marL="0" indent="0">
-              <a:lnSpc>
-                <a:spcPct val="80000"/>
-              </a:lnSpc>
-              <a:buFont typeface="Arial"/>
-              <a:buNone/>
-            </a:pPr>
-            <a:r>
-              <a:rPr lang="en-US" sz="2000" dirty="0" smtClean="0"/>
-              <a:t>Research Assistants:</a:t>
-            </a:r>
-          </a:p>
-          <a:p>
-            <a:pPr marL="0" indent="0">
-              <a:lnSpc>
-                <a:spcPct val="80000"/>
-              </a:lnSpc>
-              <a:buNone/>
-            </a:pPr>
-            <a:r>
-              <a:rPr lang="en-US" sz="2000" dirty="0" smtClean="0"/>
-              <a:t>Carina Brown, </a:t>
-            </a:r>
-            <a:r>
-              <a:rPr lang="en-US" sz="2000" dirty="0"/>
-              <a:t>Jessica </a:t>
-            </a:r>
-            <a:r>
-              <a:rPr lang="en-US" sz="2000" dirty="0" err="1"/>
-              <a:t>Paek</a:t>
-            </a:r>
-            <a:r>
-              <a:rPr lang="en-US" sz="2000" dirty="0"/>
-              <a:t>, Sophia </a:t>
-            </a:r>
-            <a:r>
-              <a:rPr lang="en-US" sz="2000" dirty="0" smtClean="0"/>
-              <a:t>Golden, Jessica Gingrich, </a:t>
-            </a:r>
-          </a:p>
-          <a:p>
-            <a:pPr marL="0" indent="0">
-              <a:lnSpc>
-                <a:spcPct val="80000"/>
-              </a:lnSpc>
-              <a:buFont typeface="Arial"/>
-              <a:buNone/>
-            </a:pPr>
-            <a:r>
-              <a:rPr lang="en-US" sz="2000" dirty="0" smtClean="0"/>
-              <a:t>Kate Puglia, Jordan Cline, Lauren Cohen, Alexander Fulmer, </a:t>
-            </a:r>
-          </a:p>
-          <a:p>
-            <a:pPr marL="0" indent="0">
-              <a:lnSpc>
-                <a:spcPct val="80000"/>
-              </a:lnSpc>
-              <a:buFont typeface="Arial"/>
-              <a:buNone/>
-            </a:pPr>
-            <a:r>
-              <a:rPr lang="en-US" sz="2000" dirty="0" smtClean="0"/>
-              <a:t>Sarah </a:t>
-            </a:r>
-            <a:r>
-              <a:rPr lang="en-US" sz="2000" dirty="0" err="1" smtClean="0"/>
-              <a:t>Goetzke</a:t>
-            </a:r>
-            <a:r>
-              <a:rPr lang="en-US" sz="2000" dirty="0" smtClean="0"/>
-              <a:t>, Lana </a:t>
-            </a:r>
-            <a:r>
-              <a:rPr lang="en-US" sz="2000" dirty="0" err="1" smtClean="0"/>
-              <a:t>Khamash</a:t>
-            </a:r>
-            <a:r>
-              <a:rPr lang="en-US" sz="2000" dirty="0" smtClean="0"/>
-              <a:t>, </a:t>
-            </a:r>
-            <a:r>
-              <a:rPr lang="en-US" sz="2000" dirty="0" err="1" smtClean="0"/>
-              <a:t>Shelagh</a:t>
-            </a:r>
-            <a:r>
-              <a:rPr lang="en-US" sz="2000" dirty="0" smtClean="0"/>
-              <a:t> </a:t>
-            </a:r>
-            <a:r>
-              <a:rPr lang="en-US" sz="2000" dirty="0" err="1" smtClean="0"/>
-              <a:t>Mahbubani</a:t>
-            </a:r>
-            <a:r>
-              <a:rPr lang="en-US" sz="2000" dirty="0" smtClean="0"/>
-              <a:t>, Max </a:t>
-            </a:r>
-            <a:r>
-              <a:rPr lang="en-US" sz="2000" dirty="0" err="1" smtClean="0"/>
-              <a:t>Mikelic</a:t>
-            </a:r>
-            <a:r>
-              <a:rPr lang="en-US" sz="2000" dirty="0" smtClean="0"/>
-              <a:t>,</a:t>
-            </a:r>
-          </a:p>
-          <a:p>
-            <a:pPr marL="0" indent="0">
-              <a:lnSpc>
-                <a:spcPct val="80000"/>
-              </a:lnSpc>
-              <a:buFont typeface="Arial"/>
-              <a:buNone/>
-            </a:pPr>
-            <a:r>
-              <a:rPr lang="en-US" sz="2000" dirty="0" smtClean="0"/>
-              <a:t>Courtney Peters, Sam </a:t>
-            </a:r>
-            <a:r>
-              <a:rPr lang="en-US" sz="2000" dirty="0" err="1" smtClean="0"/>
-              <a:t>Pitasky</a:t>
-            </a:r>
-            <a:r>
-              <a:rPr lang="en-US" sz="2000" dirty="0" smtClean="0"/>
-              <a:t>, and </a:t>
-            </a:r>
-            <a:r>
-              <a:rPr lang="en-US" sz="2000" dirty="0" err="1" smtClean="0"/>
-              <a:t>Saya</a:t>
-            </a:r>
-            <a:r>
-              <a:rPr lang="en-US" sz="2000" dirty="0" smtClean="0"/>
-              <a:t> </a:t>
-            </a:r>
-            <a:r>
-              <a:rPr lang="en-US" sz="2000" dirty="0" err="1" smtClean="0"/>
-              <a:t>Weissman</a:t>
-            </a:r>
-            <a:endParaRPr lang="en-US" sz="2000" dirty="0" smtClean="0"/>
-          </a:p>
-          <a:p>
-            <a:pPr marL="0" indent="0">
-              <a:lnSpc>
-                <a:spcPct val="80000"/>
-              </a:lnSpc>
-              <a:buFont typeface="Arial"/>
-              <a:buNone/>
-            </a:pPr>
-            <a:endParaRPr lang="en-US" sz="2000" dirty="0"/>
-          </a:p>
-        </p:txBody>
-      </p:sp>
-      <p:pic>
-        <p:nvPicPr>
-          <p:cNvPr id="7" name="Picture 6"/>
-          <p:cNvPicPr>
-            <a:picLocks noChangeAspect="1"/>
-          </p:cNvPicPr>
-          <p:nvPr/>
-        </p:nvPicPr>
-        <p:blipFill rotWithShape="1">
-          <a:blip r:embed="rId5"/>
-          <a:srcRect t="12781" b="21152"/>
-          <a:stretch/>
-        </p:blipFill>
-        <p:spPr>
-          <a:xfrm>
-            <a:off x="4897083" y="3727879"/>
-            <a:ext cx="2987855" cy="1587429"/>
-          </a:xfrm>
-          <a:prstGeom prst="rect">
-            <a:avLst/>
-          </a:prstGeom>
-        </p:spPr>
-      </p:pic>
-      <p:pic>
-        <p:nvPicPr>
-          <p:cNvPr id="6" name="Picture 5" descr="CASPR.jpg"/>
-          <p:cNvPicPr>
-            <a:picLocks noChangeAspect="1"/>
-          </p:cNvPicPr>
-          <p:nvPr/>
-        </p:nvPicPr>
-        <p:blipFill>
-          <a:blip r:embed="rId4">
-            <a:extLst>
-              <a:ext uri="{28A0092B-C50C-407E-A947-70E740481C1C}">
-                <a14:useLocalDpi xmlns:a14="http://schemas.microsoft.com/office/drawing/2010/main" val="0"/>
-              </a:ext>
-            </a:extLst>
-          </a:blip>
-          <a:stretch>
-            <a:fillRect/>
-          </a:stretch>
-        </p:blipFill>
-        <p:spPr>
-          <a:xfrm>
-            <a:off x="671310" y="3999488"/>
-            <a:ext cx="3293160" cy="1132024"/>
-          </a:xfrm>
-          <a:prstGeom prst="rect">
-            <a:avLst/>
-          </a:prstGeom>
-        </p:spPr>
-      </p:pic>
-    </p:spTree>
-    <p:extLst>
-      <p:ext uri="{BB962C8B-B14F-4D97-AF65-F5344CB8AC3E}">
-        <p14:creationId xmlns:p14="http://schemas.microsoft.com/office/powerpoint/2010/main" val="1755338520"/>
-      </p:ext>
-    </p:extLst>
-  </p:cSld>
-  <p:clrMapOvr>
-    <a:masterClrMapping/>
-  </p:clrMapOvr>
-  <p:timing>
-    <p:tnLst>
-      <p:par>
-        <p:cTn xmlns:p14="http://schemas.microsoft.com/office/powerpoint/2010/main" id="1" dur="indefinite" restart="never" nodeType="tmRoot"/>
-      </p:par>
-    </p:tnLst>
-  </p:timing>
-</p:sld>
-</file>
-
-<file path=ppt/slides/slide17.xml><?xml version="1.0" encoding="utf-8"?>
-<p:sld xmlns:a="http://schemas.openxmlformats.org/drawingml/2006/main" xmlns:r="http://schemas.openxmlformats.org/officeDocument/2006/relationships" xmlns:p="http://schemas.openxmlformats.org/presentationml/2006/main" show="0">
-  <p:cSld>
-    <p:spTree>
-      <p:nvGrpSpPr>
-        <p:cNvPr id="1" name=""/>
-        <p:cNvGrpSpPr/>
-        <p:nvPr/>
-      </p:nvGrpSpPr>
-      <p:grpSpPr>
-        <a:xfrm>
-          <a:off x="0" y="0"/>
-          <a:ext cx="0" cy="0"/>
-          <a:chOff x="0" y="0"/>
-          <a:chExt cx="0" cy="0"/>
-        </a:xfrm>
-      </p:grpSpPr>
-      <p:sp>
-        <p:nvSpPr>
-          <p:cNvPr id="3" name="Slide Number Placeholder 2"/>
-          <p:cNvSpPr>
-            <a:spLocks noGrp="1"/>
-          </p:cNvSpPr>
-          <p:nvPr>
-            <p:ph type="sldNum" sz="quarter" idx="12"/>
-          </p:nvPr>
-        </p:nvSpPr>
-        <p:spPr/>
-        <p:txBody>
-          <a:bodyPr/>
-          <a:lstStyle/>
-          <a:p>
-            <a:fld id="{930465AD-53DA-D841-AEBD-0BDBF8BCBA90}" type="slidenum">
-              <a:rPr lang="en-US" smtClean="0"/>
-              <a:t>17</a:t>
-            </a:fld>
-            <a:endParaRPr lang="en-US"/>
-          </a:p>
-        </p:txBody>
-      </p:sp>
-      <p:pic>
-        <p:nvPicPr>
-          <p:cNvPr id="2" name="Picture 1" descr="Raw_RSA_Panel_Plots.pdf"/>
-          <p:cNvPicPr>
-            <a:picLocks noChangeAspect="1"/>
-          </p:cNvPicPr>
-          <p:nvPr/>
-        </p:nvPicPr>
-        <p:blipFill>
-          <a:blip r:embed="rId2">
-            <a:extLst>
-              <a:ext uri="{28A0092B-C50C-407E-A947-70E740481C1C}">
-                <a14:useLocalDpi xmlns:a14="http://schemas.microsoft.com/office/drawing/2010/main" val="0"/>
-              </a:ext>
-            </a:extLst>
-          </a:blip>
-          <a:stretch>
-            <a:fillRect/>
-          </a:stretch>
-        </p:blipFill>
-        <p:spPr>
-          <a:xfrm>
-            <a:off x="1218356" y="0"/>
-            <a:ext cx="6858000" cy="6858000"/>
-          </a:xfrm>
-          <a:prstGeom prst="rect">
-            <a:avLst/>
-          </a:prstGeom>
-        </p:spPr>
-      </p:pic>
-    </p:spTree>
-    <p:extLst>
-      <p:ext uri="{BB962C8B-B14F-4D97-AF65-F5344CB8AC3E}">
-        <p14:creationId xmlns:p14="http://schemas.microsoft.com/office/powerpoint/2010/main" val="652471396"/>
-      </p:ext>
-    </p:extLst>
-  </p:cSld>
-  <p:clrMapOvr>
-    <a:masterClrMapping/>
-  </p:clrMapOvr>
-  <mc:AlternateContent xmlns:mc="http://schemas.openxmlformats.org/markup-compatibility/2006">
-    <mc:Choice xmlns:p14="http://schemas.microsoft.com/office/powerpoint/2010/main" Requires="p14">
-      <p:transition spd="slow" p14:dur="2000"/>
-    </mc:Choice>
-    <mc:Fallback>
-      <p:transition xmlns:p14="http://schemas.microsoft.com/office/powerpoint/2010/main" spd="slow"/>
-    </mc:Fallback>
-  </mc:AlternateContent>
-  <p:timing>
-    <p:tnLst>
-      <p:par>
-        <p:cTn xmlns:p14="http://schemas.microsoft.com/office/powerpoint/2010/main" id="1" dur="indefinite" restart="never" nodeType="tmRoot"/>
-      </p:par>
-    </p:tnLst>
-  </p:timing>
-</p:sld>
-</file>
-
-<file path=ppt/slides/slide18.xml><?xml version="1.0" encoding="utf-8"?>
-<p:sld xmlns:a="http://schemas.openxmlformats.org/drawingml/2006/main" xmlns:r="http://schemas.openxmlformats.org/officeDocument/2006/relationships" xmlns:p="http://schemas.openxmlformats.org/presentationml/2006/main" show="0">
-  <p:cSld>
-    <p:spTree>
-      <p:nvGrpSpPr>
-        <p:cNvPr id="1" name=""/>
-        <p:cNvGrpSpPr/>
-        <p:nvPr/>
-      </p:nvGrpSpPr>
-      <p:grpSpPr>
-        <a:xfrm>
-          <a:off x="0" y="0"/>
-          <a:ext cx="0" cy="0"/>
-          <a:chOff x="0" y="0"/>
-          <a:chExt cx="0" cy="0"/>
-        </a:xfrm>
-      </p:grpSpPr>
-      <p:sp>
-        <p:nvSpPr>
-          <p:cNvPr id="3" name="Slide Number Placeholder 2"/>
-          <p:cNvSpPr>
-            <a:spLocks noGrp="1"/>
-          </p:cNvSpPr>
-          <p:nvPr>
-            <p:ph type="sldNum" sz="quarter" idx="12"/>
-          </p:nvPr>
-        </p:nvSpPr>
-        <p:spPr/>
-        <p:txBody>
-          <a:bodyPr/>
-          <a:lstStyle/>
-          <a:p>
-            <a:fld id="{930465AD-53DA-D841-AEBD-0BDBF8BCBA90}" type="slidenum">
-              <a:rPr lang="en-US" smtClean="0"/>
-              <a:t>18</a:t>
-            </a:fld>
-            <a:endParaRPr lang="en-US"/>
-          </a:p>
-        </p:txBody>
-      </p:sp>
-      <p:pic>
-        <p:nvPicPr>
-          <p:cNvPr id="4" name="Picture 3" descr="Raw_RSA_Panel_Plots_withlines.pdf"/>
-          <p:cNvPicPr>
-            <a:picLocks noChangeAspect="1"/>
-          </p:cNvPicPr>
-          <p:nvPr/>
-        </p:nvPicPr>
-        <p:blipFill>
-          <a:blip r:embed="rId2">
-            <a:extLst>
-              <a:ext uri="{28A0092B-C50C-407E-A947-70E740481C1C}">
-                <a14:useLocalDpi xmlns:a14="http://schemas.microsoft.com/office/drawing/2010/main" val="0"/>
-              </a:ext>
-            </a:extLst>
-          </a:blip>
-          <a:stretch>
-            <a:fillRect/>
-          </a:stretch>
-        </p:blipFill>
-        <p:spPr>
-          <a:xfrm>
-            <a:off x="1214906" y="0"/>
-            <a:ext cx="6858000" cy="6858000"/>
-          </a:xfrm>
-          <a:prstGeom prst="rect">
-            <a:avLst/>
-          </a:prstGeom>
-        </p:spPr>
-      </p:pic>
-    </p:spTree>
-    <p:extLst>
-      <p:ext uri="{BB962C8B-B14F-4D97-AF65-F5344CB8AC3E}">
-        <p14:creationId xmlns:p14="http://schemas.microsoft.com/office/powerpoint/2010/main" val="2087085356"/>
-      </p:ext>
-    </p:extLst>
-  </p:cSld>
-  <p:clrMapOvr>
-    <a:masterClrMapping/>
-  </p:clrMapOvr>
-  <mc:AlternateContent xmlns:mc="http://schemas.openxmlformats.org/markup-compatibility/2006">
-    <mc:Choice xmlns:p14="http://schemas.microsoft.com/office/powerpoint/2010/main" Requires="p14">
-      <p:transition spd="slow" p14:dur="2000"/>
-    </mc:Choice>
-    <mc:Fallback>
-      <p:transition xmlns:p14="http://schemas.microsoft.com/office/powerpoint/2010/main" spd="slow"/>
-    </mc:Fallback>
-  </mc:AlternateContent>
-  <p:timing>
-    <p:tnLst>
-      <p:par>
-        <p:cTn xmlns:p14="http://schemas.microsoft.com/office/powerpoint/2010/main" id="1" dur="indefinite" restart="never" nodeType="tmRoot"/>
-      </p:par>
-    </p:tnLst>
-  </p:timing>
-</p:sld>
-</file>
-
-<file path=ppt/slides/slide19.xml><?xml version="1.0" encoding="utf-8"?>
-<p:sld xmlns:a="http://schemas.openxmlformats.org/drawingml/2006/main" xmlns:r="http://schemas.openxmlformats.org/officeDocument/2006/relationships" xmlns:p="http://schemas.openxmlformats.org/presentationml/2006/main">
-  <p:cSld>
-    <p:spTree>
-      <p:nvGrpSpPr>
-        <p:cNvPr id="1" name=""/>
-        <p:cNvGrpSpPr/>
-        <p:nvPr/>
-      </p:nvGrpSpPr>
-      <p:grpSpPr>
-        <a:xfrm>
-          <a:off x="0" y="0"/>
-          <a:ext cx="0" cy="0"/>
-          <a:chOff x="0" y="0"/>
-          <a:chExt cx="0" cy="0"/>
-        </a:xfrm>
-      </p:grpSpPr>
-      <p:sp>
-        <p:nvSpPr>
-          <p:cNvPr id="2" name="Slide Number Placeholder 1"/>
-          <p:cNvSpPr>
-            <a:spLocks noGrp="1"/>
-          </p:cNvSpPr>
-          <p:nvPr>
-            <p:ph type="sldNum" sz="quarter" idx="12"/>
-          </p:nvPr>
-        </p:nvSpPr>
-        <p:spPr/>
-        <p:txBody>
-          <a:bodyPr/>
-          <a:lstStyle/>
-          <a:p>
-            <a:fld id="{930465AD-53DA-D841-AEBD-0BDBF8BCBA90}" type="slidenum">
-              <a:rPr lang="en-US" smtClean="0"/>
-              <a:t>19</a:t>
-            </a:fld>
-            <a:endParaRPr lang="en-US"/>
-          </a:p>
-        </p:txBody>
-      </p:sp>
-    </p:spTree>
-    <p:extLst>
-      <p:ext uri="{BB962C8B-B14F-4D97-AF65-F5344CB8AC3E}">
-        <p14:creationId xmlns:p14="http://schemas.microsoft.com/office/powerpoint/2010/main" val="816186230"/>
-      </p:ext>
-    </p:extLst>
-  </p:cSld>
-  <p:clrMapOvr>
-    <a:masterClrMapping/>
-  </p:clrMapOvr>
-  <p:timing>
-    <p:tnLst>
-      <p:par>
-        <p:cTn xmlns:p14="http://schemas.microsoft.com/office/powerpoint/2010/main" id="1" dur="indefinite" restart="never" nodeType="tmRoot"/>
-      </p:par>
-    </p:tnLst>
-  </p:timing>
-</p:sld>
-</file>
-
-<file path=ppt/slides/slide2.xml><?xml version="1.0" encoding="utf-8"?>
-<p:sld xmlns:a="http://schemas.openxmlformats.org/drawingml/2006/main" xmlns:r="http://schemas.openxmlformats.org/officeDocument/2006/relationships" xmlns:p="http://schemas.openxmlformats.org/presentationml/2006/main">
-  <p:cSld>
-    <p:spTree>
-      <p:nvGrpSpPr>
-        <p:cNvPr id="1" name=""/>
-        <p:cNvGrpSpPr/>
-        <p:nvPr/>
-      </p:nvGrpSpPr>
-      <p:grpSpPr>
-        <a:xfrm>
-          <a:off x="0" y="0"/>
-          <a:ext cx="0" cy="0"/>
-          <a:chOff x="0" y="0"/>
-          <a:chExt cx="0" cy="0"/>
-        </a:xfrm>
-      </p:grpSpPr>
-      <p:sp>
-        <p:nvSpPr>
-          <p:cNvPr id="2" name="Title 1"/>
-          <p:cNvSpPr>
-            <a:spLocks noGrp="1"/>
-          </p:cNvSpPr>
-          <p:nvPr>
-            <p:ph type="title"/>
-          </p:nvPr>
-        </p:nvSpPr>
-        <p:spPr/>
-        <p:txBody>
-          <a:bodyPr/>
-          <a:lstStyle/>
-          <a:p>
-            <a:r>
-              <a:rPr lang="en-US" dirty="0" smtClean="0"/>
-              <a:t>Method</a:t>
-            </a:r>
-            <a:endParaRPr lang="en-US" dirty="0"/>
-          </a:p>
-        </p:txBody>
-      </p:sp>
-      <p:sp>
-        <p:nvSpPr>
-          <p:cNvPr id="3" name="Slide Number Placeholder 2"/>
-          <p:cNvSpPr>
-            <a:spLocks noGrp="1"/>
-          </p:cNvSpPr>
-          <p:nvPr>
-            <p:ph type="sldNum" sz="quarter" idx="12"/>
-          </p:nvPr>
-        </p:nvSpPr>
-        <p:spPr/>
-        <p:txBody>
-          <a:bodyPr/>
-          <a:lstStyle/>
-          <a:p>
-            <a:fld id="{562B05B1-F230-4C39-ACDE-CFBA7CA93D5F}" type="slidenum">
-              <a:rPr lang="en-US" smtClean="0"/>
-              <a:t>2</a:t>
-            </a:fld>
-            <a:endParaRPr lang="en-US" dirty="0"/>
-          </a:p>
-        </p:txBody>
-      </p:sp>
-      <p:cxnSp>
-        <p:nvCxnSpPr>
-          <p:cNvPr id="17" name="Straight Arrow Connector 16"/>
-          <p:cNvCxnSpPr/>
-          <p:nvPr/>
-        </p:nvCxnSpPr>
-        <p:spPr>
-          <a:xfrm>
-            <a:off x="153954" y="1441053"/>
-            <a:ext cx="8819631" cy="1"/>
-          </a:xfrm>
-          <a:prstGeom prst="straightConnector1">
-            <a:avLst/>
-          </a:prstGeom>
-          <a:ln w="38100" cmpd="sng">
-            <a:solidFill>
-              <a:srgbClr val="000000"/>
-            </a:solidFill>
-            <a:tailEnd type="arrow"/>
-          </a:ln>
-        </p:spPr>
-        <p:style>
-          <a:lnRef idx="2">
-            <a:schemeClr val="accent1"/>
-          </a:lnRef>
-          <a:fillRef idx="0">
-            <a:schemeClr val="accent1"/>
-          </a:fillRef>
-          <a:effectRef idx="1">
-            <a:schemeClr val="accent1"/>
-          </a:effectRef>
-          <a:fontRef idx="minor">
-            <a:schemeClr val="tx1"/>
-          </a:fontRef>
-        </p:style>
-      </p:cxnSp>
-      <p:pic>
-        <p:nvPicPr>
-          <p:cNvPr id="13" name="Picture 12" descr="IMG_6354.JPG"/>
-          <p:cNvPicPr>
-            <a:picLocks noChangeAspect="1"/>
-          </p:cNvPicPr>
-          <p:nvPr/>
-        </p:nvPicPr>
-        <p:blipFill rotWithShape="1">
-          <a:blip r:embed="rId3">
-            <a:extLst>
-              <a:ext uri="{28A0092B-C50C-407E-A947-70E740481C1C}">
-                <a14:useLocalDpi xmlns:a14="http://schemas.microsoft.com/office/drawing/2010/main" val="0"/>
-              </a:ext>
-            </a:extLst>
-          </a:blip>
-          <a:srcRect l="11271" r="11220"/>
-          <a:stretch/>
-        </p:blipFill>
-        <p:spPr>
-          <a:xfrm rot="5400000">
-            <a:off x="346145" y="1769031"/>
-            <a:ext cx="3579098" cy="3463241"/>
-          </a:xfrm>
-          <a:prstGeom prst="rect">
-            <a:avLst/>
-          </a:prstGeom>
-          <a:ln w="28575" cmpd="sng">
-            <a:solidFill>
-              <a:schemeClr val="tx1"/>
-            </a:solidFill>
-          </a:ln>
-        </p:spPr>
-      </p:pic>
-    </p:spTree>
-    <p:extLst>
-      <p:ext uri="{BB962C8B-B14F-4D97-AF65-F5344CB8AC3E}">
-        <p14:creationId xmlns:p14="http://schemas.microsoft.com/office/powerpoint/2010/main" val="3777636159"/>
-      </p:ext>
-    </p:extLst>
-  </p:cSld>
-  <p:clrMapOvr>
-    <a:masterClrMapping/>
-  </p:clrMapOvr>
-  <p:timing>
-    <p:tnLst>
-      <p:par>
-        <p:cTn xmlns:p14="http://schemas.microsoft.com/office/powerpoint/2010/main" id="1" dur="indefinite" restart="never" nodeType="tmRoot"/>
-      </p:par>
-    </p:tnLst>
-  </p:timing>
-</p:sld>
-</file>
-
-<file path=ppt/slides/slide20.xml><?xml version="1.0" encoding="utf-8"?>
-<p:sld xmlns:a="http://schemas.openxmlformats.org/drawingml/2006/main" xmlns:r="http://schemas.openxmlformats.org/officeDocument/2006/relationships" xmlns:p="http://schemas.openxmlformats.org/presentationml/2006/main">
-  <p:cSld>
-    <p:spTree>
-      <p:nvGrpSpPr>
-        <p:cNvPr id="1" name=""/>
-        <p:cNvGrpSpPr/>
-        <p:nvPr/>
-      </p:nvGrpSpPr>
-      <p:grpSpPr>
-        <a:xfrm>
-          <a:off x="0" y="0"/>
-          <a:ext cx="0" cy="0"/>
-          <a:chOff x="0" y="0"/>
-          <a:chExt cx="0" cy="0"/>
-        </a:xfrm>
-      </p:grpSpPr>
-      <p:sp>
-        <p:nvSpPr>
-          <p:cNvPr id="2" name="Slide Number Placeholder 1"/>
-          <p:cNvSpPr>
-            <a:spLocks noGrp="1"/>
-          </p:cNvSpPr>
-          <p:nvPr>
-            <p:ph type="sldNum" sz="quarter" idx="12"/>
-          </p:nvPr>
-        </p:nvSpPr>
-        <p:spPr/>
-        <p:txBody>
-          <a:bodyPr/>
-          <a:lstStyle/>
-          <a:p>
-            <a:fld id="{930465AD-53DA-D841-AEBD-0BDBF8BCBA90}" type="slidenum">
-              <a:rPr lang="en-US" smtClean="0"/>
-              <a:t>20</a:t>
-            </a:fld>
-            <a:endParaRPr lang="en-US"/>
-          </a:p>
-        </p:txBody>
-      </p:sp>
-    </p:spTree>
-    <p:extLst>
-      <p:ext uri="{BB962C8B-B14F-4D97-AF65-F5344CB8AC3E}">
-        <p14:creationId xmlns:p14="http://schemas.microsoft.com/office/powerpoint/2010/main" val="130701263"/>
-      </p:ext>
-    </p:extLst>
-  </p:cSld>
-  <p:clrMapOvr>
-    <a:masterClrMapping/>
-  </p:clrMapOvr>
-</p:sld>
-</file>
-
-<file path=ppt/slides/slide3.xml><?xml version="1.0" encoding="utf-8"?>
-<p:sld xmlns:a="http://schemas.openxmlformats.org/drawingml/2006/main" xmlns:r="http://schemas.openxmlformats.org/officeDocument/2006/relationships" xmlns:p="http://schemas.openxmlformats.org/presentationml/2006/main">
-  <p:cSld>
-    <p:spTree>
-      <p:nvGrpSpPr>
-        <p:cNvPr id="1" name=""/>
-        <p:cNvGrpSpPr/>
-        <p:nvPr/>
-      </p:nvGrpSpPr>
-      <p:grpSpPr>
-        <a:xfrm>
-          <a:off x="0" y="0"/>
-          <a:ext cx="0" cy="0"/>
-          <a:chOff x="0" y="0"/>
-          <a:chExt cx="0" cy="0"/>
-        </a:xfrm>
-      </p:grpSpPr>
-      <p:sp>
-        <p:nvSpPr>
-          <p:cNvPr id="2" name="Title 1"/>
-          <p:cNvSpPr>
-            <a:spLocks noGrp="1"/>
-          </p:cNvSpPr>
-          <p:nvPr>
-            <p:ph type="title"/>
-          </p:nvPr>
-        </p:nvSpPr>
-        <p:spPr/>
-        <p:txBody>
-          <a:bodyPr/>
-          <a:lstStyle/>
-          <a:p>
-            <a:r>
-              <a:rPr lang="en-US" dirty="0" smtClean="0"/>
-              <a:t>Method</a:t>
-            </a:r>
-            <a:endParaRPr lang="en-US" dirty="0"/>
-          </a:p>
-        </p:txBody>
-      </p:sp>
-      <p:sp>
-        <p:nvSpPr>
-          <p:cNvPr id="3" name="Slide Number Placeholder 2"/>
-          <p:cNvSpPr>
-            <a:spLocks noGrp="1"/>
-          </p:cNvSpPr>
-          <p:nvPr>
-            <p:ph type="sldNum" sz="quarter" idx="12"/>
-          </p:nvPr>
-        </p:nvSpPr>
-        <p:spPr/>
-        <p:txBody>
-          <a:bodyPr/>
-          <a:lstStyle/>
-          <a:p>
-            <a:fld id="{562B05B1-F230-4C39-ACDE-CFBA7CA93D5F}" type="slidenum">
-              <a:rPr lang="en-US" smtClean="0"/>
-              <a:t>3</a:t>
-            </a:fld>
-            <a:endParaRPr lang="en-US" dirty="0"/>
-          </a:p>
-        </p:txBody>
-      </p:sp>
-      <p:cxnSp>
-        <p:nvCxnSpPr>
-          <p:cNvPr id="17" name="Straight Arrow Connector 16"/>
-          <p:cNvCxnSpPr/>
-          <p:nvPr/>
-        </p:nvCxnSpPr>
-        <p:spPr>
-          <a:xfrm>
-            <a:off x="153954" y="1441053"/>
-            <a:ext cx="8819631" cy="1"/>
-          </a:xfrm>
-          <a:prstGeom prst="straightConnector1">
-            <a:avLst/>
-          </a:prstGeom>
-          <a:ln w="38100" cmpd="sng">
-            <a:solidFill>
-              <a:srgbClr val="000000"/>
-            </a:solidFill>
-            <a:tailEnd type="arrow"/>
-          </a:ln>
-        </p:spPr>
-        <p:style>
-          <a:lnRef idx="2">
-            <a:schemeClr val="accent1"/>
-          </a:lnRef>
-          <a:fillRef idx="0">
-            <a:schemeClr val="accent1"/>
-          </a:fillRef>
-          <a:effectRef idx="1">
-            <a:schemeClr val="accent1"/>
-          </a:effectRef>
-          <a:fontRef idx="minor">
-            <a:schemeClr val="tx1"/>
-          </a:fontRef>
-        </p:style>
-      </p:cxnSp>
-      <p:pic>
-        <p:nvPicPr>
-          <p:cNvPr id="13" name="Picture 12" descr="IMG_6354.JPG"/>
-          <p:cNvPicPr>
-            <a:picLocks noChangeAspect="1"/>
-          </p:cNvPicPr>
-          <p:nvPr/>
-        </p:nvPicPr>
-        <p:blipFill rotWithShape="1">
-          <a:blip r:embed="rId3">
-            <a:extLst>
-              <a:ext uri="{28A0092B-C50C-407E-A947-70E740481C1C}">
-                <a14:useLocalDpi xmlns:a14="http://schemas.microsoft.com/office/drawing/2010/main" val="0"/>
-              </a:ext>
-            </a:extLst>
-          </a:blip>
-          <a:srcRect l="11271" r="11220"/>
-          <a:stretch/>
-        </p:blipFill>
-        <p:spPr>
-          <a:xfrm rot="5400000">
-            <a:off x="346145" y="1769031"/>
-            <a:ext cx="3579098" cy="3463241"/>
-          </a:xfrm>
-          <a:prstGeom prst="rect">
-            <a:avLst/>
-          </a:prstGeom>
-          <a:ln w="28575" cmpd="sng">
-            <a:solidFill>
-              <a:schemeClr val="tx1"/>
-            </a:solidFill>
-          </a:ln>
-        </p:spPr>
-      </p:pic>
-      <p:sp>
-        <p:nvSpPr>
-          <p:cNvPr id="19" name="Rectangle 18"/>
-          <p:cNvSpPr/>
-          <p:nvPr/>
-        </p:nvSpPr>
-        <p:spPr>
-          <a:xfrm>
-            <a:off x="173161" y="1517643"/>
-            <a:ext cx="3809999" cy="3994546"/>
-          </a:xfrm>
-          <a:prstGeom prst="rect">
-            <a:avLst/>
-          </a:prstGeom>
-          <a:solidFill>
-            <a:schemeClr val="bg1">
-              <a:alpha val="60000"/>
-            </a:schemeClr>
-          </a:solidFill>
-          <a:ln>
-            <a:solidFill>
-              <a:schemeClr val="bg1"/>
-            </a:solidFill>
-          </a:ln>
-          <a:effectLst/>
-        </p:spPr>
-        <p:style>
-          <a:lnRef idx="1">
-            <a:schemeClr val="accent1"/>
-          </a:lnRef>
-          <a:fillRef idx="3">
-            <a:schemeClr val="accent1"/>
-          </a:fillRef>
-          <a:effectRef idx="2">
-            <a:schemeClr val="accent1"/>
-          </a:effectRef>
-          <a:fontRef idx="minor">
-            <a:schemeClr val="lt1"/>
-          </a:fontRef>
-        </p:style>
-        <p:txBody>
-          <a:bodyPr rtlCol="0" anchor="ctr"/>
-          <a:lstStyle/>
-          <a:p>
-            <a:pPr algn="ctr"/>
-            <a:endParaRPr lang="en-US"/>
-          </a:p>
-        </p:txBody>
-      </p:sp>
-      <p:pic>
-        <p:nvPicPr>
-          <p:cNvPr id="21" name="Picture 20" descr="IMG_6351.JPG"/>
-          <p:cNvPicPr>
-            <a:picLocks noChangeAspect="1"/>
-          </p:cNvPicPr>
-          <p:nvPr/>
-        </p:nvPicPr>
-        <p:blipFill rotWithShape="1">
-          <a:blip r:embed="rId4">
-            <a:extLst>
-              <a:ext uri="{28A0092B-C50C-407E-A947-70E740481C1C}">
-                <a14:useLocalDpi xmlns:a14="http://schemas.microsoft.com/office/drawing/2010/main" val="0"/>
-              </a:ext>
-            </a:extLst>
-          </a:blip>
-          <a:srcRect l="13561" r="15561"/>
-          <a:stretch/>
-        </p:blipFill>
-        <p:spPr>
-          <a:xfrm rot="5400000">
-            <a:off x="2347529" y="1867509"/>
-            <a:ext cx="3579101" cy="3787235"/>
-          </a:xfrm>
-          <a:prstGeom prst="rect">
-            <a:avLst/>
-          </a:prstGeom>
-          <a:ln w="28575" cmpd="sng">
-            <a:solidFill>
-              <a:srgbClr val="000000"/>
-            </a:solidFill>
-          </a:ln>
-        </p:spPr>
-      </p:pic>
-    </p:spTree>
-    <p:extLst>
-      <p:ext uri="{BB962C8B-B14F-4D97-AF65-F5344CB8AC3E}">
-        <p14:creationId xmlns:p14="http://schemas.microsoft.com/office/powerpoint/2010/main" val="792530631"/>
-      </p:ext>
-    </p:extLst>
-  </p:cSld>
-  <p:clrMapOvr>
-    <a:masterClrMapping/>
-  </p:clrMapOvr>
-  <p:timing>
-    <p:tnLst>
-      <p:par>
-        <p:cTn xmlns:p14="http://schemas.microsoft.com/office/powerpoint/2010/main" id="1" dur="indefinite" restart="never" nodeType="tmRoot"/>
-      </p:par>
-    </p:tnLst>
-  </p:timing>
-</p:sld>
-</file>
-
-<file path=ppt/slides/slide4.xml><?xml version="1.0" encoding="utf-8"?>
-<p:sld xmlns:a="http://schemas.openxmlformats.org/drawingml/2006/main" xmlns:r="http://schemas.openxmlformats.org/officeDocument/2006/relationships" xmlns:p="http://schemas.openxmlformats.org/presentationml/2006/main">
-  <p:cSld>
-    <p:spTree>
-      <p:nvGrpSpPr>
-        <p:cNvPr id="1" name=""/>
-        <p:cNvGrpSpPr/>
-        <p:nvPr/>
-      </p:nvGrpSpPr>
-      <p:grpSpPr>
-        <a:xfrm>
-          <a:off x="0" y="0"/>
-          <a:ext cx="0" cy="0"/>
-          <a:chOff x="0" y="0"/>
-          <a:chExt cx="0" cy="0"/>
-        </a:xfrm>
-      </p:grpSpPr>
-      <p:sp>
-        <p:nvSpPr>
-          <p:cNvPr id="2" name="Title 1"/>
-          <p:cNvSpPr>
-            <a:spLocks noGrp="1"/>
-          </p:cNvSpPr>
-          <p:nvPr>
-            <p:ph type="title"/>
-          </p:nvPr>
-        </p:nvSpPr>
-        <p:spPr/>
-        <p:txBody>
-          <a:bodyPr/>
-          <a:lstStyle/>
-          <a:p>
-            <a:r>
-              <a:rPr lang="en-US" dirty="0" smtClean="0"/>
-              <a:t>Method</a:t>
-            </a:r>
-            <a:endParaRPr lang="en-US" dirty="0"/>
-          </a:p>
-        </p:txBody>
-      </p:sp>
-      <p:sp>
-        <p:nvSpPr>
-          <p:cNvPr id="3" name="Slide Number Placeholder 2"/>
-          <p:cNvSpPr>
-            <a:spLocks noGrp="1"/>
-          </p:cNvSpPr>
-          <p:nvPr>
-            <p:ph type="sldNum" sz="quarter" idx="12"/>
-          </p:nvPr>
-        </p:nvSpPr>
-        <p:spPr/>
-        <p:txBody>
-          <a:bodyPr/>
-          <a:lstStyle/>
-          <a:p>
-            <a:fld id="{562B05B1-F230-4C39-ACDE-CFBA7CA93D5F}" type="slidenum">
-              <a:rPr lang="en-US" smtClean="0"/>
-              <a:t>4</a:t>
-            </a:fld>
-            <a:endParaRPr lang="en-US" dirty="0"/>
-          </a:p>
-        </p:txBody>
-      </p:sp>
-      <p:cxnSp>
-        <p:nvCxnSpPr>
-          <p:cNvPr id="17" name="Straight Arrow Connector 16"/>
-          <p:cNvCxnSpPr/>
-          <p:nvPr/>
-        </p:nvCxnSpPr>
-        <p:spPr>
-          <a:xfrm>
-            <a:off x="153954" y="1441053"/>
-            <a:ext cx="8819631" cy="1"/>
-          </a:xfrm>
-          <a:prstGeom prst="straightConnector1">
-            <a:avLst/>
-          </a:prstGeom>
-          <a:ln w="38100" cmpd="sng">
-            <a:solidFill>
-              <a:srgbClr val="000000"/>
-            </a:solidFill>
-            <a:tailEnd type="arrow"/>
-          </a:ln>
-        </p:spPr>
-        <p:style>
-          <a:lnRef idx="2">
-            <a:schemeClr val="accent1"/>
-          </a:lnRef>
-          <a:fillRef idx="0">
-            <a:schemeClr val="accent1"/>
-          </a:fillRef>
-          <a:effectRef idx="1">
-            <a:schemeClr val="accent1"/>
-          </a:effectRef>
-          <a:fontRef idx="minor">
-            <a:schemeClr val="tx1"/>
-          </a:fontRef>
-        </p:style>
-      </p:cxnSp>
-      <p:pic>
-        <p:nvPicPr>
-          <p:cNvPr id="13" name="Picture 12" descr="IMG_6354.JPG"/>
-          <p:cNvPicPr>
-            <a:picLocks noChangeAspect="1"/>
-          </p:cNvPicPr>
-          <p:nvPr/>
-        </p:nvPicPr>
-        <p:blipFill rotWithShape="1">
-          <a:blip r:embed="rId3">
-            <a:extLst>
-              <a:ext uri="{28A0092B-C50C-407E-A947-70E740481C1C}">
-                <a14:useLocalDpi xmlns:a14="http://schemas.microsoft.com/office/drawing/2010/main" val="0"/>
-              </a:ext>
-            </a:extLst>
-          </a:blip>
-          <a:srcRect l="11271" r="11220"/>
-          <a:stretch/>
-        </p:blipFill>
-        <p:spPr>
-          <a:xfrm rot="5400000">
-            <a:off x="346145" y="1769031"/>
-            <a:ext cx="3579098" cy="3463241"/>
-          </a:xfrm>
-          <a:prstGeom prst="rect">
-            <a:avLst/>
-          </a:prstGeom>
-          <a:ln w="28575" cmpd="sng">
-            <a:solidFill>
-              <a:schemeClr val="tx1"/>
-            </a:solidFill>
-          </a:ln>
-        </p:spPr>
-      </p:pic>
-      <p:pic>
-        <p:nvPicPr>
-          <p:cNvPr id="21" name="Picture 20" descr="IMG_6351.JPG"/>
-          <p:cNvPicPr>
-            <a:picLocks noChangeAspect="1"/>
-          </p:cNvPicPr>
-          <p:nvPr/>
-        </p:nvPicPr>
-        <p:blipFill rotWithShape="1">
-          <a:blip r:embed="rId4">
-            <a:extLst>
-              <a:ext uri="{28A0092B-C50C-407E-A947-70E740481C1C}">
-                <a14:useLocalDpi xmlns:a14="http://schemas.microsoft.com/office/drawing/2010/main" val="0"/>
-              </a:ext>
-            </a:extLst>
-          </a:blip>
-          <a:srcRect l="13561" r="15561"/>
-          <a:stretch/>
-        </p:blipFill>
-        <p:spPr>
-          <a:xfrm rot="5400000">
-            <a:off x="2347529" y="1867509"/>
-            <a:ext cx="3579101" cy="3787235"/>
-          </a:xfrm>
-          <a:prstGeom prst="rect">
-            <a:avLst/>
-          </a:prstGeom>
-          <a:ln w="28575" cmpd="sng">
-            <a:solidFill>
-              <a:srgbClr val="000000"/>
-            </a:solidFill>
-          </a:ln>
-        </p:spPr>
-      </p:pic>
-      <p:sp>
-        <p:nvSpPr>
-          <p:cNvPr id="19" name="Rectangle 18"/>
-          <p:cNvSpPr/>
-          <p:nvPr/>
-        </p:nvSpPr>
-        <p:spPr>
-          <a:xfrm>
-            <a:off x="173161" y="1517642"/>
-            <a:ext cx="6380039" cy="4203419"/>
-          </a:xfrm>
-          <a:prstGeom prst="rect">
-            <a:avLst/>
-          </a:prstGeom>
-          <a:solidFill>
-            <a:schemeClr val="bg1">
-              <a:alpha val="60000"/>
-            </a:schemeClr>
-          </a:solidFill>
-          <a:ln>
-            <a:solidFill>
-              <a:schemeClr val="bg1"/>
-            </a:solidFill>
-          </a:ln>
-          <a:effectLst/>
-        </p:spPr>
-        <p:style>
-          <a:lnRef idx="1">
-            <a:schemeClr val="accent1"/>
-          </a:lnRef>
-          <a:fillRef idx="3">
-            <a:schemeClr val="accent1"/>
-          </a:fillRef>
-          <a:effectRef idx="2">
-            <a:schemeClr val="accent1"/>
-          </a:effectRef>
-          <a:fontRef idx="minor">
-            <a:schemeClr val="lt1"/>
-          </a:fontRef>
-        </p:style>
-        <p:txBody>
-          <a:bodyPr rtlCol="0" anchor="ctr"/>
-          <a:lstStyle/>
-          <a:p>
-            <a:pPr algn="ctr"/>
-            <a:endParaRPr lang="en-US"/>
-          </a:p>
-        </p:txBody>
-      </p:sp>
-      <p:pic>
-        <p:nvPicPr>
-          <p:cNvPr id="22" name="Picture 21" descr="IMG_6332.JPG"/>
-          <p:cNvPicPr>
-            <a:picLocks noChangeAspect="1"/>
-          </p:cNvPicPr>
-          <p:nvPr/>
-        </p:nvPicPr>
-        <p:blipFill rotWithShape="1">
-          <a:blip r:embed="rId5">
-            <a:extLst>
-              <a:ext uri="{28A0092B-C50C-407E-A947-70E740481C1C}">
-                <a14:useLocalDpi xmlns:a14="http://schemas.microsoft.com/office/drawing/2010/main" val="0"/>
-              </a:ext>
-            </a:extLst>
-          </a:blip>
-          <a:srcRect l="23697" r="3461"/>
-          <a:stretch/>
-        </p:blipFill>
-        <p:spPr>
-          <a:xfrm rot="5400000">
-            <a:off x="4979931" y="2154416"/>
-            <a:ext cx="3685256" cy="3794429"/>
-          </a:xfrm>
-          <a:prstGeom prst="rect">
-            <a:avLst/>
-          </a:prstGeom>
-          <a:ln w="28575" cmpd="sng">
-            <a:solidFill>
-              <a:srgbClr val="000000"/>
-            </a:solidFill>
-          </a:ln>
-        </p:spPr>
-      </p:pic>
-    </p:spTree>
-    <p:extLst>
-      <p:ext uri="{BB962C8B-B14F-4D97-AF65-F5344CB8AC3E}">
-        <p14:creationId xmlns:p14="http://schemas.microsoft.com/office/powerpoint/2010/main" val="4215632231"/>
-      </p:ext>
-    </p:extLst>
-  </p:cSld>
-  <p:clrMapOvr>
-    <a:masterClrMapping/>
-  </p:clrMapOvr>
-  <p:timing>
-    <p:tnLst>
-      <p:par>
-        <p:cTn xmlns:p14="http://schemas.microsoft.com/office/powerpoint/2010/main" id="1" dur="indefinite" restart="never" nodeType="tmRoot"/>
-      </p:par>
-    </p:tnLst>
-  </p:timing>
-</p:sld>
-</file>
-
-<file path=ppt/slides/slide5.xml><?xml version="1.0" encoding="utf-8"?>
-<p:sld xmlns:a="http://schemas.openxmlformats.org/drawingml/2006/main" xmlns:r="http://schemas.openxmlformats.org/officeDocument/2006/relationships" xmlns:p="http://schemas.openxmlformats.org/presentationml/2006/main">
-  <p:cSld>
-    <p:spTree>
-      <p:nvGrpSpPr>
-        <p:cNvPr id="1" name=""/>
-        <p:cNvGrpSpPr/>
-        <p:nvPr/>
-      </p:nvGrpSpPr>
-      <p:grpSpPr>
-        <a:xfrm>
-          <a:off x="0" y="0"/>
-          <a:ext cx="0" cy="0"/>
-          <a:chOff x="0" y="0"/>
-          <a:chExt cx="0" cy="0"/>
-        </a:xfrm>
-      </p:grpSpPr>
-      <p:sp>
-        <p:nvSpPr>
-          <p:cNvPr id="2" name="Title 1"/>
-          <p:cNvSpPr>
-            <a:spLocks noGrp="1"/>
-          </p:cNvSpPr>
-          <p:nvPr>
-            <p:ph type="title"/>
-          </p:nvPr>
-        </p:nvSpPr>
-        <p:spPr>
-          <a:xfrm>
-            <a:off x="457200" y="329989"/>
-            <a:ext cx="8229600" cy="1143000"/>
-          </a:xfrm>
-        </p:spPr>
-        <p:txBody>
-          <a:bodyPr>
-            <a:noAutofit/>
-          </a:bodyPr>
-          <a:lstStyle/>
-          <a:p>
-            <a:r>
-              <a:rPr lang="en-US" sz="3600" dirty="0" smtClean="0"/>
-              <a:t>Respiratory Sinus Arrhythmia (RSA)</a:t>
-            </a:r>
-            <a:endParaRPr lang="en-US" sz="3600" dirty="0"/>
-          </a:p>
-        </p:txBody>
-      </p:sp>
-      <p:sp>
-        <p:nvSpPr>
-          <p:cNvPr id="4" name="Slide Number Placeholder 3"/>
-          <p:cNvSpPr>
-            <a:spLocks noGrp="1"/>
-          </p:cNvSpPr>
-          <p:nvPr>
-            <p:ph type="sldNum" sz="quarter" idx="12"/>
-          </p:nvPr>
-        </p:nvSpPr>
-        <p:spPr/>
-        <p:txBody>
-          <a:bodyPr/>
-          <a:lstStyle/>
-          <a:p>
-            <a:fld id="{930465AD-53DA-D841-AEBD-0BDBF8BCBA90}" type="slidenum">
-              <a:rPr lang="en-US" smtClean="0"/>
-              <a:t>5</a:t>
-            </a:fld>
-            <a:endParaRPr lang="en-US"/>
-          </a:p>
-        </p:txBody>
-      </p:sp>
-      <p:pic>
-        <p:nvPicPr>
-          <p:cNvPr id="7" name="Picture 6"/>
-          <p:cNvPicPr>
-            <a:picLocks noChangeAspect="1"/>
-          </p:cNvPicPr>
-          <p:nvPr/>
-        </p:nvPicPr>
-        <p:blipFill>
-          <a:blip r:embed="rId3"/>
-          <a:stretch>
-            <a:fillRect/>
-          </a:stretch>
-        </p:blipFill>
-        <p:spPr>
-          <a:xfrm>
-            <a:off x="710707" y="1857369"/>
-            <a:ext cx="8065293" cy="2002513"/>
-          </a:xfrm>
-          <a:prstGeom prst="rect">
-            <a:avLst/>
-          </a:prstGeom>
-        </p:spPr>
-      </p:pic>
-      <p:sp>
-        <p:nvSpPr>
-          <p:cNvPr id="3" name="TextBox 2"/>
-          <p:cNvSpPr txBox="1"/>
-          <p:nvPr/>
-        </p:nvSpPr>
-        <p:spPr>
-          <a:xfrm>
-            <a:off x="988995" y="4192089"/>
-            <a:ext cx="7529225" cy="1815882"/>
-          </a:xfrm>
-          <a:prstGeom prst="rect">
-            <a:avLst/>
-          </a:prstGeom>
-          <a:noFill/>
-        </p:spPr>
-        <p:txBody>
-          <a:bodyPr wrap="square" rtlCol="0">
-            <a:spAutoFit/>
-          </a:bodyPr>
-          <a:lstStyle/>
-          <a:p>
-            <a:pPr algn="ctr"/>
-            <a:r>
-              <a:rPr lang="en-US" sz="2800" dirty="0" smtClean="0">
-                <a:latin typeface="Helvetica"/>
-                <a:cs typeface="Helvetica"/>
-              </a:rPr>
-              <a:t>10 second intervals = 30 observations/phase</a:t>
-            </a:r>
-          </a:p>
-          <a:p>
-            <a:pPr algn="ctr"/>
-            <a:endParaRPr lang="en-US" sz="1400" dirty="0" smtClean="0">
-              <a:latin typeface="Helvetica"/>
-              <a:cs typeface="Helvetica"/>
-            </a:endParaRPr>
-          </a:p>
-          <a:p>
-            <a:pPr algn="ctr"/>
-            <a:endParaRPr lang="en-US" sz="1400" dirty="0">
-              <a:latin typeface="Helvetica"/>
-              <a:cs typeface="Helvetica"/>
-            </a:endParaRPr>
-          </a:p>
-          <a:p>
-            <a:pPr algn="ctr"/>
-            <a:r>
-              <a:rPr lang="en-US" sz="2800" dirty="0" smtClean="0">
-                <a:latin typeface="Helvetica"/>
-                <a:cs typeface="Helvetica"/>
-              </a:rPr>
-              <a:t>Phase 1 = Male Provide / Female Receive</a:t>
-            </a:r>
-          </a:p>
-          <a:p>
-            <a:pPr algn="ctr"/>
-            <a:r>
-              <a:rPr lang="en-US" sz="2800" dirty="0" smtClean="0">
-                <a:latin typeface="Helvetica"/>
-                <a:cs typeface="Helvetica"/>
-              </a:rPr>
-              <a:t>Phase 2 = Female Provide / Male Receive</a:t>
-            </a:r>
-            <a:endParaRPr lang="en-US" sz="2800" dirty="0">
-              <a:latin typeface="Helvetica"/>
-              <a:cs typeface="Helvetica"/>
-            </a:endParaRPr>
-          </a:p>
-        </p:txBody>
-      </p:sp>
-    </p:spTree>
-    <p:extLst>
-      <p:ext uri="{BB962C8B-B14F-4D97-AF65-F5344CB8AC3E}">
-        <p14:creationId xmlns:p14="http://schemas.microsoft.com/office/powerpoint/2010/main" val="46331223"/>
-      </p:ext>
-    </p:extLst>
-  </p:cSld>
-  <p:clrMapOvr>
-    <a:masterClrMapping/>
-  </p:clrMapOvr>
-  <p:timing>
-    <p:tnLst>
-      <p:par>
-        <p:cTn xmlns:p14="http://schemas.microsoft.com/office/powerpoint/2010/main" id="1" dur="indefinite" restart="never" nodeType="tmRoot"/>
-      </p:par>
-    </p:tnLst>
-  </p:timing>
-</p:sld>
-</file>
-
-<file path=ppt/slides/slide6.xml><?xml version="1.0" encoding="utf-8"?>
-<p:sld xmlns:a="http://schemas.openxmlformats.org/drawingml/2006/main" xmlns:r="http://schemas.openxmlformats.org/officeDocument/2006/relationships" xmlns:p="http://schemas.openxmlformats.org/presentationml/2006/main" show="0">
-  <p:cSld>
-    <p:spTree>
-      <p:nvGrpSpPr>
-        <p:cNvPr id="1" name=""/>
-        <p:cNvGrpSpPr/>
-        <p:nvPr/>
-      </p:nvGrpSpPr>
-      <p:grpSpPr>
-        <a:xfrm>
-          <a:off x="0" y="0"/>
-          <a:ext cx="0" cy="0"/>
-          <a:chOff x="0" y="0"/>
-          <a:chExt cx="0" cy="0"/>
-        </a:xfrm>
-      </p:grpSpPr>
-      <p:sp>
-        <p:nvSpPr>
-          <p:cNvPr id="3" name="Slide Number Placeholder 2"/>
-          <p:cNvSpPr>
-            <a:spLocks noGrp="1"/>
-          </p:cNvSpPr>
-          <p:nvPr>
-            <p:ph type="sldNum" sz="quarter" idx="12"/>
-          </p:nvPr>
-        </p:nvSpPr>
-        <p:spPr/>
-        <p:txBody>
-          <a:bodyPr/>
-          <a:lstStyle/>
-          <a:p>
-            <a:fld id="{930465AD-53DA-D841-AEBD-0BDBF8BCBA90}" type="slidenum">
-              <a:rPr lang="en-US" smtClean="0"/>
-              <a:t>6</a:t>
-            </a:fld>
-            <a:endParaRPr lang="en-US"/>
-          </a:p>
-        </p:txBody>
-      </p:sp>
-      <p:pic>
-        <p:nvPicPr>
-          <p:cNvPr id="4" name="Picture 3" descr="Raw_RSA_Panel_Plots_withlines.pdf"/>
-          <p:cNvPicPr>
-            <a:picLocks noChangeAspect="1"/>
-          </p:cNvPicPr>
-          <p:nvPr/>
-        </p:nvPicPr>
-        <p:blipFill rotWithShape="1">
-          <a:blip r:embed="rId2">
-            <a:extLst>
-              <a:ext uri="{28A0092B-C50C-407E-A947-70E740481C1C}">
-                <a14:useLocalDpi xmlns:a14="http://schemas.microsoft.com/office/drawing/2010/main" val="0"/>
-              </a:ext>
-            </a:extLst>
-          </a:blip>
-          <a:srcRect l="23805" r="25122" b="49513"/>
-          <a:stretch/>
-        </p:blipFill>
-        <p:spPr>
-          <a:xfrm>
-            <a:off x="984864" y="182634"/>
-            <a:ext cx="6505280" cy="6430793"/>
-          </a:xfrm>
-          <a:prstGeom prst="rect">
-            <a:avLst/>
-          </a:prstGeom>
-        </p:spPr>
-      </p:pic>
-      <p:sp>
-        <p:nvSpPr>
-          <p:cNvPr id="2" name="Oval 1"/>
-          <p:cNvSpPr/>
-          <p:nvPr/>
-        </p:nvSpPr>
-        <p:spPr>
-          <a:xfrm>
-            <a:off x="6453445" y="881141"/>
-            <a:ext cx="907112" cy="1477207"/>
-          </a:xfrm>
-          <a:prstGeom prst="ellipse">
-            <a:avLst/>
-          </a:prstGeom>
-          <a:noFill/>
-          <a:ln w="38100" cmpd="sng">
-            <a:solidFill>
-              <a:srgbClr val="FFFF00"/>
-            </a:solidFill>
-          </a:ln>
-          <a:effectLst/>
-        </p:spPr>
-        <p:style>
-          <a:lnRef idx="1">
-            <a:schemeClr val="accent1"/>
-          </a:lnRef>
-          <a:fillRef idx="3">
-            <a:schemeClr val="accent1"/>
-          </a:fillRef>
-          <a:effectRef idx="2">
-            <a:schemeClr val="accent1"/>
-          </a:effectRef>
-          <a:fontRef idx="minor">
-            <a:schemeClr val="lt1"/>
-          </a:fontRef>
-        </p:style>
-        <p:txBody>
-          <a:bodyPr rtlCol="0" anchor="ctr"/>
-          <a:lstStyle/>
-          <a:p>
-            <a:pPr algn="ctr"/>
-            <a:endParaRPr lang="en-US"/>
-          </a:p>
-        </p:txBody>
-      </p:sp>
-      <p:sp>
-        <p:nvSpPr>
-          <p:cNvPr id="5" name="Oval 4"/>
-          <p:cNvSpPr/>
-          <p:nvPr/>
-        </p:nvSpPr>
-        <p:spPr>
-          <a:xfrm>
-            <a:off x="3288411" y="4156409"/>
-            <a:ext cx="907112" cy="1477207"/>
-          </a:xfrm>
-          <a:prstGeom prst="ellipse">
-            <a:avLst/>
-          </a:prstGeom>
-          <a:noFill/>
-          <a:ln w="38100" cmpd="sng">
-            <a:solidFill>
-              <a:srgbClr val="FFFF00"/>
-            </a:solidFill>
-          </a:ln>
-          <a:effectLst/>
-        </p:spPr>
-        <p:style>
-          <a:lnRef idx="1">
-            <a:schemeClr val="accent1"/>
-          </a:lnRef>
-          <a:fillRef idx="3">
-            <a:schemeClr val="accent1"/>
-          </a:fillRef>
-          <a:effectRef idx="2">
-            <a:schemeClr val="accent1"/>
-          </a:effectRef>
-          <a:fontRef idx="minor">
-            <a:schemeClr val="lt1"/>
-          </a:fontRef>
-        </p:style>
-        <p:txBody>
-          <a:bodyPr rtlCol="0" anchor="ctr"/>
-          <a:lstStyle/>
-          <a:p>
-            <a:pPr algn="ctr"/>
-            <a:endParaRPr lang="en-US"/>
-          </a:p>
-        </p:txBody>
-      </p:sp>
-      <p:sp>
-        <p:nvSpPr>
-          <p:cNvPr id="6" name="TextBox 5"/>
-          <p:cNvSpPr txBox="1"/>
-          <p:nvPr/>
-        </p:nvSpPr>
-        <p:spPr>
-          <a:xfrm>
-            <a:off x="7360557" y="1082020"/>
-            <a:ext cx="1529128" cy="369332"/>
-          </a:xfrm>
-          <a:prstGeom prst="rect">
-            <a:avLst/>
-          </a:prstGeom>
-          <a:noFill/>
-        </p:spPr>
-        <p:txBody>
-          <a:bodyPr wrap="square" rtlCol="0">
-            <a:spAutoFit/>
-          </a:bodyPr>
-          <a:lstStyle/>
-          <a:p>
-            <a:pPr algn="ctr"/>
-            <a:r>
-              <a:rPr lang="en-US" dirty="0" smtClean="0">
-                <a:latin typeface="Helvetica"/>
-                <a:cs typeface="Helvetica"/>
-              </a:rPr>
-              <a:t>Syncing up</a:t>
-            </a:r>
-            <a:endParaRPr lang="en-US" dirty="0">
-              <a:latin typeface="Helvetica"/>
-              <a:cs typeface="Helvetica"/>
-            </a:endParaRPr>
-          </a:p>
-        </p:txBody>
-      </p:sp>
-      <p:cxnSp>
-        <p:nvCxnSpPr>
-          <p:cNvPr id="8" name="Straight Arrow Connector 7"/>
-          <p:cNvCxnSpPr/>
-          <p:nvPr/>
-        </p:nvCxnSpPr>
-        <p:spPr>
-          <a:xfrm flipH="1">
-            <a:off x="7243927" y="1451352"/>
-            <a:ext cx="596104" cy="168393"/>
-          </a:xfrm>
-          <a:prstGeom prst="straightConnector1">
-            <a:avLst/>
-          </a:prstGeom>
-          <a:ln>
-            <a:solidFill>
-              <a:schemeClr val="tx1"/>
-            </a:solidFill>
-            <a:tailEnd type="arrow"/>
-          </a:ln>
-        </p:spPr>
-        <p:style>
-          <a:lnRef idx="2">
-            <a:schemeClr val="accent1"/>
-          </a:lnRef>
-          <a:fillRef idx="0">
-            <a:schemeClr val="accent1"/>
-          </a:fillRef>
-          <a:effectRef idx="1">
-            <a:schemeClr val="accent1"/>
-          </a:effectRef>
-          <a:fontRef idx="minor">
-            <a:schemeClr val="tx1"/>
-          </a:fontRef>
-        </p:style>
-      </p:cxnSp>
-      <p:sp>
-        <p:nvSpPr>
-          <p:cNvPr id="10" name="TextBox 9"/>
-          <p:cNvSpPr txBox="1"/>
-          <p:nvPr/>
-        </p:nvSpPr>
-        <p:spPr>
-          <a:xfrm>
-            <a:off x="3651256" y="3340277"/>
-            <a:ext cx="1529128" cy="369332"/>
-          </a:xfrm>
-          <a:prstGeom prst="rect">
-            <a:avLst/>
-          </a:prstGeom>
-          <a:noFill/>
-        </p:spPr>
-        <p:txBody>
-          <a:bodyPr wrap="square" rtlCol="0">
-            <a:spAutoFit/>
-          </a:bodyPr>
-          <a:lstStyle/>
-          <a:p>
-            <a:pPr algn="ctr"/>
-            <a:r>
-              <a:rPr lang="en-US" dirty="0" smtClean="0">
-                <a:latin typeface="Helvetica"/>
-                <a:cs typeface="Helvetica"/>
-              </a:rPr>
-              <a:t>Equilibrium</a:t>
-            </a:r>
-            <a:endParaRPr lang="en-US" dirty="0">
-              <a:latin typeface="Helvetica"/>
-              <a:cs typeface="Helvetica"/>
-            </a:endParaRPr>
-          </a:p>
-        </p:txBody>
-      </p:sp>
-      <p:cxnSp>
-        <p:nvCxnSpPr>
-          <p:cNvPr id="11" name="Straight Arrow Connector 10"/>
-          <p:cNvCxnSpPr>
-            <a:stCxn id="10" idx="2"/>
-          </p:cNvCxnSpPr>
-          <p:nvPr/>
-        </p:nvCxnSpPr>
-        <p:spPr>
-          <a:xfrm flipH="1">
-            <a:off x="4017205" y="3709609"/>
-            <a:ext cx="398615" cy="1240331"/>
-          </a:xfrm>
-          <a:prstGeom prst="straightConnector1">
-            <a:avLst/>
-          </a:prstGeom>
-          <a:ln>
-            <a:solidFill>
-              <a:schemeClr val="tx1"/>
-            </a:solidFill>
-            <a:tailEnd type="arrow"/>
-          </a:ln>
-        </p:spPr>
-        <p:style>
-          <a:lnRef idx="2">
-            <a:schemeClr val="accent1"/>
-          </a:lnRef>
-          <a:fillRef idx="0">
-            <a:schemeClr val="accent1"/>
-          </a:fillRef>
-          <a:effectRef idx="1">
-            <a:schemeClr val="accent1"/>
-          </a:effectRef>
-          <a:fontRef idx="minor">
-            <a:schemeClr val="tx1"/>
-          </a:fontRef>
-        </p:style>
-      </p:cxnSp>
-      <p:sp>
-        <p:nvSpPr>
-          <p:cNvPr id="7" name="Rectangle 6"/>
-          <p:cNvSpPr/>
-          <p:nvPr/>
-        </p:nvSpPr>
-        <p:spPr>
-          <a:xfrm>
-            <a:off x="239987" y="2967335"/>
-            <a:ext cx="8664038" cy="1754327"/>
-          </a:xfrm>
-          <a:prstGeom prst="rect">
-            <a:avLst/>
-          </a:prstGeom>
-          <a:noFill/>
-        </p:spPr>
-        <p:txBody>
-          <a:bodyPr wrap="none" lIns="91440" tIns="45720" rIns="91440" bIns="45720">
-            <a:spAutoFit/>
-          </a:bodyPr>
-          <a:lstStyle/>
-          <a:p>
-            <a:pPr algn="ctr"/>
-            <a:r>
-              <a:rPr lang="en-US" sz="5400" b="1" cap="all" dirty="0" smtClean="0">
-                <a:ln w="9000" cmpd="sng">
-                  <a:solidFill>
-                    <a:schemeClr val="accent4">
-                      <a:shade val="50000"/>
-                      <a:satMod val="120000"/>
-                    </a:schemeClr>
-                  </a:solidFill>
-                  <a:prstDash val="solid"/>
-                </a:ln>
-                <a:gradFill>
-                  <a:gsLst>
-                    <a:gs pos="0">
-                      <a:schemeClr val="accent4">
-                        <a:shade val="20000"/>
-                        <a:satMod val="245000"/>
-                      </a:schemeClr>
-                    </a:gs>
-                    <a:gs pos="43000">
-                      <a:schemeClr val="accent4">
-                        <a:satMod val="255000"/>
-                      </a:schemeClr>
-                    </a:gs>
-                    <a:gs pos="48000">
-                      <a:schemeClr val="accent4">
-                        <a:shade val="85000"/>
-                        <a:satMod val="255000"/>
-                      </a:schemeClr>
-                    </a:gs>
-                    <a:gs pos="100000">
-                      <a:schemeClr val="accent4">
-                        <a:shade val="20000"/>
-                        <a:satMod val="245000"/>
-                      </a:schemeClr>
-                    </a:gs>
-                  </a:gsLst>
-                  <a:lin ang="5400000"/>
-                </a:gradFill>
-                <a:effectLst>
-                  <a:reflection blurRad="12700" stA="28000" endPos="45000" dist="1000" dir="5400000" sy="-100000" algn="bl" rotWithShape="0"/>
-                </a:effectLst>
-              </a:rPr>
-              <a:t>Redo figure with correct</a:t>
-            </a:r>
-          </a:p>
-          <a:p>
-            <a:pPr algn="ctr"/>
-            <a:r>
-              <a:rPr lang="en-US" sz="5400" b="1" cap="all" dirty="0">
-                <a:ln w="9000" cmpd="sng">
-                  <a:solidFill>
-                    <a:schemeClr val="accent4">
-                      <a:shade val="50000"/>
-                      <a:satMod val="120000"/>
-                    </a:schemeClr>
-                  </a:solidFill>
-                  <a:prstDash val="solid"/>
-                </a:ln>
-                <a:gradFill>
-                  <a:gsLst>
-                    <a:gs pos="0">
-                      <a:schemeClr val="accent4">
-                        <a:shade val="20000"/>
-                        <a:satMod val="245000"/>
-                      </a:schemeClr>
-                    </a:gs>
-                    <a:gs pos="43000">
-                      <a:schemeClr val="accent4">
-                        <a:satMod val="255000"/>
-                      </a:schemeClr>
-                    </a:gs>
-                    <a:gs pos="48000">
-                      <a:schemeClr val="accent4">
-                        <a:shade val="85000"/>
-                        <a:satMod val="255000"/>
-                      </a:schemeClr>
-                    </a:gs>
-                    <a:gs pos="100000">
-                      <a:schemeClr val="accent4">
-                        <a:shade val="20000"/>
-                        <a:satMod val="245000"/>
-                      </a:schemeClr>
-                    </a:gs>
-                  </a:gsLst>
-                  <a:lin ang="5400000"/>
-                </a:gradFill>
-                <a:effectLst>
-                  <a:reflection blurRad="12700" stA="28000" endPos="45000" dist="1000" dir="5400000" sy="-100000" algn="bl" rotWithShape="0"/>
-                </a:effectLst>
-              </a:rPr>
-              <a:t>p</a:t>
-            </a:r>
-            <a:r>
-              <a:rPr lang="en-US" sz="5400" b="1" cap="all" dirty="0" smtClean="0">
-                <a:ln w="9000" cmpd="sng">
-                  <a:solidFill>
-                    <a:schemeClr val="accent4">
-                      <a:shade val="50000"/>
-                      <a:satMod val="120000"/>
-                    </a:schemeClr>
-                  </a:solidFill>
-                  <a:prstDash val="solid"/>
-                </a:ln>
-                <a:gradFill>
-                  <a:gsLst>
-                    <a:gs pos="0">
-                      <a:schemeClr val="accent4">
-                        <a:shade val="20000"/>
-                        <a:satMod val="245000"/>
-                      </a:schemeClr>
-                    </a:gs>
-                    <a:gs pos="43000">
-                      <a:schemeClr val="accent4">
-                        <a:satMod val="255000"/>
-                      </a:schemeClr>
-                    </a:gs>
-                    <a:gs pos="48000">
-                      <a:schemeClr val="accent4">
-                        <a:shade val="85000"/>
-                        <a:satMod val="255000"/>
-                      </a:schemeClr>
-                    </a:gs>
-                    <a:gs pos="100000">
-                      <a:schemeClr val="accent4">
-                        <a:shade val="20000"/>
-                        <a:satMod val="245000"/>
-                      </a:schemeClr>
-                    </a:gs>
-                  </a:gsLst>
-                  <a:lin ang="5400000"/>
-                </a:gradFill>
-                <a:effectLst>
-                  <a:reflection blurRad="12700" stA="28000" endPos="45000" dist="1000" dir="5400000" sy="-100000" algn="bl" rotWithShape="0"/>
-                </a:effectLst>
-              </a:rPr>
-              <a:t>hases and intervals</a:t>
-            </a:r>
-            <a:endParaRPr lang="en-US" sz="5400" b="1" cap="all" dirty="0">
-              <a:ln w="9000" cmpd="sng">
-                <a:solidFill>
-                  <a:schemeClr val="accent4">
-                    <a:shade val="50000"/>
-                    <a:satMod val="120000"/>
-                  </a:schemeClr>
-                </a:solidFill>
-                <a:prstDash val="solid"/>
-              </a:ln>
-              <a:gradFill>
-                <a:gsLst>
-                  <a:gs pos="0">
-                    <a:schemeClr val="accent4">
-                      <a:shade val="20000"/>
-                      <a:satMod val="245000"/>
-                    </a:schemeClr>
-                  </a:gs>
-                  <a:gs pos="43000">
-                    <a:schemeClr val="accent4">
-                      <a:satMod val="255000"/>
-                    </a:schemeClr>
-                  </a:gs>
-                  <a:gs pos="48000">
-                    <a:schemeClr val="accent4">
-                      <a:shade val="85000"/>
-                      <a:satMod val="255000"/>
-                    </a:schemeClr>
-                  </a:gs>
-                  <a:gs pos="100000">
-                    <a:schemeClr val="accent4">
-                      <a:shade val="20000"/>
-                      <a:satMod val="245000"/>
-                    </a:schemeClr>
-                  </a:gs>
-                </a:gsLst>
-                <a:lin ang="5400000"/>
-              </a:gradFill>
-              <a:effectLst>
-                <a:reflection blurRad="12700" stA="28000" endPos="45000" dist="1000" dir="5400000" sy="-100000" algn="bl" rotWithShape="0"/>
-              </a:effectLst>
-            </a:endParaRPr>
-          </a:p>
-        </p:txBody>
-      </p:sp>
-    </p:spTree>
-    <p:extLst>
-      <p:ext uri="{BB962C8B-B14F-4D97-AF65-F5344CB8AC3E}">
-        <p14:creationId xmlns:p14="http://schemas.microsoft.com/office/powerpoint/2010/main" val="2657935250"/>
-      </p:ext>
-    </p:extLst>
-  </p:cSld>
-  <p:clrMapOvr>
-    <a:masterClrMapping/>
-  </p:clrMapOvr>
-  <mc:AlternateContent xmlns:mc="http://schemas.openxmlformats.org/markup-compatibility/2006">
-    <mc:Choice xmlns:p14="http://schemas.microsoft.com/office/powerpoint/2010/main" Requires="p14">
-      <p:transition spd="slow" p14:dur="2000"/>
-    </mc:Choice>
-    <mc:Fallback>
-      <p:transition xmlns:p14="http://schemas.microsoft.com/office/powerpoint/2010/main" spd="slow"/>
-    </mc:Fallback>
-  </mc:AlternateContent>
-  <p:timing>
-    <p:tnLst>
-      <p:par>
-        <p:cTn xmlns:p14="http://schemas.microsoft.com/office/powerpoint/2010/main" id="1" dur="indefinite" restart="never" nodeType="tmRoot">
-          <p:childTnLst>
-            <p:seq concurrent="1" nextAc="seek">
-              <p:cTn id="2" dur="indefinite" nodeType="mainSeq">
-                <p:childTnLst>
-                  <p:par>
-                    <p:cTn id="3" fill="hold">
-                      <p:stCondLst>
-                        <p:cond delay="indefinite"/>
-                      </p:stCondLst>
-                      <p:childTnLst>
-                        <p:par>
-                          <p:cTn id="4" fill="hold">
-                            <p:stCondLst>
-                              <p:cond delay="0"/>
-                            </p:stCondLst>
-                            <p:childTnLst>
-                              <p:par>
-                                <p:cTn id="5" presetID="1" presetClass="entr" presetSubtype="0" fill="hold" grpId="0" nodeType="clickEffect">
-                                  <p:stCondLst>
-                                    <p:cond delay="0"/>
-                                  </p:stCondLst>
-                                  <p:childTnLst>
-                                    <p:set>
-                                      <p:cBhvr>
-                                        <p:cTn id="6" dur="1" fill="hold">
-                                          <p:stCondLst>
-                                            <p:cond delay="0"/>
-                                          </p:stCondLst>
-                                        </p:cTn>
-                                        <p:tgtEl>
-                                          <p:spTgt spid="2"/>
-                                        </p:tgtEl>
-                                        <p:attrNameLst>
-                                          <p:attrName>style.visibility</p:attrName>
-                                        </p:attrNameLst>
-                                      </p:cBhvr>
-                                      <p:to>
-                                        <p:strVal val="visible"/>
-                                      </p:to>
-                                    </p:set>
-                                  </p:childTnLst>
-                                </p:cTn>
-                              </p:par>
-                            </p:childTnLst>
-                          </p:cTn>
-                        </p:par>
-                      </p:childTnLst>
-                    </p:cTn>
-                  </p:par>
-                  <p:par>
-                    <p:cTn id="7" fill="hold">
-                      <p:stCondLst>
-                        <p:cond delay="indefinite"/>
-                      </p:stCondLst>
-                      <p:childTnLst>
-                        <p:par>
-                          <p:cTn id="8" fill="hold">
-                            <p:stCondLst>
-                              <p:cond delay="0"/>
-                            </p:stCondLst>
-                            <p:childTnLst>
-                              <p:par>
-                                <p:cTn id="9" presetID="1" presetClass="entr" presetSubtype="0" fill="hold" grpId="0" nodeType="clickEffect">
-                                  <p:stCondLst>
-                                    <p:cond delay="0"/>
-                                  </p:stCondLst>
-                                  <p:childTnLst>
-                                    <p:set>
-                                      <p:cBhvr>
-                                        <p:cTn id="10" dur="1" fill="hold">
-                                          <p:stCondLst>
-                                            <p:cond delay="0"/>
-                                          </p:stCondLst>
-                                        </p:cTn>
-                                        <p:tgtEl>
-                                          <p:spTgt spid="6"/>
-                                        </p:tgtEl>
-                                        <p:attrNameLst>
-                                          <p:attrName>style.visibility</p:attrName>
-                                        </p:attrNameLst>
-                                      </p:cBhvr>
-                                      <p:to>
-                                        <p:strVal val="visible"/>
-                                      </p:to>
-                                    </p:set>
-                                  </p:childTnLst>
-                                </p:cTn>
-                              </p:par>
-                              <p:par>
-                                <p:cTn id="11" presetID="1" presetClass="entr" presetSubtype="0" fill="hold" nodeType="withEffect">
-                                  <p:stCondLst>
-                                    <p:cond delay="0"/>
-                                  </p:stCondLst>
-                                  <p:childTnLst>
-                                    <p:set>
-                                      <p:cBhvr>
-                                        <p:cTn id="12" dur="1" fill="hold">
-                                          <p:stCondLst>
-                                            <p:cond delay="0"/>
-                                          </p:stCondLst>
-                                        </p:cTn>
-                                        <p:tgtEl>
-                                          <p:spTgt spid="8"/>
-                                        </p:tgtEl>
-                                        <p:attrNameLst>
-                                          <p:attrName>style.visibility</p:attrName>
-                                        </p:attrNameLst>
-                                      </p:cBhvr>
-                                      <p:to>
-                                        <p:strVal val="visible"/>
-                                      </p:to>
-                                    </p:set>
-                                  </p:childTnLst>
-                                </p:cTn>
-                              </p:par>
-                            </p:childTnLst>
-                          </p:cTn>
-                        </p:par>
-                      </p:childTnLst>
-                    </p:cTn>
-                  </p:par>
-                  <p:par>
-                    <p:cTn id="13" fill="hold">
-                      <p:stCondLst>
-                        <p:cond delay="indefinite"/>
-                      </p:stCondLst>
-                      <p:childTnLst>
-                        <p:par>
-                          <p:cTn id="14" fill="hold">
-                            <p:stCondLst>
-                              <p:cond delay="0"/>
-                            </p:stCondLst>
-                            <p:childTnLst>
-                              <p:par>
-                                <p:cTn id="15" presetID="1" presetClass="entr" presetSubtype="0" fill="hold" grpId="0" nodeType="clickEffect">
-                                  <p:stCondLst>
-                                    <p:cond delay="0"/>
-                                  </p:stCondLst>
-                                  <p:childTnLst>
-                                    <p:set>
-                                      <p:cBhvr>
-                                        <p:cTn id="16" dur="1" fill="hold">
-                                          <p:stCondLst>
-                                            <p:cond delay="0"/>
-                                          </p:stCondLst>
-                                        </p:cTn>
-                                        <p:tgtEl>
-                                          <p:spTgt spid="5"/>
-                                        </p:tgtEl>
-                                        <p:attrNameLst>
-                                          <p:attrName>style.visibility</p:attrName>
-                                        </p:attrNameLst>
-                                      </p:cBhvr>
-                                      <p:to>
-                                        <p:strVal val="visible"/>
-                                      </p:to>
-                                    </p:set>
-                                  </p:childTnLst>
-                                </p:cTn>
-                              </p:par>
-                            </p:childTnLst>
-                          </p:cTn>
-                        </p:par>
-                      </p:childTnLst>
-                    </p:cTn>
-                  </p:par>
-                  <p:par>
-                    <p:cTn id="17" fill="hold">
-                      <p:stCondLst>
-                        <p:cond delay="indefinite"/>
-                      </p:stCondLst>
-                      <p:childTnLst>
-                        <p:par>
-                          <p:cTn id="18" fill="hold">
-                            <p:stCondLst>
-                              <p:cond delay="0"/>
-                            </p:stCondLst>
-                            <p:childTnLst>
-                              <p:par>
-                                <p:cTn id="19" presetID="1" presetClass="entr" presetSubtype="0" fill="hold" grpId="0" nodeType="clickEffect">
-                                  <p:stCondLst>
-                                    <p:cond delay="0"/>
-                                  </p:stCondLst>
-                                  <p:childTnLst>
-                                    <p:set>
-                                      <p:cBhvr>
-                                        <p:cTn id="20" dur="1" fill="hold">
-                                          <p:stCondLst>
-                                            <p:cond delay="0"/>
-                                          </p:stCondLst>
-                                        </p:cTn>
-                                        <p:tgtEl>
-                                          <p:spTgt spid="10"/>
-                                        </p:tgtEl>
-                                        <p:attrNameLst>
-                                          <p:attrName>style.visibility</p:attrName>
-                                        </p:attrNameLst>
-                                      </p:cBhvr>
-                                      <p:to>
-                                        <p:strVal val="visible"/>
-                                      </p:to>
-                                    </p:set>
-                                  </p:childTnLst>
-                                </p:cTn>
-                              </p:par>
-                              <p:par>
-                                <p:cTn id="21" presetID="1" presetClass="entr" presetSubtype="0" fill="hold" nodeType="withEffect">
-                                  <p:stCondLst>
-                                    <p:cond delay="0"/>
-                                  </p:stCondLst>
-                                  <p:childTnLst>
-                                    <p:set>
-                                      <p:cBhvr>
-                                        <p:cTn id="22" dur="1" fill="hold">
-                                          <p:stCondLst>
-                                            <p:cond delay="0"/>
-                                          </p:stCondLst>
-                                        </p:cTn>
-                                        <p:tgtEl>
-                                          <p:spTgt spid="11"/>
-                                        </p:tgtEl>
-                                        <p:attrNameLst>
-                                          <p:attrName>style.visibility</p:attrName>
-                                        </p:attrNameLst>
-                                      </p:cBhvr>
-                                      <p:to>
-                                        <p:strVal val="visible"/>
-                                      </p:to>
-                                    </p:set>
-                                  </p:childTnLst>
-                                </p:cTn>
-                              </p:par>
-                            </p:childTnLst>
-                          </p:cTn>
-                        </p:par>
-                      </p:childTnLst>
-                    </p:cTn>
-                  </p:par>
-                </p:childTnLst>
-              </p:cTn>
-              <p:prevCondLst>
-                <p:cond evt="onPrev" delay="0">
-                  <p:tgtEl>
-                    <p:sldTgt/>
-                  </p:tgtEl>
-                </p:cond>
-              </p:prevCondLst>
-              <p:nextCondLst>
-                <p:cond evt="onNext" delay="0">
-                  <p:tgtEl>
-                    <p:sldTgt/>
-                  </p:tgtEl>
-                </p:cond>
-              </p:nextCondLst>
-            </p:seq>
-          </p:childTnLst>
-        </p:cTn>
-      </p:par>
-    </p:tnLst>
-    <p:bldLst>
-      <p:bldP spid="2" grpId="0" animBg="1"/>
-      <p:bldP spid="5" grpId="0" animBg="1"/>
-      <p:bldP spid="6" grpId="0"/>
-      <p:bldP spid="10" grpId="0"/>
-    </p:bldLst>
-  </p:timing>
-</p:sld>
-</file>
-
-<file path=ppt/slides/slide7.xml><?xml version="1.0" encoding="utf-8"?>
-<p:sld xmlns:a="http://schemas.openxmlformats.org/drawingml/2006/main" xmlns:r="http://schemas.openxmlformats.org/officeDocument/2006/relationships" xmlns:p="http://schemas.openxmlformats.org/presentationml/2006/main">
-  <p:cSld>
-    <p:spTree>
-      <p:nvGrpSpPr>
-        <p:cNvPr id="1" name=""/>
-        <p:cNvGrpSpPr/>
-        <p:nvPr/>
-      </p:nvGrpSpPr>
-      <p:grpSpPr>
-        <a:xfrm>
-          <a:off x="0" y="0"/>
-          <a:ext cx="0" cy="0"/>
-          <a:chOff x="0" y="0"/>
-          <a:chExt cx="0" cy="0"/>
-        </a:xfrm>
-      </p:grpSpPr>
-      <p:sp>
-        <p:nvSpPr>
-          <p:cNvPr id="3" name="Title 2"/>
-          <p:cNvSpPr>
-            <a:spLocks noGrp="1"/>
-          </p:cNvSpPr>
-          <p:nvPr>
-            <p:ph type="title"/>
-          </p:nvPr>
-        </p:nvSpPr>
-        <p:spPr>
-          <a:xfrm>
-            <a:off x="457200" y="0"/>
-            <a:ext cx="8229600" cy="1143000"/>
-          </a:xfrm>
-        </p:spPr>
-        <p:txBody>
-          <a:bodyPr>
-            <a:normAutofit/>
-          </a:bodyPr>
-          <a:lstStyle/>
-          <a:p>
-            <a:r>
-              <a:rPr lang="en-US" sz="3600" dirty="0" smtClean="0"/>
-              <a:t>Dyad 178</a:t>
-            </a:r>
-            <a:endParaRPr lang="en-US" sz="3600" dirty="0"/>
-          </a:p>
-        </p:txBody>
-      </p:sp>
-      <p:sp>
-        <p:nvSpPr>
-          <p:cNvPr id="2" name="Slide Number Placeholder 1"/>
-          <p:cNvSpPr>
-            <a:spLocks noGrp="1"/>
-          </p:cNvSpPr>
-          <p:nvPr>
-            <p:ph type="sldNum" sz="quarter" idx="12"/>
-          </p:nvPr>
-        </p:nvSpPr>
-        <p:spPr/>
-        <p:txBody>
-          <a:bodyPr/>
-          <a:lstStyle/>
-          <a:p>
-            <a:fld id="{930465AD-53DA-D841-AEBD-0BDBF8BCBA90}" type="slidenum">
-              <a:rPr lang="en-US" smtClean="0"/>
-              <a:t>7</a:t>
-            </a:fld>
-            <a:endParaRPr lang="en-US"/>
-          </a:p>
-        </p:txBody>
-      </p:sp>
-      <p:pic>
-        <p:nvPicPr>
-          <p:cNvPr id="5" name="Picture 4" descr="Raw_Data_178_femaleprovide.pdf"/>
-          <p:cNvPicPr>
-            <a:picLocks noChangeAspect="1"/>
-          </p:cNvPicPr>
-          <p:nvPr/>
-        </p:nvPicPr>
-        <p:blipFill>
-          <a:blip r:embed="rId2">
-            <a:extLst>
-              <a:ext uri="{28A0092B-C50C-407E-A947-70E740481C1C}">
-                <a14:useLocalDpi xmlns:a14="http://schemas.microsoft.com/office/drawing/2010/main" val="0"/>
-              </a:ext>
-            </a:extLst>
-          </a:blip>
-          <a:stretch>
-            <a:fillRect/>
-          </a:stretch>
-        </p:blipFill>
-        <p:spPr>
-          <a:xfrm>
-            <a:off x="4650669" y="937378"/>
-            <a:ext cx="4572000" cy="5486400"/>
-          </a:xfrm>
-          <a:prstGeom prst="rect">
-            <a:avLst/>
-          </a:prstGeom>
-        </p:spPr>
-      </p:pic>
-      <p:pic>
-        <p:nvPicPr>
-          <p:cNvPr id="6" name="Picture 5" descr="Raw_Data_178_maleprovide.pdf"/>
-          <p:cNvPicPr>
-            <a:picLocks noChangeAspect="1"/>
-          </p:cNvPicPr>
-          <p:nvPr/>
-        </p:nvPicPr>
-        <p:blipFill>
-          <a:blip r:embed="rId3">
-            <a:extLst>
-              <a:ext uri="{28A0092B-C50C-407E-A947-70E740481C1C}">
-                <a14:useLocalDpi xmlns:a14="http://schemas.microsoft.com/office/drawing/2010/main" val="0"/>
-              </a:ext>
-            </a:extLst>
-          </a:blip>
-          <a:stretch>
-            <a:fillRect/>
-          </a:stretch>
-        </p:blipFill>
-        <p:spPr>
-          <a:xfrm>
-            <a:off x="112386" y="937378"/>
-            <a:ext cx="4572000" cy="5486400"/>
-          </a:xfrm>
-          <a:prstGeom prst="rect">
-            <a:avLst/>
-          </a:prstGeom>
-        </p:spPr>
-      </p:pic>
-    </p:spTree>
-    <p:extLst>
-      <p:ext uri="{BB962C8B-B14F-4D97-AF65-F5344CB8AC3E}">
-        <p14:creationId xmlns:p14="http://schemas.microsoft.com/office/powerpoint/2010/main" val="1709206830"/>
-      </p:ext>
-    </p:extLst>
-  </p:cSld>
-  <p:clrMapOvr>
-    <a:masterClrMapping/>
-  </p:clrMapOvr>
-</p:sld>
-</file>
-
-<file path=ppt/slides/slide8.xml><?xml version="1.0" encoding="utf-8"?>
-<p:sld xmlns:a="http://schemas.openxmlformats.org/drawingml/2006/main" xmlns:r="http://schemas.openxmlformats.org/officeDocument/2006/relationships" xmlns:p="http://schemas.openxmlformats.org/presentationml/2006/main">
-  <p:cSld>
-    <p:spTree>
-      <p:nvGrpSpPr>
-        <p:cNvPr id="1" name=""/>
-        <p:cNvGrpSpPr/>
-        <p:nvPr/>
-      </p:nvGrpSpPr>
-      <p:grpSpPr>
-        <a:xfrm>
-          <a:off x="0" y="0"/>
-          <a:ext cx="0" cy="0"/>
-          <a:chOff x="0" y="0"/>
-          <a:chExt cx="0" cy="0"/>
-        </a:xfrm>
-      </p:grpSpPr>
-      <p:sp>
-        <p:nvSpPr>
-          <p:cNvPr id="2" name="Slide Number Placeholder 1"/>
-          <p:cNvSpPr>
-            <a:spLocks noGrp="1"/>
-          </p:cNvSpPr>
-          <p:nvPr>
-            <p:ph type="sldNum" sz="quarter" idx="12"/>
-          </p:nvPr>
-        </p:nvSpPr>
-        <p:spPr/>
-        <p:txBody>
-          <a:bodyPr/>
-          <a:lstStyle/>
-          <a:p>
-            <a:fld id="{930465AD-53DA-D841-AEBD-0BDBF8BCBA90}" type="slidenum">
-              <a:rPr lang="en-US" smtClean="0"/>
-              <a:t>8</a:t>
-            </a:fld>
-            <a:endParaRPr lang="en-US"/>
-          </a:p>
-        </p:txBody>
-      </p:sp>
-      <p:pic>
-        <p:nvPicPr>
-          <p:cNvPr id="3" name="Picture 2" descr="Raw_Data_178_femaleprovide_withlines.pdf"/>
-          <p:cNvPicPr>
-            <a:picLocks noChangeAspect="1"/>
-          </p:cNvPicPr>
-          <p:nvPr/>
-        </p:nvPicPr>
-        <p:blipFill>
-          <a:blip r:embed="rId2">
-            <a:extLst>
-              <a:ext uri="{28A0092B-C50C-407E-A947-70E740481C1C}">
-                <a14:useLocalDpi xmlns:a14="http://schemas.microsoft.com/office/drawing/2010/main" val="0"/>
-              </a:ext>
-            </a:extLst>
-          </a:blip>
-          <a:stretch>
-            <a:fillRect/>
-          </a:stretch>
-        </p:blipFill>
-        <p:spPr>
-          <a:xfrm>
-            <a:off x="4650669" y="937378"/>
-            <a:ext cx="4572000" cy="5486400"/>
-          </a:xfrm>
-          <a:prstGeom prst="rect">
-            <a:avLst/>
-          </a:prstGeom>
-        </p:spPr>
-      </p:pic>
-      <p:pic>
-        <p:nvPicPr>
-          <p:cNvPr id="4" name="Picture 3" descr="Raw_Data_178_maleprovide_withlines.pdf"/>
-          <p:cNvPicPr>
-            <a:picLocks noChangeAspect="1"/>
-          </p:cNvPicPr>
-          <p:nvPr/>
-        </p:nvPicPr>
-        <p:blipFill>
-          <a:blip r:embed="rId3">
-            <a:extLst>
-              <a:ext uri="{28A0092B-C50C-407E-A947-70E740481C1C}">
-                <a14:useLocalDpi xmlns:a14="http://schemas.microsoft.com/office/drawing/2010/main" val="0"/>
-              </a:ext>
-            </a:extLst>
-          </a:blip>
-          <a:stretch>
-            <a:fillRect/>
-          </a:stretch>
-        </p:blipFill>
-        <p:spPr>
-          <a:xfrm>
-            <a:off x="112386" y="937378"/>
-            <a:ext cx="4572000" cy="5486400"/>
-          </a:xfrm>
-          <a:prstGeom prst="rect">
-            <a:avLst/>
-          </a:prstGeom>
-        </p:spPr>
-      </p:pic>
-      <p:sp>
-        <p:nvSpPr>
-          <p:cNvPr id="6" name="Title 2"/>
-          <p:cNvSpPr txBox="1">
-            <a:spLocks/>
-          </p:cNvSpPr>
-          <p:nvPr/>
-        </p:nvSpPr>
-        <p:spPr>
-          <a:xfrm>
-            <a:off x="457200" y="249678"/>
-            <a:ext cx="8229600" cy="1143000"/>
-          </a:xfrm>
-          <a:prstGeom prst="rect">
-            <a:avLst/>
-          </a:prstGeom>
-        </p:spPr>
-        <p:txBody>
-          <a:bodyPr>
-            <a:normAutofit/>
-          </a:bodyPr>
-          <a:lstStyle>
-            <a:lvl1pPr algn="ctr" defTabSz="457200" rtl="0" eaLnBrk="1" latinLnBrk="0" hangingPunct="1">
-              <a:spcBef>
-                <a:spcPct val="0"/>
-              </a:spcBef>
-              <a:buNone/>
-              <a:defRPr sz="4400" kern="1200">
-                <a:solidFill>
-                  <a:schemeClr val="tx1"/>
-                </a:solidFill>
-                <a:latin typeface="Helvetica"/>
-                <a:ea typeface="+mj-ea"/>
-                <a:cs typeface="Helvetica"/>
-              </a:defRPr>
-            </a:lvl1pPr>
-          </a:lstStyle>
-          <a:p>
-            <a:r>
-              <a:rPr lang="en-US" sz="3600" dirty="0" smtClean="0"/>
-              <a:t>Dyad 178</a:t>
-            </a:r>
-            <a:endParaRPr lang="en-US" sz="3600" dirty="0"/>
-          </a:p>
-        </p:txBody>
-      </p:sp>
-    </p:spTree>
-    <p:extLst>
-      <p:ext uri="{BB962C8B-B14F-4D97-AF65-F5344CB8AC3E}">
-        <p14:creationId xmlns:p14="http://schemas.microsoft.com/office/powerpoint/2010/main" val="686617226"/>
-      </p:ext>
-    </p:extLst>
-  </p:cSld>
-  <p:clrMapOvr>
-    <a:masterClrMapping/>
-  </p:clrMapOvr>
-</p:sld>
-</file>
-
-<file path=ppt/slides/slide9.xml><?xml version="1.0" encoding="utf-8"?>
-<p:sld xmlns:a="http://schemas.openxmlformats.org/drawingml/2006/main" xmlns:r="http://schemas.openxmlformats.org/officeDocument/2006/relationships" xmlns:p="http://schemas.openxmlformats.org/presentationml/2006/main">
-  <p:cSld>
-    <p:spTree>
-      <p:nvGrpSpPr>
-        <p:cNvPr id="1" name=""/>
-        <p:cNvGrpSpPr/>
-        <p:nvPr/>
-      </p:nvGrpSpPr>
-      <p:grpSpPr>
-        <a:xfrm>
-          <a:off x="0" y="0"/>
-          <a:ext cx="0" cy="0"/>
-          <a:chOff x="0" y="0"/>
-          <a:chExt cx="0" cy="0"/>
-        </a:xfrm>
-      </p:grpSpPr>
-      <p:sp>
-        <p:nvSpPr>
-          <p:cNvPr id="2" name="Title 1"/>
-          <p:cNvSpPr>
-            <a:spLocks noGrp="1"/>
-          </p:cNvSpPr>
-          <p:nvPr>
-            <p:ph type="title"/>
-          </p:nvPr>
-        </p:nvSpPr>
-        <p:spPr/>
-        <p:txBody>
-          <a:bodyPr/>
-          <a:lstStyle/>
-          <a:p>
-            <a:r>
-              <a:rPr lang="en-US" dirty="0" smtClean="0"/>
-              <a:t>Analysis Strategy</a:t>
-            </a:r>
-            <a:endParaRPr lang="en-US" dirty="0"/>
-          </a:p>
-        </p:txBody>
-      </p:sp>
-      <p:sp>
-        <p:nvSpPr>
-          <p:cNvPr id="3" name="Content Placeholder 2"/>
-          <p:cNvSpPr>
-            <a:spLocks noGrp="1"/>
-          </p:cNvSpPr>
-          <p:nvPr>
-            <p:ph idx="1"/>
-          </p:nvPr>
-        </p:nvSpPr>
-        <p:spPr/>
-        <p:txBody>
-          <a:bodyPr/>
-          <a:lstStyle/>
-          <a:p>
-            <a:r>
-              <a:rPr lang="en-US" dirty="0" smtClean="0"/>
-              <a:t>1 dyad as dynamic system</a:t>
-            </a:r>
-          </a:p>
-          <a:p>
-            <a:r>
-              <a:rPr lang="en-US" dirty="0" smtClean="0"/>
-              <a:t>Coupled LDE model (</a:t>
-            </a:r>
-            <a:r>
-              <a:rPr lang="en-US" dirty="0" err="1" smtClean="0"/>
-              <a:t>Boker</a:t>
-            </a:r>
-            <a:r>
-              <a:rPr lang="en-US" dirty="0" smtClean="0"/>
-              <a:t> &amp; </a:t>
-            </a:r>
-            <a:r>
-              <a:rPr lang="en-US" dirty="0" err="1" smtClean="0"/>
-              <a:t>Laurenceau</a:t>
-            </a:r>
-            <a:r>
-              <a:rPr lang="en-US" dirty="0" smtClean="0"/>
-              <a:t>, 2005</a:t>
-            </a:r>
-            <a:r>
-              <a:rPr lang="en-US" dirty="0" smtClean="0"/>
-              <a:t>)</a:t>
-            </a:r>
-          </a:p>
-          <a:p>
-            <a:pPr lvl="1"/>
-            <a:r>
-              <a:rPr lang="en-US" dirty="0" smtClean="0"/>
-              <a:t>Time Delay Embedding = 5</a:t>
-            </a:r>
-            <a:endParaRPr lang="en-US" dirty="0" smtClean="0"/>
-          </a:p>
-        </p:txBody>
-      </p:sp>
-      <p:sp>
-        <p:nvSpPr>
-          <p:cNvPr id="4" name="Slide Number Placeholder 3"/>
-          <p:cNvSpPr>
-            <a:spLocks noGrp="1"/>
-          </p:cNvSpPr>
-          <p:nvPr>
-            <p:ph type="sldNum" sz="quarter" idx="12"/>
-          </p:nvPr>
-        </p:nvSpPr>
-        <p:spPr/>
-        <p:txBody>
-          <a:bodyPr/>
-          <a:lstStyle/>
-          <a:p>
-            <a:fld id="{930465AD-53DA-D841-AEBD-0BDBF8BCBA90}" type="slidenum">
-              <a:rPr lang="en-US" smtClean="0"/>
-              <a:t>9</a:t>
-            </a:fld>
-            <a:endParaRPr lang="en-US"/>
-          </a:p>
-        </p:txBody>
-      </p:sp>
-    </p:spTree>
-    <p:extLst>
-      <p:ext uri="{BB962C8B-B14F-4D97-AF65-F5344CB8AC3E}">
-        <p14:creationId xmlns:p14="http://schemas.microsoft.com/office/powerpoint/2010/main" val="3242271376"/>
-      </p:ext>
-    </p:extLst>
-  </p:cSld>
-  <p:clrMapOvr>
-    <a:masterClrMapping/>
-  </p:clrMapOvr>
-  <mc:AlternateContent xmlns:mc="http://schemas.openxmlformats.org/markup-compatibility/2006" xmlns:p14="http://schemas.microsoft.com/office/powerpoint/2010/main">
-    <mc:Choice Requires="p14">
-      <p:transition spd="slow" p14:dur="2000"/>
-    </mc:Choice>
-    <mc:Fallback xmlns="">
-      <p:transition xmlns:p14="http://schemas.microsoft.com/office/powerpoint/2010/main" spd="slow"/>
-    </mc:Fallback>
-  </mc:AlternateContent>
-  <p:timing>
-    <p:tnLst>
-      <p:par>
-        <p:cTn xmlns:p14="http://schemas.microsoft.com/office/powerpoint/2010/main" id="1" dur="indefinite" restart="never" nodeType="tmRoot"/>
-      </p:par>
-    </p:tnLst>
-  </p:timing>
 </p:sld>
 </file>
 
